--- a/Document/CinemaBookingSystem_MPP.pptx
+++ b/Document/CinemaBookingSystem_MPP.pptx
@@ -399,7 +399,7 @@
           <a:p>
             <a:fld id="{B01F9CA3-105E-4857-9057-6DB6197DA786}" type="datetimeFigureOut">
               <a:rPr lang="en-US" smtClean="0"/>
-              <a:t>9/12/18</a:t>
+              <a:t>9/13/18</a:t>
             </a:fld>
             <a:endParaRPr lang="en-US"/>
           </a:p>
@@ -591,7 +591,7 @@
           <a:p>
             <a:fld id="{B01F9CA3-105E-4857-9057-6DB6197DA786}" type="datetimeFigureOut">
               <a:rPr lang="en-US" smtClean="0"/>
-              <a:t>9/12/18</a:t>
+              <a:t>9/13/18</a:t>
             </a:fld>
             <a:endParaRPr lang="en-US"/>
           </a:p>
@@ -860,7 +860,7 @@
           <a:p>
             <a:fld id="{B01F9CA3-105E-4857-9057-6DB6197DA786}" type="datetimeFigureOut">
               <a:rPr lang="en-US" smtClean="0"/>
-              <a:t>9/12/18</a:t>
+              <a:t>9/13/18</a:t>
             </a:fld>
             <a:endParaRPr lang="en-US"/>
           </a:p>
@@ -1039,7 +1039,7 @@
           <a:p>
             <a:fld id="{B01F9CA3-105E-4857-9057-6DB6197DA786}" type="datetimeFigureOut">
               <a:rPr lang="en-US" smtClean="0"/>
-              <a:t>9/12/18</a:t>
+              <a:t>9/13/18</a:t>
             </a:fld>
             <a:endParaRPr lang="en-US"/>
           </a:p>
@@ -1208,7 +1208,7 @@
           <a:p>
             <a:fld id="{B01F9CA3-105E-4857-9057-6DB6197DA786}" type="datetimeFigureOut">
               <a:rPr lang="en-US" smtClean="0"/>
-              <a:t>9/12/18</a:t>
+              <a:t>9/13/18</a:t>
             </a:fld>
             <a:endParaRPr lang="en-US"/>
           </a:p>
@@ -1450,7 +1450,7 @@
           <a:p>
             <a:fld id="{B01F9CA3-105E-4857-9057-6DB6197DA786}" type="datetimeFigureOut">
               <a:rPr lang="en-US" smtClean="0"/>
-              <a:t>9/12/18</a:t>
+              <a:t>9/13/18</a:t>
             </a:fld>
             <a:endParaRPr lang="en-US"/>
           </a:p>
@@ -1773,7 +1773,7 @@
           <a:p>
             <a:fld id="{B01F9CA3-105E-4857-9057-6DB6197DA786}" type="datetimeFigureOut">
               <a:rPr lang="en-US" smtClean="0"/>
-              <a:t>9/12/18</a:t>
+              <a:t>9/13/18</a:t>
             </a:fld>
             <a:endParaRPr lang="en-US"/>
           </a:p>
@@ -2071,7 +2071,7 @@
           <a:p>
             <a:fld id="{B01F9CA3-105E-4857-9057-6DB6197DA786}" type="datetimeFigureOut">
               <a:rPr lang="en-US" smtClean="0"/>
-              <a:t>9/12/18</a:t>
+              <a:t>9/13/18</a:t>
             </a:fld>
             <a:endParaRPr lang="en-US"/>
           </a:p>
@@ -2527,7 +2527,7 @@
           <a:p>
             <a:fld id="{B01F9CA3-105E-4857-9057-6DB6197DA786}" type="datetimeFigureOut">
               <a:rPr lang="en-US" smtClean="0"/>
-              <a:t>9/12/18</a:t>
+              <a:t>9/13/18</a:t>
             </a:fld>
             <a:endParaRPr lang="en-US"/>
           </a:p>
@@ -2640,7 +2640,7 @@
           <a:p>
             <a:fld id="{B01F9CA3-105E-4857-9057-6DB6197DA786}" type="datetimeFigureOut">
               <a:rPr lang="en-US" smtClean="0"/>
-              <a:t>9/12/18</a:t>
+              <a:t>9/13/18</a:t>
             </a:fld>
             <a:endParaRPr lang="en-US"/>
           </a:p>
@@ -2730,7 +2730,7 @@
           <a:p>
             <a:fld id="{B01F9CA3-105E-4857-9057-6DB6197DA786}" type="datetimeFigureOut">
               <a:rPr lang="en-US" smtClean="0"/>
-              <a:t>9/12/18</a:t>
+              <a:t>9/13/18</a:t>
             </a:fld>
             <a:endParaRPr lang="en-US"/>
           </a:p>
@@ -3012,7 +3012,7 @@
           <a:p>
             <a:fld id="{B01F9CA3-105E-4857-9057-6DB6197DA786}" type="datetimeFigureOut">
               <a:rPr lang="en-US" smtClean="0"/>
-              <a:t>9/12/18</a:t>
+              <a:t>9/13/18</a:t>
             </a:fld>
             <a:endParaRPr lang="en-US"/>
           </a:p>
@@ -3218,7 +3218,7 @@
           <a:p>
             <a:fld id="{B01F9CA3-105E-4857-9057-6DB6197DA786}" type="datetimeFigureOut">
               <a:rPr lang="en-US" smtClean="0"/>
-              <a:t>9/12/18</a:t>
+              <a:t>9/13/18</a:t>
             </a:fld>
             <a:endParaRPr lang="en-US"/>
           </a:p>
@@ -3861,7 +3861,7 @@
           <p:cNvPr id="2" name="Title 1">
             <a:extLst>
               <a:ext uri="{FF2B5EF4-FFF2-40B4-BE49-F238E27FC236}">
-                <a16:creationId xmlns="" xmlns:a16="http://schemas.microsoft.com/office/drawing/2014/main" id="{5727EFE5-F011-4D93-98A9-9B1701022684}"/>
+                <a16:creationId xmlns:a16="http://schemas.microsoft.com/office/drawing/2014/main" xmlns="" id="{5727EFE5-F011-4D93-98A9-9B1701022684}"/>
               </a:ext>
             </a:extLst>
           </p:cNvPr>
@@ -3897,7 +3897,7 @@
           <p:cNvPr id="3" name="Content Placeholder 2">
             <a:extLst>
               <a:ext uri="{FF2B5EF4-FFF2-40B4-BE49-F238E27FC236}">
-                <a16:creationId xmlns="" xmlns:a16="http://schemas.microsoft.com/office/drawing/2014/main" id="{887FCBFC-D0FB-4957-999D-0C0D7AC0F296}"/>
+                <a16:creationId xmlns:a16="http://schemas.microsoft.com/office/drawing/2014/main" xmlns="" id="{887FCBFC-D0FB-4957-999D-0C0D7AC0F296}"/>
               </a:ext>
             </a:extLst>
           </p:cNvPr>
@@ -3966,7 +3966,7 @@
           <p:cNvPr id="2" name="Title 1">
             <a:extLst>
               <a:ext uri="{FF2B5EF4-FFF2-40B4-BE49-F238E27FC236}">
-                <a16:creationId xmlns="" xmlns:a16="http://schemas.microsoft.com/office/drawing/2014/main" id="{F24943BC-17B3-4D2F-A56E-2A90BABA858D}"/>
+                <a16:creationId xmlns:a16="http://schemas.microsoft.com/office/drawing/2014/main" xmlns="" id="{F24943BC-17B3-4D2F-A56E-2A90BABA858D}"/>
               </a:ext>
             </a:extLst>
           </p:cNvPr>
@@ -4002,7 +4002,7 @@
           <p:cNvPr id="3" name="Content Placeholder 2">
             <a:extLst>
               <a:ext uri="{FF2B5EF4-FFF2-40B4-BE49-F238E27FC236}">
-                <a16:creationId xmlns="" xmlns:a16="http://schemas.microsoft.com/office/drawing/2014/main" id="{188D9606-4E93-48A6-ADA3-70EB36E31BA6}"/>
+                <a16:creationId xmlns:a16="http://schemas.microsoft.com/office/drawing/2014/main" xmlns="" id="{188D9606-4E93-48A6-ADA3-70EB36E31BA6}"/>
               </a:ext>
             </a:extLst>
           </p:cNvPr>
@@ -4111,7 +4111,7 @@
           <p:cNvPr id="2" name="Title 1">
             <a:extLst>
               <a:ext uri="{FF2B5EF4-FFF2-40B4-BE49-F238E27FC236}">
-                <a16:creationId xmlns="" xmlns:a16="http://schemas.microsoft.com/office/drawing/2014/main" id="{9003665A-363B-4566-9DAC-AB14A8FBB330}"/>
+                <a16:creationId xmlns:a16="http://schemas.microsoft.com/office/drawing/2014/main" xmlns="" id="{9003665A-363B-4566-9DAC-AB14A8FBB330}"/>
               </a:ext>
             </a:extLst>
           </p:cNvPr>
@@ -4147,7 +4147,7 @@
           <p:cNvPr id="5" name="Content Placeholder 4">
             <a:extLst>
               <a:ext uri="{FF2B5EF4-FFF2-40B4-BE49-F238E27FC236}">
-                <a16:creationId xmlns="" xmlns:a16="http://schemas.microsoft.com/office/drawing/2014/main" id="{8A722C56-1022-435F-8B59-016CE59C5FD8}"/>
+                <a16:creationId xmlns:a16="http://schemas.microsoft.com/office/drawing/2014/main" xmlns="" id="{8A722C56-1022-435F-8B59-016CE59C5FD8}"/>
               </a:ext>
             </a:extLst>
           </p:cNvPr>
@@ -4177,21 +4177,21 @@
                 <a:gridCol w="415434">
                   <a:extLst>
                     <a:ext uri="{9D8B030D-6E8A-4147-A177-3AD203B41FA5}">
-                      <a16:colId xmlns="" xmlns:a16="http://schemas.microsoft.com/office/drawing/2014/main" val="1177503950"/>
+                      <a16:colId xmlns:a16="http://schemas.microsoft.com/office/drawing/2014/main" xmlns="" val="1177503950"/>
                     </a:ext>
                   </a:extLst>
                 </a:gridCol>
                 <a:gridCol w="2300929">
                   <a:extLst>
                     <a:ext uri="{9D8B030D-6E8A-4147-A177-3AD203B41FA5}">
-                      <a16:colId xmlns="" xmlns:a16="http://schemas.microsoft.com/office/drawing/2014/main" val="874060562"/>
+                      <a16:colId xmlns:a16="http://schemas.microsoft.com/office/drawing/2014/main" xmlns="" val="874060562"/>
                     </a:ext>
                   </a:extLst>
                 </a:gridCol>
                 <a:gridCol w="6126446">
                   <a:extLst>
                     <a:ext uri="{9D8B030D-6E8A-4147-A177-3AD203B41FA5}">
-                      <a16:colId xmlns="" xmlns:a16="http://schemas.microsoft.com/office/drawing/2014/main" val="3807225242"/>
+                      <a16:colId xmlns:a16="http://schemas.microsoft.com/office/drawing/2014/main" xmlns="" val="3807225242"/>
                     </a:ext>
                   </a:extLst>
                 </a:gridCol>
@@ -4247,7 +4247,7 @@
                 </a:tc>
                 <a:extLst>
                   <a:ext uri="{0D108BD9-81ED-4DB2-BD59-A6C34878D82A}">
-                    <a16:rowId xmlns="" xmlns:a16="http://schemas.microsoft.com/office/drawing/2014/main" val="3084104159"/>
+                    <a16:rowId xmlns:a16="http://schemas.microsoft.com/office/drawing/2014/main" xmlns="" val="3084104159"/>
                   </a:ext>
                 </a:extLst>
               </a:tr>
@@ -4419,7 +4419,7 @@
                 </a:tc>
                 <a:extLst>
                   <a:ext uri="{0D108BD9-81ED-4DB2-BD59-A6C34878D82A}">
-                    <a16:rowId xmlns="" xmlns:a16="http://schemas.microsoft.com/office/drawing/2014/main" val="3194189151"/>
+                    <a16:rowId xmlns:a16="http://schemas.microsoft.com/office/drawing/2014/main" xmlns="" val="3194189151"/>
                   </a:ext>
                 </a:extLst>
               </a:tr>
@@ -4588,7 +4588,7 @@
                 </a:tc>
                 <a:extLst>
                   <a:ext uri="{0D108BD9-81ED-4DB2-BD59-A6C34878D82A}">
-                    <a16:rowId xmlns="" xmlns:a16="http://schemas.microsoft.com/office/drawing/2014/main" val="3722609426"/>
+                    <a16:rowId xmlns:a16="http://schemas.microsoft.com/office/drawing/2014/main" xmlns="" val="3722609426"/>
                   </a:ext>
                 </a:extLst>
               </a:tr>
@@ -4647,7 +4647,7 @@
                 </a:tc>
                 <a:extLst>
                   <a:ext uri="{0D108BD9-81ED-4DB2-BD59-A6C34878D82A}">
-                    <a16:rowId xmlns="" xmlns:a16="http://schemas.microsoft.com/office/drawing/2014/main" val="1306356445"/>
+                    <a16:rowId xmlns:a16="http://schemas.microsoft.com/office/drawing/2014/main" xmlns="" val="1306356445"/>
                   </a:ext>
                 </a:extLst>
               </a:tr>
@@ -4716,7 +4716,7 @@
                 </a:tc>
                 <a:extLst>
                   <a:ext uri="{0D108BD9-81ED-4DB2-BD59-A6C34878D82A}">
-                    <a16:rowId xmlns="" xmlns:a16="http://schemas.microsoft.com/office/drawing/2014/main" val="260238085"/>
+                    <a16:rowId xmlns:a16="http://schemas.microsoft.com/office/drawing/2014/main" xmlns="" val="260238085"/>
                   </a:ext>
                 </a:extLst>
               </a:tr>
@@ -4775,7 +4775,7 @@
                 </a:tc>
                 <a:extLst>
                   <a:ext uri="{0D108BD9-81ED-4DB2-BD59-A6C34878D82A}">
-                    <a16:rowId xmlns="" xmlns:a16="http://schemas.microsoft.com/office/drawing/2014/main" val="2137944306"/>
+                    <a16:rowId xmlns:a16="http://schemas.microsoft.com/office/drawing/2014/main" xmlns="" val="2137944306"/>
                   </a:ext>
                 </a:extLst>
               </a:tr>
@@ -4845,7 +4845,7 @@
                 </a:tc>
                 <a:extLst>
                   <a:ext uri="{0D108BD9-81ED-4DB2-BD59-A6C34878D82A}">
-                    <a16:rowId xmlns="" xmlns:a16="http://schemas.microsoft.com/office/drawing/2014/main" val="893631995"/>
+                    <a16:rowId xmlns:a16="http://schemas.microsoft.com/office/drawing/2014/main" xmlns="" val="893631995"/>
                   </a:ext>
                 </a:extLst>
               </a:tr>
@@ -4915,7 +4915,7 @@
                 </a:tc>
                 <a:extLst>
                   <a:ext uri="{0D108BD9-81ED-4DB2-BD59-A6C34878D82A}">
-                    <a16:rowId xmlns="" xmlns:a16="http://schemas.microsoft.com/office/drawing/2014/main" val="4046282851"/>
+                    <a16:rowId xmlns:a16="http://schemas.microsoft.com/office/drawing/2014/main" xmlns="" val="4046282851"/>
                   </a:ext>
                 </a:extLst>
               </a:tr>
@@ -5119,10 +5119,6 @@
               </a:rPr>
               <a:t>booking need to have payment to receive deposit from user</a:t>
             </a:r>
-            <a:endParaRPr lang="en-US" sz="2000" dirty="0">
-              <a:latin typeface="Times New Roman"/>
-              <a:cs typeface="Times New Roman"/>
-            </a:endParaRPr>
           </a:p>
         </p:txBody>
       </p:sp>
@@ -5192,7 +5188,7 @@
       </p:sp>
       <p:pic>
         <p:nvPicPr>
-          <p:cNvPr id="6" name="Picture 5" descr="ClassDiagram1.jpg"/>
+          <p:cNvPr id="3" name="Picture 2" descr="ClassDiagram1.jpg"/>
           <p:cNvPicPr>
             <a:picLocks noChangeAspect="1"/>
           </p:cNvPicPr>
@@ -5212,22 +5208,12 @@
         </p:blipFill>
         <p:spPr>
           <a:xfrm>
-            <a:off x="0" y="809387"/>
-            <a:ext cx="9144000" cy="6068194"/>
+            <a:off x="0" y="659963"/>
+            <a:ext cx="9144000" cy="6200336"/>
           </a:xfrm>
           <a:prstGeom prst="rect">
             <a:avLst/>
           </a:prstGeom>
-          <a:ln>
-            <a:noFill/>
-          </a:ln>
-          <a:effectLst>
-            <a:outerShdw blurRad="292100" dist="139700" dir="2700000" algn="tl" rotWithShape="0">
-              <a:srgbClr val="333333">
-                <a:alpha val="65000"/>
-              </a:srgbClr>
-            </a:outerShdw>
-          </a:effectLst>
         </p:spPr>
       </p:pic>
     </p:spTree>

--- a/Document/CinemaBookingSystem_MPP.pptx
+++ b/Document/CinemaBookingSystem_MPP.pptx
@@ -2,19 +2,20 @@
 <file path=ppt/presentation.xml><?xml version="1.0" encoding="utf-8"?>
 <p:presentation xmlns:a="http://schemas.openxmlformats.org/drawingml/2006/main" xmlns:r="http://schemas.openxmlformats.org/officeDocument/2006/relationships" xmlns:p="http://schemas.openxmlformats.org/presentationml/2006/main" saveSubsetFonts="1">
   <p:sldMasterIdLst>
-    <p:sldMasterId id="2147483660" r:id="rId1"/>
+    <p:sldMasterId id="2147483762" r:id="rId1"/>
   </p:sldMasterIdLst>
   <p:sldIdLst>
     <p:sldId id="256" r:id="rId2"/>
     <p:sldId id="258" r:id="rId3"/>
     <p:sldId id="259" r:id="rId4"/>
     <p:sldId id="260" r:id="rId5"/>
-    <p:sldId id="266" r:id="rId6"/>
-    <p:sldId id="261" r:id="rId7"/>
-    <p:sldId id="262" r:id="rId8"/>
-    <p:sldId id="263" r:id="rId9"/>
-    <p:sldId id="264" r:id="rId10"/>
-    <p:sldId id="265" r:id="rId11"/>
+    <p:sldId id="267" r:id="rId6"/>
+    <p:sldId id="266" r:id="rId7"/>
+    <p:sldId id="261" r:id="rId8"/>
+    <p:sldId id="262" r:id="rId9"/>
+    <p:sldId id="263" r:id="rId10"/>
+    <p:sldId id="264" r:id="rId11"/>
+    <p:sldId id="265" r:id="rId12"/>
   </p:sldIdLst>
   <p:sldSz cx="9144000" cy="6858000" type="screen4x3"/>
   <p:notesSz cx="6858000" cy="9144000"/>
@@ -113,11 +114,27 @@
       </a:defRPr>
     </a:lvl9pPr>
   </p:defaultTextStyle>
+  <p:extLst>
+    <p:ext uri="{EFAFB233-063F-42B5-8137-9DF3F51BA10A}">
+      <p15:sldGuideLst xmlns:p15="http://schemas.microsoft.com/office/powerpoint/2012/main">
+        <p15:guide id="1" orient="horz" pos="2160">
+          <p15:clr>
+            <a:srgbClr val="A4A3A4"/>
+          </p15:clr>
+        </p15:guide>
+        <p15:guide id="2" pos="2880">
+          <p15:clr>
+            <a:srgbClr val="A4A3A4"/>
+          </p15:clr>
+        </p15:guide>
+      </p15:sldGuideLst>
+    </p:ext>
+  </p:extLst>
 </p:presentation>
 </file>
 
 <file path=ppt/slideLayouts/slideLayout1.xml><?xml version="1.0" encoding="utf-8"?>
-<p:sldLayout xmlns:a="http://schemas.openxmlformats.org/drawingml/2006/main" xmlns:r="http://schemas.openxmlformats.org/officeDocument/2006/relationships" xmlns:p="http://schemas.openxmlformats.org/presentationml/2006/main" type="title" preserve="1">
+<p:sldLayout xmlns:a="http://schemas.openxmlformats.org/drawingml/2006/main" xmlns:r="http://schemas.openxmlformats.org/officeDocument/2006/relationships" xmlns:p="http://schemas.openxmlformats.org/presentationml/2006/main" showMasterSp="0" type="title" preserve="1">
   <p:cSld name="Title Slide">
     <p:spTree>
       <p:nvGrpSpPr>
@@ -133,166 +150,404 @@
           <a:chExt cx="0" cy="0"/>
         </a:xfrm>
       </p:grpSpPr>
-      <p:sp>
-        <p:nvSpPr>
-          <p:cNvPr id="7" name="Rectangle 6"/>
-          <p:cNvSpPr/>
+      <p:grpSp>
+        <p:nvGrpSpPr>
+          <p:cNvPr id="25" name="Group 24"/>
+          <p:cNvGrpSpPr/>
           <p:nvPr/>
+        </p:nvGrpSpPr>
+        <p:grpSpPr>
+          <a:xfrm>
+            <a:off x="203200" y="0"/>
+            <a:ext cx="3778250" cy="6858001"/>
+            <a:chOff x="203200" y="0"/>
+            <a:chExt cx="3778250" cy="6858001"/>
+          </a:xfrm>
+        </p:grpSpPr>
+        <p:sp>
+          <p:nvSpPr>
+            <p:cNvPr id="14" name="Freeform 6"/>
+            <p:cNvSpPr/>
+            <p:nvPr/>
+          </p:nvSpPr>
+          <p:spPr bwMode="auto">
+            <a:xfrm>
+              <a:off x="641350" y="0"/>
+              <a:ext cx="1365250" cy="3971925"/>
+            </a:xfrm>
+            <a:custGeom>
+              <a:avLst/>
+              <a:gdLst/>
+              <a:ahLst/>
+              <a:cxnLst/>
+              <a:rect l="0" t="0" r="r" b="b"/>
+              <a:pathLst>
+                <a:path w="860" h="2502">
+                  <a:moveTo>
+                    <a:pt x="0" y="2445"/>
+                  </a:moveTo>
+                  <a:lnTo>
+                    <a:pt x="228" y="2502"/>
+                  </a:lnTo>
+                  <a:lnTo>
+                    <a:pt x="860" y="0"/>
+                  </a:lnTo>
+                  <a:lnTo>
+                    <a:pt x="620" y="0"/>
+                  </a:lnTo>
+                  <a:lnTo>
+                    <a:pt x="0" y="2445"/>
+                  </a:lnTo>
+                  <a:close/>
+                </a:path>
+              </a:pathLst>
+            </a:custGeom>
+            <a:solidFill>
+              <a:schemeClr val="accent1"/>
+            </a:solidFill>
+            <a:ln>
+              <a:noFill/>
+            </a:ln>
+          </p:spPr>
+        </p:sp>
+        <p:sp>
+          <p:nvSpPr>
+            <p:cNvPr id="15" name="Freeform 7"/>
+            <p:cNvSpPr/>
+            <p:nvPr/>
+          </p:nvSpPr>
+          <p:spPr bwMode="auto">
+            <a:xfrm>
+              <a:off x="203200" y="0"/>
+              <a:ext cx="1336675" cy="3862388"/>
+            </a:xfrm>
+            <a:custGeom>
+              <a:avLst/>
+              <a:gdLst/>
+              <a:ahLst/>
+              <a:cxnLst/>
+              <a:rect l="0" t="0" r="r" b="b"/>
+              <a:pathLst>
+                <a:path w="842" h="2433">
+                  <a:moveTo>
+                    <a:pt x="842" y="0"/>
+                  </a:moveTo>
+                  <a:lnTo>
+                    <a:pt x="602" y="0"/>
+                  </a:lnTo>
+                  <a:lnTo>
+                    <a:pt x="0" y="2376"/>
+                  </a:lnTo>
+                  <a:lnTo>
+                    <a:pt x="228" y="2433"/>
+                  </a:lnTo>
+                  <a:lnTo>
+                    <a:pt x="842" y="0"/>
+                  </a:lnTo>
+                  <a:close/>
+                </a:path>
+              </a:pathLst>
+            </a:custGeom>
+            <a:solidFill>
+              <a:schemeClr val="tx1">
+                <a:lumMod val="65000"/>
+                <a:lumOff val="35000"/>
+              </a:schemeClr>
+            </a:solidFill>
+            <a:ln>
+              <a:noFill/>
+            </a:ln>
+          </p:spPr>
+        </p:sp>
+        <p:sp>
+          <p:nvSpPr>
+            <p:cNvPr id="16" name="Freeform 8"/>
+            <p:cNvSpPr/>
+            <p:nvPr/>
+          </p:nvSpPr>
+          <p:spPr bwMode="auto">
+            <a:xfrm>
+              <a:off x="207963" y="3776663"/>
+              <a:ext cx="1936750" cy="3081338"/>
+            </a:xfrm>
+            <a:custGeom>
+              <a:avLst/>
+              <a:gdLst/>
+              <a:ahLst/>
+              <a:cxnLst/>
+              <a:rect l="0" t="0" r="r" b="b"/>
+              <a:pathLst>
+                <a:path w="1220" h="1941">
+                  <a:moveTo>
+                    <a:pt x="0" y="0"/>
+                  </a:moveTo>
+                  <a:lnTo>
+                    <a:pt x="1166" y="1941"/>
+                  </a:lnTo>
+                  <a:lnTo>
+                    <a:pt x="1220" y="1941"/>
+                  </a:lnTo>
+                  <a:lnTo>
+                    <a:pt x="0" y="0"/>
+                  </a:lnTo>
+                  <a:close/>
+                </a:path>
+              </a:pathLst>
+            </a:custGeom>
+            <a:solidFill>
+              <a:schemeClr val="tx1">
+                <a:lumMod val="85000"/>
+                <a:lumOff val="15000"/>
+              </a:schemeClr>
+            </a:solidFill>
+            <a:ln>
+              <a:noFill/>
+            </a:ln>
+          </p:spPr>
+        </p:sp>
+        <p:sp>
+          <p:nvSpPr>
+            <p:cNvPr id="20" name="Freeform 9"/>
+            <p:cNvSpPr/>
+            <p:nvPr/>
+          </p:nvSpPr>
+          <p:spPr bwMode="auto">
+            <a:xfrm>
+              <a:off x="646113" y="3886200"/>
+              <a:ext cx="2373313" cy="2971800"/>
+            </a:xfrm>
+            <a:custGeom>
+              <a:avLst/>
+              <a:gdLst/>
+              <a:ahLst/>
+              <a:cxnLst/>
+              <a:rect l="0" t="0" r="r" b="b"/>
+              <a:pathLst>
+                <a:path w="1495" h="1872">
+                  <a:moveTo>
+                    <a:pt x="1495" y="1872"/>
+                  </a:moveTo>
+                  <a:lnTo>
+                    <a:pt x="0" y="0"/>
+                  </a:lnTo>
+                  <a:lnTo>
+                    <a:pt x="1442" y="1872"/>
+                  </a:lnTo>
+                  <a:lnTo>
+                    <a:pt x="1495" y="1872"/>
+                  </a:lnTo>
+                  <a:close/>
+                </a:path>
+              </a:pathLst>
+            </a:custGeom>
+            <a:solidFill>
+              <a:schemeClr val="accent1">
+                <a:lumMod val="50000"/>
+              </a:schemeClr>
+            </a:solidFill>
+            <a:ln>
+              <a:noFill/>
+            </a:ln>
+          </p:spPr>
+        </p:sp>
+        <p:sp>
+          <p:nvSpPr>
+            <p:cNvPr id="21" name="Freeform 10"/>
+            <p:cNvSpPr/>
+            <p:nvPr/>
+          </p:nvSpPr>
+          <p:spPr bwMode="auto">
+            <a:xfrm>
+              <a:off x="641350" y="3881438"/>
+              <a:ext cx="3340100" cy="2976563"/>
+            </a:xfrm>
+            <a:custGeom>
+              <a:avLst/>
+              <a:gdLst/>
+              <a:ahLst/>
+              <a:cxnLst/>
+              <a:rect l="0" t="0" r="r" b="b"/>
+              <a:pathLst>
+                <a:path w="2104" h="1875">
+                  <a:moveTo>
+                    <a:pt x="0" y="0"/>
+                  </a:moveTo>
+                  <a:lnTo>
+                    <a:pt x="3" y="3"/>
+                  </a:lnTo>
+                  <a:lnTo>
+                    <a:pt x="1498" y="1875"/>
+                  </a:lnTo>
+                  <a:lnTo>
+                    <a:pt x="2104" y="1875"/>
+                  </a:lnTo>
+                  <a:lnTo>
+                    <a:pt x="228" y="57"/>
+                  </a:lnTo>
+                  <a:lnTo>
+                    <a:pt x="0" y="0"/>
+                  </a:lnTo>
+                  <a:close/>
+                </a:path>
+              </a:pathLst>
+            </a:custGeom>
+            <a:solidFill>
+              <a:schemeClr val="accent1">
+                <a:lumMod val="75000"/>
+              </a:schemeClr>
+            </a:solidFill>
+            <a:ln>
+              <a:noFill/>
+            </a:ln>
+          </p:spPr>
+        </p:sp>
+        <p:sp>
+          <p:nvSpPr>
+            <p:cNvPr id="22" name="Freeform 11"/>
+            <p:cNvSpPr/>
+            <p:nvPr/>
+          </p:nvSpPr>
+          <p:spPr bwMode="auto">
+            <a:xfrm>
+              <a:off x="203200" y="3771900"/>
+              <a:ext cx="2660650" cy="3086100"/>
+            </a:xfrm>
+            <a:custGeom>
+              <a:avLst/>
+              <a:gdLst/>
+              <a:ahLst/>
+              <a:cxnLst/>
+              <a:rect l="0" t="0" r="r" b="b"/>
+              <a:pathLst>
+                <a:path w="1676" h="1944">
+                  <a:moveTo>
+                    <a:pt x="1676" y="1944"/>
+                  </a:moveTo>
+                  <a:lnTo>
+                    <a:pt x="264" y="111"/>
+                  </a:lnTo>
+                  <a:lnTo>
+                    <a:pt x="225" y="60"/>
+                  </a:lnTo>
+                  <a:lnTo>
+                    <a:pt x="228" y="60"/>
+                  </a:lnTo>
+                  <a:lnTo>
+                    <a:pt x="264" y="111"/>
+                  </a:lnTo>
+                  <a:lnTo>
+                    <a:pt x="234" y="69"/>
+                  </a:lnTo>
+                  <a:lnTo>
+                    <a:pt x="228" y="57"/>
+                  </a:lnTo>
+                  <a:lnTo>
+                    <a:pt x="222" y="54"/>
+                  </a:lnTo>
+                  <a:lnTo>
+                    <a:pt x="0" y="0"/>
+                  </a:lnTo>
+                  <a:lnTo>
+                    <a:pt x="3" y="3"/>
+                  </a:lnTo>
+                  <a:lnTo>
+                    <a:pt x="1223" y="1944"/>
+                  </a:lnTo>
+                  <a:lnTo>
+                    <a:pt x="1676" y="1944"/>
+                  </a:lnTo>
+                  <a:close/>
+                </a:path>
+              </a:pathLst>
+            </a:custGeom>
+            <a:solidFill>
+              <a:schemeClr val="tx1">
+                <a:lumMod val="75000"/>
+                <a:lumOff val="25000"/>
+              </a:schemeClr>
+            </a:solidFill>
+            <a:ln>
+              <a:noFill/>
+            </a:ln>
+          </p:spPr>
+        </p:sp>
+      </p:grpSp>
+      <p:sp>
+        <p:nvSpPr>
+          <p:cNvPr id="2" name="Title 1"/>
+          <p:cNvSpPr>
+            <a:spLocks noGrp="1"/>
+          </p:cNvSpPr>
+          <p:nvPr>
+            <p:ph type="ctrTitle"/>
+          </p:nvPr>
         </p:nvSpPr>
         <p:spPr>
           <a:xfrm>
-            <a:off x="1328166" y="1295400"/>
-            <a:ext cx="6487668" cy="3152887"/>
-          </a:xfrm>
-          <a:prstGeom prst="rect">
-            <a:avLst/>
-          </a:prstGeom>
-          <a:ln w="3175">
-            <a:solidFill>
-              <a:schemeClr val="bg1"/>
-            </a:solidFill>
-          </a:ln>
-          <a:effectLst>
-            <a:outerShdw blurRad="63500" sx="100500" sy="100500" algn="ctr" rotWithShape="0">
-              <a:prstClr val="black">
-                <a:alpha val="50000"/>
-              </a:prstClr>
-            </a:outerShdw>
-          </a:effectLst>
-        </p:spPr>
-        <p:txBody>
-          <a:bodyPr vert="horz" lIns="91440" tIns="45720" rIns="91440" bIns="45720" rtlCol="0">
-            <a:normAutofit/>
-          </a:bodyPr>
-          <a:lstStyle/>
-          <a:p>
-            <a:pPr marL="0" indent="0" algn="l" defTabSz="914400" rtl="0" eaLnBrk="1" latinLnBrk="0" hangingPunct="1">
-              <a:spcBef>
-                <a:spcPts val="2000"/>
-              </a:spcBef>
-              <a:buClr>
-                <a:schemeClr val="accent1">
-                  <a:lumMod val="60000"/>
-                  <a:lumOff val="40000"/>
-                </a:schemeClr>
-              </a:buClr>
-              <a:buSzPct val="110000"/>
-              <a:buFont typeface="Wingdings 2" pitchFamily="18" charset="2"/>
-              <a:buNone/>
-            </a:pPr>
-            <a:endParaRPr sz="3200" kern="1200">
-              <a:solidFill>
-                <a:schemeClr val="tx1">
-                  <a:lumMod val="65000"/>
-                  <a:lumOff val="35000"/>
-                </a:schemeClr>
-              </a:solidFill>
-              <a:latin typeface="+mn-lt"/>
-              <a:ea typeface="+mn-ea"/>
-              <a:cs typeface="+mn-cs"/>
-            </a:endParaRPr>
-          </a:p>
-        </p:txBody>
-      </p:sp>
-      <p:sp>
-        <p:nvSpPr>
-          <p:cNvPr id="2" name="Title 1"/>
-          <p:cNvSpPr>
-            <a:spLocks noGrp="1"/>
-          </p:cNvSpPr>
-          <p:nvPr>
-            <p:ph type="ctrTitle"/>
-          </p:nvPr>
-        </p:nvSpPr>
-        <p:spPr>
-          <a:xfrm>
-            <a:off x="1322921" y="1523999"/>
-            <a:ext cx="6498158" cy="1724867"/>
+            <a:off x="1739673" y="914401"/>
+            <a:ext cx="6947127" cy="3488266"/>
           </a:xfrm>
         </p:spPr>
         <p:txBody>
-          <a:bodyPr vert="horz" lIns="91440" tIns="45720" rIns="91440" bIns="45720" rtlCol="0" anchor="b" anchorCtr="0">
-            <a:noAutofit/>
-          </a:bodyPr>
-          <a:lstStyle>
-            <a:lvl1pPr marL="0" indent="0" algn="ctr" defTabSz="914400" rtl="0" eaLnBrk="1" latinLnBrk="0" hangingPunct="1">
-              <a:spcBef>
-                <a:spcPct val="0"/>
-              </a:spcBef>
-              <a:buClr>
-                <a:schemeClr val="accent1">
-                  <a:lumMod val="60000"/>
-                  <a:lumOff val="40000"/>
-                </a:schemeClr>
-              </a:buClr>
-              <a:buSzPct val="110000"/>
-              <a:buFont typeface="Wingdings 2" pitchFamily="18" charset="2"/>
-              <a:buNone/>
-              <a:defRPr sz="4600" kern="1200">
-                <a:solidFill>
-                  <a:schemeClr val="accent1"/>
-                </a:solidFill>
-                <a:latin typeface="+mj-lt"/>
-                <a:ea typeface="+mj-ea"/>
-                <a:cs typeface="+mj-cs"/>
-              </a:defRPr>
-            </a:lvl1pPr>
-          </a:lstStyle>
-          <a:p>
-            <a:r>
-              <a:rPr lang="en-US" smtClean="0"/>
-              <a:t>Click to edit Master title style</a:t>
-            </a:r>
-            <a:endParaRPr/>
-          </a:p>
-        </p:txBody>
-      </p:sp>
-      <p:sp>
-        <p:nvSpPr>
-          <p:cNvPr id="3" name="Subtitle 2"/>
-          <p:cNvSpPr>
-            <a:spLocks noGrp="1"/>
-          </p:cNvSpPr>
-          <p:nvPr>
-            <p:ph type="subTitle" idx="1"/>
-          </p:nvPr>
-        </p:nvSpPr>
-        <p:spPr>
-          <a:xfrm>
-            <a:off x="1322921" y="3299012"/>
-            <a:ext cx="6498159" cy="916641"/>
-          </a:xfrm>
-        </p:spPr>
-        <p:txBody>
-          <a:bodyPr vert="horz" lIns="91440" tIns="45720" rIns="91440" bIns="45720" rtlCol="0">
+          <a:bodyPr anchor="b">
             <a:normAutofit/>
           </a:bodyPr>
           <a:lstStyle>
-            <a:lvl1pPr marL="0" indent="0" algn="ctr" defTabSz="914400" rtl="0" eaLnBrk="1" latinLnBrk="0" hangingPunct="1">
-              <a:spcBef>
-                <a:spcPts val="300"/>
-              </a:spcBef>
-              <a:buClr>
-                <a:schemeClr val="accent1">
-                  <a:lumMod val="60000"/>
-                  <a:lumOff val="40000"/>
-                </a:schemeClr>
-              </a:buClr>
-              <a:buSzPct val="110000"/>
-              <a:buFont typeface="Wingdings 2" pitchFamily="18" charset="2"/>
-              <a:buNone/>
-              <a:defRPr sz="1800" kern="1200">
+            <a:lvl1pPr algn="r">
+              <a:defRPr sz="5400">
+                <a:effectLst/>
+              </a:defRPr>
+            </a:lvl1pPr>
+          </a:lstStyle>
+          <a:p>
+            <a:r>
+              <a:rPr lang="en-US" smtClean="0"/>
+              <a:t>Click to edit Master title style</a:t>
+            </a:r>
+            <a:endParaRPr lang="en-US" dirty="0"/>
+          </a:p>
+        </p:txBody>
+      </p:sp>
+      <p:sp>
+        <p:nvSpPr>
+          <p:cNvPr id="3" name="Subtitle 2"/>
+          <p:cNvSpPr>
+            <a:spLocks noGrp="1"/>
+          </p:cNvSpPr>
+          <p:nvPr>
+            <p:ph type="subTitle" idx="1"/>
+          </p:nvPr>
+        </p:nvSpPr>
+        <p:spPr>
+          <a:xfrm>
+            <a:off x="2924238" y="4402666"/>
+            <a:ext cx="5762563" cy="1364531"/>
+          </a:xfrm>
+        </p:spPr>
+        <p:txBody>
+          <a:bodyPr anchor="t">
+            <a:normAutofit/>
+          </a:bodyPr>
+          <a:lstStyle>
+            <a:lvl1pPr marL="0" indent="0" algn="r">
+              <a:buNone/>
+              <a:defRPr sz="1800">
+                <a:solidFill>
+                  <a:schemeClr val="tx1"/>
+                </a:solidFill>
+              </a:defRPr>
+            </a:lvl1pPr>
+            <a:lvl2pPr marL="457200" indent="0" algn="ctr">
+              <a:buNone/>
+              <a:defRPr>
                 <a:solidFill>
                   <a:schemeClr val="tx1">
                     <a:tint val="75000"/>
                   </a:schemeClr>
                 </a:solidFill>
-                <a:latin typeface="+mn-lt"/>
-                <a:ea typeface="+mn-ea"/>
-                <a:cs typeface="+mn-cs"/>
-              </a:defRPr>
-            </a:lvl1pPr>
-            <a:lvl2pPr marL="457200" indent="0" algn="ctr">
+              </a:defRPr>
+            </a:lvl2pPr>
+            <a:lvl3pPr marL="914400" indent="0" algn="ctr">
               <a:buNone/>
               <a:defRPr>
                 <a:solidFill>
@@ -301,8 +556,8 @@
                   </a:schemeClr>
                 </a:solidFill>
               </a:defRPr>
-            </a:lvl2pPr>
-            <a:lvl3pPr marL="914400" indent="0" algn="ctr">
+            </a:lvl3pPr>
+            <a:lvl4pPr marL="1371600" indent="0" algn="ctr">
               <a:buNone/>
               <a:defRPr>
                 <a:solidFill>
@@ -311,8 +566,8 @@
                   </a:schemeClr>
                 </a:solidFill>
               </a:defRPr>
-            </a:lvl3pPr>
-            <a:lvl4pPr marL="1371600" indent="0" algn="ctr">
+            </a:lvl4pPr>
+            <a:lvl5pPr marL="1828800" indent="0" algn="ctr">
               <a:buNone/>
               <a:defRPr>
                 <a:solidFill>
@@ -321,8 +576,8 @@
                   </a:schemeClr>
                 </a:solidFill>
               </a:defRPr>
-            </a:lvl4pPr>
-            <a:lvl5pPr marL="1828800" indent="0" algn="ctr">
+            </a:lvl5pPr>
+            <a:lvl6pPr marL="2286000" indent="0" algn="ctr">
               <a:buNone/>
               <a:defRPr>
                 <a:solidFill>
@@ -331,8 +586,8 @@
                   </a:schemeClr>
                 </a:solidFill>
               </a:defRPr>
-            </a:lvl5pPr>
-            <a:lvl6pPr marL="2286000" indent="0" algn="ctr">
+            </a:lvl6pPr>
+            <a:lvl7pPr marL="2743200" indent="0" algn="ctr">
               <a:buNone/>
               <a:defRPr>
                 <a:solidFill>
@@ -341,8 +596,8 @@
                   </a:schemeClr>
                 </a:solidFill>
               </a:defRPr>
-            </a:lvl6pPr>
-            <a:lvl7pPr marL="2743200" indent="0" algn="ctr">
+            </a:lvl7pPr>
+            <a:lvl8pPr marL="3200400" indent="0" algn="ctr">
               <a:buNone/>
               <a:defRPr>
                 <a:solidFill>
@@ -351,8 +606,8 @@
                   </a:schemeClr>
                 </a:solidFill>
               </a:defRPr>
-            </a:lvl7pPr>
-            <a:lvl8pPr marL="3200400" indent="0" algn="ctr">
+            </a:lvl8pPr>
+            <a:lvl9pPr marL="3657600" indent="0" algn="ctr">
               <a:buNone/>
               <a:defRPr>
                 <a:solidFill>
@@ -361,16 +616,6 @@
                   </a:schemeClr>
                 </a:solidFill>
               </a:defRPr>
-            </a:lvl8pPr>
-            <a:lvl9pPr marL="3657600" indent="0" algn="ctr">
-              <a:buNone/>
-              <a:defRPr>
-                <a:solidFill>
-                  <a:schemeClr val="tx1">
-                    <a:tint val="75000"/>
-                  </a:schemeClr>
-                </a:solidFill>
-              </a:defRPr>
             </a:lvl9pPr>
           </a:lstStyle>
           <a:p>
@@ -378,7 +623,7 @@
               <a:rPr lang="en-US" smtClean="0"/>
               <a:t>Click to edit Master subtitle style</a:t>
             </a:r>
-            <a:endParaRPr dirty="0"/>
+            <a:endParaRPr lang="en-US" dirty="0"/>
           </a:p>
         </p:txBody>
       </p:sp>
@@ -392,14 +637,19 @@
             <p:ph type="dt" sz="half" idx="10"/>
           </p:nvPr>
         </p:nvSpPr>
-        <p:spPr/>
+        <p:spPr>
+          <a:xfrm>
+            <a:off x="7325773" y="6117336"/>
+            <a:ext cx="857473" cy="365125"/>
+          </a:xfrm>
+        </p:spPr>
         <p:txBody>
           <a:bodyPr/>
           <a:lstStyle/>
           <a:p>
             <a:fld id="{B01F9CA3-105E-4857-9057-6DB6197DA786}" type="datetimeFigureOut">
               <a:rPr lang="en-US" smtClean="0"/>
-              <a:t>9/13/18</a:t>
+              <a:t>9/14/2018</a:t>
             </a:fld>
             <a:endParaRPr lang="en-US"/>
           </a:p>
@@ -415,7 +665,12 @@
             <p:ph type="ftr" sz="quarter" idx="11"/>
           </p:nvPr>
         </p:nvSpPr>
-        <p:spPr/>
+        <p:spPr>
+          <a:xfrm>
+            <a:off x="3623733" y="6117336"/>
+            <a:ext cx="3609438" cy="365125"/>
+          </a:xfrm>
+        </p:spPr>
         <p:txBody>
           <a:bodyPr/>
           <a:lstStyle/>
@@ -434,7 +689,12 @@
             <p:ph type="sldNum" sz="quarter" idx="12"/>
           </p:nvPr>
         </p:nvSpPr>
-        <p:spPr/>
+        <p:spPr>
+          <a:xfrm>
+            <a:off x="8275320" y="6117336"/>
+            <a:ext cx="411480" cy="365125"/>
+          </a:xfrm>
+        </p:spPr>
         <p:txBody>
           <a:bodyPr/>
           <a:lstStyle/>
@@ -447,7 +707,122 @@
           </a:p>
         </p:txBody>
       </p:sp>
+      <p:sp>
+        <p:nvSpPr>
+          <p:cNvPr id="23" name="Freeform 12"/>
+          <p:cNvSpPr/>
+          <p:nvPr/>
+        </p:nvSpPr>
+        <p:spPr bwMode="auto">
+          <a:xfrm>
+            <a:off x="203200" y="3771900"/>
+            <a:ext cx="361950" cy="90488"/>
+          </a:xfrm>
+          <a:custGeom>
+            <a:avLst/>
+            <a:gdLst/>
+            <a:ahLst/>
+            <a:cxnLst/>
+            <a:rect l="0" t="0" r="r" b="b"/>
+            <a:pathLst>
+              <a:path w="228" h="57">
+                <a:moveTo>
+                  <a:pt x="228" y="57"/>
+                </a:moveTo>
+                <a:lnTo>
+                  <a:pt x="0" y="0"/>
+                </a:lnTo>
+                <a:lnTo>
+                  <a:pt x="222" y="54"/>
+                </a:lnTo>
+                <a:lnTo>
+                  <a:pt x="228" y="57"/>
+                </a:lnTo>
+                <a:close/>
+              </a:path>
+            </a:pathLst>
+          </a:custGeom>
+          <a:solidFill>
+            <a:srgbClr val="29ABE2"/>
+          </a:solidFill>
+          <a:ln>
+            <a:noFill/>
+          </a:ln>
+          <a:extLst>
+            <a:ext uri="{91240B29-F687-4f45-9708-019B960494DF}">
+              <a14:hiddenLine xmlns:a14="http://schemas.microsoft.com/office/drawing/2010/main" xmlns="" w="9525">
+                <a:solidFill>
+                  <a:srgbClr val="000000"/>
+                </a:solidFill>
+                <a:round/>
+                <a:headEnd/>
+                <a:tailEnd/>
+              </a14:hiddenLine>
+            </a:ext>
+          </a:extLst>
+        </p:spPr>
+      </p:sp>
+      <p:sp>
+        <p:nvSpPr>
+          <p:cNvPr id="24" name="Freeform 13"/>
+          <p:cNvSpPr/>
+          <p:nvPr/>
+        </p:nvSpPr>
+        <p:spPr bwMode="auto">
+          <a:xfrm>
+            <a:off x="560388" y="3867150"/>
+            <a:ext cx="61913" cy="80963"/>
+          </a:xfrm>
+          <a:custGeom>
+            <a:avLst/>
+            <a:gdLst/>
+            <a:ahLst/>
+            <a:cxnLst/>
+            <a:rect l="0" t="0" r="r" b="b"/>
+            <a:pathLst>
+              <a:path w="39" h="51">
+                <a:moveTo>
+                  <a:pt x="0" y="0"/>
+                </a:moveTo>
+                <a:lnTo>
+                  <a:pt x="39" y="51"/>
+                </a:lnTo>
+                <a:lnTo>
+                  <a:pt x="3" y="0"/>
+                </a:lnTo>
+                <a:lnTo>
+                  <a:pt x="0" y="0"/>
+                </a:lnTo>
+                <a:close/>
+              </a:path>
+            </a:pathLst>
+          </a:custGeom>
+          <a:solidFill>
+            <a:srgbClr val="29ABE2"/>
+          </a:solidFill>
+          <a:ln>
+            <a:noFill/>
+          </a:ln>
+          <a:extLst>
+            <a:ext uri="{91240B29-F687-4f45-9708-019B960494DF}">
+              <a14:hiddenLine xmlns:a14="http://schemas.microsoft.com/office/drawing/2010/main" xmlns="" w="9525">
+                <a:solidFill>
+                  <a:srgbClr val="000000"/>
+                </a:solidFill>
+                <a:round/>
+                <a:headEnd/>
+                <a:tailEnd/>
+              </a14:hiddenLine>
+            </a:ext>
+          </a:extLst>
+        </p:spPr>
+      </p:sp>
     </p:spTree>
+    <p:extLst>
+      <p:ext uri="{BB962C8B-B14F-4D97-AF65-F5344CB8AC3E}">
+        <p14:creationId xmlns:p14="http://schemas.microsoft.com/office/powerpoint/2010/main" val="2495894988"/>
+      </p:ext>
+    </p:extLst>
   </p:cSld>
   <p:clrMapOvr>
     <a:masterClrMapping/>
@@ -457,7 +832,7 @@
 
 <file path=ppt/slideLayouts/slideLayout10.xml><?xml version="1.0" encoding="utf-8"?>
 <p:sldLayout xmlns:a="http://schemas.openxmlformats.org/drawingml/2006/main" xmlns:r="http://schemas.openxmlformats.org/officeDocument/2006/relationships" xmlns:p="http://schemas.openxmlformats.org/presentationml/2006/main" preserve="1">
-  <p:cSld name="Picture with Caption">
+  <p:cSld name="Panoramic Picture with Caption">
     <p:spTree>
       <p:nvGrpSpPr>
         <p:cNvPr id="1" name=""/>
@@ -484,15 +859,17 @@
         </p:nvSpPr>
         <p:spPr>
           <a:xfrm>
-            <a:off x="533398" y="611872"/>
-            <a:ext cx="4079545" cy="1162050"/>
+            <a:off x="1113523" y="4732865"/>
+            <a:ext cx="7515991" cy="566738"/>
           </a:xfrm>
         </p:spPr>
         <p:txBody>
-          <a:bodyPr anchor="b"/>
+          <a:bodyPr anchor="b">
+            <a:normAutofit/>
+          </a:bodyPr>
           <a:lstStyle>
             <a:lvl1pPr algn="ctr">
-              <a:defRPr sz="3600" b="0"/>
+              <a:defRPr sz="2400" b="0"/>
             </a:lvl1pPr>
           </a:lstStyle>
           <a:p>
@@ -500,24 +877,119 @@
               <a:rPr lang="en-US" smtClean="0"/>
               <a:t>Click to edit Master title style</a:t>
             </a:r>
-            <a:endParaRPr/>
-          </a:p>
-        </p:txBody>
-      </p:sp>
-      <p:sp>
-        <p:nvSpPr>
-          <p:cNvPr id="4" name="Text Placeholder 3"/>
-          <p:cNvSpPr>
-            <a:spLocks noGrp="1"/>
-          </p:cNvSpPr>
-          <p:nvPr>
-            <p:ph type="body" sz="half" idx="2"/>
+            <a:endParaRPr lang="en-US" dirty="0"/>
+          </a:p>
+        </p:txBody>
+      </p:sp>
+      <p:sp>
+        <p:nvSpPr>
+          <p:cNvPr id="3" name="Picture Placeholder 2"/>
+          <p:cNvSpPr>
+            <a:spLocks noGrp="1" noChangeAspect="1"/>
+          </p:cNvSpPr>
+          <p:nvPr>
+            <p:ph type="pic" idx="1"/>
           </p:nvPr>
         </p:nvSpPr>
         <p:spPr>
           <a:xfrm>
-            <a:off x="533398" y="1787856"/>
-            <a:ext cx="4079545" cy="3720152"/>
+            <a:off x="1789975" y="932112"/>
+            <a:ext cx="6171065" cy="3164976"/>
+          </a:xfrm>
+          <a:prstGeom prst="roundRect">
+            <a:avLst>
+              <a:gd name="adj" fmla="val 4380"/>
+            </a:avLst>
+          </a:prstGeom>
+          <a:ln w="38100">
+            <a:gradFill flip="none" rotWithShape="1">
+              <a:gsLst>
+                <a:gs pos="0">
+                  <a:schemeClr val="bg2"/>
+                </a:gs>
+                <a:gs pos="100000">
+                  <a:schemeClr val="bg2">
+                    <a:lumMod val="75000"/>
+                  </a:schemeClr>
+                </a:gs>
+              </a:gsLst>
+              <a:lin ang="5400000" scaled="0"/>
+              <a:tileRect/>
+            </a:gradFill>
+          </a:ln>
+          <a:effectLst>
+            <a:innerShdw blurRad="57150" dist="38100" dir="14460000">
+              <a:srgbClr val="000000">
+                <a:alpha val="70000"/>
+              </a:srgbClr>
+            </a:innerShdw>
+          </a:effectLst>
+        </p:spPr>
+        <p:txBody>
+          <a:bodyPr anchor="t">
+            <a:normAutofit/>
+          </a:bodyPr>
+          <a:lstStyle>
+            <a:lvl1pPr marL="0" indent="0" algn="ctr">
+              <a:buNone/>
+              <a:defRPr sz="1600"/>
+            </a:lvl1pPr>
+            <a:lvl2pPr marL="457200" indent="0">
+              <a:buNone/>
+              <a:defRPr sz="1600"/>
+            </a:lvl2pPr>
+            <a:lvl3pPr marL="914400" indent="0">
+              <a:buNone/>
+              <a:defRPr sz="1600"/>
+            </a:lvl3pPr>
+            <a:lvl4pPr marL="1371600" indent="0">
+              <a:buNone/>
+              <a:defRPr sz="1600"/>
+            </a:lvl4pPr>
+            <a:lvl5pPr marL="1828800" indent="0">
+              <a:buNone/>
+              <a:defRPr sz="1600"/>
+            </a:lvl5pPr>
+            <a:lvl6pPr marL="2286000" indent="0">
+              <a:buNone/>
+              <a:defRPr sz="1600"/>
+            </a:lvl6pPr>
+            <a:lvl7pPr marL="2743200" indent="0">
+              <a:buNone/>
+              <a:defRPr sz="1600"/>
+            </a:lvl7pPr>
+            <a:lvl8pPr marL="3200400" indent="0">
+              <a:buNone/>
+              <a:defRPr sz="1600"/>
+            </a:lvl8pPr>
+            <a:lvl9pPr marL="3657600" indent="0">
+              <a:buNone/>
+              <a:defRPr sz="1600"/>
+            </a:lvl9pPr>
+          </a:lstStyle>
+          <a:p>
+            <a:r>
+              <a:rPr lang="en-US" smtClean="0"/>
+              <a:t>Click icon to add picture</a:t>
+            </a:r>
+            <a:endParaRPr lang="en-US" dirty="0"/>
+          </a:p>
+        </p:txBody>
+      </p:sp>
+      <p:sp>
+        <p:nvSpPr>
+          <p:cNvPr id="4" name="Text Placeholder 3"/>
+          <p:cNvSpPr>
+            <a:spLocks noGrp="1"/>
+          </p:cNvSpPr>
+          <p:nvPr>
+            <p:ph type="body" sz="half" idx="2"/>
+          </p:nvPr>
+        </p:nvSpPr>
+        <p:spPr>
+          <a:xfrm>
+            <a:off x="1113523" y="5299603"/>
+            <a:ext cx="7515991" cy="493712"/>
           </a:xfrm>
         </p:spPr>
         <p:txBody>
@@ -526,11 +998,8 @@
           </a:bodyPr>
           <a:lstStyle>
             <a:lvl1pPr marL="0" indent="0" algn="ctr">
-              <a:spcBef>
-                <a:spcPts val="600"/>
-              </a:spcBef>
-              <a:buNone/>
-              <a:defRPr sz="1800"/>
+              <a:buNone/>
+              <a:defRPr sz="1400"/>
             </a:lvl1pPr>
             <a:lvl2pPr marL="457200" indent="0">
               <a:buNone/>
@@ -591,7 +1060,7 @@
           <a:p>
             <a:fld id="{B01F9CA3-105E-4857-9057-6DB6197DA786}" type="datetimeFigureOut">
               <a:rPr lang="en-US" smtClean="0"/>
-              <a:t>9/13/18</a:t>
+              <a:t>9/14/2018</a:t>
             </a:fld>
             <a:endParaRPr lang="en-US"/>
           </a:p>
@@ -639,107 +1108,12 @@
           </a:p>
         </p:txBody>
       </p:sp>
-      <p:sp>
-        <p:nvSpPr>
-          <p:cNvPr id="8" name="Picture Placeholder 2"/>
-          <p:cNvSpPr>
-            <a:spLocks noGrp="1"/>
-          </p:cNvSpPr>
-          <p:nvPr>
-            <p:ph type="pic" idx="1"/>
-          </p:nvPr>
-        </p:nvSpPr>
-        <p:spPr>
-          <a:xfrm>
-            <a:off x="5090617" y="359392"/>
-            <a:ext cx="3657600" cy="5318077"/>
-          </a:xfrm>
-          <a:ln w="3175">
-            <a:solidFill>
-              <a:schemeClr val="bg1"/>
-            </a:solidFill>
-          </a:ln>
-          <a:effectLst>
-            <a:outerShdw blurRad="63500" sx="100500" sy="100500" algn="ctr" rotWithShape="0">
-              <a:prstClr val="black">
-                <a:alpha val="50000"/>
-              </a:prstClr>
-            </a:outerShdw>
-          </a:effectLst>
-        </p:spPr>
-        <p:txBody>
-          <a:bodyPr vert="horz" lIns="91440" tIns="45720" rIns="91440" bIns="45720" rtlCol="0">
-            <a:normAutofit/>
-          </a:bodyPr>
-          <a:lstStyle>
-            <a:lvl1pPr marL="0" indent="0" algn="l" defTabSz="914400" rtl="0" eaLnBrk="1" latinLnBrk="0" hangingPunct="1">
-              <a:spcBef>
-                <a:spcPts val="2000"/>
-              </a:spcBef>
-              <a:buClr>
-                <a:schemeClr val="accent1">
-                  <a:lumMod val="60000"/>
-                  <a:lumOff val="40000"/>
-                </a:schemeClr>
-              </a:buClr>
-              <a:buSzPct val="110000"/>
-              <a:buFont typeface="Wingdings 2" pitchFamily="18" charset="2"/>
-              <a:buNone/>
-              <a:defRPr sz="3200" kern="1200">
-                <a:solidFill>
-                  <a:schemeClr val="tx1">
-                    <a:lumMod val="65000"/>
-                    <a:lumOff val="35000"/>
-                  </a:schemeClr>
-                </a:solidFill>
-                <a:latin typeface="+mn-lt"/>
-                <a:ea typeface="+mn-ea"/>
-                <a:cs typeface="+mn-cs"/>
-              </a:defRPr>
-            </a:lvl1pPr>
-            <a:lvl2pPr marL="457200" indent="0">
-              <a:buNone/>
-              <a:defRPr sz="2800"/>
-            </a:lvl2pPr>
-            <a:lvl3pPr marL="914400" indent="0">
-              <a:buNone/>
-              <a:defRPr sz="2400"/>
-            </a:lvl3pPr>
-            <a:lvl4pPr marL="1371600" indent="0">
-              <a:buNone/>
-              <a:defRPr sz="2000"/>
-            </a:lvl4pPr>
-            <a:lvl5pPr marL="1828800" indent="0">
-              <a:buNone/>
-              <a:defRPr sz="2000"/>
-            </a:lvl5pPr>
-            <a:lvl6pPr marL="2286000" indent="0">
-              <a:buNone/>
-              <a:defRPr sz="2000"/>
-            </a:lvl6pPr>
-            <a:lvl7pPr marL="2743200" indent="0">
-              <a:buNone/>
-              <a:defRPr sz="2000"/>
-            </a:lvl7pPr>
-            <a:lvl8pPr marL="3200400" indent="0">
-              <a:buNone/>
-              <a:defRPr sz="2000"/>
-            </a:lvl8pPr>
-            <a:lvl9pPr marL="3657600" indent="0">
-              <a:buNone/>
-              <a:defRPr sz="2000"/>
-            </a:lvl9pPr>
-          </a:lstStyle>
-          <a:p>
-            <a:r>
-              <a:rPr lang="en-US" smtClean="0"/>
-              <a:t>Drag picture to placeholder or click icon to add</a:t>
-            </a:r>
-            <a:endParaRPr/>
-          </a:p>
-        </p:txBody>
-      </p:sp>
     </p:spTree>
+    <p:extLst>
+      <p:ext uri="{BB962C8B-B14F-4D97-AF65-F5344CB8AC3E}">
+        <p14:creationId xmlns:p14="http://schemas.microsoft.com/office/powerpoint/2010/main" val="1471068379"/>
+      </p:ext>
+    </p:extLst>
   </p:cSld>
   <p:clrMapOvr>
     <a:masterClrMapping/>
@@ -748,6 +1122,1871 @@
 </file>
 
 <file path=ppt/slideLayouts/slideLayout11.xml><?xml version="1.0" encoding="utf-8"?>
+<p:sldLayout xmlns:a="http://schemas.openxmlformats.org/drawingml/2006/main" xmlns:r="http://schemas.openxmlformats.org/officeDocument/2006/relationships" xmlns:p="http://schemas.openxmlformats.org/presentationml/2006/main" preserve="1">
+  <p:cSld name="Title and Caption">
+    <p:spTree>
+      <p:nvGrpSpPr>
+        <p:cNvPr id="1" name=""/>
+        <p:cNvGrpSpPr/>
+        <p:nvPr/>
+      </p:nvGrpSpPr>
+      <p:grpSpPr>
+        <a:xfrm>
+          <a:off x="0" y="0"/>
+          <a:ext cx="0" cy="0"/>
+          <a:chOff x="0" y="0"/>
+          <a:chExt cx="0" cy="0"/>
+        </a:xfrm>
+      </p:grpSpPr>
+      <p:sp>
+        <p:nvSpPr>
+          <p:cNvPr id="2" name="Title 1"/>
+          <p:cNvSpPr>
+            <a:spLocks noGrp="1"/>
+          </p:cNvSpPr>
+          <p:nvPr>
+            <p:ph type="title"/>
+          </p:nvPr>
+        </p:nvSpPr>
+        <p:spPr>
+          <a:xfrm>
+            <a:off x="1113524" y="685800"/>
+            <a:ext cx="7515991" cy="3048000"/>
+          </a:xfrm>
+        </p:spPr>
+        <p:txBody>
+          <a:bodyPr anchor="ctr">
+            <a:normAutofit/>
+          </a:bodyPr>
+          <a:lstStyle>
+            <a:lvl1pPr algn="ctr">
+              <a:defRPr sz="3200" b="0" cap="none"/>
+            </a:lvl1pPr>
+          </a:lstStyle>
+          <a:p>
+            <a:r>
+              <a:rPr lang="en-US" smtClean="0"/>
+              <a:t>Click to edit Master title style</a:t>
+            </a:r>
+            <a:endParaRPr lang="en-US" dirty="0"/>
+          </a:p>
+        </p:txBody>
+      </p:sp>
+      <p:sp>
+        <p:nvSpPr>
+          <p:cNvPr id="3" name="Text Placeholder 2"/>
+          <p:cNvSpPr>
+            <a:spLocks noGrp="1"/>
+          </p:cNvSpPr>
+          <p:nvPr>
+            <p:ph type="body" idx="1"/>
+          </p:nvPr>
+        </p:nvSpPr>
+        <p:spPr>
+          <a:xfrm>
+            <a:off x="1113524" y="4343400"/>
+            <a:ext cx="7515992" cy="1447800"/>
+          </a:xfrm>
+        </p:spPr>
+        <p:txBody>
+          <a:bodyPr anchor="ctr">
+            <a:normAutofit/>
+          </a:bodyPr>
+          <a:lstStyle>
+            <a:lvl1pPr marL="0" indent="0" algn="ctr">
+              <a:buNone/>
+              <a:defRPr sz="2000">
+                <a:solidFill>
+                  <a:schemeClr val="tx1"/>
+                </a:solidFill>
+              </a:defRPr>
+            </a:lvl1pPr>
+            <a:lvl2pPr marL="457200" indent="0">
+              <a:buNone/>
+              <a:defRPr sz="1800">
+                <a:solidFill>
+                  <a:schemeClr val="tx1">
+                    <a:tint val="75000"/>
+                  </a:schemeClr>
+                </a:solidFill>
+              </a:defRPr>
+            </a:lvl2pPr>
+            <a:lvl3pPr marL="914400" indent="0">
+              <a:buNone/>
+              <a:defRPr sz="1600">
+                <a:solidFill>
+                  <a:schemeClr val="tx1">
+                    <a:tint val="75000"/>
+                  </a:schemeClr>
+                </a:solidFill>
+              </a:defRPr>
+            </a:lvl3pPr>
+            <a:lvl4pPr marL="1371600" indent="0">
+              <a:buNone/>
+              <a:defRPr sz="1400">
+                <a:solidFill>
+                  <a:schemeClr val="tx1">
+                    <a:tint val="75000"/>
+                  </a:schemeClr>
+                </a:solidFill>
+              </a:defRPr>
+            </a:lvl4pPr>
+            <a:lvl5pPr marL="1828800" indent="0">
+              <a:buNone/>
+              <a:defRPr sz="1400">
+                <a:solidFill>
+                  <a:schemeClr val="tx1">
+                    <a:tint val="75000"/>
+                  </a:schemeClr>
+                </a:solidFill>
+              </a:defRPr>
+            </a:lvl5pPr>
+            <a:lvl6pPr marL="2286000" indent="0">
+              <a:buNone/>
+              <a:defRPr sz="1400">
+                <a:solidFill>
+                  <a:schemeClr val="tx1">
+                    <a:tint val="75000"/>
+                  </a:schemeClr>
+                </a:solidFill>
+              </a:defRPr>
+            </a:lvl6pPr>
+            <a:lvl7pPr marL="2743200" indent="0">
+              <a:buNone/>
+              <a:defRPr sz="1400">
+                <a:solidFill>
+                  <a:schemeClr val="tx1">
+                    <a:tint val="75000"/>
+                  </a:schemeClr>
+                </a:solidFill>
+              </a:defRPr>
+            </a:lvl7pPr>
+            <a:lvl8pPr marL="3200400" indent="0">
+              <a:buNone/>
+              <a:defRPr sz="1400">
+                <a:solidFill>
+                  <a:schemeClr val="tx1">
+                    <a:tint val="75000"/>
+                  </a:schemeClr>
+                </a:solidFill>
+              </a:defRPr>
+            </a:lvl8pPr>
+            <a:lvl9pPr marL="3657600" indent="0">
+              <a:buNone/>
+              <a:defRPr sz="1400">
+                <a:solidFill>
+                  <a:schemeClr val="tx1">
+                    <a:tint val="75000"/>
+                  </a:schemeClr>
+                </a:solidFill>
+              </a:defRPr>
+            </a:lvl9pPr>
+          </a:lstStyle>
+          <a:p>
+            <a:pPr lvl="0"/>
+            <a:r>
+              <a:rPr lang="en-US" smtClean="0"/>
+              <a:t>Click to edit Master text styles</a:t>
+            </a:r>
+          </a:p>
+        </p:txBody>
+      </p:sp>
+      <p:sp>
+        <p:nvSpPr>
+          <p:cNvPr id="4" name="Date Placeholder 3"/>
+          <p:cNvSpPr>
+            <a:spLocks noGrp="1"/>
+          </p:cNvSpPr>
+          <p:nvPr>
+            <p:ph type="dt" sz="half" idx="10"/>
+          </p:nvPr>
+        </p:nvSpPr>
+        <p:spPr/>
+        <p:txBody>
+          <a:bodyPr/>
+          <a:lstStyle/>
+          <a:p>
+            <a:fld id="{B01F9CA3-105E-4857-9057-6DB6197DA786}" type="datetimeFigureOut">
+              <a:rPr lang="en-US" smtClean="0"/>
+              <a:t>9/14/2018</a:t>
+            </a:fld>
+            <a:endParaRPr lang="en-US"/>
+          </a:p>
+        </p:txBody>
+      </p:sp>
+      <p:sp>
+        <p:nvSpPr>
+          <p:cNvPr id="5" name="Footer Placeholder 4"/>
+          <p:cNvSpPr>
+            <a:spLocks noGrp="1"/>
+          </p:cNvSpPr>
+          <p:nvPr>
+            <p:ph type="ftr" sz="quarter" idx="11"/>
+          </p:nvPr>
+        </p:nvSpPr>
+        <p:spPr/>
+        <p:txBody>
+          <a:bodyPr/>
+          <a:lstStyle/>
+          <a:p>
+            <a:endParaRPr lang="en-US"/>
+          </a:p>
+        </p:txBody>
+      </p:sp>
+      <p:sp>
+        <p:nvSpPr>
+          <p:cNvPr id="6" name="Slide Number Placeholder 5"/>
+          <p:cNvSpPr>
+            <a:spLocks noGrp="1"/>
+          </p:cNvSpPr>
+          <p:nvPr>
+            <p:ph type="sldNum" sz="quarter" idx="12"/>
+          </p:nvPr>
+        </p:nvSpPr>
+        <p:spPr/>
+        <p:txBody>
+          <a:bodyPr/>
+          <a:lstStyle/>
+          <a:p>
+            <a:fld id="{7F5CE407-6216-4202-80E4-A30DC2F709B2}" type="slidenum">
+              <a:rPr lang="en-US" smtClean="0"/>
+              <a:t>‹#›</a:t>
+            </a:fld>
+            <a:endParaRPr lang="en-US"/>
+          </a:p>
+        </p:txBody>
+      </p:sp>
+    </p:spTree>
+    <p:extLst>
+      <p:ext uri="{BB962C8B-B14F-4D97-AF65-F5344CB8AC3E}">
+        <p14:creationId xmlns:p14="http://schemas.microsoft.com/office/powerpoint/2010/main" val="349391009"/>
+      </p:ext>
+    </p:extLst>
+  </p:cSld>
+  <p:clrMapOvr>
+    <a:masterClrMapping/>
+  </p:clrMapOvr>
+</p:sldLayout>
+</file>
+
+<file path=ppt/slideLayouts/slideLayout12.xml><?xml version="1.0" encoding="utf-8"?>
+<p:sldLayout xmlns:a="http://schemas.openxmlformats.org/drawingml/2006/main" xmlns:r="http://schemas.openxmlformats.org/officeDocument/2006/relationships" xmlns:p="http://schemas.openxmlformats.org/presentationml/2006/main" preserve="1">
+  <p:cSld name="Quote with Caption">
+    <p:spTree>
+      <p:nvGrpSpPr>
+        <p:cNvPr id="1" name=""/>
+        <p:cNvGrpSpPr/>
+        <p:nvPr/>
+      </p:nvGrpSpPr>
+      <p:grpSpPr>
+        <a:xfrm>
+          <a:off x="0" y="0"/>
+          <a:ext cx="0" cy="0"/>
+          <a:chOff x="0" y="0"/>
+          <a:chExt cx="0" cy="0"/>
+        </a:xfrm>
+      </p:grpSpPr>
+      <p:sp>
+        <p:nvSpPr>
+          <p:cNvPr id="14" name="TextBox 13"/>
+          <p:cNvSpPr txBox="1"/>
+          <p:nvPr/>
+        </p:nvSpPr>
+        <p:spPr>
+          <a:xfrm>
+            <a:off x="969421" y="863023"/>
+            <a:ext cx="457319" cy="584776"/>
+          </a:xfrm>
+          <a:prstGeom prst="rect">
+            <a:avLst/>
+          </a:prstGeom>
+        </p:spPr>
+        <p:txBody>
+          <a:bodyPr vert="horz" lIns="91440" tIns="45720" rIns="91440" bIns="45720" rtlCol="0" anchor="ctr">
+            <a:noAutofit/>
+          </a:bodyPr>
+          <a:lstStyle>
+            <a:lvl1pPr>
+              <a:spcBef>
+                <a:spcPct val="0"/>
+              </a:spcBef>
+              <a:buNone/>
+              <a:defRPr sz="3200" b="0" cap="all">
+                <a:ln w="3175" cmpd="sng">
+                  <a:noFill/>
+                </a:ln>
+                <a:effectLst>
+                  <a:glow rad="38100">
+                    <a:schemeClr val="bg1">
+                      <a:lumMod val="65000"/>
+                      <a:lumOff val="35000"/>
+                      <a:alpha val="40000"/>
+                    </a:schemeClr>
+                  </a:glow>
+                  <a:outerShdw blurRad="28575" dist="38100" dir="14040000" algn="tl" rotWithShape="0">
+                    <a:srgbClr val="000000">
+                      <a:alpha val="25000"/>
+                    </a:srgbClr>
+                  </a:outerShdw>
+                </a:effectLst>
+              </a:defRPr>
+            </a:lvl1pPr>
+            <a:lvl2pPr>
+              <a:defRPr>
+                <a:solidFill>
+                  <a:schemeClr val="tx2"/>
+                </a:solidFill>
+              </a:defRPr>
+            </a:lvl2pPr>
+            <a:lvl3pPr>
+              <a:defRPr>
+                <a:solidFill>
+                  <a:schemeClr val="tx2"/>
+                </a:solidFill>
+              </a:defRPr>
+            </a:lvl3pPr>
+            <a:lvl4pPr>
+              <a:defRPr>
+                <a:solidFill>
+                  <a:schemeClr val="tx2"/>
+                </a:solidFill>
+              </a:defRPr>
+            </a:lvl4pPr>
+            <a:lvl5pPr>
+              <a:defRPr>
+                <a:solidFill>
+                  <a:schemeClr val="tx2"/>
+                </a:solidFill>
+              </a:defRPr>
+            </a:lvl5pPr>
+            <a:lvl6pPr>
+              <a:defRPr>
+                <a:solidFill>
+                  <a:schemeClr val="tx2"/>
+                </a:solidFill>
+              </a:defRPr>
+            </a:lvl6pPr>
+            <a:lvl7pPr>
+              <a:defRPr>
+                <a:solidFill>
+                  <a:schemeClr val="tx2"/>
+                </a:solidFill>
+              </a:defRPr>
+            </a:lvl7pPr>
+            <a:lvl8pPr>
+              <a:defRPr>
+                <a:solidFill>
+                  <a:schemeClr val="tx2"/>
+                </a:solidFill>
+              </a:defRPr>
+            </a:lvl8pPr>
+            <a:lvl9pPr>
+              <a:defRPr>
+                <a:solidFill>
+                  <a:schemeClr val="tx2"/>
+                </a:solidFill>
+              </a:defRPr>
+            </a:lvl9pPr>
+          </a:lstStyle>
+          <a:p>
+            <a:pPr lvl="0"/>
+            <a:r>
+              <a:rPr lang="en-US" sz="8000" dirty="0">
+                <a:solidFill>
+                  <a:schemeClr val="tx1"/>
+                </a:solidFill>
+                <a:effectLst/>
+              </a:rPr>
+              <a:t>“</a:t>
+            </a:r>
+          </a:p>
+        </p:txBody>
+      </p:sp>
+      <p:sp>
+        <p:nvSpPr>
+          <p:cNvPr id="15" name="TextBox 14"/>
+          <p:cNvSpPr txBox="1"/>
+          <p:nvPr/>
+        </p:nvSpPr>
+        <p:spPr>
+          <a:xfrm>
+            <a:off x="8172197" y="2819399"/>
+            <a:ext cx="457319" cy="584776"/>
+          </a:xfrm>
+          <a:prstGeom prst="rect">
+            <a:avLst/>
+          </a:prstGeom>
+        </p:spPr>
+        <p:txBody>
+          <a:bodyPr vert="horz" lIns="91440" tIns="45720" rIns="91440" bIns="45720" rtlCol="0" anchor="ctr">
+            <a:noAutofit/>
+          </a:bodyPr>
+          <a:lstStyle>
+            <a:lvl1pPr>
+              <a:spcBef>
+                <a:spcPct val="0"/>
+              </a:spcBef>
+              <a:buNone/>
+              <a:defRPr sz="3200" b="0" cap="all">
+                <a:ln w="3175" cmpd="sng">
+                  <a:noFill/>
+                </a:ln>
+                <a:effectLst>
+                  <a:glow rad="38100">
+                    <a:schemeClr val="bg1">
+                      <a:lumMod val="65000"/>
+                      <a:lumOff val="35000"/>
+                      <a:alpha val="40000"/>
+                    </a:schemeClr>
+                  </a:glow>
+                  <a:outerShdw blurRad="28575" dist="38100" dir="14040000" algn="tl" rotWithShape="0">
+                    <a:srgbClr val="000000">
+                      <a:alpha val="25000"/>
+                    </a:srgbClr>
+                  </a:outerShdw>
+                </a:effectLst>
+              </a:defRPr>
+            </a:lvl1pPr>
+            <a:lvl2pPr>
+              <a:defRPr>
+                <a:solidFill>
+                  <a:schemeClr val="tx2"/>
+                </a:solidFill>
+              </a:defRPr>
+            </a:lvl2pPr>
+            <a:lvl3pPr>
+              <a:defRPr>
+                <a:solidFill>
+                  <a:schemeClr val="tx2"/>
+                </a:solidFill>
+              </a:defRPr>
+            </a:lvl3pPr>
+            <a:lvl4pPr>
+              <a:defRPr>
+                <a:solidFill>
+                  <a:schemeClr val="tx2"/>
+                </a:solidFill>
+              </a:defRPr>
+            </a:lvl4pPr>
+            <a:lvl5pPr>
+              <a:defRPr>
+                <a:solidFill>
+                  <a:schemeClr val="tx2"/>
+                </a:solidFill>
+              </a:defRPr>
+            </a:lvl5pPr>
+            <a:lvl6pPr>
+              <a:defRPr>
+                <a:solidFill>
+                  <a:schemeClr val="tx2"/>
+                </a:solidFill>
+              </a:defRPr>
+            </a:lvl6pPr>
+            <a:lvl7pPr>
+              <a:defRPr>
+                <a:solidFill>
+                  <a:schemeClr val="tx2"/>
+                </a:solidFill>
+              </a:defRPr>
+            </a:lvl7pPr>
+            <a:lvl8pPr>
+              <a:defRPr>
+                <a:solidFill>
+                  <a:schemeClr val="tx2"/>
+                </a:solidFill>
+              </a:defRPr>
+            </a:lvl8pPr>
+            <a:lvl9pPr>
+              <a:defRPr>
+                <a:solidFill>
+                  <a:schemeClr val="tx2"/>
+                </a:solidFill>
+              </a:defRPr>
+            </a:lvl9pPr>
+          </a:lstStyle>
+          <a:p>
+            <a:pPr lvl="0" algn="r"/>
+            <a:r>
+              <a:rPr lang="en-US" sz="8000" dirty="0">
+                <a:solidFill>
+                  <a:schemeClr val="tx1"/>
+                </a:solidFill>
+                <a:effectLst/>
+              </a:rPr>
+              <a:t>”</a:t>
+            </a:r>
+          </a:p>
+        </p:txBody>
+      </p:sp>
+      <p:sp>
+        <p:nvSpPr>
+          <p:cNvPr id="2" name="Title 1"/>
+          <p:cNvSpPr>
+            <a:spLocks noGrp="1"/>
+          </p:cNvSpPr>
+          <p:nvPr>
+            <p:ph type="title"/>
+          </p:nvPr>
+        </p:nvSpPr>
+        <p:spPr>
+          <a:xfrm>
+            <a:off x="1426741" y="685801"/>
+            <a:ext cx="6974115" cy="2743199"/>
+          </a:xfrm>
+        </p:spPr>
+        <p:txBody>
+          <a:bodyPr anchor="ctr">
+            <a:normAutofit/>
+          </a:bodyPr>
+          <a:lstStyle>
+            <a:lvl1pPr algn="ctr">
+              <a:defRPr sz="3200" b="0" cap="none">
+                <a:solidFill>
+                  <a:schemeClr val="tx1"/>
+                </a:solidFill>
+              </a:defRPr>
+            </a:lvl1pPr>
+          </a:lstStyle>
+          <a:p>
+            <a:r>
+              <a:rPr lang="en-US" smtClean="0"/>
+              <a:t>Click to edit Master title style</a:t>
+            </a:r>
+            <a:endParaRPr lang="en-US" dirty="0"/>
+          </a:p>
+        </p:txBody>
+      </p:sp>
+      <p:sp>
+        <p:nvSpPr>
+          <p:cNvPr id="10" name="Text Placeholder 9"/>
+          <p:cNvSpPr>
+            <a:spLocks noGrp="1"/>
+          </p:cNvSpPr>
+          <p:nvPr>
+            <p:ph type="body" sz="quarter" idx="13"/>
+          </p:nvPr>
+        </p:nvSpPr>
+        <p:spPr>
+          <a:xfrm>
+            <a:off x="1598235" y="3428999"/>
+            <a:ext cx="6631128" cy="381000"/>
+          </a:xfrm>
+        </p:spPr>
+        <p:txBody>
+          <a:bodyPr anchor="ctr">
+            <a:normAutofit/>
+          </a:bodyPr>
+          <a:lstStyle>
+            <a:lvl1pPr marL="0" indent="0">
+              <a:buFontTx/>
+              <a:buNone/>
+              <a:defRPr sz="1800"/>
+            </a:lvl1pPr>
+            <a:lvl2pPr marL="457200" indent="0">
+              <a:buFontTx/>
+              <a:buNone/>
+              <a:defRPr/>
+            </a:lvl2pPr>
+            <a:lvl3pPr marL="914400" indent="0">
+              <a:buFontTx/>
+              <a:buNone/>
+              <a:defRPr/>
+            </a:lvl3pPr>
+            <a:lvl4pPr marL="1371600" indent="0">
+              <a:buFontTx/>
+              <a:buNone/>
+              <a:defRPr/>
+            </a:lvl4pPr>
+            <a:lvl5pPr marL="1828800" indent="0">
+              <a:buFontTx/>
+              <a:buNone/>
+              <a:defRPr/>
+            </a:lvl5pPr>
+          </a:lstStyle>
+          <a:p>
+            <a:pPr lvl="0"/>
+            <a:r>
+              <a:rPr lang="en-US" smtClean="0"/>
+              <a:t>Click to edit Master text styles</a:t>
+            </a:r>
+          </a:p>
+        </p:txBody>
+      </p:sp>
+      <p:sp>
+        <p:nvSpPr>
+          <p:cNvPr id="3" name="Text Placeholder 2"/>
+          <p:cNvSpPr>
+            <a:spLocks noGrp="1"/>
+          </p:cNvSpPr>
+          <p:nvPr>
+            <p:ph type="body" idx="1"/>
+          </p:nvPr>
+        </p:nvSpPr>
+        <p:spPr>
+          <a:xfrm>
+            <a:off x="1113523" y="4343400"/>
+            <a:ext cx="7515991" cy="1447800"/>
+          </a:xfrm>
+        </p:spPr>
+        <p:txBody>
+          <a:bodyPr anchor="ctr">
+            <a:normAutofit/>
+          </a:bodyPr>
+          <a:lstStyle>
+            <a:lvl1pPr marL="0" indent="0" algn="ctr">
+              <a:buNone/>
+              <a:defRPr sz="2000">
+                <a:solidFill>
+                  <a:schemeClr val="tx1"/>
+                </a:solidFill>
+              </a:defRPr>
+            </a:lvl1pPr>
+            <a:lvl2pPr marL="457200" indent="0">
+              <a:buNone/>
+              <a:defRPr sz="1800">
+                <a:solidFill>
+                  <a:schemeClr val="tx1">
+                    <a:tint val="75000"/>
+                  </a:schemeClr>
+                </a:solidFill>
+              </a:defRPr>
+            </a:lvl2pPr>
+            <a:lvl3pPr marL="914400" indent="0">
+              <a:buNone/>
+              <a:defRPr sz="1600">
+                <a:solidFill>
+                  <a:schemeClr val="tx1">
+                    <a:tint val="75000"/>
+                  </a:schemeClr>
+                </a:solidFill>
+              </a:defRPr>
+            </a:lvl3pPr>
+            <a:lvl4pPr marL="1371600" indent="0">
+              <a:buNone/>
+              <a:defRPr sz="1400">
+                <a:solidFill>
+                  <a:schemeClr val="tx1">
+                    <a:tint val="75000"/>
+                  </a:schemeClr>
+                </a:solidFill>
+              </a:defRPr>
+            </a:lvl4pPr>
+            <a:lvl5pPr marL="1828800" indent="0">
+              <a:buNone/>
+              <a:defRPr sz="1400">
+                <a:solidFill>
+                  <a:schemeClr val="tx1">
+                    <a:tint val="75000"/>
+                  </a:schemeClr>
+                </a:solidFill>
+              </a:defRPr>
+            </a:lvl5pPr>
+            <a:lvl6pPr marL="2286000" indent="0">
+              <a:buNone/>
+              <a:defRPr sz="1400">
+                <a:solidFill>
+                  <a:schemeClr val="tx1">
+                    <a:tint val="75000"/>
+                  </a:schemeClr>
+                </a:solidFill>
+              </a:defRPr>
+            </a:lvl6pPr>
+            <a:lvl7pPr marL="2743200" indent="0">
+              <a:buNone/>
+              <a:defRPr sz="1400">
+                <a:solidFill>
+                  <a:schemeClr val="tx1">
+                    <a:tint val="75000"/>
+                  </a:schemeClr>
+                </a:solidFill>
+              </a:defRPr>
+            </a:lvl7pPr>
+            <a:lvl8pPr marL="3200400" indent="0">
+              <a:buNone/>
+              <a:defRPr sz="1400">
+                <a:solidFill>
+                  <a:schemeClr val="tx1">
+                    <a:tint val="75000"/>
+                  </a:schemeClr>
+                </a:solidFill>
+              </a:defRPr>
+            </a:lvl8pPr>
+            <a:lvl9pPr marL="3657600" indent="0">
+              <a:buNone/>
+              <a:defRPr sz="1400">
+                <a:solidFill>
+                  <a:schemeClr val="tx1">
+                    <a:tint val="75000"/>
+                  </a:schemeClr>
+                </a:solidFill>
+              </a:defRPr>
+            </a:lvl9pPr>
+          </a:lstStyle>
+          <a:p>
+            <a:pPr lvl="0"/>
+            <a:r>
+              <a:rPr lang="en-US" smtClean="0"/>
+              <a:t>Click to edit Master text styles</a:t>
+            </a:r>
+          </a:p>
+        </p:txBody>
+      </p:sp>
+      <p:sp>
+        <p:nvSpPr>
+          <p:cNvPr id="4" name="Date Placeholder 3"/>
+          <p:cNvSpPr>
+            <a:spLocks noGrp="1"/>
+          </p:cNvSpPr>
+          <p:nvPr>
+            <p:ph type="dt" sz="half" idx="10"/>
+          </p:nvPr>
+        </p:nvSpPr>
+        <p:spPr/>
+        <p:txBody>
+          <a:bodyPr/>
+          <a:lstStyle/>
+          <a:p>
+            <a:fld id="{B01F9CA3-105E-4857-9057-6DB6197DA786}" type="datetimeFigureOut">
+              <a:rPr lang="en-US" smtClean="0"/>
+              <a:t>9/14/2018</a:t>
+            </a:fld>
+            <a:endParaRPr lang="en-US"/>
+          </a:p>
+        </p:txBody>
+      </p:sp>
+      <p:sp>
+        <p:nvSpPr>
+          <p:cNvPr id="5" name="Footer Placeholder 4"/>
+          <p:cNvSpPr>
+            <a:spLocks noGrp="1"/>
+          </p:cNvSpPr>
+          <p:nvPr>
+            <p:ph type="ftr" sz="quarter" idx="11"/>
+          </p:nvPr>
+        </p:nvSpPr>
+        <p:spPr/>
+        <p:txBody>
+          <a:bodyPr/>
+          <a:lstStyle/>
+          <a:p>
+            <a:endParaRPr lang="en-US"/>
+          </a:p>
+        </p:txBody>
+      </p:sp>
+      <p:sp>
+        <p:nvSpPr>
+          <p:cNvPr id="6" name="Slide Number Placeholder 5"/>
+          <p:cNvSpPr>
+            <a:spLocks noGrp="1"/>
+          </p:cNvSpPr>
+          <p:nvPr>
+            <p:ph type="sldNum" sz="quarter" idx="12"/>
+          </p:nvPr>
+        </p:nvSpPr>
+        <p:spPr/>
+        <p:txBody>
+          <a:bodyPr/>
+          <a:lstStyle/>
+          <a:p>
+            <a:fld id="{7F5CE407-6216-4202-80E4-A30DC2F709B2}" type="slidenum">
+              <a:rPr lang="en-US" smtClean="0"/>
+              <a:t>‹#›</a:t>
+            </a:fld>
+            <a:endParaRPr lang="en-US"/>
+          </a:p>
+        </p:txBody>
+      </p:sp>
+    </p:spTree>
+    <p:extLst>
+      <p:ext uri="{BB962C8B-B14F-4D97-AF65-F5344CB8AC3E}">
+        <p14:creationId xmlns:p14="http://schemas.microsoft.com/office/powerpoint/2010/main" val="4262760178"/>
+      </p:ext>
+    </p:extLst>
+  </p:cSld>
+  <p:clrMapOvr>
+    <a:masterClrMapping/>
+  </p:clrMapOvr>
+</p:sldLayout>
+</file>
+
+<file path=ppt/slideLayouts/slideLayout13.xml><?xml version="1.0" encoding="utf-8"?>
+<p:sldLayout xmlns:a="http://schemas.openxmlformats.org/drawingml/2006/main" xmlns:r="http://schemas.openxmlformats.org/officeDocument/2006/relationships" xmlns:p="http://schemas.openxmlformats.org/presentationml/2006/main" preserve="1">
+  <p:cSld name="Name Card">
+    <p:spTree>
+      <p:nvGrpSpPr>
+        <p:cNvPr id="1" name=""/>
+        <p:cNvGrpSpPr/>
+        <p:nvPr/>
+      </p:nvGrpSpPr>
+      <p:grpSpPr>
+        <a:xfrm>
+          <a:off x="0" y="0"/>
+          <a:ext cx="0" cy="0"/>
+          <a:chOff x="0" y="0"/>
+          <a:chExt cx="0" cy="0"/>
+        </a:xfrm>
+      </p:grpSpPr>
+      <p:sp>
+        <p:nvSpPr>
+          <p:cNvPr id="2" name="Title 1"/>
+          <p:cNvSpPr>
+            <a:spLocks noGrp="1"/>
+          </p:cNvSpPr>
+          <p:nvPr>
+            <p:ph type="title"/>
+          </p:nvPr>
+        </p:nvSpPr>
+        <p:spPr>
+          <a:xfrm>
+            <a:off x="1113525" y="3308581"/>
+            <a:ext cx="7515989" cy="1468800"/>
+          </a:xfrm>
+        </p:spPr>
+        <p:txBody>
+          <a:bodyPr anchor="b">
+            <a:normAutofit/>
+          </a:bodyPr>
+          <a:lstStyle>
+            <a:lvl1pPr algn="r">
+              <a:defRPr sz="3200" b="0" cap="none"/>
+            </a:lvl1pPr>
+          </a:lstStyle>
+          <a:p>
+            <a:r>
+              <a:rPr lang="en-US" smtClean="0"/>
+              <a:t>Click to edit Master title style</a:t>
+            </a:r>
+            <a:endParaRPr lang="en-US" dirty="0"/>
+          </a:p>
+        </p:txBody>
+      </p:sp>
+      <p:sp>
+        <p:nvSpPr>
+          <p:cNvPr id="3" name="Text Placeholder 2"/>
+          <p:cNvSpPr>
+            <a:spLocks noGrp="1"/>
+          </p:cNvSpPr>
+          <p:nvPr>
+            <p:ph type="body" idx="1"/>
+          </p:nvPr>
+        </p:nvSpPr>
+        <p:spPr>
+          <a:xfrm>
+            <a:off x="1113524" y="4777381"/>
+            <a:ext cx="7515990" cy="860400"/>
+          </a:xfrm>
+        </p:spPr>
+        <p:txBody>
+          <a:bodyPr anchor="t">
+            <a:normAutofit/>
+          </a:bodyPr>
+          <a:lstStyle>
+            <a:lvl1pPr marL="0" indent="0" algn="r">
+              <a:buNone/>
+              <a:defRPr sz="2000">
+                <a:solidFill>
+                  <a:schemeClr val="tx1"/>
+                </a:solidFill>
+              </a:defRPr>
+            </a:lvl1pPr>
+            <a:lvl2pPr marL="457200" indent="0">
+              <a:buNone/>
+              <a:defRPr sz="1800">
+                <a:solidFill>
+                  <a:schemeClr val="tx1">
+                    <a:tint val="75000"/>
+                  </a:schemeClr>
+                </a:solidFill>
+              </a:defRPr>
+            </a:lvl2pPr>
+            <a:lvl3pPr marL="914400" indent="0">
+              <a:buNone/>
+              <a:defRPr sz="1600">
+                <a:solidFill>
+                  <a:schemeClr val="tx1">
+                    <a:tint val="75000"/>
+                  </a:schemeClr>
+                </a:solidFill>
+              </a:defRPr>
+            </a:lvl3pPr>
+            <a:lvl4pPr marL="1371600" indent="0">
+              <a:buNone/>
+              <a:defRPr sz="1400">
+                <a:solidFill>
+                  <a:schemeClr val="tx1">
+                    <a:tint val="75000"/>
+                  </a:schemeClr>
+                </a:solidFill>
+              </a:defRPr>
+            </a:lvl4pPr>
+            <a:lvl5pPr marL="1828800" indent="0">
+              <a:buNone/>
+              <a:defRPr sz="1400">
+                <a:solidFill>
+                  <a:schemeClr val="tx1">
+                    <a:tint val="75000"/>
+                  </a:schemeClr>
+                </a:solidFill>
+              </a:defRPr>
+            </a:lvl5pPr>
+            <a:lvl6pPr marL="2286000" indent="0">
+              <a:buNone/>
+              <a:defRPr sz="1400">
+                <a:solidFill>
+                  <a:schemeClr val="tx1">
+                    <a:tint val="75000"/>
+                  </a:schemeClr>
+                </a:solidFill>
+              </a:defRPr>
+            </a:lvl6pPr>
+            <a:lvl7pPr marL="2743200" indent="0">
+              <a:buNone/>
+              <a:defRPr sz="1400">
+                <a:solidFill>
+                  <a:schemeClr val="tx1">
+                    <a:tint val="75000"/>
+                  </a:schemeClr>
+                </a:solidFill>
+              </a:defRPr>
+            </a:lvl7pPr>
+            <a:lvl8pPr marL="3200400" indent="0">
+              <a:buNone/>
+              <a:defRPr sz="1400">
+                <a:solidFill>
+                  <a:schemeClr val="tx1">
+                    <a:tint val="75000"/>
+                  </a:schemeClr>
+                </a:solidFill>
+              </a:defRPr>
+            </a:lvl8pPr>
+            <a:lvl9pPr marL="3657600" indent="0">
+              <a:buNone/>
+              <a:defRPr sz="1400">
+                <a:solidFill>
+                  <a:schemeClr val="tx1">
+                    <a:tint val="75000"/>
+                  </a:schemeClr>
+                </a:solidFill>
+              </a:defRPr>
+            </a:lvl9pPr>
+          </a:lstStyle>
+          <a:p>
+            <a:pPr lvl="0"/>
+            <a:r>
+              <a:rPr lang="en-US" smtClean="0"/>
+              <a:t>Click to edit Master text styles</a:t>
+            </a:r>
+          </a:p>
+        </p:txBody>
+      </p:sp>
+      <p:sp>
+        <p:nvSpPr>
+          <p:cNvPr id="4" name="Date Placeholder 3"/>
+          <p:cNvSpPr>
+            <a:spLocks noGrp="1"/>
+          </p:cNvSpPr>
+          <p:nvPr>
+            <p:ph type="dt" sz="half" idx="10"/>
+          </p:nvPr>
+        </p:nvSpPr>
+        <p:spPr/>
+        <p:txBody>
+          <a:bodyPr/>
+          <a:lstStyle/>
+          <a:p>
+            <a:fld id="{B01F9CA3-105E-4857-9057-6DB6197DA786}" type="datetimeFigureOut">
+              <a:rPr lang="en-US" smtClean="0"/>
+              <a:t>9/14/2018</a:t>
+            </a:fld>
+            <a:endParaRPr lang="en-US"/>
+          </a:p>
+        </p:txBody>
+      </p:sp>
+      <p:sp>
+        <p:nvSpPr>
+          <p:cNvPr id="5" name="Footer Placeholder 4"/>
+          <p:cNvSpPr>
+            <a:spLocks noGrp="1"/>
+          </p:cNvSpPr>
+          <p:nvPr>
+            <p:ph type="ftr" sz="quarter" idx="11"/>
+          </p:nvPr>
+        </p:nvSpPr>
+        <p:spPr/>
+        <p:txBody>
+          <a:bodyPr/>
+          <a:lstStyle/>
+          <a:p>
+            <a:endParaRPr lang="en-US"/>
+          </a:p>
+        </p:txBody>
+      </p:sp>
+      <p:sp>
+        <p:nvSpPr>
+          <p:cNvPr id="6" name="Slide Number Placeholder 5"/>
+          <p:cNvSpPr>
+            <a:spLocks noGrp="1"/>
+          </p:cNvSpPr>
+          <p:nvPr>
+            <p:ph type="sldNum" sz="quarter" idx="12"/>
+          </p:nvPr>
+        </p:nvSpPr>
+        <p:spPr/>
+        <p:txBody>
+          <a:bodyPr/>
+          <a:lstStyle/>
+          <a:p>
+            <a:fld id="{7F5CE407-6216-4202-80E4-A30DC2F709B2}" type="slidenum">
+              <a:rPr lang="en-US" smtClean="0"/>
+              <a:t>‹#›</a:t>
+            </a:fld>
+            <a:endParaRPr lang="en-US"/>
+          </a:p>
+        </p:txBody>
+      </p:sp>
+    </p:spTree>
+    <p:extLst>
+      <p:ext uri="{BB962C8B-B14F-4D97-AF65-F5344CB8AC3E}">
+        <p14:creationId xmlns:p14="http://schemas.microsoft.com/office/powerpoint/2010/main" val="3595673032"/>
+      </p:ext>
+    </p:extLst>
+  </p:cSld>
+  <p:clrMapOvr>
+    <a:masterClrMapping/>
+  </p:clrMapOvr>
+</p:sldLayout>
+</file>
+
+<file path=ppt/slideLayouts/slideLayout14.xml><?xml version="1.0" encoding="utf-8"?>
+<p:sldLayout xmlns:a="http://schemas.openxmlformats.org/drawingml/2006/main" xmlns:r="http://schemas.openxmlformats.org/officeDocument/2006/relationships" xmlns:p="http://schemas.openxmlformats.org/presentationml/2006/main" preserve="1">
+  <p:cSld name="Quote Name Card">
+    <p:spTree>
+      <p:nvGrpSpPr>
+        <p:cNvPr id="1" name=""/>
+        <p:cNvGrpSpPr/>
+        <p:nvPr/>
+      </p:nvGrpSpPr>
+      <p:grpSpPr>
+        <a:xfrm>
+          <a:off x="0" y="0"/>
+          <a:ext cx="0" cy="0"/>
+          <a:chOff x="0" y="0"/>
+          <a:chExt cx="0" cy="0"/>
+        </a:xfrm>
+      </p:grpSpPr>
+      <p:sp>
+        <p:nvSpPr>
+          <p:cNvPr id="14" name="TextBox 13"/>
+          <p:cNvSpPr txBox="1"/>
+          <p:nvPr/>
+        </p:nvSpPr>
+        <p:spPr>
+          <a:xfrm>
+            <a:off x="969421" y="863023"/>
+            <a:ext cx="457319" cy="584776"/>
+          </a:xfrm>
+          <a:prstGeom prst="rect">
+            <a:avLst/>
+          </a:prstGeom>
+        </p:spPr>
+        <p:txBody>
+          <a:bodyPr vert="horz" lIns="91440" tIns="45720" rIns="91440" bIns="45720" rtlCol="0" anchor="ctr">
+            <a:noAutofit/>
+          </a:bodyPr>
+          <a:lstStyle>
+            <a:lvl1pPr>
+              <a:spcBef>
+                <a:spcPct val="0"/>
+              </a:spcBef>
+              <a:buNone/>
+              <a:defRPr sz="3200" b="0" cap="all">
+                <a:ln w="3175" cmpd="sng">
+                  <a:noFill/>
+                </a:ln>
+                <a:effectLst>
+                  <a:glow rad="38100">
+                    <a:schemeClr val="bg1">
+                      <a:lumMod val="65000"/>
+                      <a:lumOff val="35000"/>
+                      <a:alpha val="40000"/>
+                    </a:schemeClr>
+                  </a:glow>
+                  <a:outerShdw blurRad="28575" dist="38100" dir="14040000" algn="tl" rotWithShape="0">
+                    <a:srgbClr val="000000">
+                      <a:alpha val="25000"/>
+                    </a:srgbClr>
+                  </a:outerShdw>
+                </a:effectLst>
+              </a:defRPr>
+            </a:lvl1pPr>
+            <a:lvl2pPr>
+              <a:defRPr>
+                <a:solidFill>
+                  <a:schemeClr val="tx2"/>
+                </a:solidFill>
+              </a:defRPr>
+            </a:lvl2pPr>
+            <a:lvl3pPr>
+              <a:defRPr>
+                <a:solidFill>
+                  <a:schemeClr val="tx2"/>
+                </a:solidFill>
+              </a:defRPr>
+            </a:lvl3pPr>
+            <a:lvl4pPr>
+              <a:defRPr>
+                <a:solidFill>
+                  <a:schemeClr val="tx2"/>
+                </a:solidFill>
+              </a:defRPr>
+            </a:lvl4pPr>
+            <a:lvl5pPr>
+              <a:defRPr>
+                <a:solidFill>
+                  <a:schemeClr val="tx2"/>
+                </a:solidFill>
+              </a:defRPr>
+            </a:lvl5pPr>
+            <a:lvl6pPr>
+              <a:defRPr>
+                <a:solidFill>
+                  <a:schemeClr val="tx2"/>
+                </a:solidFill>
+              </a:defRPr>
+            </a:lvl6pPr>
+            <a:lvl7pPr>
+              <a:defRPr>
+                <a:solidFill>
+                  <a:schemeClr val="tx2"/>
+                </a:solidFill>
+              </a:defRPr>
+            </a:lvl7pPr>
+            <a:lvl8pPr>
+              <a:defRPr>
+                <a:solidFill>
+                  <a:schemeClr val="tx2"/>
+                </a:solidFill>
+              </a:defRPr>
+            </a:lvl8pPr>
+            <a:lvl9pPr>
+              <a:defRPr>
+                <a:solidFill>
+                  <a:schemeClr val="tx2"/>
+                </a:solidFill>
+              </a:defRPr>
+            </a:lvl9pPr>
+          </a:lstStyle>
+          <a:p>
+            <a:pPr lvl="0"/>
+            <a:r>
+              <a:rPr lang="en-US" sz="8000" dirty="0">
+                <a:solidFill>
+                  <a:schemeClr val="tx1"/>
+                </a:solidFill>
+                <a:effectLst/>
+              </a:rPr>
+              <a:t>“</a:t>
+            </a:r>
+          </a:p>
+        </p:txBody>
+      </p:sp>
+      <p:sp>
+        <p:nvSpPr>
+          <p:cNvPr id="15" name="TextBox 14"/>
+          <p:cNvSpPr txBox="1"/>
+          <p:nvPr/>
+        </p:nvSpPr>
+        <p:spPr>
+          <a:xfrm>
+            <a:off x="8172197" y="2819399"/>
+            <a:ext cx="457319" cy="584776"/>
+          </a:xfrm>
+          <a:prstGeom prst="rect">
+            <a:avLst/>
+          </a:prstGeom>
+        </p:spPr>
+        <p:txBody>
+          <a:bodyPr vert="horz" lIns="91440" tIns="45720" rIns="91440" bIns="45720" rtlCol="0" anchor="ctr">
+            <a:noAutofit/>
+          </a:bodyPr>
+          <a:lstStyle>
+            <a:lvl1pPr>
+              <a:spcBef>
+                <a:spcPct val="0"/>
+              </a:spcBef>
+              <a:buNone/>
+              <a:defRPr sz="3200" b="0" cap="all">
+                <a:ln w="3175" cmpd="sng">
+                  <a:noFill/>
+                </a:ln>
+                <a:effectLst>
+                  <a:glow rad="38100">
+                    <a:schemeClr val="bg1">
+                      <a:lumMod val="65000"/>
+                      <a:lumOff val="35000"/>
+                      <a:alpha val="40000"/>
+                    </a:schemeClr>
+                  </a:glow>
+                  <a:outerShdw blurRad="28575" dist="38100" dir="14040000" algn="tl" rotWithShape="0">
+                    <a:srgbClr val="000000">
+                      <a:alpha val="25000"/>
+                    </a:srgbClr>
+                  </a:outerShdw>
+                </a:effectLst>
+              </a:defRPr>
+            </a:lvl1pPr>
+            <a:lvl2pPr>
+              <a:defRPr>
+                <a:solidFill>
+                  <a:schemeClr val="tx2"/>
+                </a:solidFill>
+              </a:defRPr>
+            </a:lvl2pPr>
+            <a:lvl3pPr>
+              <a:defRPr>
+                <a:solidFill>
+                  <a:schemeClr val="tx2"/>
+                </a:solidFill>
+              </a:defRPr>
+            </a:lvl3pPr>
+            <a:lvl4pPr>
+              <a:defRPr>
+                <a:solidFill>
+                  <a:schemeClr val="tx2"/>
+                </a:solidFill>
+              </a:defRPr>
+            </a:lvl4pPr>
+            <a:lvl5pPr>
+              <a:defRPr>
+                <a:solidFill>
+                  <a:schemeClr val="tx2"/>
+                </a:solidFill>
+              </a:defRPr>
+            </a:lvl5pPr>
+            <a:lvl6pPr>
+              <a:defRPr>
+                <a:solidFill>
+                  <a:schemeClr val="tx2"/>
+                </a:solidFill>
+              </a:defRPr>
+            </a:lvl6pPr>
+            <a:lvl7pPr>
+              <a:defRPr>
+                <a:solidFill>
+                  <a:schemeClr val="tx2"/>
+                </a:solidFill>
+              </a:defRPr>
+            </a:lvl7pPr>
+            <a:lvl8pPr>
+              <a:defRPr>
+                <a:solidFill>
+                  <a:schemeClr val="tx2"/>
+                </a:solidFill>
+              </a:defRPr>
+            </a:lvl8pPr>
+            <a:lvl9pPr>
+              <a:defRPr>
+                <a:solidFill>
+                  <a:schemeClr val="tx2"/>
+                </a:solidFill>
+              </a:defRPr>
+            </a:lvl9pPr>
+          </a:lstStyle>
+          <a:p>
+            <a:pPr lvl="0" algn="r"/>
+            <a:r>
+              <a:rPr lang="en-US" sz="8000" dirty="0">
+                <a:solidFill>
+                  <a:schemeClr val="tx1"/>
+                </a:solidFill>
+                <a:effectLst/>
+              </a:rPr>
+              <a:t>”</a:t>
+            </a:r>
+          </a:p>
+        </p:txBody>
+      </p:sp>
+      <p:sp>
+        <p:nvSpPr>
+          <p:cNvPr id="2" name="Title 1"/>
+          <p:cNvSpPr>
+            <a:spLocks noGrp="1"/>
+          </p:cNvSpPr>
+          <p:nvPr>
+            <p:ph type="title"/>
+          </p:nvPr>
+        </p:nvSpPr>
+        <p:spPr>
+          <a:xfrm>
+            <a:off x="1426741" y="685801"/>
+            <a:ext cx="6974115" cy="2743199"/>
+          </a:xfrm>
+        </p:spPr>
+        <p:txBody>
+          <a:bodyPr anchor="ctr">
+            <a:normAutofit/>
+          </a:bodyPr>
+          <a:lstStyle>
+            <a:lvl1pPr algn="ctr">
+              <a:defRPr sz="3200" b="0" cap="none">
+                <a:solidFill>
+                  <a:schemeClr val="tx1"/>
+                </a:solidFill>
+              </a:defRPr>
+            </a:lvl1pPr>
+          </a:lstStyle>
+          <a:p>
+            <a:r>
+              <a:rPr lang="en-US" smtClean="0"/>
+              <a:t>Click to edit Master title style</a:t>
+            </a:r>
+            <a:endParaRPr lang="en-US" dirty="0"/>
+          </a:p>
+        </p:txBody>
+      </p:sp>
+      <p:sp>
+        <p:nvSpPr>
+          <p:cNvPr id="10" name="Text Placeholder 9"/>
+          <p:cNvSpPr>
+            <a:spLocks noGrp="1"/>
+          </p:cNvSpPr>
+          <p:nvPr>
+            <p:ph type="body" sz="quarter" idx="13"/>
+          </p:nvPr>
+        </p:nvSpPr>
+        <p:spPr>
+          <a:xfrm>
+            <a:off x="1113525" y="3886200"/>
+            <a:ext cx="7515990" cy="889000"/>
+          </a:xfrm>
+        </p:spPr>
+        <p:txBody>
+          <a:bodyPr vert="horz" lIns="91440" tIns="45720" rIns="91440" bIns="45720" rtlCol="0" anchor="b">
+            <a:normAutofit/>
+          </a:bodyPr>
+          <a:lstStyle>
+            <a:lvl1pPr algn="r">
+              <a:buNone/>
+              <a:defRPr lang="en-US" sz="2400" b="0" cap="none" dirty="0">
+                <a:ln w="3175" cmpd="sng">
+                  <a:noFill/>
+                </a:ln>
+                <a:solidFill>
+                  <a:schemeClr val="tx1"/>
+                </a:solidFill>
+                <a:effectLst/>
+              </a:defRPr>
+            </a:lvl1pPr>
+          </a:lstStyle>
+          <a:p>
+            <a:pPr marL="0" lvl="0">
+              <a:spcBef>
+                <a:spcPct val="0"/>
+              </a:spcBef>
+              <a:buNone/>
+            </a:pPr>
+            <a:r>
+              <a:rPr lang="en-US" smtClean="0"/>
+              <a:t>Click to edit Master text styles</a:t>
+            </a:r>
+          </a:p>
+        </p:txBody>
+      </p:sp>
+      <p:sp>
+        <p:nvSpPr>
+          <p:cNvPr id="3" name="Text Placeholder 2"/>
+          <p:cNvSpPr>
+            <a:spLocks noGrp="1"/>
+          </p:cNvSpPr>
+          <p:nvPr>
+            <p:ph type="body" idx="1"/>
+          </p:nvPr>
+        </p:nvSpPr>
+        <p:spPr>
+          <a:xfrm>
+            <a:off x="1113524" y="4775200"/>
+            <a:ext cx="7515990" cy="1016000"/>
+          </a:xfrm>
+        </p:spPr>
+        <p:txBody>
+          <a:bodyPr anchor="t">
+            <a:normAutofit/>
+          </a:bodyPr>
+          <a:lstStyle>
+            <a:lvl1pPr marL="0" indent="0" algn="r">
+              <a:buNone/>
+              <a:defRPr sz="1800">
+                <a:solidFill>
+                  <a:schemeClr val="tx1"/>
+                </a:solidFill>
+              </a:defRPr>
+            </a:lvl1pPr>
+            <a:lvl2pPr marL="457200" indent="0">
+              <a:buNone/>
+              <a:defRPr sz="1800">
+                <a:solidFill>
+                  <a:schemeClr val="tx1">
+                    <a:tint val="75000"/>
+                  </a:schemeClr>
+                </a:solidFill>
+              </a:defRPr>
+            </a:lvl2pPr>
+            <a:lvl3pPr marL="914400" indent="0">
+              <a:buNone/>
+              <a:defRPr sz="1600">
+                <a:solidFill>
+                  <a:schemeClr val="tx1">
+                    <a:tint val="75000"/>
+                  </a:schemeClr>
+                </a:solidFill>
+              </a:defRPr>
+            </a:lvl3pPr>
+            <a:lvl4pPr marL="1371600" indent="0">
+              <a:buNone/>
+              <a:defRPr sz="1400">
+                <a:solidFill>
+                  <a:schemeClr val="tx1">
+                    <a:tint val="75000"/>
+                  </a:schemeClr>
+                </a:solidFill>
+              </a:defRPr>
+            </a:lvl4pPr>
+            <a:lvl5pPr marL="1828800" indent="0">
+              <a:buNone/>
+              <a:defRPr sz="1400">
+                <a:solidFill>
+                  <a:schemeClr val="tx1">
+                    <a:tint val="75000"/>
+                  </a:schemeClr>
+                </a:solidFill>
+              </a:defRPr>
+            </a:lvl5pPr>
+            <a:lvl6pPr marL="2286000" indent="0">
+              <a:buNone/>
+              <a:defRPr sz="1400">
+                <a:solidFill>
+                  <a:schemeClr val="tx1">
+                    <a:tint val="75000"/>
+                  </a:schemeClr>
+                </a:solidFill>
+              </a:defRPr>
+            </a:lvl6pPr>
+            <a:lvl7pPr marL="2743200" indent="0">
+              <a:buNone/>
+              <a:defRPr sz="1400">
+                <a:solidFill>
+                  <a:schemeClr val="tx1">
+                    <a:tint val="75000"/>
+                  </a:schemeClr>
+                </a:solidFill>
+              </a:defRPr>
+            </a:lvl7pPr>
+            <a:lvl8pPr marL="3200400" indent="0">
+              <a:buNone/>
+              <a:defRPr sz="1400">
+                <a:solidFill>
+                  <a:schemeClr val="tx1">
+                    <a:tint val="75000"/>
+                  </a:schemeClr>
+                </a:solidFill>
+              </a:defRPr>
+            </a:lvl8pPr>
+            <a:lvl9pPr marL="3657600" indent="0">
+              <a:buNone/>
+              <a:defRPr sz="1400">
+                <a:solidFill>
+                  <a:schemeClr val="tx1">
+                    <a:tint val="75000"/>
+                  </a:schemeClr>
+                </a:solidFill>
+              </a:defRPr>
+            </a:lvl9pPr>
+          </a:lstStyle>
+          <a:p>
+            <a:pPr lvl="0"/>
+            <a:r>
+              <a:rPr lang="en-US" smtClean="0"/>
+              <a:t>Click to edit Master text styles</a:t>
+            </a:r>
+          </a:p>
+        </p:txBody>
+      </p:sp>
+      <p:sp>
+        <p:nvSpPr>
+          <p:cNvPr id="4" name="Date Placeholder 3"/>
+          <p:cNvSpPr>
+            <a:spLocks noGrp="1"/>
+          </p:cNvSpPr>
+          <p:nvPr>
+            <p:ph type="dt" sz="half" idx="10"/>
+          </p:nvPr>
+        </p:nvSpPr>
+        <p:spPr/>
+        <p:txBody>
+          <a:bodyPr/>
+          <a:lstStyle/>
+          <a:p>
+            <a:fld id="{B01F9CA3-105E-4857-9057-6DB6197DA786}" type="datetimeFigureOut">
+              <a:rPr lang="en-US" smtClean="0"/>
+              <a:t>9/14/2018</a:t>
+            </a:fld>
+            <a:endParaRPr lang="en-US"/>
+          </a:p>
+        </p:txBody>
+      </p:sp>
+      <p:sp>
+        <p:nvSpPr>
+          <p:cNvPr id="5" name="Footer Placeholder 4"/>
+          <p:cNvSpPr>
+            <a:spLocks noGrp="1"/>
+          </p:cNvSpPr>
+          <p:nvPr>
+            <p:ph type="ftr" sz="quarter" idx="11"/>
+          </p:nvPr>
+        </p:nvSpPr>
+        <p:spPr/>
+        <p:txBody>
+          <a:bodyPr/>
+          <a:lstStyle/>
+          <a:p>
+            <a:endParaRPr lang="en-US"/>
+          </a:p>
+        </p:txBody>
+      </p:sp>
+      <p:sp>
+        <p:nvSpPr>
+          <p:cNvPr id="6" name="Slide Number Placeholder 5"/>
+          <p:cNvSpPr>
+            <a:spLocks noGrp="1"/>
+          </p:cNvSpPr>
+          <p:nvPr>
+            <p:ph type="sldNum" sz="quarter" idx="12"/>
+          </p:nvPr>
+        </p:nvSpPr>
+        <p:spPr/>
+        <p:txBody>
+          <a:bodyPr/>
+          <a:lstStyle/>
+          <a:p>
+            <a:fld id="{7F5CE407-6216-4202-80E4-A30DC2F709B2}" type="slidenum">
+              <a:rPr lang="en-US" smtClean="0"/>
+              <a:t>‹#›</a:t>
+            </a:fld>
+            <a:endParaRPr lang="en-US"/>
+          </a:p>
+        </p:txBody>
+      </p:sp>
+    </p:spTree>
+    <p:extLst>
+      <p:ext uri="{BB962C8B-B14F-4D97-AF65-F5344CB8AC3E}">
+        <p14:creationId xmlns:p14="http://schemas.microsoft.com/office/powerpoint/2010/main" val="1770235336"/>
+      </p:ext>
+    </p:extLst>
+  </p:cSld>
+  <p:clrMapOvr>
+    <a:masterClrMapping/>
+  </p:clrMapOvr>
+</p:sldLayout>
+</file>
+
+<file path=ppt/slideLayouts/slideLayout15.xml><?xml version="1.0" encoding="utf-8"?>
+<p:sldLayout xmlns:a="http://schemas.openxmlformats.org/drawingml/2006/main" xmlns:r="http://schemas.openxmlformats.org/officeDocument/2006/relationships" xmlns:p="http://schemas.openxmlformats.org/presentationml/2006/main" preserve="1">
+  <p:cSld name="True or False">
+    <p:spTree>
+      <p:nvGrpSpPr>
+        <p:cNvPr id="1" name=""/>
+        <p:cNvGrpSpPr/>
+        <p:nvPr/>
+      </p:nvGrpSpPr>
+      <p:grpSpPr>
+        <a:xfrm>
+          <a:off x="0" y="0"/>
+          <a:ext cx="0" cy="0"/>
+          <a:chOff x="0" y="0"/>
+          <a:chExt cx="0" cy="0"/>
+        </a:xfrm>
+      </p:grpSpPr>
+      <p:sp>
+        <p:nvSpPr>
+          <p:cNvPr id="2" name="Title 1"/>
+          <p:cNvSpPr>
+            <a:spLocks noGrp="1"/>
+          </p:cNvSpPr>
+          <p:nvPr>
+            <p:ph type="title"/>
+          </p:nvPr>
+        </p:nvSpPr>
+        <p:spPr>
+          <a:xfrm>
+            <a:off x="1113525" y="685801"/>
+            <a:ext cx="7515991" cy="2727325"/>
+          </a:xfrm>
+        </p:spPr>
+        <p:txBody>
+          <a:bodyPr vert="horz" lIns="91440" tIns="45720" rIns="91440" bIns="45720" rtlCol="0" anchor="ctr">
+            <a:normAutofit/>
+          </a:bodyPr>
+          <a:lstStyle>
+            <a:lvl1pPr>
+              <a:defRPr lang="en-US" b="0" dirty="0"/>
+            </a:lvl1pPr>
+          </a:lstStyle>
+          <a:p>
+            <a:pPr marL="0" lvl="0"/>
+            <a:r>
+              <a:rPr lang="en-US" smtClean="0"/>
+              <a:t>Click to edit Master title style</a:t>
+            </a:r>
+            <a:endParaRPr lang="en-US" dirty="0"/>
+          </a:p>
+        </p:txBody>
+      </p:sp>
+      <p:sp>
+        <p:nvSpPr>
+          <p:cNvPr id="10" name="Text Placeholder 9"/>
+          <p:cNvSpPr>
+            <a:spLocks noGrp="1"/>
+          </p:cNvSpPr>
+          <p:nvPr>
+            <p:ph type="body" sz="quarter" idx="13"/>
+          </p:nvPr>
+        </p:nvSpPr>
+        <p:spPr>
+          <a:xfrm>
+            <a:off x="1113524" y="3505200"/>
+            <a:ext cx="7515992" cy="838200"/>
+          </a:xfrm>
+        </p:spPr>
+        <p:txBody>
+          <a:bodyPr vert="horz" lIns="91440" tIns="45720" rIns="91440" bIns="45720" rtlCol="0" anchor="b">
+            <a:normAutofit/>
+          </a:bodyPr>
+          <a:lstStyle>
+            <a:lvl1pPr>
+              <a:buNone/>
+              <a:defRPr lang="en-US" sz="2800" b="0" cap="none" dirty="0">
+                <a:ln w="3175" cmpd="sng">
+                  <a:noFill/>
+                </a:ln>
+                <a:solidFill>
+                  <a:schemeClr val="tx1"/>
+                </a:solidFill>
+                <a:effectLst/>
+              </a:defRPr>
+            </a:lvl1pPr>
+          </a:lstStyle>
+          <a:p>
+            <a:pPr marL="0" lvl="0">
+              <a:spcBef>
+                <a:spcPct val="0"/>
+              </a:spcBef>
+              <a:buNone/>
+            </a:pPr>
+            <a:r>
+              <a:rPr lang="en-US" smtClean="0"/>
+              <a:t>Click to edit Master text styles</a:t>
+            </a:r>
+          </a:p>
+        </p:txBody>
+      </p:sp>
+      <p:sp>
+        <p:nvSpPr>
+          <p:cNvPr id="3" name="Text Placeholder 2"/>
+          <p:cNvSpPr>
+            <a:spLocks noGrp="1"/>
+          </p:cNvSpPr>
+          <p:nvPr>
+            <p:ph type="body" idx="1"/>
+          </p:nvPr>
+        </p:nvSpPr>
+        <p:spPr>
+          <a:xfrm>
+            <a:off x="1113524" y="4343400"/>
+            <a:ext cx="7515992" cy="1447800"/>
+          </a:xfrm>
+        </p:spPr>
+        <p:txBody>
+          <a:bodyPr anchor="t">
+            <a:normAutofit/>
+          </a:bodyPr>
+          <a:lstStyle>
+            <a:lvl1pPr marL="0" indent="0" algn="l">
+              <a:buNone/>
+              <a:defRPr sz="1800">
+                <a:solidFill>
+                  <a:schemeClr val="tx1"/>
+                </a:solidFill>
+              </a:defRPr>
+            </a:lvl1pPr>
+            <a:lvl2pPr marL="457200" indent="0">
+              <a:buNone/>
+              <a:defRPr sz="1800">
+                <a:solidFill>
+                  <a:schemeClr val="tx1">
+                    <a:tint val="75000"/>
+                  </a:schemeClr>
+                </a:solidFill>
+              </a:defRPr>
+            </a:lvl2pPr>
+            <a:lvl3pPr marL="914400" indent="0">
+              <a:buNone/>
+              <a:defRPr sz="1600">
+                <a:solidFill>
+                  <a:schemeClr val="tx1">
+                    <a:tint val="75000"/>
+                  </a:schemeClr>
+                </a:solidFill>
+              </a:defRPr>
+            </a:lvl3pPr>
+            <a:lvl4pPr marL="1371600" indent="0">
+              <a:buNone/>
+              <a:defRPr sz="1400">
+                <a:solidFill>
+                  <a:schemeClr val="tx1">
+                    <a:tint val="75000"/>
+                  </a:schemeClr>
+                </a:solidFill>
+              </a:defRPr>
+            </a:lvl4pPr>
+            <a:lvl5pPr marL="1828800" indent="0">
+              <a:buNone/>
+              <a:defRPr sz="1400">
+                <a:solidFill>
+                  <a:schemeClr val="tx1">
+                    <a:tint val="75000"/>
+                  </a:schemeClr>
+                </a:solidFill>
+              </a:defRPr>
+            </a:lvl5pPr>
+            <a:lvl6pPr marL="2286000" indent="0">
+              <a:buNone/>
+              <a:defRPr sz="1400">
+                <a:solidFill>
+                  <a:schemeClr val="tx1">
+                    <a:tint val="75000"/>
+                  </a:schemeClr>
+                </a:solidFill>
+              </a:defRPr>
+            </a:lvl6pPr>
+            <a:lvl7pPr marL="2743200" indent="0">
+              <a:buNone/>
+              <a:defRPr sz="1400">
+                <a:solidFill>
+                  <a:schemeClr val="tx1">
+                    <a:tint val="75000"/>
+                  </a:schemeClr>
+                </a:solidFill>
+              </a:defRPr>
+            </a:lvl7pPr>
+            <a:lvl8pPr marL="3200400" indent="0">
+              <a:buNone/>
+              <a:defRPr sz="1400">
+                <a:solidFill>
+                  <a:schemeClr val="tx1">
+                    <a:tint val="75000"/>
+                  </a:schemeClr>
+                </a:solidFill>
+              </a:defRPr>
+            </a:lvl8pPr>
+            <a:lvl9pPr marL="3657600" indent="0">
+              <a:buNone/>
+              <a:defRPr sz="1400">
+                <a:solidFill>
+                  <a:schemeClr val="tx1">
+                    <a:tint val="75000"/>
+                  </a:schemeClr>
+                </a:solidFill>
+              </a:defRPr>
+            </a:lvl9pPr>
+          </a:lstStyle>
+          <a:p>
+            <a:pPr lvl="0"/>
+            <a:r>
+              <a:rPr lang="en-US" smtClean="0"/>
+              <a:t>Click to edit Master text styles</a:t>
+            </a:r>
+          </a:p>
+        </p:txBody>
+      </p:sp>
+      <p:sp>
+        <p:nvSpPr>
+          <p:cNvPr id="4" name="Date Placeholder 3"/>
+          <p:cNvSpPr>
+            <a:spLocks noGrp="1"/>
+          </p:cNvSpPr>
+          <p:nvPr>
+            <p:ph type="dt" sz="half" idx="10"/>
+          </p:nvPr>
+        </p:nvSpPr>
+        <p:spPr/>
+        <p:txBody>
+          <a:bodyPr/>
+          <a:lstStyle/>
+          <a:p>
+            <a:fld id="{B01F9CA3-105E-4857-9057-6DB6197DA786}" type="datetimeFigureOut">
+              <a:rPr lang="en-US" smtClean="0"/>
+              <a:t>9/14/2018</a:t>
+            </a:fld>
+            <a:endParaRPr lang="en-US"/>
+          </a:p>
+        </p:txBody>
+      </p:sp>
+      <p:sp>
+        <p:nvSpPr>
+          <p:cNvPr id="5" name="Footer Placeholder 4"/>
+          <p:cNvSpPr>
+            <a:spLocks noGrp="1"/>
+          </p:cNvSpPr>
+          <p:nvPr>
+            <p:ph type="ftr" sz="quarter" idx="11"/>
+          </p:nvPr>
+        </p:nvSpPr>
+        <p:spPr/>
+        <p:txBody>
+          <a:bodyPr/>
+          <a:lstStyle/>
+          <a:p>
+            <a:endParaRPr lang="en-US"/>
+          </a:p>
+        </p:txBody>
+      </p:sp>
+      <p:sp>
+        <p:nvSpPr>
+          <p:cNvPr id="6" name="Slide Number Placeholder 5"/>
+          <p:cNvSpPr>
+            <a:spLocks noGrp="1"/>
+          </p:cNvSpPr>
+          <p:nvPr>
+            <p:ph type="sldNum" sz="quarter" idx="12"/>
+          </p:nvPr>
+        </p:nvSpPr>
+        <p:spPr/>
+        <p:txBody>
+          <a:bodyPr/>
+          <a:lstStyle/>
+          <a:p>
+            <a:fld id="{7F5CE407-6216-4202-80E4-A30DC2F709B2}" type="slidenum">
+              <a:rPr lang="en-US" smtClean="0"/>
+              <a:t>‹#›</a:t>
+            </a:fld>
+            <a:endParaRPr lang="en-US"/>
+          </a:p>
+        </p:txBody>
+      </p:sp>
+    </p:spTree>
+    <p:extLst>
+      <p:ext uri="{BB962C8B-B14F-4D97-AF65-F5344CB8AC3E}">
+        <p14:creationId xmlns:p14="http://schemas.microsoft.com/office/powerpoint/2010/main" val="969090771"/>
+      </p:ext>
+    </p:extLst>
+  </p:cSld>
+  <p:clrMapOvr>
+    <a:masterClrMapping/>
+  </p:clrMapOvr>
+</p:sldLayout>
+</file>
+
+<file path=ppt/slideLayouts/slideLayout16.xml><?xml version="1.0" encoding="utf-8"?>
 <p:sldLayout xmlns:a="http://schemas.openxmlformats.org/drawingml/2006/main" xmlns:r="http://schemas.openxmlformats.org/officeDocument/2006/relationships" xmlns:p="http://schemas.openxmlformats.org/presentationml/2006/main" type="vertTx" preserve="1">
   <p:cSld name="Title and Vertical Text">
     <p:spTree>
@@ -777,35 +3016,35 @@
         <p:spPr/>
         <p:txBody>
           <a:bodyPr/>
+          <a:lstStyle>
+            <a:lvl1pPr algn="ctr">
+              <a:defRPr/>
+            </a:lvl1pPr>
+          </a:lstStyle>
+          <a:p>
+            <a:r>
+              <a:rPr lang="en-US" smtClean="0"/>
+              <a:t>Click to edit Master title style</a:t>
+            </a:r>
+            <a:endParaRPr lang="en-US" dirty="0"/>
+          </a:p>
+        </p:txBody>
+      </p:sp>
+      <p:sp>
+        <p:nvSpPr>
+          <p:cNvPr id="3" name="Vertical Text Placeholder 2"/>
+          <p:cNvSpPr>
+            <a:spLocks noGrp="1"/>
+          </p:cNvSpPr>
+          <p:nvPr>
+            <p:ph type="body" orient="vert" idx="1"/>
+          </p:nvPr>
+        </p:nvSpPr>
+        <p:spPr/>
+        <p:txBody>
+          <a:bodyPr vert="eaVert" anchor="t"/>
           <a:lstStyle/>
           <a:p>
-            <a:r>
-              <a:rPr lang="en-US" smtClean="0"/>
-              <a:t>Click to edit Master title style</a:t>
-            </a:r>
-            <a:endParaRPr/>
-          </a:p>
-        </p:txBody>
-      </p:sp>
-      <p:sp>
-        <p:nvSpPr>
-          <p:cNvPr id="3" name="Vertical Text Placeholder 2"/>
-          <p:cNvSpPr>
-            <a:spLocks noGrp="1"/>
-          </p:cNvSpPr>
-          <p:nvPr>
-            <p:ph type="body" orient="vert" idx="1"/>
-          </p:nvPr>
-        </p:nvSpPr>
-        <p:spPr/>
-        <p:txBody>
-          <a:bodyPr vert="eaVert"/>
-          <a:lstStyle>
-            <a:lvl5pPr>
-              <a:defRPr/>
-            </a:lvl5pPr>
-          </a:lstStyle>
-          <a:p>
             <a:pPr lvl="0"/>
             <a:r>
               <a:rPr lang="en-US" smtClean="0"/>
@@ -839,7 +3078,7 @@
               <a:rPr lang="en-US" smtClean="0"/>
               <a:t>Fifth level</a:t>
             </a:r>
-            <a:endParaRPr dirty="0"/>
+            <a:endParaRPr lang="en-US" dirty="0"/>
           </a:p>
         </p:txBody>
       </p:sp>
@@ -860,7 +3099,7 @@
           <a:p>
             <a:fld id="{B01F9CA3-105E-4857-9057-6DB6197DA786}" type="datetimeFigureOut">
               <a:rPr lang="en-US" smtClean="0"/>
-              <a:t>9/13/18</a:t>
+              <a:t>9/14/2018</a:t>
             </a:fld>
             <a:endParaRPr lang="en-US"/>
           </a:p>
@@ -909,6 +3148,11 @@
         </p:txBody>
       </p:sp>
     </p:spTree>
+    <p:extLst>
+      <p:ext uri="{BB962C8B-B14F-4D97-AF65-F5344CB8AC3E}">
+        <p14:creationId xmlns:p14="http://schemas.microsoft.com/office/powerpoint/2010/main" val="4275287800"/>
+      </p:ext>
+    </p:extLst>
   </p:cSld>
   <p:clrMapOvr>
     <a:masterClrMapping/>
@@ -916,7 +3160,7 @@
 </p:sldLayout>
 </file>
 
-<file path=ppt/slideLayouts/slideLayout12.xml><?xml version="1.0" encoding="utf-8"?>
+<file path=ppt/slideLayouts/slideLayout17.xml><?xml version="1.0" encoding="utf-8"?>
 <p:sldLayout xmlns:a="http://schemas.openxmlformats.org/drawingml/2006/main" xmlns:r="http://schemas.openxmlformats.org/officeDocument/2006/relationships" xmlns:p="http://schemas.openxmlformats.org/presentationml/2006/main" type="vertTitleAndTx" preserve="1">
   <p:cSld name="Vertical Title and Text">
     <p:spTree>
@@ -945,8 +3189,8 @@
         </p:nvSpPr>
         <p:spPr>
           <a:xfrm>
-            <a:off x="7369792" y="368301"/>
-            <a:ext cx="1524000" cy="5575300"/>
+            <a:off x="7301393" y="685800"/>
+            <a:ext cx="1328123" cy="5105400"/>
           </a:xfrm>
         </p:spPr>
         <p:txBody>
@@ -957,7 +3201,7 @@
               <a:rPr lang="en-US" smtClean="0"/>
               <a:t>Click to edit Master title style</a:t>
             </a:r>
-            <a:endParaRPr/>
+            <a:endParaRPr lang="en-US" dirty="0"/>
           </a:p>
         </p:txBody>
       </p:sp>
@@ -973,17 +3217,13 @@
         </p:nvSpPr>
         <p:spPr>
           <a:xfrm>
-            <a:off x="549274" y="368301"/>
-            <a:ext cx="6689726" cy="5575300"/>
+            <a:off x="1113524" y="685800"/>
+            <a:ext cx="6016373" cy="5105400"/>
           </a:xfrm>
         </p:spPr>
         <p:txBody>
-          <a:bodyPr vert="eaVert"/>
-          <a:lstStyle>
-            <a:lvl5pPr>
-              <a:defRPr/>
-            </a:lvl5pPr>
-          </a:lstStyle>
+          <a:bodyPr vert="eaVert" anchor="t"/>
+          <a:lstStyle/>
           <a:p>
             <a:pPr lvl="0"/>
             <a:r>
@@ -1018,7 +3258,7 @@
               <a:rPr lang="en-US" smtClean="0"/>
               <a:t>Fifth level</a:t>
             </a:r>
-            <a:endParaRPr dirty="0"/>
+            <a:endParaRPr lang="en-US" dirty="0"/>
           </a:p>
         </p:txBody>
       </p:sp>
@@ -1039,7 +3279,7 @@
           <a:p>
             <a:fld id="{B01F9CA3-105E-4857-9057-6DB6197DA786}" type="datetimeFigureOut">
               <a:rPr lang="en-US" smtClean="0"/>
-              <a:t>9/13/18</a:t>
+              <a:t>9/14/2018</a:t>
             </a:fld>
             <a:endParaRPr lang="en-US"/>
           </a:p>
@@ -1088,6 +3328,11 @@
         </p:txBody>
       </p:sp>
     </p:spTree>
+    <p:extLst>
+      <p:ext uri="{BB962C8B-B14F-4D97-AF65-F5344CB8AC3E}">
+        <p14:creationId xmlns:p14="http://schemas.microsoft.com/office/powerpoint/2010/main" val="1275490886"/>
+      </p:ext>
+    </p:extLst>
   </p:cSld>
   <p:clrMapOvr>
     <a:masterClrMapping/>
@@ -1122,7 +3367,12 @@
             <p:ph type="title"/>
           </p:nvPr>
         </p:nvSpPr>
-        <p:spPr/>
+        <p:spPr>
+          <a:xfrm>
+            <a:off x="982133" y="457201"/>
+            <a:ext cx="7704667" cy="1981200"/>
+          </a:xfrm>
+        </p:spPr>
         <p:txBody>
           <a:bodyPr/>
           <a:lstStyle/>
@@ -1131,7 +3381,7 @@
               <a:rPr lang="en-US" smtClean="0"/>
               <a:t>Click to edit Master title style</a:t>
             </a:r>
-            <a:endParaRPr/>
+            <a:endParaRPr lang="en-US" dirty="0"/>
           </a:p>
         </p:txBody>
       </p:sp>
@@ -1145,14 +3395,15 @@
             <p:ph idx="1"/>
           </p:nvPr>
         </p:nvSpPr>
-        <p:spPr/>
-        <p:txBody>
-          <a:bodyPr/>
-          <a:lstStyle>
-            <a:lvl5pPr>
-              <a:defRPr/>
-            </a:lvl5pPr>
-          </a:lstStyle>
+        <p:spPr>
+          <a:xfrm>
+            <a:off x="982133" y="2667000"/>
+            <a:ext cx="7704667" cy="3332816"/>
+          </a:xfrm>
+        </p:spPr>
+        <p:txBody>
+          <a:bodyPr anchor="ctr"/>
+          <a:lstStyle/>
           <a:p>
             <a:pPr lvl="0"/>
             <a:r>
@@ -1187,7 +3438,7 @@
               <a:rPr lang="en-US" smtClean="0"/>
               <a:t>Fifth level</a:t>
             </a:r>
-            <a:endParaRPr dirty="0"/>
+            <a:endParaRPr lang="en-US" dirty="0"/>
           </a:p>
         </p:txBody>
       </p:sp>
@@ -1201,14 +3452,19 @@
             <p:ph type="dt" sz="half" idx="10"/>
           </p:nvPr>
         </p:nvSpPr>
-        <p:spPr/>
+        <p:spPr>
+          <a:xfrm>
+            <a:off x="7344329" y="6108173"/>
+            <a:ext cx="857473" cy="365125"/>
+          </a:xfrm>
+        </p:spPr>
         <p:txBody>
           <a:bodyPr/>
           <a:lstStyle/>
           <a:p>
             <a:fld id="{B01F9CA3-105E-4857-9057-6DB6197DA786}" type="datetimeFigureOut">
               <a:rPr lang="en-US" smtClean="0"/>
-              <a:t>9/13/18</a:t>
+              <a:t>9/14/2018</a:t>
             </a:fld>
             <a:endParaRPr lang="en-US"/>
           </a:p>
@@ -1224,7 +3480,12 @@
             <p:ph type="ftr" sz="quarter" idx="11"/>
           </p:nvPr>
         </p:nvSpPr>
-        <p:spPr/>
+        <p:spPr>
+          <a:xfrm>
+            <a:off x="1972647" y="6108173"/>
+            <a:ext cx="5314517" cy="365125"/>
+          </a:xfrm>
+        </p:spPr>
         <p:txBody>
           <a:bodyPr/>
           <a:lstStyle/>
@@ -1243,7 +3504,12 @@
             <p:ph type="sldNum" sz="quarter" idx="12"/>
           </p:nvPr>
         </p:nvSpPr>
-        <p:spPr/>
+        <p:spPr>
+          <a:xfrm>
+            <a:off x="8258967" y="6108173"/>
+            <a:ext cx="427833" cy="365125"/>
+          </a:xfrm>
+        </p:spPr>
         <p:txBody>
           <a:bodyPr/>
           <a:lstStyle/>
@@ -1257,6 +3523,11 @@
         </p:txBody>
       </p:sp>
     </p:spTree>
+    <p:extLst>
+      <p:ext uri="{BB962C8B-B14F-4D97-AF65-F5344CB8AC3E}">
+        <p14:creationId xmlns:p14="http://schemas.microsoft.com/office/powerpoint/2010/main" val="1381287295"/>
+      </p:ext>
+    </p:extLst>
   </p:cSld>
   <p:clrMapOvr>
     <a:masterClrMapping/>
@@ -1265,325 +3536,6 @@
 </file>
 
 <file path=ppt/slideLayouts/slideLayout3.xml><?xml version="1.0" encoding="utf-8"?>
-<p:sldLayout xmlns:a="http://schemas.openxmlformats.org/drawingml/2006/main" xmlns:r="http://schemas.openxmlformats.org/officeDocument/2006/relationships" xmlns:p="http://schemas.openxmlformats.org/presentationml/2006/main" preserve="1">
-  <p:cSld name="Title Slide with Picture">
-    <p:spTree>
-      <p:nvGrpSpPr>
-        <p:cNvPr id="1" name=""/>
-        <p:cNvGrpSpPr/>
-        <p:nvPr/>
-      </p:nvGrpSpPr>
-      <p:grpSpPr>
-        <a:xfrm>
-          <a:off x="0" y="0"/>
-          <a:ext cx="0" cy="0"/>
-          <a:chOff x="0" y="0"/>
-          <a:chExt cx="0" cy="0"/>
-        </a:xfrm>
-      </p:grpSpPr>
-      <p:sp>
-        <p:nvSpPr>
-          <p:cNvPr id="2" name="Title 1"/>
-          <p:cNvSpPr>
-            <a:spLocks noGrp="1"/>
-          </p:cNvSpPr>
-          <p:nvPr>
-            <p:ph type="ctrTitle"/>
-          </p:nvPr>
-        </p:nvSpPr>
-        <p:spPr>
-          <a:xfrm>
-            <a:off x="363538" y="3352801"/>
-            <a:ext cx="8416925" cy="1470025"/>
-          </a:xfrm>
-        </p:spPr>
-        <p:txBody>
-          <a:bodyPr/>
-          <a:lstStyle/>
-          <a:p>
-            <a:r>
-              <a:rPr lang="en-US" smtClean="0"/>
-              <a:t>Click to edit Master title style</a:t>
-            </a:r>
-            <a:endParaRPr dirty="0"/>
-          </a:p>
-        </p:txBody>
-      </p:sp>
-      <p:sp>
-        <p:nvSpPr>
-          <p:cNvPr id="3" name="Subtitle 2"/>
-          <p:cNvSpPr>
-            <a:spLocks noGrp="1"/>
-          </p:cNvSpPr>
-          <p:nvPr>
-            <p:ph type="subTitle" idx="1"/>
-          </p:nvPr>
-        </p:nvSpPr>
-        <p:spPr>
-          <a:xfrm>
-            <a:off x="363538" y="4771029"/>
-            <a:ext cx="8416925" cy="972671"/>
-          </a:xfrm>
-        </p:spPr>
-        <p:txBody>
-          <a:bodyPr>
-            <a:normAutofit/>
-          </a:bodyPr>
-          <a:lstStyle>
-            <a:lvl1pPr marL="0" indent="0" algn="ctr">
-              <a:spcBef>
-                <a:spcPts val="300"/>
-              </a:spcBef>
-              <a:buNone/>
-              <a:defRPr sz="1800">
-                <a:solidFill>
-                  <a:schemeClr val="tx1">
-                    <a:tint val="75000"/>
-                  </a:schemeClr>
-                </a:solidFill>
-              </a:defRPr>
-            </a:lvl1pPr>
-            <a:lvl2pPr marL="457200" indent="0" algn="ctr">
-              <a:buNone/>
-              <a:defRPr>
-                <a:solidFill>
-                  <a:schemeClr val="tx1">
-                    <a:tint val="75000"/>
-                  </a:schemeClr>
-                </a:solidFill>
-              </a:defRPr>
-            </a:lvl2pPr>
-            <a:lvl3pPr marL="914400" indent="0" algn="ctr">
-              <a:buNone/>
-              <a:defRPr>
-                <a:solidFill>
-                  <a:schemeClr val="tx1">
-                    <a:tint val="75000"/>
-                  </a:schemeClr>
-                </a:solidFill>
-              </a:defRPr>
-            </a:lvl3pPr>
-            <a:lvl4pPr marL="1371600" indent="0" algn="ctr">
-              <a:buNone/>
-              <a:defRPr>
-                <a:solidFill>
-                  <a:schemeClr val="tx1">
-                    <a:tint val="75000"/>
-                  </a:schemeClr>
-                </a:solidFill>
-              </a:defRPr>
-            </a:lvl4pPr>
-            <a:lvl5pPr marL="1828800" indent="0" algn="ctr">
-              <a:buNone/>
-              <a:defRPr>
-                <a:solidFill>
-                  <a:schemeClr val="tx1">
-                    <a:tint val="75000"/>
-                  </a:schemeClr>
-                </a:solidFill>
-              </a:defRPr>
-            </a:lvl5pPr>
-            <a:lvl6pPr marL="2286000" indent="0" algn="ctr">
-              <a:buNone/>
-              <a:defRPr>
-                <a:solidFill>
-                  <a:schemeClr val="tx1">
-                    <a:tint val="75000"/>
-                  </a:schemeClr>
-                </a:solidFill>
-              </a:defRPr>
-            </a:lvl6pPr>
-            <a:lvl7pPr marL="2743200" indent="0" algn="ctr">
-              <a:buNone/>
-              <a:defRPr>
-                <a:solidFill>
-                  <a:schemeClr val="tx1">
-                    <a:tint val="75000"/>
-                  </a:schemeClr>
-                </a:solidFill>
-              </a:defRPr>
-            </a:lvl7pPr>
-            <a:lvl8pPr marL="3200400" indent="0" algn="ctr">
-              <a:buNone/>
-              <a:defRPr>
-                <a:solidFill>
-                  <a:schemeClr val="tx1">
-                    <a:tint val="75000"/>
-                  </a:schemeClr>
-                </a:solidFill>
-              </a:defRPr>
-            </a:lvl8pPr>
-            <a:lvl9pPr marL="3657600" indent="0" algn="ctr">
-              <a:buNone/>
-              <a:defRPr>
-                <a:solidFill>
-                  <a:schemeClr val="tx1">
-                    <a:tint val="75000"/>
-                  </a:schemeClr>
-                </a:solidFill>
-              </a:defRPr>
-            </a:lvl9pPr>
-          </a:lstStyle>
-          <a:p>
-            <a:r>
-              <a:rPr lang="en-US" smtClean="0"/>
-              <a:t>Click to edit Master subtitle style</a:t>
-            </a:r>
-            <a:endParaRPr dirty="0"/>
-          </a:p>
-        </p:txBody>
-      </p:sp>
-      <p:sp>
-        <p:nvSpPr>
-          <p:cNvPr id="4" name="Date Placeholder 3"/>
-          <p:cNvSpPr>
-            <a:spLocks noGrp="1"/>
-          </p:cNvSpPr>
-          <p:nvPr>
-            <p:ph type="dt" sz="half" idx="10"/>
-          </p:nvPr>
-        </p:nvSpPr>
-        <p:spPr/>
-        <p:txBody>
-          <a:bodyPr/>
-          <a:lstStyle/>
-          <a:p>
-            <a:fld id="{B01F9CA3-105E-4857-9057-6DB6197DA786}" type="datetimeFigureOut">
-              <a:rPr lang="en-US" smtClean="0"/>
-              <a:t>9/13/18</a:t>
-            </a:fld>
-            <a:endParaRPr lang="en-US"/>
-          </a:p>
-        </p:txBody>
-      </p:sp>
-      <p:sp>
-        <p:nvSpPr>
-          <p:cNvPr id="5" name="Footer Placeholder 4"/>
-          <p:cNvSpPr>
-            <a:spLocks noGrp="1"/>
-          </p:cNvSpPr>
-          <p:nvPr>
-            <p:ph type="ftr" sz="quarter" idx="11"/>
-          </p:nvPr>
-        </p:nvSpPr>
-        <p:spPr/>
-        <p:txBody>
-          <a:bodyPr/>
-          <a:lstStyle/>
-          <a:p>
-            <a:endParaRPr lang="en-US"/>
-          </a:p>
-        </p:txBody>
-      </p:sp>
-      <p:sp>
-        <p:nvSpPr>
-          <p:cNvPr id="6" name="Slide Number Placeholder 5"/>
-          <p:cNvSpPr>
-            <a:spLocks noGrp="1"/>
-          </p:cNvSpPr>
-          <p:nvPr>
-            <p:ph type="sldNum" sz="quarter" idx="12"/>
-          </p:nvPr>
-        </p:nvSpPr>
-        <p:spPr/>
-        <p:txBody>
-          <a:bodyPr/>
-          <a:lstStyle/>
-          <a:p>
-            <a:fld id="{7F5CE407-6216-4202-80E4-A30DC2F709B2}" type="slidenum">
-              <a:rPr lang="en-US" smtClean="0"/>
-              <a:t>‹#›</a:t>
-            </a:fld>
-            <a:endParaRPr lang="en-US"/>
-          </a:p>
-        </p:txBody>
-      </p:sp>
-      <p:sp>
-        <p:nvSpPr>
-          <p:cNvPr id="9" name="Picture Placeholder 2"/>
-          <p:cNvSpPr>
-            <a:spLocks noGrp="1"/>
-          </p:cNvSpPr>
-          <p:nvPr>
-            <p:ph type="pic" idx="13"/>
-          </p:nvPr>
-        </p:nvSpPr>
-        <p:spPr>
-          <a:xfrm>
-            <a:off x="370980" y="363538"/>
-            <a:ext cx="8402040" cy="2836862"/>
-          </a:xfrm>
-          <a:ln w="3175">
-            <a:solidFill>
-              <a:schemeClr val="bg1"/>
-            </a:solidFill>
-          </a:ln>
-          <a:effectLst>
-            <a:outerShdw blurRad="63500" sx="100500" sy="100500" algn="ctr" rotWithShape="0">
-              <a:prstClr val="black">
-                <a:alpha val="50000"/>
-              </a:prstClr>
-            </a:outerShdw>
-          </a:effectLst>
-        </p:spPr>
-        <p:txBody>
-          <a:bodyPr/>
-          <a:lstStyle>
-            <a:lvl1pPr marL="0" indent="0">
-              <a:buNone/>
-              <a:defRPr sz="3200"/>
-            </a:lvl1pPr>
-            <a:lvl2pPr marL="457200" indent="0">
-              <a:buNone/>
-              <a:defRPr sz="2800"/>
-            </a:lvl2pPr>
-            <a:lvl3pPr marL="914400" indent="0">
-              <a:buNone/>
-              <a:defRPr sz="2400"/>
-            </a:lvl3pPr>
-            <a:lvl4pPr marL="1371600" indent="0">
-              <a:buNone/>
-              <a:defRPr sz="2000"/>
-            </a:lvl4pPr>
-            <a:lvl5pPr marL="1828800" indent="0">
-              <a:buNone/>
-              <a:defRPr sz="2000"/>
-            </a:lvl5pPr>
-            <a:lvl6pPr marL="2286000" indent="0">
-              <a:buNone/>
-              <a:defRPr sz="2000"/>
-            </a:lvl6pPr>
-            <a:lvl7pPr marL="2743200" indent="0">
-              <a:buNone/>
-              <a:defRPr sz="2000"/>
-            </a:lvl7pPr>
-            <a:lvl8pPr marL="3200400" indent="0">
-              <a:buNone/>
-              <a:defRPr sz="2000"/>
-            </a:lvl8pPr>
-            <a:lvl9pPr marL="3657600" indent="0">
-              <a:buNone/>
-              <a:defRPr sz="2000"/>
-            </a:lvl9pPr>
-          </a:lstStyle>
-          <a:p>
-            <a:r>
-              <a:rPr lang="en-US" smtClean="0"/>
-              <a:t>Drag picture to placeholder or click icon to add</a:t>
-            </a:r>
-            <a:endParaRPr/>
-          </a:p>
-        </p:txBody>
-      </p:sp>
-    </p:spTree>
-  </p:cSld>
-  <p:clrMapOvr>
-    <a:masterClrMapping/>
-  </p:clrMapOvr>
-</p:sldLayout>
-</file>
-
-<file path=ppt/slideLayouts/slideLayout4.xml><?xml version="1.0" encoding="utf-8"?>
 <p:sldLayout xmlns:a="http://schemas.openxmlformats.org/drawingml/2006/main" xmlns:r="http://schemas.openxmlformats.org/officeDocument/2006/relationships" xmlns:p="http://schemas.openxmlformats.org/presentationml/2006/main" type="secHead" preserve="1">
   <p:cSld name="Section Header">
     <p:spTree>
@@ -1612,15 +3564,15 @@
         </p:nvSpPr>
         <p:spPr>
           <a:xfrm>
-            <a:off x="549275" y="2403144"/>
-            <a:ext cx="8056563" cy="1362075"/>
+            <a:off x="1986995" y="2666998"/>
+            <a:ext cx="6699805" cy="2360071"/>
           </a:xfrm>
         </p:spPr>
         <p:txBody>
-          <a:bodyPr anchor="b" anchorCtr="0"/>
+          <a:bodyPr anchor="b"/>
           <a:lstStyle>
-            <a:lvl1pPr algn="ctr">
-              <a:defRPr sz="4600" b="0" cap="none" baseline="0"/>
+            <a:lvl1pPr algn="r">
+              <a:defRPr sz="4000" b="0" cap="none"/>
             </a:lvl1pPr>
           </a:lstStyle>
           <a:p>
@@ -1628,7 +3580,7 @@
               <a:rPr lang="en-US" smtClean="0"/>
               <a:t>Click to edit Master title style</a:t>
             </a:r>
-            <a:endParaRPr/>
+            <a:endParaRPr lang="en-US" dirty="0"/>
           </a:p>
         </p:txBody>
       </p:sp>
@@ -1644,19 +3596,24 @@
         </p:nvSpPr>
         <p:spPr>
           <a:xfrm>
-            <a:off x="549275" y="3736005"/>
-            <a:ext cx="8056563" cy="1500187"/>
+            <a:off x="1986998" y="5027070"/>
+            <a:ext cx="6699802" cy="860400"/>
           </a:xfrm>
         </p:spPr>
         <p:txBody>
-          <a:bodyPr anchor="t" anchorCtr="0">
+          <a:bodyPr anchor="t">
             <a:normAutofit/>
           </a:bodyPr>
           <a:lstStyle>
-            <a:lvl1pPr marL="0" indent="0" algn="ctr">
-              <a:spcBef>
-                <a:spcPts val="300"/>
-              </a:spcBef>
+            <a:lvl1pPr marL="0" indent="0" algn="r">
+              <a:buNone/>
+              <a:defRPr sz="2000">
+                <a:solidFill>
+                  <a:schemeClr val="tx1"/>
+                </a:solidFill>
+              </a:defRPr>
+            </a:lvl1pPr>
+            <a:lvl2pPr marL="457200" indent="0">
               <a:buNone/>
               <a:defRPr sz="1800">
                 <a:solidFill>
@@ -1665,28 +3622,28 @@
                   </a:schemeClr>
                 </a:solidFill>
               </a:defRPr>
-            </a:lvl1pPr>
-            <a:lvl2pPr marL="457200" indent="0">
-              <a:buNone/>
-              <a:defRPr sz="1800">
+            </a:lvl2pPr>
+            <a:lvl3pPr marL="914400" indent="0">
+              <a:buNone/>
+              <a:defRPr sz="1600">
                 <a:solidFill>
                   <a:schemeClr val="tx1">
                     <a:tint val="75000"/>
                   </a:schemeClr>
                 </a:solidFill>
               </a:defRPr>
-            </a:lvl2pPr>
-            <a:lvl3pPr marL="914400" indent="0">
-              <a:buNone/>
-              <a:defRPr sz="1600">
+            </a:lvl3pPr>
+            <a:lvl4pPr marL="1371600" indent="0">
+              <a:buNone/>
+              <a:defRPr sz="1400">
                 <a:solidFill>
                   <a:schemeClr val="tx1">
                     <a:tint val="75000"/>
                   </a:schemeClr>
                 </a:solidFill>
               </a:defRPr>
-            </a:lvl3pPr>
-            <a:lvl4pPr marL="1371600" indent="0">
+            </a:lvl4pPr>
+            <a:lvl5pPr marL="1828800" indent="0">
               <a:buNone/>
               <a:defRPr sz="1400">
                 <a:solidFill>
@@ -1695,8 +3652,8 @@
                   </a:schemeClr>
                 </a:solidFill>
               </a:defRPr>
-            </a:lvl4pPr>
-            <a:lvl5pPr marL="1828800" indent="0">
+            </a:lvl5pPr>
+            <a:lvl6pPr marL="2286000" indent="0">
               <a:buNone/>
               <a:defRPr sz="1400">
                 <a:solidFill>
@@ -1705,8 +3662,8 @@
                   </a:schemeClr>
                 </a:solidFill>
               </a:defRPr>
-            </a:lvl5pPr>
-            <a:lvl6pPr marL="2286000" indent="0">
+            </a:lvl6pPr>
+            <a:lvl7pPr marL="2743200" indent="0">
               <a:buNone/>
               <a:defRPr sz="1400">
                 <a:solidFill>
@@ -1715,8 +3672,8 @@
                   </a:schemeClr>
                 </a:solidFill>
               </a:defRPr>
-            </a:lvl6pPr>
-            <a:lvl7pPr marL="2743200" indent="0">
+            </a:lvl7pPr>
+            <a:lvl8pPr marL="3200400" indent="0">
               <a:buNone/>
               <a:defRPr sz="1400">
                 <a:solidFill>
@@ -1725,8 +3682,8 @@
                   </a:schemeClr>
                 </a:solidFill>
               </a:defRPr>
-            </a:lvl7pPr>
-            <a:lvl8pPr marL="3200400" indent="0">
+            </a:lvl8pPr>
+            <a:lvl9pPr marL="3657600" indent="0">
               <a:buNone/>
               <a:defRPr sz="1400">
                 <a:solidFill>
@@ -1735,16 +3692,6 @@
                   </a:schemeClr>
                 </a:solidFill>
               </a:defRPr>
-            </a:lvl8pPr>
-            <a:lvl9pPr marL="3657600" indent="0">
-              <a:buNone/>
-              <a:defRPr sz="1400">
-                <a:solidFill>
-                  <a:schemeClr val="tx1">
-                    <a:tint val="75000"/>
-                  </a:schemeClr>
-                </a:solidFill>
-              </a:defRPr>
             </a:lvl9pPr>
           </a:lstStyle>
           <a:p>
@@ -1773,7 +3720,7 @@
           <a:p>
             <a:fld id="{B01F9CA3-105E-4857-9057-6DB6197DA786}" type="datetimeFigureOut">
               <a:rPr lang="en-US" smtClean="0"/>
-              <a:t>9/13/18</a:t>
+              <a:t>9/14/2018</a:t>
             </a:fld>
             <a:endParaRPr lang="en-US"/>
           </a:p>
@@ -1808,7 +3755,12 @@
             <p:ph type="sldNum" sz="quarter" idx="12"/>
           </p:nvPr>
         </p:nvSpPr>
-        <p:spPr/>
+        <p:spPr>
+          <a:xfrm>
+            <a:off x="8273317" y="6116070"/>
+            <a:ext cx="413483" cy="365125"/>
+          </a:xfrm>
+        </p:spPr>
         <p:txBody>
           <a:bodyPr/>
           <a:lstStyle/>
@@ -1822,6 +3774,11 @@
         </p:txBody>
       </p:sp>
     </p:spTree>
+    <p:extLst>
+      <p:ext uri="{BB962C8B-B14F-4D97-AF65-F5344CB8AC3E}">
+        <p14:creationId xmlns:p14="http://schemas.microsoft.com/office/powerpoint/2010/main" val="886338369"/>
+      </p:ext>
+    </p:extLst>
   </p:cSld>
   <p:clrMapOvr>
     <a:masterClrMapping/>
@@ -1829,7 +3786,7 @@
 </p:sldLayout>
 </file>
 
-<file path=ppt/slideLayouts/slideLayout5.xml><?xml version="1.0" encoding="utf-8"?>
+<file path=ppt/slideLayouts/slideLayout4.xml><?xml version="1.0" encoding="utf-8"?>
 <p:sldLayout xmlns:a="http://schemas.openxmlformats.org/drawingml/2006/main" xmlns:r="http://schemas.openxmlformats.org/officeDocument/2006/relationships" xmlns:p="http://schemas.openxmlformats.org/presentationml/2006/main" type="twoObj" preserve="1">
   <p:cSld name="Two Content">
     <p:spTree>
@@ -1858,8 +3815,8 @@
         </p:nvSpPr>
         <p:spPr>
           <a:xfrm>
-            <a:off x="549275" y="107576"/>
-            <a:ext cx="8042276" cy="1336956"/>
+            <a:off x="982133" y="685801"/>
+            <a:ext cx="7704667" cy="1752599"/>
           </a:xfrm>
         </p:spPr>
         <p:txBody>
@@ -1870,7 +3827,7 @@
               <a:rPr lang="en-US" smtClean="0"/>
               <a:t>Click to edit Master title style</a:t>
             </a:r>
-            <a:endParaRPr/>
+            <a:endParaRPr lang="en-US" dirty="0"/>
           </a:p>
         </p:txBody>
       </p:sp>
@@ -1886,8 +3843,8 @@
         </p:nvSpPr>
         <p:spPr>
           <a:xfrm>
-            <a:off x="549275" y="1600201"/>
-            <a:ext cx="3840480" cy="4343400"/>
+            <a:off x="982133" y="2667000"/>
+            <a:ext cx="3739896" cy="3368674"/>
           </a:xfrm>
         </p:spPr>
         <p:txBody>
@@ -1896,34 +3853,31 @@
           </a:bodyPr>
           <a:lstStyle>
             <a:lvl1pPr>
-              <a:spcBef>
-                <a:spcPts val="1600"/>
-              </a:spcBef>
-              <a:defRPr sz="2000"/>
+              <a:defRPr sz="1800"/>
             </a:lvl1pPr>
             <a:lvl2pPr>
-              <a:defRPr sz="1800"/>
+              <a:defRPr sz="1600"/>
             </a:lvl2pPr>
             <a:lvl3pPr>
-              <a:defRPr sz="1800"/>
+              <a:defRPr sz="1400"/>
             </a:lvl3pPr>
             <a:lvl4pPr>
-              <a:defRPr sz="1800"/>
+              <a:defRPr sz="1200"/>
             </a:lvl4pPr>
             <a:lvl5pPr>
-              <a:defRPr sz="1800"/>
+              <a:defRPr sz="1200"/>
             </a:lvl5pPr>
             <a:lvl6pPr>
-              <a:defRPr sz="1800"/>
+              <a:defRPr sz="1200"/>
             </a:lvl6pPr>
             <a:lvl7pPr>
-              <a:defRPr sz="1800"/>
+              <a:defRPr sz="1200"/>
             </a:lvl7pPr>
             <a:lvl8pPr>
-              <a:defRPr sz="1800"/>
+              <a:defRPr sz="1200"/>
             </a:lvl8pPr>
             <a:lvl9pPr>
-              <a:defRPr sz="1800"/>
+              <a:defRPr sz="1200"/>
             </a:lvl9pPr>
           </a:lstStyle>
           <a:p>
@@ -1960,7 +3914,7 @@
               <a:rPr lang="en-US" smtClean="0"/>
               <a:t>Fifth level</a:t>
             </a:r>
-            <a:endParaRPr dirty="0"/>
+            <a:endParaRPr lang="en-US" dirty="0"/>
           </a:p>
         </p:txBody>
       </p:sp>
@@ -1976,8 +3930,8 @@
         </p:nvSpPr>
         <p:spPr>
           <a:xfrm>
-            <a:off x="4751071" y="1600201"/>
-            <a:ext cx="3840480" cy="4343400"/>
+            <a:off x="4946904" y="2667000"/>
+            <a:ext cx="3739896" cy="3346824"/>
           </a:xfrm>
         </p:spPr>
         <p:txBody>
@@ -1986,34 +3940,31 @@
           </a:bodyPr>
           <a:lstStyle>
             <a:lvl1pPr>
-              <a:spcBef>
-                <a:spcPts val="1600"/>
-              </a:spcBef>
-              <a:defRPr sz="2000"/>
+              <a:defRPr sz="1800"/>
             </a:lvl1pPr>
             <a:lvl2pPr>
-              <a:defRPr sz="1800"/>
+              <a:defRPr sz="1600"/>
             </a:lvl2pPr>
             <a:lvl3pPr>
-              <a:defRPr sz="1800"/>
+              <a:defRPr sz="1400"/>
             </a:lvl3pPr>
             <a:lvl4pPr>
-              <a:defRPr sz="1800"/>
+              <a:defRPr sz="1200"/>
             </a:lvl4pPr>
             <a:lvl5pPr>
-              <a:defRPr sz="1800"/>
+              <a:defRPr sz="1200"/>
             </a:lvl5pPr>
             <a:lvl6pPr>
-              <a:defRPr sz="1800"/>
+              <a:defRPr sz="1200"/>
             </a:lvl6pPr>
             <a:lvl7pPr>
-              <a:defRPr sz="1800"/>
+              <a:defRPr sz="1200"/>
             </a:lvl7pPr>
             <a:lvl8pPr>
-              <a:defRPr sz="1800"/>
+              <a:defRPr sz="1200"/>
             </a:lvl8pPr>
             <a:lvl9pPr>
-              <a:defRPr sz="1800"/>
+              <a:defRPr sz="1200"/>
             </a:lvl9pPr>
           </a:lstStyle>
           <a:p>
@@ -2050,7 +4001,7 @@
               <a:rPr lang="en-US" smtClean="0"/>
               <a:t>Fifth level</a:t>
             </a:r>
-            <a:endParaRPr dirty="0"/>
+            <a:endParaRPr lang="en-US" dirty="0"/>
           </a:p>
         </p:txBody>
       </p:sp>
@@ -2071,7 +4022,7 @@
           <a:p>
             <a:fld id="{B01F9CA3-105E-4857-9057-6DB6197DA786}" type="datetimeFigureOut">
               <a:rPr lang="en-US" smtClean="0"/>
-              <a:t>9/13/18</a:t>
+              <a:t>9/14/2018</a:t>
             </a:fld>
             <a:endParaRPr lang="en-US"/>
           </a:p>
@@ -2120,6 +4071,11 @@
         </p:txBody>
       </p:sp>
     </p:spTree>
+    <p:extLst>
+      <p:ext uri="{BB962C8B-B14F-4D97-AF65-F5344CB8AC3E}">
+        <p14:creationId xmlns:p14="http://schemas.microsoft.com/office/powerpoint/2010/main" val="355583062"/>
+      </p:ext>
+    </p:extLst>
   </p:cSld>
   <p:clrMapOvr>
     <a:masterClrMapping/>
@@ -2127,7 +4083,7 @@
 </p:sldLayout>
 </file>
 
-<file path=ppt/slideLayouts/slideLayout6.xml><?xml version="1.0" encoding="utf-8"?>
+<file path=ppt/slideLayouts/slideLayout5.xml><?xml version="1.0" encoding="utf-8"?>
 <p:sldLayout xmlns:a="http://schemas.openxmlformats.org/drawingml/2006/main" xmlns:r="http://schemas.openxmlformats.org/officeDocument/2006/relationships" xmlns:p="http://schemas.openxmlformats.org/presentationml/2006/main" type="twoTxTwoObj" preserve="1">
   <p:cSld name="Comparison">
     <p:spTree>
@@ -2154,12 +4110,7 @@
             <p:ph type="title"/>
           </p:nvPr>
         </p:nvSpPr>
-        <p:spPr>
-          <a:xfrm>
-            <a:off x="549274" y="107576"/>
-            <a:ext cx="8042276" cy="1336956"/>
-          </a:xfrm>
-        </p:spPr>
+        <p:spPr/>
         <p:txBody>
           <a:bodyPr/>
           <a:lstStyle>
@@ -2172,7 +4123,7 @@
               <a:rPr lang="en-US" smtClean="0"/>
               <a:t>Click to edit Master title style</a:t>
             </a:r>
-            <a:endParaRPr/>
+            <a:endParaRPr lang="en-US" dirty="0"/>
           </a:p>
         </p:txBody>
       </p:sp>
@@ -2188,8 +4139,8 @@
         </p:nvSpPr>
         <p:spPr>
           <a:xfrm>
-            <a:off x="549274" y="1453224"/>
-            <a:ext cx="3840480" cy="750887"/>
+            <a:off x="1329481" y="2658533"/>
+            <a:ext cx="3456291" cy="576262"/>
           </a:xfrm>
         </p:spPr>
         <p:txBody>
@@ -2197,16 +4148,12 @@
             <a:noAutofit/>
           </a:bodyPr>
           <a:lstStyle>
-            <a:lvl1pPr marL="0" indent="0" algn="ctr">
-              <a:spcBef>
-                <a:spcPts val="0"/>
-              </a:spcBef>
-              <a:buNone/>
-              <a:defRPr sz="2400" b="0">
+            <a:lvl1pPr marL="0" indent="0">
+              <a:buNone/>
+              <a:defRPr sz="2800" b="0">
                 <a:solidFill>
                   <a:schemeClr val="accent1">
-                    <a:lumMod val="60000"/>
-                    <a:lumOff val="40000"/>
+                    <a:lumMod val="75000"/>
                   </a:schemeClr>
                 </a:solidFill>
               </a:defRPr>
@@ -2265,44 +4212,41 @@
         </p:nvSpPr>
         <p:spPr>
           <a:xfrm>
-            <a:off x="549274" y="2347415"/>
-            <a:ext cx="3840480" cy="3596185"/>
+            <a:off x="1113523" y="3335336"/>
+            <a:ext cx="3672248" cy="2665259"/>
           </a:xfrm>
         </p:spPr>
         <p:txBody>
-          <a:bodyPr>
+          <a:bodyPr anchor="t">
             <a:normAutofit/>
           </a:bodyPr>
           <a:lstStyle>
             <a:lvl1pPr>
-              <a:spcBef>
-                <a:spcPts val="1600"/>
-              </a:spcBef>
-              <a:defRPr sz="2000"/>
+              <a:defRPr sz="1800"/>
             </a:lvl1pPr>
             <a:lvl2pPr>
-              <a:defRPr sz="1800"/>
+              <a:defRPr sz="1600"/>
             </a:lvl2pPr>
             <a:lvl3pPr>
-              <a:defRPr sz="1800"/>
+              <a:defRPr sz="1400"/>
             </a:lvl3pPr>
             <a:lvl4pPr>
-              <a:defRPr sz="1800"/>
+              <a:defRPr sz="1200"/>
             </a:lvl4pPr>
             <a:lvl5pPr>
-              <a:defRPr sz="1800"/>
+              <a:defRPr sz="1200"/>
             </a:lvl5pPr>
             <a:lvl6pPr>
-              <a:defRPr sz="1600"/>
+              <a:defRPr sz="1200"/>
             </a:lvl6pPr>
             <a:lvl7pPr>
-              <a:defRPr sz="1600"/>
+              <a:defRPr sz="1200"/>
             </a:lvl7pPr>
             <a:lvl8pPr>
-              <a:defRPr sz="1600"/>
+              <a:defRPr sz="1200"/>
             </a:lvl8pPr>
             <a:lvl9pPr>
-              <a:defRPr sz="1600"/>
+              <a:defRPr sz="1200"/>
             </a:lvl9pPr>
           </a:lstStyle>
           <a:p>
@@ -2339,7 +4283,7 @@
               <a:rPr lang="en-US" smtClean="0"/>
               <a:t>Fifth level</a:t>
             </a:r>
-            <a:endParaRPr dirty="0"/>
+            <a:endParaRPr lang="en-US" dirty="0"/>
           </a:p>
         </p:txBody>
       </p:sp>
@@ -2355,8 +4299,8 @@
         </p:nvSpPr>
         <p:spPr>
           <a:xfrm>
-            <a:off x="4751070" y="1453224"/>
-            <a:ext cx="3840480" cy="750887"/>
+            <a:off x="5161710" y="2667000"/>
+            <a:ext cx="3467806" cy="576262"/>
           </a:xfrm>
         </p:spPr>
         <p:txBody>
@@ -2364,16 +4308,12 @@
             <a:noAutofit/>
           </a:bodyPr>
           <a:lstStyle>
-            <a:lvl1pPr marL="0" indent="0" algn="ctr">
-              <a:spcBef>
-                <a:spcPts val="0"/>
-              </a:spcBef>
-              <a:buNone/>
-              <a:defRPr sz="2400" b="0">
+            <a:lvl1pPr marL="0" indent="0">
+              <a:buNone/>
+              <a:defRPr sz="2800" b="0">
                 <a:solidFill>
                   <a:schemeClr val="accent1">
-                    <a:lumMod val="60000"/>
-                    <a:lumOff val="40000"/>
+                    <a:lumMod val="75000"/>
                   </a:schemeClr>
                 </a:solidFill>
               </a:defRPr>
@@ -2432,44 +4372,41 @@
         </p:nvSpPr>
         <p:spPr>
           <a:xfrm>
-            <a:off x="4751070" y="2347415"/>
-            <a:ext cx="3840480" cy="3596185"/>
+            <a:off x="4957266" y="3335336"/>
+            <a:ext cx="3672248" cy="2665259"/>
           </a:xfrm>
         </p:spPr>
         <p:txBody>
-          <a:bodyPr>
+          <a:bodyPr anchor="t">
             <a:normAutofit/>
           </a:bodyPr>
           <a:lstStyle>
             <a:lvl1pPr>
-              <a:spcBef>
-                <a:spcPts val="1600"/>
-              </a:spcBef>
-              <a:defRPr sz="2000"/>
+              <a:defRPr sz="1800"/>
             </a:lvl1pPr>
             <a:lvl2pPr>
-              <a:defRPr sz="1800"/>
+              <a:defRPr sz="1600"/>
             </a:lvl2pPr>
             <a:lvl3pPr>
-              <a:defRPr sz="1800"/>
+              <a:defRPr sz="1400"/>
             </a:lvl3pPr>
             <a:lvl4pPr>
-              <a:defRPr sz="1800"/>
+              <a:defRPr sz="1200"/>
             </a:lvl4pPr>
             <a:lvl5pPr>
-              <a:defRPr sz="1800"/>
+              <a:defRPr sz="1200"/>
             </a:lvl5pPr>
             <a:lvl6pPr>
-              <a:defRPr sz="1600"/>
+              <a:defRPr sz="1200"/>
             </a:lvl6pPr>
             <a:lvl7pPr>
-              <a:defRPr sz="1600"/>
+              <a:defRPr sz="1200"/>
             </a:lvl7pPr>
             <a:lvl8pPr>
-              <a:defRPr sz="1600"/>
+              <a:defRPr sz="1200"/>
             </a:lvl8pPr>
             <a:lvl9pPr>
-              <a:defRPr sz="1600"/>
+              <a:defRPr sz="1200"/>
             </a:lvl9pPr>
           </a:lstStyle>
           <a:p>
@@ -2506,7 +4443,7 @@
               <a:rPr lang="en-US" smtClean="0"/>
               <a:t>Fifth level</a:t>
             </a:r>
-            <a:endParaRPr dirty="0"/>
+            <a:endParaRPr lang="en-US" dirty="0"/>
           </a:p>
         </p:txBody>
       </p:sp>
@@ -2527,7 +4464,7 @@
           <a:p>
             <a:fld id="{B01F9CA3-105E-4857-9057-6DB6197DA786}" type="datetimeFigureOut">
               <a:rPr lang="en-US" smtClean="0"/>
-              <a:t>9/13/18</a:t>
+              <a:t>9/14/2018</a:t>
             </a:fld>
             <a:endParaRPr lang="en-US"/>
           </a:p>
@@ -2576,6 +4513,11 @@
         </p:txBody>
       </p:sp>
     </p:spTree>
+    <p:extLst>
+      <p:ext uri="{BB962C8B-B14F-4D97-AF65-F5344CB8AC3E}">
+        <p14:creationId xmlns:p14="http://schemas.microsoft.com/office/powerpoint/2010/main" val="3480271401"/>
+      </p:ext>
+    </p:extLst>
   </p:cSld>
   <p:clrMapOvr>
     <a:masterClrMapping/>
@@ -2583,7 +4525,7 @@
 </p:sldLayout>
 </file>
 
-<file path=ppt/slideLayouts/slideLayout7.xml><?xml version="1.0" encoding="utf-8"?>
+<file path=ppt/slideLayouts/slideLayout6.xml><?xml version="1.0" encoding="utf-8"?>
 <p:sldLayout xmlns:a="http://schemas.openxmlformats.org/drawingml/2006/main" xmlns:r="http://schemas.openxmlformats.org/officeDocument/2006/relationships" xmlns:p="http://schemas.openxmlformats.org/presentationml/2006/main" type="titleOnly" preserve="1">
   <p:cSld name="Title Only">
     <p:spTree>
@@ -2619,7 +4561,7 @@
               <a:rPr lang="en-US" smtClean="0"/>
               <a:t>Click to edit Master title style</a:t>
             </a:r>
-            <a:endParaRPr/>
+            <a:endParaRPr lang="en-US" dirty="0"/>
           </a:p>
         </p:txBody>
       </p:sp>
@@ -2640,7 +4582,7 @@
           <a:p>
             <a:fld id="{B01F9CA3-105E-4857-9057-6DB6197DA786}" type="datetimeFigureOut">
               <a:rPr lang="en-US" smtClean="0"/>
-              <a:t>9/13/18</a:t>
+              <a:t>9/14/2018</a:t>
             </a:fld>
             <a:endParaRPr lang="en-US"/>
           </a:p>
@@ -2689,6 +4631,11 @@
         </p:txBody>
       </p:sp>
     </p:spTree>
+    <p:extLst>
+      <p:ext uri="{BB962C8B-B14F-4D97-AF65-F5344CB8AC3E}">
+        <p14:creationId xmlns:p14="http://schemas.microsoft.com/office/powerpoint/2010/main" val="396502202"/>
+      </p:ext>
+    </p:extLst>
   </p:cSld>
   <p:clrMapOvr>
     <a:masterClrMapping/>
@@ -2696,7 +4643,7 @@
 </p:sldLayout>
 </file>
 
-<file path=ppt/slideLayouts/slideLayout8.xml><?xml version="1.0" encoding="utf-8"?>
+<file path=ppt/slideLayouts/slideLayout7.xml><?xml version="1.0" encoding="utf-8"?>
 <p:sldLayout xmlns:a="http://schemas.openxmlformats.org/drawingml/2006/main" xmlns:r="http://schemas.openxmlformats.org/officeDocument/2006/relationships" xmlns:p="http://schemas.openxmlformats.org/presentationml/2006/main" type="blank" preserve="1">
   <p:cSld name="Blank">
     <p:spTree>
@@ -2730,7 +4677,7 @@
           <a:p>
             <a:fld id="{B01F9CA3-105E-4857-9057-6DB6197DA786}" type="datetimeFigureOut">
               <a:rPr lang="en-US" smtClean="0"/>
-              <a:t>9/13/18</a:t>
+              <a:t>9/14/2018</a:t>
             </a:fld>
             <a:endParaRPr lang="en-US"/>
           </a:p>
@@ -2779,6 +4726,11 @@
         </p:txBody>
       </p:sp>
     </p:spTree>
+    <p:extLst>
+      <p:ext uri="{BB962C8B-B14F-4D97-AF65-F5344CB8AC3E}">
+        <p14:creationId xmlns:p14="http://schemas.microsoft.com/office/powerpoint/2010/main" val="2389050719"/>
+      </p:ext>
+    </p:extLst>
   </p:cSld>
   <p:clrMapOvr>
     <a:masterClrMapping/>
@@ -2786,7 +4738,7 @@
 </p:sldLayout>
 </file>
 
-<file path=ppt/slideLayouts/slideLayout9.xml><?xml version="1.0" encoding="utf-8"?>
+<file path=ppt/slideLayouts/slideLayout8.xml><?xml version="1.0" encoding="utf-8"?>
 <p:sldLayout xmlns:a="http://schemas.openxmlformats.org/drawingml/2006/main" xmlns:r="http://schemas.openxmlformats.org/officeDocument/2006/relationships" xmlns:p="http://schemas.openxmlformats.org/presentationml/2006/main" type="objTx" preserve="1">
   <p:cSld name="Content with Caption">
     <p:spTree>
@@ -2815,15 +4767,17 @@
         </p:nvSpPr>
         <p:spPr>
           <a:xfrm>
-            <a:off x="533399" y="611872"/>
-            <a:ext cx="3840480" cy="1162050"/>
+            <a:off x="1113524" y="1600200"/>
+            <a:ext cx="2662534" cy="1371600"/>
           </a:xfrm>
         </p:spPr>
         <p:txBody>
-          <a:bodyPr anchor="b"/>
+          <a:bodyPr anchor="b">
+            <a:normAutofit/>
+          </a:bodyPr>
           <a:lstStyle>
             <a:lvl1pPr algn="ctr">
-              <a:defRPr sz="3600" b="0"/>
+              <a:defRPr sz="2400" b="0"/>
             </a:lvl1pPr>
           </a:lstStyle>
           <a:p>
@@ -2831,7 +4785,7 @@
               <a:rPr lang="en-US" smtClean="0"/>
               <a:t>Click to edit Master title style</a:t>
             </a:r>
-            <a:endParaRPr/>
+            <a:endParaRPr lang="en-US" dirty="0"/>
           </a:p>
         </p:txBody>
       </p:sp>
@@ -2847,44 +4801,41 @@
         </p:nvSpPr>
         <p:spPr>
           <a:xfrm>
-            <a:off x="4742824" y="368300"/>
-            <a:ext cx="3840480" cy="5575300"/>
+            <a:off x="3947553" y="685800"/>
+            <a:ext cx="4681962" cy="5105401"/>
           </a:xfrm>
         </p:spPr>
         <p:txBody>
-          <a:bodyPr>
+          <a:bodyPr anchor="ctr">
             <a:normAutofit/>
           </a:bodyPr>
           <a:lstStyle>
             <a:lvl1pPr>
-              <a:spcBef>
-                <a:spcPts val="2000"/>
-              </a:spcBef>
-              <a:defRPr sz="2200"/>
+              <a:defRPr sz="2000"/>
             </a:lvl1pPr>
             <a:lvl2pPr>
-              <a:defRPr sz="2000"/>
+              <a:defRPr sz="1800"/>
             </a:lvl2pPr>
             <a:lvl3pPr>
-              <a:defRPr sz="1800"/>
+              <a:defRPr sz="1600"/>
             </a:lvl3pPr>
             <a:lvl4pPr>
-              <a:defRPr sz="1800"/>
+              <a:defRPr sz="1400"/>
             </a:lvl4pPr>
             <a:lvl5pPr>
-              <a:defRPr sz="1800"/>
+              <a:defRPr sz="1400"/>
             </a:lvl5pPr>
             <a:lvl6pPr>
-              <a:defRPr sz="2000"/>
+              <a:defRPr sz="1400"/>
             </a:lvl6pPr>
             <a:lvl7pPr>
-              <a:defRPr sz="2000"/>
+              <a:defRPr sz="1400"/>
             </a:lvl7pPr>
             <a:lvl8pPr>
-              <a:defRPr sz="2000"/>
+              <a:defRPr sz="1400"/>
             </a:lvl8pPr>
             <a:lvl9pPr>
-              <a:defRPr sz="2000"/>
+              <a:defRPr sz="1400"/>
             </a:lvl9pPr>
           </a:lstStyle>
           <a:p>
@@ -2921,7 +4872,7 @@
               <a:rPr lang="en-US" smtClean="0"/>
               <a:t>Fifth level</a:t>
             </a:r>
-            <a:endParaRPr dirty="0"/>
+            <a:endParaRPr lang="en-US" dirty="0"/>
           </a:p>
         </p:txBody>
       </p:sp>
@@ -2937,8 +4888,8 @@
         </p:nvSpPr>
         <p:spPr>
           <a:xfrm>
-            <a:off x="533399" y="1787856"/>
-            <a:ext cx="3840480" cy="3720152"/>
+            <a:off x="1113524" y="2971800"/>
+            <a:ext cx="2662534" cy="1828800"/>
           </a:xfrm>
         </p:spPr>
         <p:txBody>
@@ -2947,9 +4898,297 @@
           </a:bodyPr>
           <a:lstStyle>
             <a:lvl1pPr marL="0" indent="0" algn="ctr">
-              <a:spcBef>
-                <a:spcPts val="600"/>
-              </a:spcBef>
+              <a:buNone/>
+              <a:defRPr sz="1600"/>
+            </a:lvl1pPr>
+            <a:lvl2pPr marL="457200" indent="0">
+              <a:buNone/>
+              <a:defRPr sz="1200"/>
+            </a:lvl2pPr>
+            <a:lvl3pPr marL="914400" indent="0">
+              <a:buNone/>
+              <a:defRPr sz="1000"/>
+            </a:lvl3pPr>
+            <a:lvl4pPr marL="1371600" indent="0">
+              <a:buNone/>
+              <a:defRPr sz="900"/>
+            </a:lvl4pPr>
+            <a:lvl5pPr marL="1828800" indent="0">
+              <a:buNone/>
+              <a:defRPr sz="900"/>
+            </a:lvl5pPr>
+            <a:lvl6pPr marL="2286000" indent="0">
+              <a:buNone/>
+              <a:defRPr sz="900"/>
+            </a:lvl6pPr>
+            <a:lvl7pPr marL="2743200" indent="0">
+              <a:buNone/>
+              <a:defRPr sz="900"/>
+            </a:lvl7pPr>
+            <a:lvl8pPr marL="3200400" indent="0">
+              <a:buNone/>
+              <a:defRPr sz="900"/>
+            </a:lvl8pPr>
+            <a:lvl9pPr marL="3657600" indent="0">
+              <a:buNone/>
+              <a:defRPr sz="900"/>
+            </a:lvl9pPr>
+          </a:lstStyle>
+          <a:p>
+            <a:pPr lvl="0"/>
+            <a:r>
+              <a:rPr lang="en-US" smtClean="0"/>
+              <a:t>Click to edit Master text styles</a:t>
+            </a:r>
+          </a:p>
+        </p:txBody>
+      </p:sp>
+      <p:sp>
+        <p:nvSpPr>
+          <p:cNvPr id="5" name="Date Placeholder 4"/>
+          <p:cNvSpPr>
+            <a:spLocks noGrp="1"/>
+          </p:cNvSpPr>
+          <p:nvPr>
+            <p:ph type="dt" sz="half" idx="10"/>
+          </p:nvPr>
+        </p:nvSpPr>
+        <p:spPr/>
+        <p:txBody>
+          <a:bodyPr/>
+          <a:lstStyle/>
+          <a:p>
+            <a:fld id="{B01F9CA3-105E-4857-9057-6DB6197DA786}" type="datetimeFigureOut">
+              <a:rPr lang="en-US" smtClean="0"/>
+              <a:t>9/14/2018</a:t>
+            </a:fld>
+            <a:endParaRPr lang="en-US"/>
+          </a:p>
+        </p:txBody>
+      </p:sp>
+      <p:sp>
+        <p:nvSpPr>
+          <p:cNvPr id="6" name="Footer Placeholder 5"/>
+          <p:cNvSpPr>
+            <a:spLocks noGrp="1"/>
+          </p:cNvSpPr>
+          <p:nvPr>
+            <p:ph type="ftr" sz="quarter" idx="11"/>
+          </p:nvPr>
+        </p:nvSpPr>
+        <p:spPr/>
+        <p:txBody>
+          <a:bodyPr/>
+          <a:lstStyle/>
+          <a:p>
+            <a:endParaRPr lang="en-US"/>
+          </a:p>
+        </p:txBody>
+      </p:sp>
+      <p:sp>
+        <p:nvSpPr>
+          <p:cNvPr id="7" name="Slide Number Placeholder 6"/>
+          <p:cNvSpPr>
+            <a:spLocks noGrp="1"/>
+          </p:cNvSpPr>
+          <p:nvPr>
+            <p:ph type="sldNum" sz="quarter" idx="12"/>
+          </p:nvPr>
+        </p:nvSpPr>
+        <p:spPr/>
+        <p:txBody>
+          <a:bodyPr/>
+          <a:lstStyle/>
+          <a:p>
+            <a:fld id="{7F5CE407-6216-4202-80E4-A30DC2F709B2}" type="slidenum">
+              <a:rPr lang="en-US" smtClean="0"/>
+              <a:t>‹#›</a:t>
+            </a:fld>
+            <a:endParaRPr lang="en-US"/>
+          </a:p>
+        </p:txBody>
+      </p:sp>
+    </p:spTree>
+    <p:extLst>
+      <p:ext uri="{BB962C8B-B14F-4D97-AF65-F5344CB8AC3E}">
+        <p14:creationId xmlns:p14="http://schemas.microsoft.com/office/powerpoint/2010/main" val="3709871401"/>
+      </p:ext>
+    </p:extLst>
+  </p:cSld>
+  <p:clrMapOvr>
+    <a:masterClrMapping/>
+  </p:clrMapOvr>
+</p:sldLayout>
+</file>
+
+<file path=ppt/slideLayouts/slideLayout9.xml><?xml version="1.0" encoding="utf-8"?>
+<p:sldLayout xmlns:a="http://schemas.openxmlformats.org/drawingml/2006/main" xmlns:r="http://schemas.openxmlformats.org/officeDocument/2006/relationships" xmlns:p="http://schemas.openxmlformats.org/presentationml/2006/main" type="picTx" preserve="1">
+  <p:cSld name="Picture with Caption">
+    <p:spTree>
+      <p:nvGrpSpPr>
+        <p:cNvPr id="1" name=""/>
+        <p:cNvGrpSpPr/>
+        <p:nvPr/>
+      </p:nvGrpSpPr>
+      <p:grpSpPr>
+        <a:xfrm>
+          <a:off x="0" y="0"/>
+          <a:ext cx="0" cy="0"/>
+          <a:chOff x="0" y="0"/>
+          <a:chExt cx="0" cy="0"/>
+        </a:xfrm>
+      </p:grpSpPr>
+      <p:sp>
+        <p:nvSpPr>
+          <p:cNvPr id="2" name="Title 1"/>
+          <p:cNvSpPr>
+            <a:spLocks noGrp="1"/>
+          </p:cNvSpPr>
+          <p:nvPr>
+            <p:ph type="title"/>
+          </p:nvPr>
+        </p:nvSpPr>
+        <p:spPr>
+          <a:xfrm>
+            <a:off x="1112332" y="1752599"/>
+            <a:ext cx="4070679" cy="1371600"/>
+          </a:xfrm>
+        </p:spPr>
+        <p:txBody>
+          <a:bodyPr anchor="b">
+            <a:normAutofit/>
+          </a:bodyPr>
+          <a:lstStyle>
+            <a:lvl1pPr algn="ctr">
+              <a:defRPr sz="2800" b="0"/>
+            </a:lvl1pPr>
+          </a:lstStyle>
+          <a:p>
+            <a:r>
+              <a:rPr lang="en-US" smtClean="0"/>
+              <a:t>Click to edit Master title style</a:t>
+            </a:r>
+            <a:endParaRPr lang="en-US" dirty="0"/>
+          </a:p>
+        </p:txBody>
+      </p:sp>
+      <p:sp>
+        <p:nvSpPr>
+          <p:cNvPr id="14" name="Picture Placeholder 2"/>
+          <p:cNvSpPr>
+            <a:spLocks noGrp="1" noChangeAspect="1"/>
+          </p:cNvSpPr>
+          <p:nvPr>
+            <p:ph type="pic" idx="1"/>
+          </p:nvPr>
+        </p:nvSpPr>
+        <p:spPr>
+          <a:xfrm>
+            <a:off x="5697495" y="914400"/>
+            <a:ext cx="2461371" cy="4572000"/>
+          </a:xfrm>
+          <a:prstGeom prst="roundRect">
+            <a:avLst>
+              <a:gd name="adj" fmla="val 4280"/>
+            </a:avLst>
+          </a:prstGeom>
+          <a:ln w="38100">
+            <a:gradFill flip="none" rotWithShape="1">
+              <a:gsLst>
+                <a:gs pos="0">
+                  <a:schemeClr val="bg2"/>
+                </a:gs>
+                <a:gs pos="100000">
+                  <a:schemeClr val="bg2">
+                    <a:lumMod val="75000"/>
+                  </a:schemeClr>
+                </a:gs>
+              </a:gsLst>
+              <a:lin ang="5400000" scaled="0"/>
+              <a:tileRect/>
+            </a:gradFill>
+          </a:ln>
+          <a:effectLst>
+            <a:innerShdw blurRad="57150" dist="38100" dir="14460000">
+              <a:srgbClr val="000000">
+                <a:alpha val="70000"/>
+              </a:srgbClr>
+            </a:innerShdw>
+          </a:effectLst>
+        </p:spPr>
+        <p:txBody>
+          <a:bodyPr anchor="t">
+            <a:normAutofit/>
+          </a:bodyPr>
+          <a:lstStyle>
+            <a:lvl1pPr marL="0" indent="0" algn="ctr">
+              <a:buNone/>
+              <a:defRPr sz="1600"/>
+            </a:lvl1pPr>
+            <a:lvl2pPr marL="457200" indent="0">
+              <a:buNone/>
+              <a:defRPr sz="1600"/>
+            </a:lvl2pPr>
+            <a:lvl3pPr marL="914400" indent="0">
+              <a:buNone/>
+              <a:defRPr sz="1600"/>
+            </a:lvl3pPr>
+            <a:lvl4pPr marL="1371600" indent="0">
+              <a:buNone/>
+              <a:defRPr sz="1600"/>
+            </a:lvl4pPr>
+            <a:lvl5pPr marL="1828800" indent="0">
+              <a:buNone/>
+              <a:defRPr sz="1600"/>
+            </a:lvl5pPr>
+            <a:lvl6pPr marL="2286000" indent="0">
+              <a:buNone/>
+              <a:defRPr sz="1600"/>
+            </a:lvl6pPr>
+            <a:lvl7pPr marL="2743200" indent="0">
+              <a:buNone/>
+              <a:defRPr sz="1600"/>
+            </a:lvl7pPr>
+            <a:lvl8pPr marL="3200400" indent="0">
+              <a:buNone/>
+              <a:defRPr sz="1600"/>
+            </a:lvl8pPr>
+            <a:lvl9pPr marL="3657600" indent="0">
+              <a:buNone/>
+              <a:defRPr sz="1600"/>
+            </a:lvl9pPr>
+          </a:lstStyle>
+          <a:p>
+            <a:r>
+              <a:rPr lang="en-US" smtClean="0"/>
+              <a:t>Click icon to add picture</a:t>
+            </a:r>
+            <a:endParaRPr lang="en-US" dirty="0"/>
+          </a:p>
+        </p:txBody>
+      </p:sp>
+      <p:sp>
+        <p:nvSpPr>
+          <p:cNvPr id="4" name="Text Placeholder 3"/>
+          <p:cNvSpPr>
+            <a:spLocks noGrp="1"/>
+          </p:cNvSpPr>
+          <p:nvPr>
+            <p:ph type="body" sz="half" idx="2"/>
+          </p:nvPr>
+        </p:nvSpPr>
+        <p:spPr>
+          <a:xfrm>
+            <a:off x="1112332" y="3124199"/>
+            <a:ext cx="4070679" cy="1828800"/>
+          </a:xfrm>
+        </p:spPr>
+        <p:txBody>
+          <a:bodyPr>
+            <a:normAutofit/>
+          </a:bodyPr>
+          <a:lstStyle>
+            <a:lvl1pPr marL="0" indent="0" algn="ctr">
               <a:buNone/>
               <a:defRPr sz="1800"/>
             </a:lvl1pPr>
@@ -3012,7 +5251,7 @@
           <a:p>
             <a:fld id="{B01F9CA3-105E-4857-9057-6DB6197DA786}" type="datetimeFigureOut">
               <a:rPr lang="en-US" smtClean="0"/>
-              <a:t>9/13/18</a:t>
+              <a:t>9/14/2018</a:t>
             </a:fld>
             <a:endParaRPr lang="en-US"/>
           </a:p>
@@ -3061,6 +5300,11 @@
         </p:txBody>
       </p:sp>
     </p:spTree>
+    <p:extLst>
+      <p:ext uri="{BB962C8B-B14F-4D97-AF65-F5344CB8AC3E}">
+        <p14:creationId xmlns:p14="http://schemas.microsoft.com/office/powerpoint/2010/main" val="3758982299"/>
+      </p:ext>
+    </p:extLst>
   </p:cSld>
   <p:clrMapOvr>
     <a:masterClrMapping/>
@@ -3090,6 +5334,316 @@
           <a:chExt cx="0" cy="0"/>
         </a:xfrm>
       </p:grpSpPr>
+      <p:grpSp>
+        <p:nvGrpSpPr>
+          <p:cNvPr id="14" name="Group 13"/>
+          <p:cNvGrpSpPr/>
+          <p:nvPr/>
+        </p:nvGrpSpPr>
+        <p:grpSpPr>
+          <a:xfrm>
+            <a:off x="0" y="0"/>
+            <a:ext cx="2132013" cy="6858001"/>
+            <a:chOff x="0" y="0"/>
+            <a:chExt cx="2132013" cy="6858001"/>
+          </a:xfrm>
+        </p:grpSpPr>
+        <p:sp>
+          <p:nvSpPr>
+            <p:cNvPr id="15" name="Freeform 6"/>
+            <p:cNvSpPr/>
+            <p:nvPr/>
+          </p:nvSpPr>
+          <p:spPr bwMode="auto">
+            <a:xfrm>
+              <a:off x="0" y="0"/>
+              <a:ext cx="1073150" cy="5291138"/>
+            </a:xfrm>
+            <a:custGeom>
+              <a:avLst/>
+              <a:gdLst/>
+              <a:ahLst/>
+              <a:cxnLst/>
+              <a:rect l="0" t="0" r="r" b="b"/>
+              <a:pathLst>
+                <a:path w="676" h="3333">
+                  <a:moveTo>
+                    <a:pt x="0" y="3132"/>
+                  </a:moveTo>
+                  <a:lnTo>
+                    <a:pt x="0" y="3312"/>
+                  </a:lnTo>
+                  <a:lnTo>
+                    <a:pt x="126" y="3333"/>
+                  </a:lnTo>
+                  <a:lnTo>
+                    <a:pt x="676" y="0"/>
+                  </a:lnTo>
+                  <a:lnTo>
+                    <a:pt x="514" y="0"/>
+                  </a:lnTo>
+                  <a:lnTo>
+                    <a:pt x="0" y="3132"/>
+                  </a:lnTo>
+                  <a:close/>
+                </a:path>
+              </a:pathLst>
+            </a:custGeom>
+            <a:solidFill>
+              <a:schemeClr val="accent1"/>
+            </a:solidFill>
+            <a:ln>
+              <a:noFill/>
+            </a:ln>
+          </p:spPr>
+        </p:sp>
+        <p:sp>
+          <p:nvSpPr>
+            <p:cNvPr id="16" name="Freeform 7"/>
+            <p:cNvSpPr/>
+            <p:nvPr/>
+          </p:nvSpPr>
+          <p:spPr bwMode="auto">
+            <a:xfrm>
+              <a:off x="0" y="0"/>
+              <a:ext cx="758825" cy="4624388"/>
+            </a:xfrm>
+            <a:custGeom>
+              <a:avLst/>
+              <a:gdLst/>
+              <a:ahLst/>
+              <a:cxnLst/>
+              <a:rect l="0" t="0" r="r" b="b"/>
+              <a:pathLst>
+                <a:path w="478" h="2913">
+                  <a:moveTo>
+                    <a:pt x="478" y="0"/>
+                  </a:moveTo>
+                  <a:lnTo>
+                    <a:pt x="318" y="0"/>
+                  </a:lnTo>
+                  <a:lnTo>
+                    <a:pt x="0" y="1938"/>
+                  </a:lnTo>
+                  <a:lnTo>
+                    <a:pt x="0" y="2913"/>
+                  </a:lnTo>
+                  <a:lnTo>
+                    <a:pt x="478" y="0"/>
+                  </a:lnTo>
+                  <a:close/>
+                </a:path>
+              </a:pathLst>
+            </a:custGeom>
+            <a:solidFill>
+              <a:schemeClr val="tx1">
+                <a:lumMod val="65000"/>
+                <a:lumOff val="35000"/>
+              </a:schemeClr>
+            </a:solidFill>
+            <a:ln>
+              <a:noFill/>
+            </a:ln>
+          </p:spPr>
+        </p:sp>
+        <p:sp>
+          <p:nvSpPr>
+            <p:cNvPr id="17" name="Freeform 8"/>
+            <p:cNvSpPr/>
+            <p:nvPr/>
+          </p:nvSpPr>
+          <p:spPr bwMode="auto">
+            <a:xfrm>
+              <a:off x="0" y="5662613"/>
+              <a:ext cx="906463" cy="1195388"/>
+            </a:xfrm>
+            <a:custGeom>
+              <a:avLst/>
+              <a:gdLst/>
+              <a:ahLst/>
+              <a:cxnLst/>
+              <a:rect l="0" t="0" r="r" b="b"/>
+              <a:pathLst>
+                <a:path w="571" h="753">
+                  <a:moveTo>
+                    <a:pt x="0" y="0"/>
+                  </a:moveTo>
+                  <a:lnTo>
+                    <a:pt x="0" y="12"/>
+                  </a:lnTo>
+                  <a:lnTo>
+                    <a:pt x="538" y="753"/>
+                  </a:lnTo>
+                  <a:lnTo>
+                    <a:pt x="571" y="753"/>
+                  </a:lnTo>
+                  <a:lnTo>
+                    <a:pt x="0" y="0"/>
+                  </a:lnTo>
+                  <a:close/>
+                </a:path>
+              </a:pathLst>
+            </a:custGeom>
+            <a:solidFill>
+              <a:schemeClr val="tx1">
+                <a:lumMod val="85000"/>
+                <a:lumOff val="15000"/>
+              </a:schemeClr>
+            </a:solidFill>
+            <a:ln>
+              <a:noFill/>
+            </a:ln>
+          </p:spPr>
+        </p:sp>
+        <p:sp>
+          <p:nvSpPr>
+            <p:cNvPr id="18" name="Freeform 9"/>
+            <p:cNvSpPr/>
+            <p:nvPr/>
+          </p:nvSpPr>
+          <p:spPr bwMode="auto">
+            <a:xfrm>
+              <a:off x="0" y="5295900"/>
+              <a:ext cx="1487488" cy="1562100"/>
+            </a:xfrm>
+            <a:custGeom>
+              <a:avLst/>
+              <a:gdLst/>
+              <a:ahLst/>
+              <a:cxnLst/>
+              <a:rect l="0" t="0" r="r" b="b"/>
+              <a:pathLst>
+                <a:path w="937" h="984">
+                  <a:moveTo>
+                    <a:pt x="0" y="0"/>
+                  </a:moveTo>
+                  <a:lnTo>
+                    <a:pt x="0" y="3"/>
+                  </a:lnTo>
+                  <a:lnTo>
+                    <a:pt x="901" y="984"/>
+                  </a:lnTo>
+                  <a:lnTo>
+                    <a:pt x="937" y="984"/>
+                  </a:lnTo>
+                  <a:lnTo>
+                    <a:pt x="0" y="0"/>
+                  </a:lnTo>
+                  <a:close/>
+                </a:path>
+              </a:pathLst>
+            </a:custGeom>
+            <a:solidFill>
+              <a:schemeClr val="accent1">
+                <a:lumMod val="50000"/>
+              </a:schemeClr>
+            </a:solidFill>
+            <a:ln>
+              <a:noFill/>
+            </a:ln>
+          </p:spPr>
+        </p:sp>
+        <p:sp>
+          <p:nvSpPr>
+            <p:cNvPr id="19" name="Freeform 10"/>
+            <p:cNvSpPr/>
+            <p:nvPr/>
+          </p:nvSpPr>
+          <p:spPr bwMode="auto">
+            <a:xfrm>
+              <a:off x="0" y="5257800"/>
+              <a:ext cx="2132013" cy="1600200"/>
+            </a:xfrm>
+            <a:custGeom>
+              <a:avLst/>
+              <a:gdLst/>
+              <a:ahLst/>
+              <a:cxnLst/>
+              <a:rect l="0" t="0" r="r" b="b"/>
+              <a:pathLst>
+                <a:path w="1343" h="1008">
+                  <a:moveTo>
+                    <a:pt x="0" y="24"/>
+                  </a:moveTo>
+                  <a:lnTo>
+                    <a:pt x="937" y="1008"/>
+                  </a:lnTo>
+                  <a:lnTo>
+                    <a:pt x="1343" y="1008"/>
+                  </a:lnTo>
+                  <a:lnTo>
+                    <a:pt x="126" y="21"/>
+                  </a:lnTo>
+                  <a:lnTo>
+                    <a:pt x="0" y="0"/>
+                  </a:lnTo>
+                  <a:lnTo>
+                    <a:pt x="0" y="24"/>
+                  </a:lnTo>
+                  <a:close/>
+                </a:path>
+              </a:pathLst>
+            </a:custGeom>
+            <a:solidFill>
+              <a:schemeClr val="accent1">
+                <a:lumMod val="75000"/>
+              </a:schemeClr>
+            </a:solidFill>
+            <a:ln>
+              <a:noFill/>
+            </a:ln>
+          </p:spPr>
+        </p:sp>
+        <p:sp>
+          <p:nvSpPr>
+            <p:cNvPr id="20" name="Freeform 11"/>
+            <p:cNvSpPr/>
+            <p:nvPr/>
+          </p:nvSpPr>
+          <p:spPr bwMode="auto">
+            <a:xfrm>
+              <a:off x="0" y="5357813"/>
+              <a:ext cx="1377950" cy="1500188"/>
+            </a:xfrm>
+            <a:custGeom>
+              <a:avLst/>
+              <a:gdLst/>
+              <a:ahLst/>
+              <a:cxnLst/>
+              <a:rect l="0" t="0" r="r" b="b"/>
+              <a:pathLst>
+                <a:path w="868" h="945">
+                  <a:moveTo>
+                    <a:pt x="0" y="192"/>
+                  </a:moveTo>
+                  <a:lnTo>
+                    <a:pt x="571" y="945"/>
+                  </a:lnTo>
+                  <a:lnTo>
+                    <a:pt x="868" y="945"/>
+                  </a:lnTo>
+                  <a:lnTo>
+                    <a:pt x="0" y="0"/>
+                  </a:lnTo>
+                  <a:lnTo>
+                    <a:pt x="0" y="192"/>
+                  </a:lnTo>
+                  <a:close/>
+                </a:path>
+              </a:pathLst>
+            </a:custGeom>
+            <a:solidFill>
+              <a:schemeClr val="tx1">
+                <a:lumMod val="75000"/>
+                <a:lumOff val="25000"/>
+              </a:schemeClr>
+            </a:solidFill>
+            <a:ln>
+              <a:noFill/>
+            </a:ln>
+          </p:spPr>
+        </p:sp>
+      </p:grpSp>
       <p:sp>
         <p:nvSpPr>
           <p:cNvPr id="2" name="Title Placeholder 1"/>
@@ -3102,103 +5656,145 @@
         </p:nvSpPr>
         <p:spPr>
           <a:xfrm>
-            <a:off x="549275" y="107576"/>
-            <a:ext cx="8042276" cy="1336956"/>
+            <a:off x="982133" y="457201"/>
+            <a:ext cx="7704667" cy="1981200"/>
+          </a:xfrm>
+          <a:prstGeom prst="rect">
+            <a:avLst/>
+          </a:prstGeom>
+          <a:effectLst/>
+        </p:spPr>
+        <p:txBody>
+          <a:bodyPr vert="horz" lIns="91440" tIns="45720" rIns="91440" bIns="45720" rtlCol="0" anchor="ctr">
+            <a:normAutofit/>
+          </a:bodyPr>
+          <a:lstStyle/>
+          <a:p>
+            <a:r>
+              <a:rPr lang="en-US" smtClean="0"/>
+              <a:t>Click to edit Master title style</a:t>
+            </a:r>
+            <a:endParaRPr lang="en-US" dirty="0"/>
+          </a:p>
+        </p:txBody>
+      </p:sp>
+      <p:sp>
+        <p:nvSpPr>
+          <p:cNvPr id="3" name="Text Placeholder 2"/>
+          <p:cNvSpPr>
+            <a:spLocks noGrp="1"/>
+          </p:cNvSpPr>
+          <p:nvPr>
+            <p:ph type="body" idx="1"/>
+          </p:nvPr>
+        </p:nvSpPr>
+        <p:spPr>
+          <a:xfrm>
+            <a:off x="982134" y="2667000"/>
+            <a:ext cx="7704666" cy="3356995"/>
           </a:xfrm>
           <a:prstGeom prst="rect">
             <a:avLst/>
           </a:prstGeom>
         </p:spPr>
         <p:txBody>
-          <a:bodyPr vert="horz" lIns="91440" tIns="45720" rIns="91440" bIns="45720" rtlCol="0" anchor="b" anchorCtr="0">
-            <a:noAutofit/>
+          <a:bodyPr vert="horz" lIns="91440" tIns="45720" rIns="91440" bIns="45720" rtlCol="0" anchor="ctr">
+            <a:normAutofit/>
           </a:bodyPr>
           <a:lstStyle/>
           <a:p>
-            <a:r>
-              <a:rPr lang="en-US" smtClean="0"/>
-              <a:t>Click to edit Master title style</a:t>
-            </a:r>
-            <a:endParaRPr/>
-          </a:p>
-        </p:txBody>
-      </p:sp>
-      <p:sp>
-        <p:nvSpPr>
-          <p:cNvPr id="3" name="Text Placeholder 2"/>
-          <p:cNvSpPr>
-            <a:spLocks noGrp="1"/>
-          </p:cNvSpPr>
-          <p:nvPr>
-            <p:ph type="body" idx="1"/>
+            <a:pPr lvl="0"/>
+            <a:r>
+              <a:rPr lang="en-US" smtClean="0"/>
+              <a:t>Click to edit Master text styles</a:t>
+            </a:r>
+          </a:p>
+          <a:p>
+            <a:pPr lvl="1"/>
+            <a:r>
+              <a:rPr lang="en-US" smtClean="0"/>
+              <a:t>Second level</a:t>
+            </a:r>
+          </a:p>
+          <a:p>
+            <a:pPr lvl="2"/>
+            <a:r>
+              <a:rPr lang="en-US" smtClean="0"/>
+              <a:t>Third level</a:t>
+            </a:r>
+          </a:p>
+          <a:p>
+            <a:pPr lvl="3"/>
+            <a:r>
+              <a:rPr lang="en-US" smtClean="0"/>
+              <a:t>Fourth level</a:t>
+            </a:r>
+          </a:p>
+          <a:p>
+            <a:pPr lvl="4"/>
+            <a:r>
+              <a:rPr lang="en-US" smtClean="0"/>
+              <a:t>Fifth level</a:t>
+            </a:r>
+            <a:endParaRPr lang="en-US" dirty="0"/>
+          </a:p>
+        </p:txBody>
+      </p:sp>
+      <p:sp>
+        <p:nvSpPr>
+          <p:cNvPr id="4" name="Date Placeholder 3"/>
+          <p:cNvSpPr>
+            <a:spLocks noGrp="1"/>
+          </p:cNvSpPr>
+          <p:nvPr>
+            <p:ph type="dt" sz="half" idx="2"/>
           </p:nvPr>
         </p:nvSpPr>
         <p:spPr>
           <a:xfrm>
-            <a:off x="549275" y="1600201"/>
-            <a:ext cx="8042276" cy="4343400"/>
+            <a:off x="7358679" y="6116070"/>
+            <a:ext cx="857473" cy="365125"/>
           </a:xfrm>
           <a:prstGeom prst="rect">
             <a:avLst/>
           </a:prstGeom>
         </p:spPr>
         <p:txBody>
-          <a:bodyPr vert="horz" lIns="91440" tIns="45720" rIns="91440" bIns="45720" rtlCol="0">
-            <a:normAutofit/>
-          </a:bodyPr>
-          <a:lstStyle/>
-          <a:p>
-            <a:pPr lvl="0"/>
-            <a:r>
-              <a:rPr lang="en-US" smtClean="0"/>
-              <a:t>Click to edit Master text styles</a:t>
-            </a:r>
-          </a:p>
-          <a:p>
-            <a:pPr lvl="1"/>
-            <a:r>
-              <a:rPr lang="en-US" smtClean="0"/>
-              <a:t>Second level</a:t>
-            </a:r>
-          </a:p>
-          <a:p>
-            <a:pPr lvl="2"/>
-            <a:r>
-              <a:rPr lang="en-US" smtClean="0"/>
-              <a:t>Third level</a:t>
-            </a:r>
-          </a:p>
-          <a:p>
-            <a:pPr lvl="3"/>
-            <a:r>
-              <a:rPr lang="en-US" smtClean="0"/>
-              <a:t>Fourth level</a:t>
-            </a:r>
-          </a:p>
-          <a:p>
-            <a:pPr lvl="4"/>
-            <a:r>
-              <a:rPr lang="en-US" smtClean="0"/>
-              <a:t>Fifth level</a:t>
-            </a:r>
-            <a:endParaRPr dirty="0"/>
-          </a:p>
-        </p:txBody>
-      </p:sp>
-      <p:sp>
-        <p:nvSpPr>
-          <p:cNvPr id="4" name="Date Placeholder 3"/>
-          <p:cNvSpPr>
-            <a:spLocks noGrp="1"/>
-          </p:cNvSpPr>
-          <p:nvPr>
-            <p:ph type="dt" sz="half" idx="2"/>
+          <a:bodyPr vert="horz" lIns="91440" tIns="45720" rIns="91440" bIns="45720" rtlCol="0" anchor="ctr"/>
+          <a:lstStyle>
+            <a:lvl1pPr algn="r">
+              <a:defRPr sz="1000" b="0" i="0">
+                <a:solidFill>
+                  <a:schemeClr val="tx1"/>
+                </a:solidFill>
+                <a:effectLst/>
+                <a:latin typeface="+mn-lt"/>
+              </a:defRPr>
+            </a:lvl1pPr>
+          </a:lstStyle>
+          <a:p>
+            <a:fld id="{B01F9CA3-105E-4857-9057-6DB6197DA786}" type="datetimeFigureOut">
+              <a:rPr lang="en-US" smtClean="0"/>
+              <a:t>9/14/2018</a:t>
+            </a:fld>
+            <a:endParaRPr lang="en-US"/>
+          </a:p>
+        </p:txBody>
+      </p:sp>
+      <p:sp>
+        <p:nvSpPr>
+          <p:cNvPr id="5" name="Footer Placeholder 4"/>
+          <p:cNvSpPr>
+            <a:spLocks noGrp="1"/>
+          </p:cNvSpPr>
+          <p:nvPr>
+            <p:ph type="ftr" sz="quarter" idx="3"/>
           </p:nvPr>
         </p:nvSpPr>
         <p:spPr>
           <a:xfrm>
-            <a:off x="5629835" y="6275668"/>
-            <a:ext cx="2133600" cy="365125"/>
+            <a:off x="1986997" y="6116070"/>
+            <a:ext cx="5314517" cy="365125"/>
           </a:xfrm>
           <a:prstGeom prst="rect">
             <a:avLst/>
@@ -3207,37 +5803,35 @@
         <p:txBody>
           <a:bodyPr vert="horz" lIns="91440" tIns="45720" rIns="91440" bIns="45720" rtlCol="0" anchor="ctr"/>
           <a:lstStyle>
-            <a:lvl1pPr algn="r">
-              <a:defRPr sz="1200">
-                <a:solidFill>
-                  <a:schemeClr val="bg1"/>
-                </a:solidFill>
+            <a:lvl1pPr algn="l">
+              <a:defRPr sz="1000" b="0" i="0">
+                <a:solidFill>
+                  <a:schemeClr val="tx1"/>
+                </a:solidFill>
+                <a:effectLst/>
+                <a:latin typeface="+mn-lt"/>
               </a:defRPr>
             </a:lvl1pPr>
           </a:lstStyle>
           <a:p>
-            <a:fld id="{B01F9CA3-105E-4857-9057-6DB6197DA786}" type="datetimeFigureOut">
-              <a:rPr lang="en-US" smtClean="0"/>
-              <a:t>9/13/18</a:t>
-            </a:fld>
             <a:endParaRPr lang="en-US"/>
           </a:p>
         </p:txBody>
       </p:sp>
       <p:sp>
         <p:nvSpPr>
-          <p:cNvPr id="5" name="Footer Placeholder 4"/>
-          <p:cNvSpPr>
-            <a:spLocks noGrp="1"/>
-          </p:cNvSpPr>
-          <p:nvPr>
-            <p:ph type="ftr" sz="quarter" idx="3"/>
+          <p:cNvPr id="6" name="Slide Number Placeholder 5"/>
+          <p:cNvSpPr>
+            <a:spLocks noGrp="1"/>
+          </p:cNvSpPr>
+          <p:nvPr>
+            <p:ph type="sldNum" sz="quarter" idx="4"/>
           </p:nvPr>
         </p:nvSpPr>
         <p:spPr>
           <a:xfrm>
-            <a:off x="264458" y="6275668"/>
-            <a:ext cx="4840941" cy="365125"/>
+            <a:off x="8273317" y="6116070"/>
+            <a:ext cx="413483" cy="365125"/>
           </a:xfrm>
           <a:prstGeom prst="rect">
             <a:avLst/>
@@ -3246,46 +5840,13 @@
         <p:txBody>
           <a:bodyPr vert="horz" lIns="91440" tIns="45720" rIns="91440" bIns="45720" rtlCol="0" anchor="ctr"/>
           <a:lstStyle>
-            <a:lvl1pPr algn="l">
-              <a:defRPr sz="1200">
-                <a:solidFill>
-                  <a:schemeClr val="bg1"/>
-                </a:solidFill>
-              </a:defRPr>
-            </a:lvl1pPr>
-          </a:lstStyle>
-          <a:p>
-            <a:endParaRPr lang="en-US"/>
-          </a:p>
-        </p:txBody>
-      </p:sp>
-      <p:sp>
-        <p:nvSpPr>
-          <p:cNvPr id="6" name="Slide Number Placeholder 5"/>
-          <p:cNvSpPr>
-            <a:spLocks noGrp="1"/>
-          </p:cNvSpPr>
-          <p:nvPr>
-            <p:ph type="sldNum" sz="quarter" idx="4"/>
-          </p:nvPr>
-        </p:nvSpPr>
-        <p:spPr>
-          <a:xfrm>
-            <a:off x="7897906" y="6275668"/>
-            <a:ext cx="990600" cy="365125"/>
-          </a:xfrm>
-          <a:prstGeom prst="rect">
-            <a:avLst/>
-          </a:prstGeom>
-        </p:spPr>
-        <p:txBody>
-          <a:bodyPr vert="horz" lIns="91440" tIns="45720" rIns="91440" bIns="45720" rtlCol="0" anchor="ctr"/>
-          <a:lstStyle>
             <a:lvl1pPr algn="r">
-              <a:defRPr sz="3600">
-                <a:solidFill>
-                  <a:schemeClr val="bg1"/>
-                </a:solidFill>
+              <a:defRPr sz="1000" b="0" i="0">
+                <a:solidFill>
+                  <a:schemeClr val="tx1"/>
+                </a:solidFill>
+                <a:effectLst/>
+                <a:latin typeface="+mn-lt"/>
               </a:defRPr>
             </a:lvl1pPr>
           </a:lstStyle>
@@ -3299,252 +5860,330 @@
         </p:txBody>
       </p:sp>
     </p:spTree>
+    <p:extLst>
+      <p:ext uri="{BB962C8B-B14F-4D97-AF65-F5344CB8AC3E}">
+        <p14:creationId xmlns:p14="http://schemas.microsoft.com/office/powerpoint/2010/main" val="1379162919"/>
+      </p:ext>
+    </p:extLst>
   </p:cSld>
   <p:clrMap bg1="lt1" tx1="dk1" bg2="lt2" tx2="dk2" accent1="accent1" accent2="accent2" accent3="accent3" accent4="accent4" accent5="accent5" accent6="accent6" hlink="hlink" folHlink="folHlink"/>
   <p:sldLayoutIdLst>
-    <p:sldLayoutId id="2147483661" r:id="rId1"/>
-    <p:sldLayoutId id="2147483662" r:id="rId2"/>
-    <p:sldLayoutId id="2147483663" r:id="rId3"/>
-    <p:sldLayoutId id="2147483664" r:id="rId4"/>
-    <p:sldLayoutId id="2147483665" r:id="rId5"/>
-    <p:sldLayoutId id="2147483666" r:id="rId6"/>
-    <p:sldLayoutId id="2147483667" r:id="rId7"/>
-    <p:sldLayoutId id="2147483668" r:id="rId8"/>
-    <p:sldLayoutId id="2147483669" r:id="rId9"/>
-    <p:sldLayoutId id="2147483670" r:id="rId10"/>
-    <p:sldLayoutId id="2147483671" r:id="rId11"/>
-    <p:sldLayoutId id="2147483672" r:id="rId12"/>
+    <p:sldLayoutId id="2147483763" r:id="rId1"/>
+    <p:sldLayoutId id="2147483764" r:id="rId2"/>
+    <p:sldLayoutId id="2147483765" r:id="rId3"/>
+    <p:sldLayoutId id="2147483766" r:id="rId4"/>
+    <p:sldLayoutId id="2147483767" r:id="rId5"/>
+    <p:sldLayoutId id="2147483768" r:id="rId6"/>
+    <p:sldLayoutId id="2147483769" r:id="rId7"/>
+    <p:sldLayoutId id="2147483770" r:id="rId8"/>
+    <p:sldLayoutId id="2147483771" r:id="rId9"/>
+    <p:sldLayoutId id="2147483772" r:id="rId10"/>
+    <p:sldLayoutId id="2147483773" r:id="rId11"/>
+    <p:sldLayoutId id="2147483774" r:id="rId12"/>
+    <p:sldLayoutId id="2147483775" r:id="rId13"/>
+    <p:sldLayoutId id="2147483776" r:id="rId14"/>
+    <p:sldLayoutId id="2147483777" r:id="rId15"/>
+    <p:sldLayoutId id="2147483778" r:id="rId16"/>
+    <p:sldLayoutId id="2147483779" r:id="rId17"/>
   </p:sldLayoutIdLst>
   <p:txStyles>
     <p:titleStyle>
-      <a:lvl1pPr algn="ctr" defTabSz="914400" rtl="0" eaLnBrk="1" latinLnBrk="0" hangingPunct="1">
+      <a:lvl1pPr algn="ctr" defTabSz="457200" rtl="0" eaLnBrk="1" latinLnBrk="0" hangingPunct="1">
         <a:spcBef>
           <a:spcPct val="0"/>
         </a:spcBef>
         <a:buNone/>
-        <a:defRPr sz="4600" kern="1200">
+        <a:defRPr sz="4000" kern="1200" cap="none">
+          <a:ln w="3175" cmpd="sng">
+            <a:noFill/>
+          </a:ln>
           <a:solidFill>
-            <a:schemeClr val="accent1"/>
+            <a:schemeClr val="tx1"/>
           </a:solidFill>
+          <a:effectLst/>
           <a:latin typeface="+mj-lt"/>
           <a:ea typeface="+mj-ea"/>
           <a:cs typeface="+mj-cs"/>
         </a:defRPr>
       </a:lvl1pPr>
+      <a:lvl2pPr eaLnBrk="1" hangingPunct="1">
+        <a:defRPr>
+          <a:solidFill>
+            <a:schemeClr val="tx2"/>
+          </a:solidFill>
+        </a:defRPr>
+      </a:lvl2pPr>
+      <a:lvl3pPr eaLnBrk="1" hangingPunct="1">
+        <a:defRPr>
+          <a:solidFill>
+            <a:schemeClr val="tx2"/>
+          </a:solidFill>
+        </a:defRPr>
+      </a:lvl3pPr>
+      <a:lvl4pPr eaLnBrk="1" hangingPunct="1">
+        <a:defRPr>
+          <a:solidFill>
+            <a:schemeClr val="tx2"/>
+          </a:solidFill>
+        </a:defRPr>
+      </a:lvl4pPr>
+      <a:lvl5pPr eaLnBrk="1" hangingPunct="1">
+        <a:defRPr>
+          <a:solidFill>
+            <a:schemeClr val="tx2"/>
+          </a:solidFill>
+        </a:defRPr>
+      </a:lvl5pPr>
+      <a:lvl6pPr eaLnBrk="1" hangingPunct="1">
+        <a:defRPr>
+          <a:solidFill>
+            <a:schemeClr val="tx2"/>
+          </a:solidFill>
+        </a:defRPr>
+      </a:lvl6pPr>
+      <a:lvl7pPr eaLnBrk="1" hangingPunct="1">
+        <a:defRPr>
+          <a:solidFill>
+            <a:schemeClr val="tx2"/>
+          </a:solidFill>
+        </a:defRPr>
+      </a:lvl7pPr>
+      <a:lvl8pPr eaLnBrk="1" hangingPunct="1">
+        <a:defRPr>
+          <a:solidFill>
+            <a:schemeClr val="tx2"/>
+          </a:solidFill>
+        </a:defRPr>
+      </a:lvl8pPr>
+      <a:lvl9pPr eaLnBrk="1" hangingPunct="1">
+        <a:defRPr>
+          <a:solidFill>
+            <a:schemeClr val="tx2"/>
+          </a:solidFill>
+        </a:defRPr>
+      </a:lvl9pPr>
     </p:titleStyle>
     <p:bodyStyle>
-      <a:lvl1pPr marL="349250" indent="-349250" algn="l" defTabSz="914400" rtl="0" eaLnBrk="1" latinLnBrk="0" hangingPunct="1">
+      <a:lvl1pPr marL="285750" indent="-285750" algn="l" defTabSz="457200" rtl="0" eaLnBrk="1" latinLnBrk="0" hangingPunct="1">
         <a:spcBef>
-          <a:spcPts val="2000"/>
+          <a:spcPct val="20000"/>
         </a:spcBef>
+        <a:spcAft>
+          <a:spcPts val="600"/>
+        </a:spcAft>
         <a:buClr>
           <a:schemeClr val="accent1">
-            <a:lumMod val="60000"/>
-            <a:lumOff val="40000"/>
+            <a:lumMod val="75000"/>
           </a:schemeClr>
         </a:buClr>
-        <a:buSzPct val="110000"/>
-        <a:buFont typeface="Wingdings 2" pitchFamily="18" charset="2"/>
-        <a:buChar char=""/>
-        <a:defRPr sz="2400" kern="1200">
+        <a:buSzPct val="145000"/>
+        <a:buFont typeface="Arial"/>
+        <a:buChar char="•"/>
+        <a:defRPr sz="2400" kern="1200" cap="none">
           <a:solidFill>
-            <a:schemeClr val="tx1">
-              <a:lumMod val="65000"/>
-              <a:lumOff val="35000"/>
-            </a:schemeClr>
+            <a:schemeClr val="tx1"/>
           </a:solidFill>
+          <a:effectLst/>
           <a:latin typeface="+mn-lt"/>
           <a:ea typeface="+mn-ea"/>
           <a:cs typeface="+mn-cs"/>
         </a:defRPr>
       </a:lvl1pPr>
-      <a:lvl2pPr marL="685800" indent="-336550" algn="l" defTabSz="914400" rtl="0" eaLnBrk="1" latinLnBrk="0" hangingPunct="1">
+      <a:lvl2pPr marL="742950" indent="-285750" algn="l" defTabSz="457200" rtl="0" eaLnBrk="1" latinLnBrk="0" hangingPunct="1">
         <a:spcBef>
+          <a:spcPct val="20000"/>
+        </a:spcBef>
+        <a:spcAft>
           <a:spcPts val="600"/>
-        </a:spcBef>
+        </a:spcAft>
         <a:buClr>
           <a:schemeClr val="accent1">
             <a:lumMod val="75000"/>
           </a:schemeClr>
         </a:buClr>
-        <a:buSzPct val="110000"/>
-        <a:buFont typeface="Wingdings 2" pitchFamily="18" charset="2"/>
-        <a:buChar char=""/>
-        <a:defRPr sz="2200" kern="1200">
+        <a:buSzPct val="145000"/>
+        <a:buFont typeface="Arial"/>
+        <a:buChar char="•"/>
+        <a:defRPr sz="2000" kern="1200" cap="none">
           <a:solidFill>
-            <a:schemeClr val="tx1">
-              <a:lumMod val="65000"/>
-              <a:lumOff val="35000"/>
-            </a:schemeClr>
+            <a:schemeClr val="tx1"/>
           </a:solidFill>
+          <a:effectLst/>
           <a:latin typeface="+mn-lt"/>
           <a:ea typeface="+mn-ea"/>
           <a:cs typeface="+mn-cs"/>
         </a:defRPr>
       </a:lvl2pPr>
-      <a:lvl3pPr marL="968375" indent="-282575" algn="l" defTabSz="914400" rtl="0" eaLnBrk="1" latinLnBrk="0" hangingPunct="1">
+      <a:lvl3pPr marL="1200150" indent="-285750" algn="l" defTabSz="457200" rtl="0" eaLnBrk="1" latinLnBrk="0" hangingPunct="1">
         <a:spcBef>
+          <a:spcPct val="20000"/>
+        </a:spcBef>
+        <a:spcAft>
           <a:spcPts val="600"/>
-        </a:spcBef>
+        </a:spcAft>
         <a:buClr>
           <a:schemeClr val="accent1">
-            <a:lumMod val="60000"/>
-            <a:lumOff val="40000"/>
+            <a:lumMod val="75000"/>
           </a:schemeClr>
         </a:buClr>
-        <a:buSzPct val="110000"/>
-        <a:buFont typeface="Wingdings 2" pitchFamily="18" charset="2"/>
-        <a:buChar char=""/>
-        <a:defRPr sz="2000" kern="1200">
+        <a:buSzPct val="145000"/>
+        <a:buFont typeface="Arial"/>
+        <a:buChar char="•"/>
+        <a:defRPr sz="1800" kern="1200" cap="none">
           <a:solidFill>
-            <a:schemeClr val="tx1">
-              <a:lumMod val="65000"/>
-              <a:lumOff val="35000"/>
-            </a:schemeClr>
+            <a:schemeClr val="tx1"/>
           </a:solidFill>
+          <a:effectLst/>
           <a:latin typeface="+mn-lt"/>
           <a:ea typeface="+mn-ea"/>
           <a:cs typeface="+mn-cs"/>
         </a:defRPr>
       </a:lvl3pPr>
-      <a:lvl4pPr marL="1263650" indent="-295275" algn="l" defTabSz="914400" rtl="0" eaLnBrk="1" latinLnBrk="0" hangingPunct="1">
+      <a:lvl4pPr marL="1543050" indent="-171450" algn="l" defTabSz="457200" rtl="0" eaLnBrk="1" latinLnBrk="0" hangingPunct="1">
         <a:spcBef>
+          <a:spcPct val="20000"/>
+        </a:spcBef>
+        <a:spcAft>
           <a:spcPts val="600"/>
-        </a:spcBef>
+        </a:spcAft>
         <a:buClr>
           <a:schemeClr val="accent1">
             <a:lumMod val="75000"/>
           </a:schemeClr>
         </a:buClr>
-        <a:buSzPct val="110000"/>
-        <a:buFont typeface="Wingdings 2" pitchFamily="18" charset="2"/>
-        <a:buChar char=""/>
-        <a:defRPr sz="1800" kern="1200">
+        <a:buSzPct val="145000"/>
+        <a:buFont typeface="Arial"/>
+        <a:buChar char="•"/>
+        <a:defRPr sz="1600" kern="1200" cap="none">
           <a:solidFill>
-            <a:schemeClr val="tx1">
-              <a:lumMod val="65000"/>
-              <a:lumOff val="35000"/>
-            </a:schemeClr>
+            <a:schemeClr val="tx1"/>
           </a:solidFill>
+          <a:effectLst/>
           <a:latin typeface="+mn-lt"/>
           <a:ea typeface="+mn-ea"/>
           <a:cs typeface="+mn-cs"/>
         </a:defRPr>
       </a:lvl4pPr>
-      <a:lvl5pPr marL="1546225" indent="-282575" algn="l" defTabSz="914400" rtl="0" eaLnBrk="1" latinLnBrk="0" hangingPunct="1">
+      <a:lvl5pPr marL="2000250" indent="-171450" algn="l" defTabSz="457200" rtl="0" eaLnBrk="1" latinLnBrk="0" hangingPunct="1">
         <a:spcBef>
+          <a:spcPct val="20000"/>
+        </a:spcBef>
+        <a:spcAft>
           <a:spcPts val="600"/>
-        </a:spcBef>
+        </a:spcAft>
         <a:buClr>
           <a:schemeClr val="accent1">
-            <a:lumMod val="60000"/>
-            <a:lumOff val="40000"/>
+            <a:lumMod val="75000"/>
           </a:schemeClr>
         </a:buClr>
-        <a:buSzPct val="110000"/>
-        <a:buFont typeface="Wingdings 2" pitchFamily="18" charset="2"/>
-        <a:buChar char=""/>
-        <a:defRPr sz="1800" kern="1200">
+        <a:buSzPct val="145000"/>
+        <a:buFont typeface="Arial"/>
+        <a:buChar char="•"/>
+        <a:defRPr sz="1400" kern="1200" cap="none">
           <a:solidFill>
-            <a:schemeClr val="tx1">
-              <a:lumMod val="65000"/>
-              <a:lumOff val="35000"/>
-            </a:schemeClr>
+            <a:schemeClr val="tx1"/>
           </a:solidFill>
+          <a:effectLst/>
           <a:latin typeface="+mn-lt"/>
           <a:ea typeface="+mn-ea"/>
           <a:cs typeface="+mn-cs"/>
         </a:defRPr>
       </a:lvl5pPr>
-      <a:lvl6pPr marL="1828800" indent="-282575" algn="l" defTabSz="914400" rtl="0" eaLnBrk="1" latinLnBrk="0" hangingPunct="1">
+      <a:lvl6pPr marL="2514600" indent="-228600" algn="l" defTabSz="457200" rtl="0" eaLnBrk="1" latinLnBrk="0" hangingPunct="1">
         <a:spcBef>
           <a:spcPct val="20000"/>
         </a:spcBef>
+        <a:spcAft>
+          <a:spcPts val="600"/>
+        </a:spcAft>
         <a:buClr>
-          <a:schemeClr val="accent2"/>
+          <a:schemeClr val="accent1">
+            <a:lumMod val="75000"/>
+          </a:schemeClr>
         </a:buClr>
-        <a:buSzPct val="110000"/>
-        <a:buFont typeface="Wingdings 2" pitchFamily="18" charset="2"/>
-        <a:buChar char=""/>
-        <a:defRPr lang="en-US" sz="1800" kern="1200" dirty="0" smtClean="0">
+        <a:buSzPct val="145000"/>
+        <a:buFont typeface="Arial"/>
+        <a:buChar char="•"/>
+        <a:defRPr sz="1400" kern="1200" cap="none">
           <a:solidFill>
-            <a:schemeClr val="tx1">
-              <a:lumMod val="65000"/>
-              <a:lumOff val="35000"/>
-            </a:schemeClr>
+            <a:schemeClr val="tx1"/>
           </a:solidFill>
+          <a:effectLst/>
           <a:latin typeface="+mn-lt"/>
           <a:ea typeface="+mn-ea"/>
           <a:cs typeface="+mn-cs"/>
         </a:defRPr>
       </a:lvl6pPr>
-      <a:lvl7pPr marL="2117725" indent="-282575" algn="l" defTabSz="914400" rtl="0" eaLnBrk="1" latinLnBrk="0" hangingPunct="1">
+      <a:lvl7pPr marL="2971800" indent="-228600" algn="l" defTabSz="457200" rtl="0" eaLnBrk="1" latinLnBrk="0" hangingPunct="1">
         <a:spcBef>
           <a:spcPct val="20000"/>
         </a:spcBef>
+        <a:spcAft>
+          <a:spcPts val="600"/>
+        </a:spcAft>
         <a:buClr>
           <a:schemeClr val="accent1">
-            <a:lumMod val="60000"/>
-            <a:lumOff val="40000"/>
+            <a:lumMod val="75000"/>
           </a:schemeClr>
         </a:buClr>
-        <a:buSzPct val="110000"/>
-        <a:buFont typeface="Wingdings 2" pitchFamily="18" charset="2"/>
-        <a:buChar char=""/>
-        <a:defRPr lang="en-US" sz="1800" kern="1200" dirty="0" smtClean="0">
+        <a:buSzPct val="145000"/>
+        <a:buFont typeface="Arial"/>
+        <a:buChar char="•"/>
+        <a:defRPr sz="1400" kern="1200" cap="none">
           <a:solidFill>
-            <a:schemeClr val="tx1">
-              <a:lumMod val="65000"/>
-              <a:lumOff val="35000"/>
-            </a:schemeClr>
+            <a:schemeClr val="tx1"/>
           </a:solidFill>
+          <a:effectLst/>
           <a:latin typeface="+mn-lt"/>
           <a:ea typeface="+mn-ea"/>
           <a:cs typeface="+mn-cs"/>
         </a:defRPr>
       </a:lvl7pPr>
-      <a:lvl8pPr marL="2398713" indent="-282575" algn="l" defTabSz="914400" rtl="0" eaLnBrk="1" latinLnBrk="0" hangingPunct="1">
+      <a:lvl8pPr marL="3429000" indent="-228600" algn="l" defTabSz="457200" rtl="0" eaLnBrk="1" latinLnBrk="0" hangingPunct="1">
         <a:spcBef>
           <a:spcPct val="20000"/>
         </a:spcBef>
+        <a:spcAft>
+          <a:spcPts val="600"/>
+        </a:spcAft>
         <a:buClr>
-          <a:schemeClr val="accent2"/>
+          <a:schemeClr val="accent1">
+            <a:lumMod val="75000"/>
+          </a:schemeClr>
         </a:buClr>
-        <a:buSzPct val="110000"/>
-        <a:buFont typeface="Wingdings 2" pitchFamily="18" charset="2"/>
-        <a:buChar char=""/>
-        <a:defRPr lang="en-US" sz="1800" kern="1200" dirty="0" smtClean="0">
+        <a:buSzPct val="145000"/>
+        <a:buFont typeface="Arial"/>
+        <a:buChar char="•"/>
+        <a:defRPr sz="1400" kern="1200" cap="none">
           <a:solidFill>
-            <a:schemeClr val="tx1">
-              <a:lumMod val="65000"/>
-              <a:lumOff val="35000"/>
-            </a:schemeClr>
+            <a:schemeClr val="tx1"/>
           </a:solidFill>
+          <a:effectLst/>
           <a:latin typeface="+mn-lt"/>
           <a:ea typeface="+mn-ea"/>
           <a:cs typeface="+mn-cs"/>
         </a:defRPr>
       </a:lvl8pPr>
-      <a:lvl9pPr marL="2689225" indent="-282575" algn="l" defTabSz="914400" rtl="0" eaLnBrk="1" latinLnBrk="0" hangingPunct="1">
+      <a:lvl9pPr marL="3886200" indent="-228600" algn="l" defTabSz="457200" rtl="0" eaLnBrk="1" latinLnBrk="0" hangingPunct="1">
         <a:spcBef>
           <a:spcPct val="20000"/>
         </a:spcBef>
+        <a:spcAft>
+          <a:spcPts val="600"/>
+        </a:spcAft>
         <a:buClr>
           <a:schemeClr val="accent1">
-            <a:lumMod val="60000"/>
-            <a:lumOff val="40000"/>
+            <a:lumMod val="75000"/>
           </a:schemeClr>
         </a:buClr>
-        <a:buSzPct val="110000"/>
-        <a:buFont typeface="Wingdings 2" pitchFamily="18" charset="2"/>
-        <a:buChar char=""/>
-        <a:defRPr lang="en-US" sz="1800" kern="1200" dirty="0">
+        <a:buSzPct val="145000"/>
+        <a:buFont typeface="Arial"/>
+        <a:buChar char="•"/>
+        <a:defRPr sz="1400" kern="1200" cap="none">
           <a:solidFill>
-            <a:schemeClr val="tx1">
-              <a:lumMod val="65000"/>
-              <a:lumOff val="35000"/>
-            </a:schemeClr>
+            <a:schemeClr val="tx1"/>
           </a:solidFill>
+          <a:effectLst/>
           <a:latin typeface="+mn-lt"/>
           <a:ea typeface="+mn-ea"/>
           <a:cs typeface="+mn-cs"/>
@@ -3553,9 +6192,9 @@
     </p:bodyStyle>
     <p:otherStyle>
       <a:defPPr>
-        <a:defRPr/>
+        <a:defRPr lang="en-US"/>
       </a:defPPr>
-      <a:lvl1pPr marL="0" algn="l" defTabSz="914400" rtl="0" eaLnBrk="1" latinLnBrk="0" hangingPunct="1">
+      <a:lvl1pPr marL="0" algn="l" defTabSz="457200" rtl="0" eaLnBrk="1" latinLnBrk="0" hangingPunct="1">
         <a:defRPr sz="1800" kern="1200">
           <a:solidFill>
             <a:schemeClr val="tx1"/>
@@ -3565,7 +6204,7 @@
           <a:cs typeface="+mn-cs"/>
         </a:defRPr>
       </a:lvl1pPr>
-      <a:lvl2pPr marL="457200" algn="l" defTabSz="914400" rtl="0" eaLnBrk="1" latinLnBrk="0" hangingPunct="1">
+      <a:lvl2pPr marL="457200" algn="l" defTabSz="457200" rtl="0" eaLnBrk="1" latinLnBrk="0" hangingPunct="1">
         <a:defRPr sz="1800" kern="1200">
           <a:solidFill>
             <a:schemeClr val="tx1"/>
@@ -3575,7 +6214,7 @@
           <a:cs typeface="+mn-cs"/>
         </a:defRPr>
       </a:lvl2pPr>
-      <a:lvl3pPr marL="914400" algn="l" defTabSz="914400" rtl="0" eaLnBrk="1" latinLnBrk="0" hangingPunct="1">
+      <a:lvl3pPr marL="914400" algn="l" defTabSz="457200" rtl="0" eaLnBrk="1" latinLnBrk="0" hangingPunct="1">
         <a:defRPr sz="1800" kern="1200">
           <a:solidFill>
             <a:schemeClr val="tx1"/>
@@ -3585,7 +6224,7 @@
           <a:cs typeface="+mn-cs"/>
         </a:defRPr>
       </a:lvl3pPr>
-      <a:lvl4pPr marL="1371600" algn="l" defTabSz="914400" rtl="0" eaLnBrk="1" latinLnBrk="0" hangingPunct="1">
+      <a:lvl4pPr marL="1371600" algn="l" defTabSz="457200" rtl="0" eaLnBrk="1" latinLnBrk="0" hangingPunct="1">
         <a:defRPr sz="1800" kern="1200">
           <a:solidFill>
             <a:schemeClr val="tx1"/>
@@ -3595,7 +6234,7 @@
           <a:cs typeface="+mn-cs"/>
         </a:defRPr>
       </a:lvl4pPr>
-      <a:lvl5pPr marL="1828800" algn="l" defTabSz="914400" rtl="0" eaLnBrk="1" latinLnBrk="0" hangingPunct="1">
+      <a:lvl5pPr marL="1828800" algn="l" defTabSz="457200" rtl="0" eaLnBrk="1" latinLnBrk="0" hangingPunct="1">
         <a:defRPr sz="1800" kern="1200">
           <a:solidFill>
             <a:schemeClr val="tx1"/>
@@ -3605,7 +6244,7 @@
           <a:cs typeface="+mn-cs"/>
         </a:defRPr>
       </a:lvl5pPr>
-      <a:lvl6pPr marL="2286000" algn="l" defTabSz="914400" rtl="0" eaLnBrk="1" latinLnBrk="0" hangingPunct="1">
+      <a:lvl6pPr marL="2286000" algn="l" defTabSz="457200" rtl="0" eaLnBrk="1" latinLnBrk="0" hangingPunct="1">
         <a:defRPr sz="1800" kern="1200">
           <a:solidFill>
             <a:schemeClr val="tx1"/>
@@ -3615,7 +6254,7 @@
           <a:cs typeface="+mn-cs"/>
         </a:defRPr>
       </a:lvl6pPr>
-      <a:lvl7pPr marL="2743200" algn="l" defTabSz="914400" rtl="0" eaLnBrk="1" latinLnBrk="0" hangingPunct="1">
+      <a:lvl7pPr marL="2743200" algn="l" defTabSz="457200" rtl="0" eaLnBrk="1" latinLnBrk="0" hangingPunct="1">
         <a:defRPr sz="1800" kern="1200">
           <a:solidFill>
             <a:schemeClr val="tx1"/>
@@ -3625,7 +6264,7 @@
           <a:cs typeface="+mn-cs"/>
         </a:defRPr>
       </a:lvl7pPr>
-      <a:lvl8pPr marL="3200400" algn="l" defTabSz="914400" rtl="0" eaLnBrk="1" latinLnBrk="0" hangingPunct="1">
+      <a:lvl8pPr marL="3200400" algn="l" defTabSz="457200" rtl="0" eaLnBrk="1" latinLnBrk="0" hangingPunct="1">
         <a:defRPr sz="1800" kern="1200">
           <a:solidFill>
             <a:schemeClr val="tx1"/>
@@ -3635,7 +6274,7 @@
           <a:cs typeface="+mn-cs"/>
         </a:defRPr>
       </a:lvl8pPr>
-      <a:lvl9pPr marL="3657600" algn="l" defTabSz="914400" rtl="0" eaLnBrk="1" latinLnBrk="0" hangingPunct="1">
+      <a:lvl9pPr marL="3657600" algn="l" defTabSz="457200" rtl="0" eaLnBrk="1" latinLnBrk="0" hangingPunct="1">
         <a:defRPr sz="1800" kern="1200">
           <a:solidFill>
             <a:schemeClr val="tx1"/>
@@ -3709,7 +6348,7 @@
         <p:spPr/>
         <p:txBody>
           <a:bodyPr>
-            <a:normAutofit fontScale="77500" lnSpcReduction="20000"/>
+            <a:normAutofit fontScale="92500" lnSpcReduction="20000"/>
           </a:bodyPr>
           <a:lstStyle/>
           <a:p>
@@ -3804,6 +6443,145 @@
         </p:nvSpPr>
         <p:spPr>
           <a:xfrm>
+            <a:off x="549275" y="107576"/>
+            <a:ext cx="8042276" cy="770818"/>
+          </a:xfrm>
+        </p:spPr>
+        <p:txBody>
+          <a:bodyPr/>
+          <a:lstStyle/>
+          <a:p>
+            <a:r>
+              <a:rPr lang="en-US" dirty="0" smtClean="0">
+                <a:latin typeface="Times New Roman"/>
+                <a:cs typeface="Times New Roman"/>
+              </a:rPr>
+              <a:t>Factory design</a:t>
+            </a:r>
+            <a:endParaRPr lang="en-US" dirty="0">
+              <a:latin typeface="Times New Roman"/>
+              <a:cs typeface="Times New Roman"/>
+            </a:endParaRPr>
+          </a:p>
+        </p:txBody>
+      </p:sp>
+      <p:pic>
+        <p:nvPicPr>
+          <p:cNvPr id="4" name="Picture 3" descr="Screen Shot 2018-09-12 at 3.04.59 PM.png"/>
+          <p:cNvPicPr>
+            <a:picLocks noChangeAspect="1"/>
+          </p:cNvPicPr>
+          <p:nvPr/>
+        </p:nvPicPr>
+        <p:blipFill>
+          <a:blip r:embed="rId2" cstate="email">
+            <a:extLst>
+              <a:ext uri="{28A0092B-C50C-407E-A947-70E740481C1C}">
+                <a14:useLocalDpi xmlns:a14="http://schemas.microsoft.com/office/drawing/2010/main" val="0"/>
+              </a:ext>
+            </a:extLst>
+          </a:blip>
+          <a:stretch>
+            <a:fillRect/>
+          </a:stretch>
+        </p:blipFill>
+        <p:spPr>
+          <a:xfrm>
+            <a:off x="0" y="1666351"/>
+            <a:ext cx="9144000" cy="4303836"/>
+          </a:xfrm>
+          <a:prstGeom prst="rect">
+            <a:avLst/>
+          </a:prstGeom>
+        </p:spPr>
+      </p:pic>
+      <p:sp>
+        <p:nvSpPr>
+          <p:cNvPr id="5" name="TextBox 4"/>
+          <p:cNvSpPr txBox="1"/>
+          <p:nvPr/>
+        </p:nvSpPr>
+        <p:spPr>
+          <a:xfrm>
+            <a:off x="136965" y="835354"/>
+            <a:ext cx="8765789" cy="830997"/>
+          </a:xfrm>
+          <a:prstGeom prst="rect">
+            <a:avLst/>
+          </a:prstGeom>
+          <a:noFill/>
+        </p:spPr>
+        <p:txBody>
+          <a:bodyPr wrap="square" rtlCol="0">
+            <a:spAutoFit/>
+          </a:bodyPr>
+          <a:lstStyle/>
+          <a:p>
+            <a:r>
+              <a:rPr lang="en-US" sz="2400" dirty="0" smtClean="0">
+                <a:latin typeface="Times New Roman"/>
+                <a:cs typeface="Times New Roman"/>
+              </a:rPr>
+              <a:t>It creates an instance of movie, hall, and schedule classes </a:t>
+            </a:r>
+          </a:p>
+          <a:p>
+            <a:r>
+              <a:rPr lang="en-US" sz="2400" dirty="0" smtClean="0">
+                <a:latin typeface="Times New Roman"/>
+                <a:cs typeface="Times New Roman"/>
+              </a:rPr>
+              <a:t>which are package level classes.</a:t>
+            </a:r>
+            <a:endParaRPr lang="en-US" sz="2400" dirty="0">
+              <a:latin typeface="Times New Roman"/>
+              <a:cs typeface="Times New Roman"/>
+            </a:endParaRPr>
+          </a:p>
+        </p:txBody>
+      </p:sp>
+    </p:spTree>
+    <p:extLst>
+      <p:ext uri="{BB962C8B-B14F-4D97-AF65-F5344CB8AC3E}">
+        <p14:creationId xmlns:p14="http://schemas.microsoft.com/office/powerpoint/2010/main" val="1906443883"/>
+      </p:ext>
+    </p:extLst>
+  </p:cSld>
+  <p:clrMapOvr>
+    <a:masterClrMapping/>
+  </p:clrMapOvr>
+</p:sld>
+</file>
+
+<file path=ppt/slides/slide11.xml><?xml version="1.0" encoding="utf-8"?>
+<p:sld xmlns:a="http://schemas.openxmlformats.org/drawingml/2006/main" xmlns:r="http://schemas.openxmlformats.org/officeDocument/2006/relationships" xmlns:p="http://schemas.openxmlformats.org/presentationml/2006/main">
+  <p:cSld>
+    <p:spTree>
+      <p:nvGrpSpPr>
+        <p:cNvPr id="1" name=""/>
+        <p:cNvGrpSpPr/>
+        <p:nvPr/>
+      </p:nvGrpSpPr>
+      <p:grpSpPr>
+        <a:xfrm>
+          <a:off x="0" y="0"/>
+          <a:ext cx="0" cy="0"/>
+          <a:chOff x="0" y="0"/>
+          <a:chExt cx="0" cy="0"/>
+        </a:xfrm>
+      </p:grpSpPr>
+      <p:sp>
+        <p:nvSpPr>
+          <p:cNvPr id="2" name="Title 1"/>
+          <p:cNvSpPr>
+            <a:spLocks noGrp="1"/>
+          </p:cNvSpPr>
+          <p:nvPr>
+            <p:ph type="title"/>
+          </p:nvPr>
+        </p:nvSpPr>
+        <p:spPr>
+          <a:xfrm>
             <a:off x="549275" y="2448572"/>
             <a:ext cx="8042276" cy="1336956"/>
           </a:xfrm>
@@ -3861,7 +6639,7 @@
           <p:cNvPr id="2" name="Title 1">
             <a:extLst>
               <a:ext uri="{FF2B5EF4-FFF2-40B4-BE49-F238E27FC236}">
-                <a16:creationId xmlns:a16="http://schemas.microsoft.com/office/drawing/2014/main" xmlns="" id="{5727EFE5-F011-4D93-98A9-9B1701022684}"/>
+                <a16:creationId xmlns="" xmlns:a16="http://schemas.microsoft.com/office/drawing/2014/main" id="{5727EFE5-F011-4D93-98A9-9B1701022684}"/>
               </a:ext>
             </a:extLst>
           </p:cNvPr>
@@ -3897,7 +6675,7 @@
           <p:cNvPr id="3" name="Content Placeholder 2">
             <a:extLst>
               <a:ext uri="{FF2B5EF4-FFF2-40B4-BE49-F238E27FC236}">
-                <a16:creationId xmlns:a16="http://schemas.microsoft.com/office/drawing/2014/main" xmlns="" id="{887FCBFC-D0FB-4957-999D-0C0D7AC0F296}"/>
+                <a16:creationId xmlns="" xmlns:a16="http://schemas.microsoft.com/office/drawing/2014/main" id="{887FCBFC-D0FB-4957-999D-0C0D7AC0F296}"/>
               </a:ext>
             </a:extLst>
           </p:cNvPr>
@@ -3966,7 +6744,7 @@
           <p:cNvPr id="2" name="Title 1">
             <a:extLst>
               <a:ext uri="{FF2B5EF4-FFF2-40B4-BE49-F238E27FC236}">
-                <a16:creationId xmlns:a16="http://schemas.microsoft.com/office/drawing/2014/main" xmlns="" id="{F24943BC-17B3-4D2F-A56E-2A90BABA858D}"/>
+                <a16:creationId xmlns="" xmlns:a16="http://schemas.microsoft.com/office/drawing/2014/main" id="{F24943BC-17B3-4D2F-A56E-2A90BABA858D}"/>
               </a:ext>
             </a:extLst>
           </p:cNvPr>
@@ -4002,7 +6780,7 @@
           <p:cNvPr id="3" name="Content Placeholder 2">
             <a:extLst>
               <a:ext uri="{FF2B5EF4-FFF2-40B4-BE49-F238E27FC236}">
-                <a16:creationId xmlns:a16="http://schemas.microsoft.com/office/drawing/2014/main" xmlns="" id="{188D9606-4E93-48A6-ADA3-70EB36E31BA6}"/>
+                <a16:creationId xmlns="" xmlns:a16="http://schemas.microsoft.com/office/drawing/2014/main" id="{188D9606-4E93-48A6-ADA3-70EB36E31BA6}"/>
               </a:ext>
             </a:extLst>
           </p:cNvPr>
@@ -4061,7 +6839,7 @@
                 <a:latin typeface="Times New Roman"/>
                 <a:cs typeface="Times New Roman"/>
               </a:rPr>
-              <a:t>GitHub</a:t>
+              <a:t>Git</a:t>
             </a:r>
             <a:endParaRPr lang="en-US" dirty="0">
               <a:latin typeface="Times New Roman"/>
@@ -4111,7 +6889,7 @@
           <p:cNvPr id="2" name="Title 1">
             <a:extLst>
               <a:ext uri="{FF2B5EF4-FFF2-40B4-BE49-F238E27FC236}">
-                <a16:creationId xmlns:a16="http://schemas.microsoft.com/office/drawing/2014/main" xmlns="" id="{9003665A-363B-4566-9DAC-AB14A8FBB330}"/>
+                <a16:creationId xmlns="" xmlns:a16="http://schemas.microsoft.com/office/drawing/2014/main" id="{9003665A-363B-4566-9DAC-AB14A8FBB330}"/>
               </a:ext>
             </a:extLst>
           </p:cNvPr>
@@ -4129,7 +6907,9 @@
           </a:xfrm>
         </p:spPr>
         <p:txBody>
-          <a:bodyPr/>
+          <a:bodyPr>
+            <a:normAutofit fontScale="90000"/>
+          </a:bodyPr>
           <a:lstStyle/>
           <a:p>
             <a:r>
@@ -4147,7 +6927,7 @@
           <p:cNvPr id="5" name="Content Placeholder 4">
             <a:extLst>
               <a:ext uri="{FF2B5EF4-FFF2-40B4-BE49-F238E27FC236}">
-                <a16:creationId xmlns:a16="http://schemas.microsoft.com/office/drawing/2014/main" xmlns="" id="{8A722C56-1022-435F-8B59-016CE59C5FD8}"/>
+                <a16:creationId xmlns="" xmlns:a16="http://schemas.microsoft.com/office/drawing/2014/main" id="{8A722C56-1022-435F-8B59-016CE59C5FD8}"/>
               </a:ext>
             </a:extLst>
           </p:cNvPr>
@@ -4177,21 +6957,21 @@
                 <a:gridCol w="415434">
                   <a:extLst>
                     <a:ext uri="{9D8B030D-6E8A-4147-A177-3AD203B41FA5}">
-                      <a16:colId xmlns:a16="http://schemas.microsoft.com/office/drawing/2014/main" xmlns="" val="1177503950"/>
+                      <a16:colId xmlns="" xmlns:a16="http://schemas.microsoft.com/office/drawing/2014/main" val="1177503950"/>
                     </a:ext>
                   </a:extLst>
                 </a:gridCol>
                 <a:gridCol w="2300929">
                   <a:extLst>
                     <a:ext uri="{9D8B030D-6E8A-4147-A177-3AD203B41FA5}">
-                      <a16:colId xmlns:a16="http://schemas.microsoft.com/office/drawing/2014/main" xmlns="" val="874060562"/>
+                      <a16:colId xmlns="" xmlns:a16="http://schemas.microsoft.com/office/drawing/2014/main" val="874060562"/>
                     </a:ext>
                   </a:extLst>
                 </a:gridCol>
                 <a:gridCol w="6126446">
                   <a:extLst>
                     <a:ext uri="{9D8B030D-6E8A-4147-A177-3AD203B41FA5}">
-                      <a16:colId xmlns:a16="http://schemas.microsoft.com/office/drawing/2014/main" xmlns="" val="3807225242"/>
+                      <a16:colId xmlns="" xmlns:a16="http://schemas.microsoft.com/office/drawing/2014/main" val="3807225242"/>
                     </a:ext>
                   </a:extLst>
                 </a:gridCol>
@@ -4247,7 +7027,7 @@
                 </a:tc>
                 <a:extLst>
                   <a:ext uri="{0D108BD9-81ED-4DB2-BD59-A6C34878D82A}">
-                    <a16:rowId xmlns:a16="http://schemas.microsoft.com/office/drawing/2014/main" xmlns="" val="3084104159"/>
+                    <a16:rowId xmlns="" xmlns:a16="http://schemas.microsoft.com/office/drawing/2014/main" val="3084104159"/>
                   </a:ext>
                 </a:extLst>
               </a:tr>
@@ -4419,7 +7199,7 @@
                 </a:tc>
                 <a:extLst>
                   <a:ext uri="{0D108BD9-81ED-4DB2-BD59-A6C34878D82A}">
-                    <a16:rowId xmlns:a16="http://schemas.microsoft.com/office/drawing/2014/main" xmlns="" val="3194189151"/>
+                    <a16:rowId xmlns="" xmlns:a16="http://schemas.microsoft.com/office/drawing/2014/main" val="3194189151"/>
                   </a:ext>
                 </a:extLst>
               </a:tr>
@@ -4588,7 +7368,7 @@
                 </a:tc>
                 <a:extLst>
                   <a:ext uri="{0D108BD9-81ED-4DB2-BD59-A6C34878D82A}">
-                    <a16:rowId xmlns:a16="http://schemas.microsoft.com/office/drawing/2014/main" xmlns="" val="3722609426"/>
+                    <a16:rowId xmlns="" xmlns:a16="http://schemas.microsoft.com/office/drawing/2014/main" val="3722609426"/>
                   </a:ext>
                 </a:extLst>
               </a:tr>
@@ -4647,7 +7427,7 @@
                 </a:tc>
                 <a:extLst>
                   <a:ext uri="{0D108BD9-81ED-4DB2-BD59-A6C34878D82A}">
-                    <a16:rowId xmlns:a16="http://schemas.microsoft.com/office/drawing/2014/main" xmlns="" val="1306356445"/>
+                    <a16:rowId xmlns="" xmlns:a16="http://schemas.microsoft.com/office/drawing/2014/main" val="1306356445"/>
                   </a:ext>
                 </a:extLst>
               </a:tr>
@@ -4716,7 +7496,7 @@
                 </a:tc>
                 <a:extLst>
                   <a:ext uri="{0D108BD9-81ED-4DB2-BD59-A6C34878D82A}">
-                    <a16:rowId xmlns:a16="http://schemas.microsoft.com/office/drawing/2014/main" xmlns="" val="260238085"/>
+                    <a16:rowId xmlns="" xmlns:a16="http://schemas.microsoft.com/office/drawing/2014/main" val="260238085"/>
                   </a:ext>
                 </a:extLst>
               </a:tr>
@@ -4775,7 +7555,7 @@
                 </a:tc>
                 <a:extLst>
                   <a:ext uri="{0D108BD9-81ED-4DB2-BD59-A6C34878D82A}">
-                    <a16:rowId xmlns:a16="http://schemas.microsoft.com/office/drawing/2014/main" xmlns="" val="2137944306"/>
+                    <a16:rowId xmlns="" xmlns:a16="http://schemas.microsoft.com/office/drawing/2014/main" val="2137944306"/>
                   </a:ext>
                 </a:extLst>
               </a:tr>
@@ -4845,7 +7625,7 @@
                 </a:tc>
                 <a:extLst>
                   <a:ext uri="{0D108BD9-81ED-4DB2-BD59-A6C34878D82A}">
-                    <a16:rowId xmlns:a16="http://schemas.microsoft.com/office/drawing/2014/main" xmlns="" val="893631995"/>
+                    <a16:rowId xmlns="" xmlns:a16="http://schemas.microsoft.com/office/drawing/2014/main" val="893631995"/>
                   </a:ext>
                 </a:extLst>
               </a:tr>
@@ -4915,7 +7695,7 @@
                 </a:tc>
                 <a:extLst>
                   <a:ext uri="{0D108BD9-81ED-4DB2-BD59-A6C34878D82A}">
-                    <a16:rowId xmlns:a16="http://schemas.microsoft.com/office/drawing/2014/main" xmlns="" val="4046282851"/>
+                    <a16:rowId xmlns="" xmlns:a16="http://schemas.microsoft.com/office/drawing/2014/main" val="4046282851"/>
                   </a:ext>
                 </a:extLst>
               </a:tr>
@@ -4936,7 +7716,7 @@
   <p:timing>
     <p:tnLst>
       <p:par>
-        <p:cTn xmlns:p14="http://schemas.microsoft.com/office/powerpoint/2010/main" id="1" dur="indefinite" restart="never" nodeType="tmRoot"/>
+        <p:cTn id="1" dur="indefinite" restart="never" nodeType="tmRoot"/>
       </p:par>
     </p:tnLst>
   </p:timing>
@@ -4976,16 +7756,10 @@
           <a:lstStyle/>
           <a:p>
             <a:r>
-              <a:rPr lang="en-US" dirty="0" smtClean="0">
-                <a:latin typeface="Times New Roman"/>
-                <a:cs typeface="Times New Roman"/>
-              </a:rPr>
-              <a:t>Goals</a:t>
-            </a:r>
-            <a:endParaRPr lang="en-US" dirty="0">
-              <a:latin typeface="Times New Roman"/>
-              <a:cs typeface="Times New Roman"/>
-            </a:endParaRPr>
+              <a:rPr lang="en-US" dirty="0" smtClean="0"/>
+              <a:t>Main use cases</a:t>
+            </a:r>
+            <a:endParaRPr lang="en-US" dirty="0"/>
           </a:p>
         </p:txBody>
       </p:sp>
@@ -5001,131 +7775,40 @@
         </p:nvSpPr>
         <p:spPr/>
         <p:txBody>
-          <a:bodyPr>
-            <a:noAutofit/>
-          </a:bodyPr>
+          <a:bodyPr/>
           <a:lstStyle/>
           <a:p>
-            <a:r>
-              <a:rPr lang="en-US" sz="2000" dirty="0">
-                <a:latin typeface="Times New Roman"/>
-                <a:cs typeface="Times New Roman"/>
-              </a:rPr>
-              <a:t>Cinema booking need to have many movies for the clients</a:t>
-            </a:r>
-          </a:p>
-          <a:p>
-            <a:r>
-              <a:rPr lang="en-US" sz="2000" dirty="0" smtClean="0">
-                <a:latin typeface="Times New Roman"/>
-                <a:cs typeface="Times New Roman"/>
-              </a:rPr>
-              <a:t>Cinema </a:t>
-            </a:r>
-            <a:r>
-              <a:rPr lang="en-US" sz="2000" dirty="0">
-                <a:latin typeface="Times New Roman"/>
-                <a:cs typeface="Times New Roman"/>
-              </a:rPr>
-              <a:t>booking need to have many </a:t>
-            </a:r>
-            <a:r>
-              <a:rPr lang="en-US" sz="2000" dirty="0" smtClean="0">
-                <a:latin typeface="Times New Roman"/>
-                <a:cs typeface="Times New Roman"/>
-              </a:rPr>
-              <a:t>halls, </a:t>
-            </a:r>
-            <a:r>
-              <a:rPr lang="en-US" sz="2000" dirty="0">
-                <a:latin typeface="Times New Roman"/>
-                <a:cs typeface="Times New Roman"/>
-              </a:rPr>
-              <a:t>seats </a:t>
-            </a:r>
-            <a:r>
-              <a:rPr lang="en-US" sz="2000" dirty="0" smtClean="0">
-                <a:latin typeface="Times New Roman"/>
-                <a:cs typeface="Times New Roman"/>
-              </a:rPr>
-              <a:t>and schedules to </a:t>
-            </a:r>
-            <a:r>
-              <a:rPr lang="en-US" sz="2000" dirty="0">
-                <a:latin typeface="Times New Roman"/>
-                <a:cs typeface="Times New Roman"/>
-              </a:rPr>
-              <a:t>present movies</a:t>
-            </a:r>
-          </a:p>
-          <a:p>
-            <a:r>
-              <a:rPr lang="en-US" sz="2000" dirty="0">
-                <a:latin typeface="Times New Roman"/>
-                <a:cs typeface="Times New Roman"/>
-              </a:rPr>
-              <a:t>Cinema booking need to have </a:t>
-            </a:r>
-            <a:r>
-              <a:rPr lang="en-US" sz="2000" dirty="0" smtClean="0">
-                <a:latin typeface="Times New Roman"/>
-                <a:cs typeface="Times New Roman"/>
-              </a:rPr>
-              <a:t>members </a:t>
-            </a:r>
-            <a:r>
-              <a:rPr lang="en-US" sz="2000" dirty="0">
-                <a:latin typeface="Times New Roman"/>
-                <a:cs typeface="Times New Roman"/>
-              </a:rPr>
-              <a:t>who booking tickets</a:t>
-            </a:r>
-          </a:p>
-          <a:p>
-            <a:r>
-              <a:rPr lang="en-US" sz="2000" dirty="0">
-                <a:latin typeface="Times New Roman"/>
-                <a:cs typeface="Times New Roman"/>
-              </a:rPr>
-              <a:t>Cinema booking need to have </a:t>
-            </a:r>
-            <a:r>
-              <a:rPr lang="en-US" sz="2000" dirty="0" smtClean="0">
-                <a:latin typeface="Times New Roman"/>
-                <a:cs typeface="Times New Roman"/>
-              </a:rPr>
-              <a:t>staff who </a:t>
-            </a:r>
-            <a:r>
-              <a:rPr lang="en-US" sz="2000" dirty="0">
-                <a:latin typeface="Times New Roman"/>
-                <a:cs typeface="Times New Roman"/>
-              </a:rPr>
-              <a:t>manages movies</a:t>
-            </a:r>
-          </a:p>
-          <a:p>
-            <a:r>
-              <a:rPr lang="en-US" sz="2000" dirty="0" smtClean="0">
-                <a:latin typeface="Times New Roman"/>
-                <a:cs typeface="Times New Roman"/>
-              </a:rPr>
-              <a:t>Cinema </a:t>
-            </a:r>
-            <a:r>
-              <a:rPr lang="en-US" sz="2000" dirty="0">
-                <a:latin typeface="Times New Roman"/>
-                <a:cs typeface="Times New Roman"/>
-              </a:rPr>
-              <a:t>booking need to have payment to receive deposit from user</a:t>
-            </a:r>
+            <a:endParaRPr lang="en-US" dirty="0" smtClean="0"/>
+          </a:p>
+          <a:p>
+            <a:r>
+              <a:rPr lang="en-US" dirty="0"/>
+              <a:t>Staff creates a movie</a:t>
+            </a:r>
+          </a:p>
+          <a:p>
+            <a:r>
+              <a:rPr lang="en-US" dirty="0" smtClean="0"/>
+              <a:t>Staff creates a movie schedule to show in a particular hall</a:t>
+            </a:r>
+          </a:p>
+          <a:p>
+            <a:r>
+              <a:rPr lang="en-US" dirty="0"/>
+              <a:t>Member books a movie for a particular </a:t>
+            </a:r>
+            <a:r>
+              <a:rPr lang="en-US" dirty="0" smtClean="0"/>
+              <a:t>schedule</a:t>
+            </a:r>
+            <a:endParaRPr lang="en-US" dirty="0"/>
           </a:p>
         </p:txBody>
       </p:sp>
     </p:spTree>
     <p:extLst>
       <p:ext uri="{BB962C8B-B14F-4D97-AF65-F5344CB8AC3E}">
-        <p14:creationId xmlns:p14="http://schemas.microsoft.com/office/powerpoint/2010/main" val="3164621034"/>
+        <p14:creationId xmlns:p14="http://schemas.microsoft.com/office/powerpoint/2010/main" val="635223385"/>
       </p:ext>
     </p:extLst>
   </p:cSld>
@@ -5162,6 +7845,198 @@
             <p:ph type="title"/>
           </p:nvPr>
         </p:nvSpPr>
+        <p:spPr/>
+        <p:txBody>
+          <a:bodyPr/>
+          <a:lstStyle/>
+          <a:p>
+            <a:r>
+              <a:rPr lang="en-US" dirty="0" smtClean="0">
+                <a:latin typeface="Times New Roman"/>
+                <a:cs typeface="Times New Roman"/>
+              </a:rPr>
+              <a:t>Goals</a:t>
+            </a:r>
+            <a:endParaRPr lang="en-US" dirty="0">
+              <a:latin typeface="Times New Roman"/>
+              <a:cs typeface="Times New Roman"/>
+            </a:endParaRPr>
+          </a:p>
+        </p:txBody>
+      </p:sp>
+      <p:sp>
+        <p:nvSpPr>
+          <p:cNvPr id="3" name="Content Placeholder 2"/>
+          <p:cNvSpPr>
+            <a:spLocks noGrp="1"/>
+          </p:cNvSpPr>
+          <p:nvPr>
+            <p:ph idx="1"/>
+          </p:nvPr>
+        </p:nvSpPr>
+        <p:spPr/>
+        <p:txBody>
+          <a:bodyPr>
+            <a:noAutofit/>
+          </a:bodyPr>
+          <a:lstStyle/>
+          <a:p>
+            <a:r>
+              <a:rPr lang="en-US" sz="2000" dirty="0">
+                <a:latin typeface="Times New Roman"/>
+                <a:cs typeface="Times New Roman"/>
+              </a:rPr>
+              <a:t>Cinema booking need to have many movies for the clients</a:t>
+            </a:r>
+          </a:p>
+          <a:p>
+            <a:r>
+              <a:rPr lang="en-US" sz="2000" dirty="0" smtClean="0">
+                <a:latin typeface="Times New Roman"/>
+                <a:cs typeface="Times New Roman"/>
+              </a:rPr>
+              <a:t>Cinema </a:t>
+            </a:r>
+            <a:r>
+              <a:rPr lang="en-US" sz="2000" dirty="0">
+                <a:latin typeface="Times New Roman"/>
+                <a:cs typeface="Times New Roman"/>
+              </a:rPr>
+              <a:t>booking need to have many </a:t>
+            </a:r>
+            <a:r>
+              <a:rPr lang="en-US" sz="2000" dirty="0" smtClean="0">
+                <a:latin typeface="Times New Roman"/>
+                <a:cs typeface="Times New Roman"/>
+              </a:rPr>
+              <a:t>halls, </a:t>
+            </a:r>
+            <a:r>
+              <a:rPr lang="en-US" sz="2000" dirty="0">
+                <a:latin typeface="Times New Roman"/>
+                <a:cs typeface="Times New Roman"/>
+              </a:rPr>
+              <a:t>seats </a:t>
+            </a:r>
+            <a:r>
+              <a:rPr lang="en-US" sz="2000" dirty="0" smtClean="0">
+                <a:latin typeface="Times New Roman"/>
+                <a:cs typeface="Times New Roman"/>
+              </a:rPr>
+              <a:t>and schedules to </a:t>
+            </a:r>
+            <a:r>
+              <a:rPr lang="en-US" sz="2000" dirty="0">
+                <a:latin typeface="Times New Roman"/>
+                <a:cs typeface="Times New Roman"/>
+              </a:rPr>
+              <a:t>present movies</a:t>
+            </a:r>
+          </a:p>
+          <a:p>
+            <a:r>
+              <a:rPr lang="en-US" sz="2000" dirty="0">
+                <a:latin typeface="Times New Roman"/>
+                <a:cs typeface="Times New Roman"/>
+              </a:rPr>
+              <a:t>Cinema booking need to have </a:t>
+            </a:r>
+            <a:r>
+              <a:rPr lang="en-US" sz="2000" dirty="0" smtClean="0">
+                <a:latin typeface="Times New Roman"/>
+                <a:cs typeface="Times New Roman"/>
+              </a:rPr>
+              <a:t>members </a:t>
+            </a:r>
+            <a:r>
+              <a:rPr lang="en-US" sz="2000" dirty="0">
+                <a:latin typeface="Times New Roman"/>
+                <a:cs typeface="Times New Roman"/>
+              </a:rPr>
+              <a:t>who booking tickets</a:t>
+            </a:r>
+          </a:p>
+          <a:p>
+            <a:r>
+              <a:rPr lang="en-US" sz="2000" dirty="0">
+                <a:latin typeface="Times New Roman"/>
+                <a:cs typeface="Times New Roman"/>
+              </a:rPr>
+              <a:t>Cinema booking need to have </a:t>
+            </a:r>
+            <a:r>
+              <a:rPr lang="en-US" sz="2000" dirty="0" smtClean="0">
+                <a:latin typeface="Times New Roman"/>
+                <a:cs typeface="Times New Roman"/>
+              </a:rPr>
+              <a:t>staff who </a:t>
+            </a:r>
+            <a:r>
+              <a:rPr lang="en-US" sz="2000" dirty="0">
+                <a:latin typeface="Times New Roman"/>
+                <a:cs typeface="Times New Roman"/>
+              </a:rPr>
+              <a:t>manages movies</a:t>
+            </a:r>
+          </a:p>
+          <a:p>
+            <a:r>
+              <a:rPr lang="en-US" sz="2000" dirty="0" smtClean="0">
+                <a:latin typeface="Times New Roman"/>
+                <a:cs typeface="Times New Roman"/>
+              </a:rPr>
+              <a:t>Cinema </a:t>
+            </a:r>
+            <a:r>
+              <a:rPr lang="en-US" sz="2000" dirty="0">
+                <a:latin typeface="Times New Roman"/>
+                <a:cs typeface="Times New Roman"/>
+              </a:rPr>
+              <a:t>booking need to have payment to receive deposit from user</a:t>
+            </a:r>
+          </a:p>
+        </p:txBody>
+      </p:sp>
+    </p:spTree>
+    <p:extLst>
+      <p:ext uri="{BB962C8B-B14F-4D97-AF65-F5344CB8AC3E}">
+        <p14:creationId xmlns:p14="http://schemas.microsoft.com/office/powerpoint/2010/main" val="3164621034"/>
+      </p:ext>
+    </p:extLst>
+  </p:cSld>
+  <p:clrMapOvr>
+    <a:masterClrMapping/>
+  </p:clrMapOvr>
+</p:sld>
+</file>
+
+<file path=ppt/slides/slide7.xml><?xml version="1.0" encoding="utf-8"?>
+<p:sld xmlns:a="http://schemas.openxmlformats.org/drawingml/2006/main" xmlns:r="http://schemas.openxmlformats.org/officeDocument/2006/relationships" xmlns:p="http://schemas.openxmlformats.org/presentationml/2006/main">
+  <p:cSld>
+    <p:spTree>
+      <p:nvGrpSpPr>
+        <p:cNvPr id="1" name=""/>
+        <p:cNvGrpSpPr/>
+        <p:nvPr/>
+      </p:nvGrpSpPr>
+      <p:grpSpPr>
+        <a:xfrm>
+          <a:off x="0" y="0"/>
+          <a:ext cx="0" cy="0"/>
+          <a:chOff x="0" y="0"/>
+          <a:chExt cx="0" cy="0"/>
+        </a:xfrm>
+      </p:grpSpPr>
+      <p:sp>
+        <p:nvSpPr>
+          <p:cNvPr id="2" name="Title 1"/>
+          <p:cNvSpPr>
+            <a:spLocks noGrp="1"/>
+          </p:cNvSpPr>
+          <p:nvPr>
+            <p:ph type="title"/>
+          </p:nvPr>
+        </p:nvSpPr>
         <p:spPr>
           <a:xfrm>
             <a:off x="0" y="107577"/>
@@ -5169,7 +8044,9 @@
           </a:xfrm>
         </p:spPr>
         <p:txBody>
-          <a:bodyPr/>
+          <a:bodyPr>
+            <a:normAutofit/>
+          </a:bodyPr>
           <a:lstStyle/>
           <a:p>
             <a:r>
@@ -5195,7 +8072,7 @@
           <p:nvPr/>
         </p:nvPicPr>
         <p:blipFill>
-          <a:blip r:embed="rId2" cstate="print">
+          <a:blip r:embed="rId2" cstate="email">
             <a:extLst>
               <a:ext uri="{28A0092B-C50C-407E-A947-70E740481C1C}">
                 <a14:useLocalDpi xmlns:a14="http://schemas.microsoft.com/office/drawing/2010/main" val="0"/>
@@ -5229,14 +8106,14 @@
   <p:timing>
     <p:tnLst>
       <p:par>
-        <p:cTn xmlns:p14="http://schemas.microsoft.com/office/powerpoint/2010/main" id="1" dur="indefinite" restart="never" nodeType="tmRoot"/>
+        <p:cTn id="1" dur="indefinite" restart="never" nodeType="tmRoot"/>
       </p:par>
     </p:tnLst>
   </p:timing>
 </p:sld>
 </file>
 
-<file path=ppt/slides/slide7.xml><?xml version="1.0" encoding="utf-8"?>
+<file path=ppt/slides/slide8.xml><?xml version="1.0" encoding="utf-8"?>
 <p:sld xmlns:a="http://schemas.openxmlformats.org/drawingml/2006/main" xmlns:r="http://schemas.openxmlformats.org/officeDocument/2006/relationships" xmlns:p="http://schemas.openxmlformats.org/presentationml/2006/main">
   <p:cSld>
     <p:spTree>
@@ -5330,7 +8207,7 @@
           <p:nvPr/>
         </p:nvPicPr>
         <p:blipFill>
-          <a:blip r:embed="rId2" cstate="print">
+          <a:blip r:embed="rId2" cstate="email">
             <a:extLst>
               <a:ext uri="{28A0092B-C50C-407E-A947-70E740481C1C}">
                 <a14:useLocalDpi xmlns:a14="http://schemas.microsoft.com/office/drawing/2010/main" val="0"/>
@@ -5374,14 +8251,14 @@
   <p:timing>
     <p:tnLst>
       <p:par>
-        <p:cTn xmlns:p14="http://schemas.microsoft.com/office/powerpoint/2010/main" id="1" dur="indefinite" restart="never" nodeType="tmRoot"/>
+        <p:cTn id="1" dur="indefinite" restart="never" nodeType="tmRoot"/>
       </p:par>
     </p:tnLst>
   </p:timing>
 </p:sld>
 </file>
 
-<file path=ppt/slides/slide8.xml><?xml version="1.0" encoding="utf-8"?>
+<file path=ppt/slides/slide9.xml><?xml version="1.0" encoding="utf-8"?>
 <p:sld xmlns:a="http://schemas.openxmlformats.org/drawingml/2006/main" xmlns:r="http://schemas.openxmlformats.org/officeDocument/2006/relationships" xmlns:p="http://schemas.openxmlformats.org/presentationml/2006/main">
   <p:cSld>
     <p:spTree>
@@ -5475,7 +8352,7 @@
           <p:nvPr/>
         </p:nvPicPr>
         <p:blipFill>
-          <a:blip r:embed="rId2" cstate="print">
+          <a:blip r:embed="rId2" cstate="email">
             <a:extLst>
               <a:ext uri="{28A0092B-C50C-407E-A947-70E740481C1C}">
                 <a14:useLocalDpi xmlns:a14="http://schemas.microsoft.com/office/drawing/2010/main" val="0"/>
@@ -5519,156 +8396,17 @@
   <p:timing>
     <p:tnLst>
       <p:par>
-        <p:cTn xmlns:p14="http://schemas.microsoft.com/office/powerpoint/2010/main" id="1" dur="indefinite" restart="never" nodeType="tmRoot"/>
+        <p:cTn id="1" dur="indefinite" restart="never" nodeType="tmRoot"/>
       </p:par>
     </p:tnLst>
   </p:timing>
 </p:sld>
 </file>
 
-<file path=ppt/slides/slide9.xml><?xml version="1.0" encoding="utf-8"?>
-<p:sld xmlns:a="http://schemas.openxmlformats.org/drawingml/2006/main" xmlns:r="http://schemas.openxmlformats.org/officeDocument/2006/relationships" xmlns:p="http://schemas.openxmlformats.org/presentationml/2006/main">
-  <p:cSld>
-    <p:spTree>
-      <p:nvGrpSpPr>
-        <p:cNvPr id="1" name=""/>
-        <p:cNvGrpSpPr/>
-        <p:nvPr/>
-      </p:nvGrpSpPr>
-      <p:grpSpPr>
-        <a:xfrm>
-          <a:off x="0" y="0"/>
-          <a:ext cx="0" cy="0"/>
-          <a:chOff x="0" y="0"/>
-          <a:chExt cx="0" cy="0"/>
-        </a:xfrm>
-      </p:grpSpPr>
-      <p:sp>
-        <p:nvSpPr>
-          <p:cNvPr id="2" name="Title 1"/>
-          <p:cNvSpPr>
-            <a:spLocks noGrp="1"/>
-          </p:cNvSpPr>
-          <p:nvPr>
-            <p:ph type="title"/>
-          </p:nvPr>
-        </p:nvSpPr>
-        <p:spPr>
-          <a:xfrm>
-            <a:off x="549275" y="107576"/>
-            <a:ext cx="8042276" cy="770818"/>
-          </a:xfrm>
-        </p:spPr>
-        <p:txBody>
-          <a:bodyPr/>
-          <a:lstStyle/>
-          <a:p>
-            <a:r>
-              <a:rPr lang="en-US" dirty="0" smtClean="0">
-                <a:latin typeface="Times New Roman"/>
-                <a:cs typeface="Times New Roman"/>
-              </a:rPr>
-              <a:t>Factory design</a:t>
-            </a:r>
-            <a:endParaRPr lang="en-US" dirty="0">
-              <a:latin typeface="Times New Roman"/>
-              <a:cs typeface="Times New Roman"/>
-            </a:endParaRPr>
-          </a:p>
-        </p:txBody>
-      </p:sp>
-      <p:pic>
-        <p:nvPicPr>
-          <p:cNvPr id="4" name="Picture 3" descr="Screen Shot 2018-09-12 at 3.04.59 PM.png"/>
-          <p:cNvPicPr>
-            <a:picLocks noChangeAspect="1"/>
-          </p:cNvPicPr>
-          <p:nvPr/>
-        </p:nvPicPr>
-        <p:blipFill>
-          <a:blip r:embed="rId2">
-            <a:extLst>
-              <a:ext uri="{28A0092B-C50C-407E-A947-70E740481C1C}">
-                <a14:useLocalDpi xmlns:a14="http://schemas.microsoft.com/office/drawing/2010/main" val="0"/>
-              </a:ext>
-            </a:extLst>
-          </a:blip>
-          <a:stretch>
-            <a:fillRect/>
-          </a:stretch>
-        </p:blipFill>
-        <p:spPr>
-          <a:xfrm>
-            <a:off x="0" y="1666351"/>
-            <a:ext cx="9144000" cy="4303836"/>
-          </a:xfrm>
-          <a:prstGeom prst="rect">
-            <a:avLst/>
-          </a:prstGeom>
-        </p:spPr>
-      </p:pic>
-      <p:sp>
-        <p:nvSpPr>
-          <p:cNvPr id="5" name="TextBox 4"/>
-          <p:cNvSpPr txBox="1"/>
-          <p:nvPr/>
-        </p:nvSpPr>
-        <p:spPr>
-          <a:xfrm>
-            <a:off x="136965" y="835354"/>
-            <a:ext cx="8765789" cy="830997"/>
-          </a:xfrm>
-          <a:prstGeom prst="rect">
-            <a:avLst/>
-          </a:prstGeom>
-          <a:noFill/>
-        </p:spPr>
-        <p:txBody>
-          <a:bodyPr wrap="square" rtlCol="0">
-            <a:spAutoFit/>
-          </a:bodyPr>
-          <a:lstStyle/>
-          <a:p>
-            <a:r>
-              <a:rPr lang="en-US" sz="2400" dirty="0" smtClean="0">
-                <a:latin typeface="Times New Roman"/>
-                <a:cs typeface="Times New Roman"/>
-              </a:rPr>
-              <a:t>It creates an instance of movie, hall, and schedule classes </a:t>
-            </a:r>
-          </a:p>
-          <a:p>
-            <a:r>
-              <a:rPr lang="en-US" sz="2400" dirty="0" smtClean="0">
-                <a:latin typeface="Times New Roman"/>
-                <a:cs typeface="Times New Roman"/>
-              </a:rPr>
-              <a:t>which are package level classes.</a:t>
-            </a:r>
-            <a:endParaRPr lang="en-US" sz="2400" dirty="0">
-              <a:latin typeface="Times New Roman"/>
-              <a:cs typeface="Times New Roman"/>
-            </a:endParaRPr>
-          </a:p>
-        </p:txBody>
-      </p:sp>
-    </p:spTree>
-    <p:extLst>
-      <p:ext uri="{BB962C8B-B14F-4D97-AF65-F5344CB8AC3E}">
-        <p14:creationId xmlns:p14="http://schemas.microsoft.com/office/powerpoint/2010/main" val="1906443883"/>
-      </p:ext>
-    </p:extLst>
-  </p:cSld>
-  <p:clrMapOvr>
-    <a:masterClrMapping/>
-  </p:clrMapOvr>
-</p:sld>
-</file>
-
 <file path=ppt/theme/theme1.xml><?xml version="1.0" encoding="utf-8"?>
-<a:theme xmlns:a="http://schemas.openxmlformats.org/drawingml/2006/main" name="Breeze">
+<a:theme xmlns:a="http://schemas.openxmlformats.org/drawingml/2006/main" name="Parallax">
   <a:themeElements>
-    <a:clrScheme name="Breeze">
+    <a:clrScheme name="Parallax">
       <a:dk1>
         <a:sysClr val="windowText" lastClr="000000"/>
       </a:dk1>
@@ -5676,118 +8414,165 @@
         <a:sysClr val="window" lastClr="FFFFFF"/>
       </a:lt1>
       <a:dk2>
-        <a:srgbClr val="09213B"/>
+        <a:srgbClr val="212121"/>
       </a:dk2>
       <a:lt2>
-        <a:srgbClr val="D5EDF4"/>
+        <a:srgbClr val="EBEBEB"/>
       </a:lt2>
       <a:accent1>
-        <a:srgbClr val="2C7C9F"/>
+        <a:srgbClr val="30ACEC"/>
       </a:accent1>
       <a:accent2>
-        <a:srgbClr val="244A58"/>
+        <a:srgbClr val="80C34F"/>
       </a:accent2>
       <a:accent3>
-        <a:srgbClr val="E2751D"/>
+        <a:srgbClr val="E29D3E"/>
       </a:accent3>
       <a:accent4>
-        <a:srgbClr val="FFB400"/>
+        <a:srgbClr val="D64A3B"/>
       </a:accent4>
       <a:accent5>
-        <a:srgbClr val="7EB606"/>
+        <a:srgbClr val="D64787"/>
       </a:accent5>
       <a:accent6>
-        <a:srgbClr val="C00000"/>
+        <a:srgbClr val="A666E1"/>
       </a:accent6>
       <a:hlink>
-        <a:srgbClr val="7030A0"/>
+        <a:srgbClr val="3085ED"/>
       </a:hlink>
       <a:folHlink>
-        <a:srgbClr val="00B0F0"/>
+        <a:srgbClr val="82B6F4"/>
       </a:folHlink>
     </a:clrScheme>
-    <a:fontScheme name="Breeze">
+    <a:fontScheme name="Parallax">
       <a:majorFont>
-        <a:latin typeface="News Gothic MT"/>
+        <a:latin typeface="Corbel" panose="020B0503020204020204"/>
         <a:ea typeface=""/>
         <a:cs typeface=""/>
-        <a:font script="Jpan" typeface="ＭＳ Ｐゴシック"/>
+        <a:font script="Jpan" typeface="HGｺﾞｼｯｸM"/>
+        <a:font script="Hang" typeface="HY엽서L"/>
+        <a:font script="Hans" typeface="华文楷体"/>
+        <a:font script="Hant" typeface="新細明體"/>
+        <a:font script="Arab" typeface="Tahoma"/>
+        <a:font script="Hebr" typeface="Miriam"/>
+        <a:font script="Thai" typeface="DilleniaUPC"/>
+        <a:font script="Ethi" typeface="Nyala"/>
+        <a:font script="Beng" typeface="Vrinda"/>
+        <a:font script="Gujr" typeface="Shruti"/>
+        <a:font script="Khmr" typeface="DaunPenh"/>
+        <a:font script="Knda" typeface="Tunga"/>
+        <a:font script="Guru" typeface="Raavi"/>
+        <a:font script="Cans" typeface="Euphemia"/>
+        <a:font script="Cher" typeface="Plantagenet Cherokee"/>
+        <a:font script="Yiii" typeface="Microsoft Yi Baiti"/>
+        <a:font script="Tibt" typeface="Microsoft Himalaya"/>
+        <a:font script="Thaa" typeface="MV Boli"/>
+        <a:font script="Deva" typeface="Mangal"/>
+        <a:font script="Telu" typeface="Gautami"/>
+        <a:font script="Taml" typeface="Latha"/>
+        <a:font script="Syrc" typeface="Estrangelo Edessa"/>
+        <a:font script="Orya" typeface="Kalinga"/>
+        <a:font script="Mlym" typeface="Kartika"/>
+        <a:font script="Laoo" typeface="DokChampa"/>
+        <a:font script="Sinh" typeface="Iskoola Pota"/>
+        <a:font script="Mong" typeface="Mongolian Baiti"/>
+        <a:font script="Viet" typeface="Arial"/>
+        <a:font script="Uigh" typeface="Microsoft Uighur"/>
+        <a:font script="Geor" typeface="Sylfaen"/>
       </a:majorFont>
       <a:minorFont>
-        <a:latin typeface="News Gothic MT"/>
+        <a:latin typeface="Corbel" panose="020B0503020204020204"/>
         <a:ea typeface=""/>
         <a:cs typeface=""/>
-        <a:font script="Jpan" typeface="ＭＳ Ｐゴシック"/>
+        <a:font script="Jpan" typeface="HGｺﾞｼｯｸM"/>
+        <a:font script="Hang" typeface="HY엽서L"/>
+        <a:font script="Hans" typeface="华文楷体"/>
+        <a:font script="Hant" typeface="新細明體"/>
+        <a:font script="Arab" typeface="Tahoma"/>
+        <a:font script="Hebr" typeface="Miriam"/>
+        <a:font script="Thai" typeface="DilleniaUPC"/>
+        <a:font script="Ethi" typeface="Nyala"/>
+        <a:font script="Beng" typeface="Vrinda"/>
+        <a:font script="Gujr" typeface="Shruti"/>
+        <a:font script="Khmr" typeface="DaunPenh"/>
+        <a:font script="Knda" typeface="Tunga"/>
+        <a:font script="Guru" typeface="Raavi"/>
+        <a:font script="Cans" typeface="Euphemia"/>
+        <a:font script="Cher" typeface="Plantagenet Cherokee"/>
+        <a:font script="Yiii" typeface="Microsoft Yi Baiti"/>
+        <a:font script="Tibt" typeface="Microsoft Himalaya"/>
+        <a:font script="Thaa" typeface="MV Boli"/>
+        <a:font script="Deva" typeface="Mangal"/>
+        <a:font script="Telu" typeface="Gautami"/>
+        <a:font script="Taml" typeface="Latha"/>
+        <a:font script="Syrc" typeface="Estrangelo Edessa"/>
+        <a:font script="Orya" typeface="Kalinga"/>
+        <a:font script="Mlym" typeface="Kartika"/>
+        <a:font script="Laoo" typeface="DokChampa"/>
+        <a:font script="Sinh" typeface="Iskoola Pota"/>
+        <a:font script="Mong" typeface="Mongolian Baiti"/>
+        <a:font script="Viet" typeface="Arial"/>
+        <a:font script="Uigh" typeface="Microsoft Uighur"/>
+        <a:font script="Geor" typeface="Sylfaen"/>
       </a:minorFont>
     </a:fontScheme>
-    <a:fmtScheme name="Breeze">
+    <a:fmtScheme name="Parallax">
       <a:fillStyleLst>
         <a:solidFill>
           <a:schemeClr val="phClr"/>
         </a:solidFill>
         <a:gradFill rotWithShape="1">
           <a:gsLst>
-            <a:gs pos="31000">
+            <a:gs pos="0">
               <a:schemeClr val="phClr">
-                <a:tint val="100000"/>
-                <a:shade val="100000"/>
-                <a:satMod val="120000"/>
+                <a:tint val="60000"/>
+                <a:lumMod val="104000"/>
               </a:schemeClr>
             </a:gs>
             <a:gs pos="100000">
               <a:schemeClr val="phClr">
-                <a:tint val="50000"/>
-                <a:satMod val="150000"/>
+                <a:tint val="84000"/>
               </a:schemeClr>
             </a:gs>
           </a:gsLst>
-          <a:lin ang="5400000" scaled="1"/>
+          <a:lin ang="5400000" scaled="0"/>
         </a:gradFill>
         <a:gradFill rotWithShape="1">
           <a:gsLst>
             <a:gs pos="0">
               <a:schemeClr val="phClr">
-                <a:shade val="100000"/>
-                <a:satMod val="120000"/>
-              </a:schemeClr>
-            </a:gs>
-            <a:gs pos="69000">
-              <a:schemeClr val="phClr">
-                <a:tint val="80000"/>
-                <a:shade val="100000"/>
-                <a:satMod val="150000"/>
+                <a:tint val="96000"/>
+                <a:lumMod val="102000"/>
               </a:schemeClr>
             </a:gs>
             <a:gs pos="100000">
               <a:schemeClr val="phClr">
-                <a:tint val="50000"/>
-                <a:shade val="100000"/>
-                <a:satMod val="150000"/>
+                <a:shade val="88000"/>
+                <a:lumMod val="94000"/>
               </a:schemeClr>
             </a:gs>
           </a:gsLst>
           <a:path path="circle">
-            <a:fillToRect l="100000" t="100000" r="100000" b="100000"/>
+            <a:fillToRect l="50000" t="100000" r="100000" b="50000"/>
           </a:path>
         </a:gradFill>
       </a:fillStyleLst>
       <a:lnStyleLst>
-        <a:ln w="12700" cap="flat" cmpd="sng" algn="ctr">
+        <a:ln w="9525" cap="rnd" cmpd="sng" algn="ctr">
           <a:solidFill>
             <a:schemeClr val="phClr">
-              <a:shade val="95000"/>
-              <a:satMod val="105000"/>
+              <a:tint val="60000"/>
             </a:schemeClr>
           </a:solidFill>
           <a:prstDash val="solid"/>
         </a:ln>
-        <a:ln w="25400" cap="flat" cmpd="dbl" algn="ctr">
+        <a:ln w="15875" cap="rnd" cmpd="sng" algn="ctr">
           <a:solidFill>
             <a:schemeClr val="phClr"/>
           </a:solidFill>
           <a:prstDash val="solid"/>
         </a:ln>
-        <a:ln w="31750" cap="flat" cmpd="dbl" algn="ctr">
+        <a:ln w="22225" cap="rnd" cmpd="sng" algn="ctr">
           <a:solidFill>
             <a:schemeClr val="phClr"/>
           </a:solidFill>
@@ -5800,34 +8585,27 @@
         </a:effectStyle>
         <a:effectStyle>
           <a:effectLst>
-            <a:outerShdw blurRad="63500" dist="25400" dir="5400000" sx="101000" sy="101000" rotWithShape="0">
-              <a:srgbClr val="000000">
-                <a:alpha val="40000"/>
-              </a:srgbClr>
-            </a:outerShdw>
+            <a:reflection blurRad="12700" stA="26000" endPos="32000" dist="12700" dir="5400000" sy="-100000" rotWithShape="0"/>
           </a:effectLst>
         </a:effectStyle>
         <a:effectStyle>
           <a:effectLst>
-            <a:innerShdw blurRad="127000" dist="25400" dir="13500000">
-              <a:srgbClr val="C0C0C0">
-                <a:alpha val="75000"/>
-              </a:srgbClr>
-            </a:innerShdw>
-            <a:outerShdw blurRad="88900" dist="25400" dir="5400000" sx="102000" sy="102000" algn="ctr" rotWithShape="0">
-              <a:srgbClr val="C0C0C0">
-                <a:alpha val="40000"/>
+            <a:outerShdw blurRad="38100" dist="25400" dir="5400000" rotWithShape="0">
+              <a:srgbClr val="000000">
+                <a:alpha val="64000"/>
               </a:srgbClr>
             </a:outerShdw>
           </a:effectLst>
           <a:scene3d>
-            <a:camera prst="perspectiveLeft" fov="300000"/>
-            <a:lightRig rig="soft" dir="l">
-              <a:rot lat="0" lon="0" rev="4200000"/>
+            <a:camera prst="orthographicFront">
+              <a:rot lat="0" lon="0" rev="0"/>
+            </a:camera>
+            <a:lightRig rig="threePt" dir="tl">
+              <a:rot lat="0" lon="0" rev="1200000"/>
             </a:lightRig>
           </a:scene3d>
-          <a:sp3d extrusionH="38100" prstMaterial="powder">
-            <a:bevelT w="50800" h="88900" prst="convex"/>
+          <a:sp3d>
+            <a:bevelT w="25400" h="12700"/>
           </a:sp3d>
         </a:effectStyle>
       </a:effectStyleLst>
@@ -5839,38 +8617,30 @@
           <a:gsLst>
             <a:gs pos="0">
               <a:schemeClr val="phClr">
-                <a:tint val="40000"/>
-                <a:satMod val="350000"/>
-              </a:schemeClr>
-            </a:gs>
-            <a:gs pos="40000">
-              <a:schemeClr val="phClr">
-                <a:tint val="45000"/>
-                <a:shade val="99000"/>
-                <a:satMod val="350000"/>
+                <a:tint val="90000"/>
+                <a:lumMod val="110000"/>
               </a:schemeClr>
             </a:gs>
             <a:gs pos="100000">
               <a:schemeClr val="phClr">
-                <a:shade val="20000"/>
-                <a:satMod val="255000"/>
+                <a:shade val="64000"/>
+                <a:lumMod val="98000"/>
               </a:schemeClr>
             </a:gs>
           </a:gsLst>
-          <a:path path="circle">
-            <a:fillToRect l="50000" t="-80000" r="50000" b="180000"/>
-          </a:path>
+          <a:lin ang="5400000" scaled="0"/>
         </a:gradFill>
         <a:blipFill rotWithShape="1">
           <a:blip xmlns:r="http://schemas.openxmlformats.org/officeDocument/2006/relationships" r:embed="rId1">
             <a:duotone>
               <a:schemeClr val="phClr">
-                <a:shade val="40000"/>
-                <a:satMod val="400000"/>
+                <a:shade val="76000"/>
+                <a:satMod val="180000"/>
               </a:schemeClr>
               <a:schemeClr val="phClr">
-                <a:tint val="10000"/>
-                <a:satMod val="200000"/>
+                <a:tint val="80000"/>
+                <a:satMod val="120000"/>
+                <a:lumMod val="180000"/>
               </a:schemeClr>
             </a:duotone>
           </a:blip>
@@ -5879,50 +8649,12 @@
       </a:bgFillStyleLst>
     </a:fmtScheme>
   </a:themeElements>
-  <a:objectDefaults>
-    <a:spDef>
-      <a:spPr/>
-      <a:bodyPr rtlCol="0" anchor="ctr"/>
-      <a:lstStyle>
-        <a:defPPr algn="ctr">
-          <a:defRPr/>
-        </a:defPPr>
-      </a:lstStyle>
-      <a:style>
-        <a:lnRef idx="1">
-          <a:schemeClr val="accent1"/>
-        </a:lnRef>
-        <a:fillRef idx="3">
-          <a:schemeClr val="accent1"/>
-        </a:fillRef>
-        <a:effectRef idx="2">
-          <a:schemeClr val="accent1"/>
-        </a:effectRef>
-        <a:fontRef idx="minor">
-          <a:schemeClr val="lt1"/>
-        </a:fontRef>
-      </a:style>
-    </a:spDef>
-    <a:lnDef>
-      <a:spPr/>
-      <a:bodyPr/>
-      <a:lstStyle/>
-      <a:style>
-        <a:lnRef idx="2">
-          <a:schemeClr val="accent1"/>
-        </a:lnRef>
-        <a:fillRef idx="0">
-          <a:schemeClr val="accent1"/>
-        </a:fillRef>
-        <a:effectRef idx="1">
-          <a:schemeClr val="accent1"/>
-        </a:effectRef>
-        <a:fontRef idx="minor">
-          <a:schemeClr val="tx1"/>
-        </a:fontRef>
-      </a:style>
-    </a:lnDef>
-  </a:objectDefaults>
+  <a:objectDefaults/>
   <a:extraClrSchemeLst/>
+  <a:extLst>
+    <a:ext uri="{05A4C25C-085E-4340-85A3-A5531E510DB2}">
+      <thm15:themeFamily xmlns:thm15="http://schemas.microsoft.com/office/thememl/2012/main" name="Parallax" id="{3388167B-A2EB-4685-9635-1831D9AEF8C4}" vid="{4F7A876A-7598-49CA-AFC8-8EDA2551E4A7}"/>
+    </a:ext>
+  </a:extLst>
 </a:theme>
 </file>
--- a/Document/CinemaBookingSystem_MPP.pptx
+++ b/Document/CinemaBookingSystem_MPP.pptx
@@ -2,7 +2,7 @@
 <file path=ppt/presentation.xml><?xml version="1.0" encoding="utf-8"?>
 <p:presentation xmlns:a="http://schemas.openxmlformats.org/drawingml/2006/main" xmlns:r="http://schemas.openxmlformats.org/officeDocument/2006/relationships" xmlns:p="http://schemas.openxmlformats.org/presentationml/2006/main" saveSubsetFonts="1">
   <p:sldMasterIdLst>
-    <p:sldMasterId id="2147483762" r:id="rId1"/>
+    <p:sldMasterId id="2147483780" r:id="rId1"/>
   </p:sldMasterIdLst>
   <p:sldIdLst>
     <p:sldId id="256" r:id="rId2"/>
@@ -10,20 +10,22 @@
     <p:sldId id="259" r:id="rId4"/>
     <p:sldId id="260" r:id="rId5"/>
     <p:sldId id="267" r:id="rId6"/>
-    <p:sldId id="266" r:id="rId7"/>
-    <p:sldId id="261" r:id="rId8"/>
-    <p:sldId id="262" r:id="rId9"/>
-    <p:sldId id="263" r:id="rId10"/>
-    <p:sldId id="264" r:id="rId11"/>
-    <p:sldId id="265" r:id="rId12"/>
+    <p:sldId id="268" r:id="rId7"/>
+    <p:sldId id="266" r:id="rId8"/>
+    <p:sldId id="261" r:id="rId9"/>
+    <p:sldId id="262" r:id="rId10"/>
+    <p:sldId id="263" r:id="rId11"/>
+    <p:sldId id="270" r:id="rId12"/>
+    <p:sldId id="264" r:id="rId13"/>
+    <p:sldId id="265" r:id="rId14"/>
   </p:sldIdLst>
-  <p:sldSz cx="9144000" cy="6858000" type="screen4x3"/>
+  <p:sldSz cx="12192000" cy="6858000"/>
   <p:notesSz cx="6858000" cy="9144000"/>
   <p:defaultTextStyle>
     <a:defPPr>
       <a:defRPr lang="en-US"/>
     </a:defPPr>
-    <a:lvl1pPr marL="0" algn="l" defTabSz="914400" rtl="0" eaLnBrk="1" latinLnBrk="0" hangingPunct="1">
+    <a:lvl1pPr marL="0" algn="l" defTabSz="457200" rtl="0" eaLnBrk="1" latinLnBrk="0" hangingPunct="1">
       <a:defRPr sz="1800" kern="1200">
         <a:solidFill>
           <a:schemeClr val="tx1"/>
@@ -33,7 +35,7 @@
         <a:cs typeface="+mn-cs"/>
       </a:defRPr>
     </a:lvl1pPr>
-    <a:lvl2pPr marL="457200" algn="l" defTabSz="914400" rtl="0" eaLnBrk="1" latinLnBrk="0" hangingPunct="1">
+    <a:lvl2pPr marL="457200" algn="l" defTabSz="457200" rtl="0" eaLnBrk="1" latinLnBrk="0" hangingPunct="1">
       <a:defRPr sz="1800" kern="1200">
         <a:solidFill>
           <a:schemeClr val="tx1"/>
@@ -43,7 +45,7 @@
         <a:cs typeface="+mn-cs"/>
       </a:defRPr>
     </a:lvl2pPr>
-    <a:lvl3pPr marL="914400" algn="l" defTabSz="914400" rtl="0" eaLnBrk="1" latinLnBrk="0" hangingPunct="1">
+    <a:lvl3pPr marL="914400" algn="l" defTabSz="457200" rtl="0" eaLnBrk="1" latinLnBrk="0" hangingPunct="1">
       <a:defRPr sz="1800" kern="1200">
         <a:solidFill>
           <a:schemeClr val="tx1"/>
@@ -53,7 +55,7 @@
         <a:cs typeface="+mn-cs"/>
       </a:defRPr>
     </a:lvl3pPr>
-    <a:lvl4pPr marL="1371600" algn="l" defTabSz="914400" rtl="0" eaLnBrk="1" latinLnBrk="0" hangingPunct="1">
+    <a:lvl4pPr marL="1371600" algn="l" defTabSz="457200" rtl="0" eaLnBrk="1" latinLnBrk="0" hangingPunct="1">
       <a:defRPr sz="1800" kern="1200">
         <a:solidFill>
           <a:schemeClr val="tx1"/>
@@ -63,7 +65,7 @@
         <a:cs typeface="+mn-cs"/>
       </a:defRPr>
     </a:lvl4pPr>
-    <a:lvl5pPr marL="1828800" algn="l" defTabSz="914400" rtl="0" eaLnBrk="1" latinLnBrk="0" hangingPunct="1">
+    <a:lvl5pPr marL="1828800" algn="l" defTabSz="457200" rtl="0" eaLnBrk="1" latinLnBrk="0" hangingPunct="1">
       <a:defRPr sz="1800" kern="1200">
         <a:solidFill>
           <a:schemeClr val="tx1"/>
@@ -73,7 +75,7 @@
         <a:cs typeface="+mn-cs"/>
       </a:defRPr>
     </a:lvl5pPr>
-    <a:lvl6pPr marL="2286000" algn="l" defTabSz="914400" rtl="0" eaLnBrk="1" latinLnBrk="0" hangingPunct="1">
+    <a:lvl6pPr marL="2286000" algn="l" defTabSz="457200" rtl="0" eaLnBrk="1" latinLnBrk="0" hangingPunct="1">
       <a:defRPr sz="1800" kern="1200">
         <a:solidFill>
           <a:schemeClr val="tx1"/>
@@ -83,7 +85,7 @@
         <a:cs typeface="+mn-cs"/>
       </a:defRPr>
     </a:lvl6pPr>
-    <a:lvl7pPr marL="2743200" algn="l" defTabSz="914400" rtl="0" eaLnBrk="1" latinLnBrk="0" hangingPunct="1">
+    <a:lvl7pPr marL="2743200" algn="l" defTabSz="457200" rtl="0" eaLnBrk="1" latinLnBrk="0" hangingPunct="1">
       <a:defRPr sz="1800" kern="1200">
         <a:solidFill>
           <a:schemeClr val="tx1"/>
@@ -93,7 +95,7 @@
         <a:cs typeface="+mn-cs"/>
       </a:defRPr>
     </a:lvl7pPr>
-    <a:lvl8pPr marL="3200400" algn="l" defTabSz="914400" rtl="0" eaLnBrk="1" latinLnBrk="0" hangingPunct="1">
+    <a:lvl8pPr marL="3200400" algn="l" defTabSz="457200" rtl="0" eaLnBrk="1" latinLnBrk="0" hangingPunct="1">
       <a:defRPr sz="1800" kern="1200">
         <a:solidFill>
           <a:schemeClr val="tx1"/>
@@ -103,7 +105,7 @@
         <a:cs typeface="+mn-cs"/>
       </a:defRPr>
     </a:lvl8pPr>
-    <a:lvl9pPr marL="3657600" algn="l" defTabSz="914400" rtl="0" eaLnBrk="1" latinLnBrk="0" hangingPunct="1">
+    <a:lvl9pPr marL="3657600" algn="l" defTabSz="457200" rtl="0" eaLnBrk="1" latinLnBrk="0" hangingPunct="1">
       <a:defRPr sz="1800" kern="1200">
         <a:solidFill>
           <a:schemeClr val="tx1"/>
@@ -117,12 +119,12 @@
   <p:extLst>
     <p:ext uri="{EFAFB233-063F-42B5-8137-9DF3F51BA10A}">
       <p15:sldGuideLst xmlns:p15="http://schemas.microsoft.com/office/powerpoint/2012/main">
-        <p15:guide id="1" orient="horz" pos="2160">
+        <p15:guide id="1" orient="horz" pos="2160" userDrawn="1">
           <p15:clr>
             <a:srgbClr val="A4A3A4"/>
           </p15:clr>
         </p15:guide>
-        <p15:guide id="2" pos="2880">
+        <p15:guide id="2" pos="3840" userDrawn="1">
           <p15:clr>
             <a:srgbClr val="A4A3A4"/>
           </p15:clr>
@@ -152,28 +154,28 @@
       </p:grpSpPr>
       <p:grpSp>
         <p:nvGrpSpPr>
-          <p:cNvPr id="25" name="Group 24"/>
+          <p:cNvPr id="19" name="Group 18"/>
           <p:cNvGrpSpPr/>
           <p:nvPr/>
         </p:nvGrpSpPr>
         <p:grpSpPr>
           <a:xfrm>
-            <a:off x="203200" y="0"/>
-            <a:ext cx="3778250" cy="6858001"/>
-            <a:chOff x="203200" y="0"/>
-            <a:chExt cx="3778250" cy="6858001"/>
+            <a:off x="546100" y="-4763"/>
+            <a:ext cx="5014912" cy="6862763"/>
+            <a:chOff x="2928938" y="-4763"/>
+            <a:chExt cx="5014912" cy="6862763"/>
           </a:xfrm>
         </p:grpSpPr>
         <p:sp>
           <p:nvSpPr>
-            <p:cNvPr id="14" name="Freeform 6"/>
+            <p:cNvPr id="22" name="Freeform 6"/>
             <p:cNvSpPr/>
             <p:nvPr/>
           </p:nvSpPr>
           <p:spPr bwMode="auto">
             <a:xfrm>
-              <a:off x="641350" y="0"/>
-              <a:ext cx="1365250" cy="3971925"/>
+              <a:off x="3367088" y="-4763"/>
+              <a:ext cx="1063625" cy="2782888"/>
             </a:xfrm>
             <a:custGeom>
               <a:avLst/>
@@ -182,21 +184,21 @@
               <a:cxnLst/>
               <a:rect l="0" t="0" r="r" b="b"/>
               <a:pathLst>
-                <a:path w="860" h="2502">
+                <a:path w="670" h="1753">
                   <a:moveTo>
-                    <a:pt x="0" y="2445"/>
+                    <a:pt x="0" y="1696"/>
                   </a:moveTo>
                   <a:lnTo>
-                    <a:pt x="228" y="2502"/>
+                    <a:pt x="225" y="1753"/>
                   </a:lnTo>
                   <a:lnTo>
-                    <a:pt x="860" y="0"/>
+                    <a:pt x="670" y="0"/>
                   </a:lnTo>
                   <a:lnTo>
-                    <a:pt x="620" y="0"/>
+                    <a:pt x="430" y="0"/>
                   </a:lnTo>
                   <a:lnTo>
-                    <a:pt x="0" y="2445"/>
+                    <a:pt x="0" y="1696"/>
                   </a:lnTo>
                   <a:close/>
                 </a:path>
@@ -212,14 +214,14 @@
         </p:sp>
         <p:sp>
           <p:nvSpPr>
-            <p:cNvPr id="15" name="Freeform 7"/>
+            <p:cNvPr id="23" name="Freeform 7"/>
             <p:cNvSpPr/>
             <p:nvPr/>
           </p:nvSpPr>
           <p:spPr bwMode="auto">
             <a:xfrm>
-              <a:off x="203200" y="0"/>
-              <a:ext cx="1336675" cy="3862388"/>
+              <a:off x="2928938" y="-4763"/>
+              <a:ext cx="1035050" cy="2673350"/>
             </a:xfrm>
             <a:custGeom>
               <a:avLst/>
@@ -228,21 +230,24 @@
               <a:cxnLst/>
               <a:rect l="0" t="0" r="r" b="b"/>
               <a:pathLst>
-                <a:path w="842" h="2433">
+                <a:path w="652" h="1684">
                   <a:moveTo>
-                    <a:pt x="842" y="0"/>
+                    <a:pt x="225" y="1684"/>
                   </a:moveTo>
                   <a:lnTo>
-                    <a:pt x="602" y="0"/>
+                    <a:pt x="652" y="0"/>
                   </a:lnTo>
                   <a:lnTo>
-                    <a:pt x="0" y="2376"/>
+                    <a:pt x="411" y="0"/>
                   </a:lnTo>
                   <a:lnTo>
-                    <a:pt x="228" y="2433"/>
+                    <a:pt x="0" y="1627"/>
                   </a:lnTo>
                   <a:lnTo>
-                    <a:pt x="842" y="0"/>
+                    <a:pt x="219" y="1681"/>
+                  </a:lnTo>
+                  <a:lnTo>
+                    <a:pt x="225" y="1684"/>
                   </a:lnTo>
                   <a:close/>
                 </a:path>
@@ -261,14 +266,14 @@
         </p:sp>
         <p:sp>
           <p:nvSpPr>
-            <p:cNvPr id="16" name="Freeform 8"/>
+            <p:cNvPr id="24" name="Freeform 9"/>
             <p:cNvSpPr/>
             <p:nvPr/>
           </p:nvSpPr>
           <p:spPr bwMode="auto">
             <a:xfrm>
-              <a:off x="207963" y="3776663"/>
-              <a:ext cx="1936750" cy="3081338"/>
+              <a:off x="2928938" y="2582862"/>
+              <a:ext cx="2693987" cy="4275138"/>
             </a:xfrm>
             <a:custGeom>
               <a:avLst/>
@@ -277,15 +282,15 @@
               <a:cxnLst/>
               <a:rect l="0" t="0" r="r" b="b"/>
               <a:pathLst>
-                <a:path w="1220" h="1941">
+                <a:path w="1697" h="2693">
                   <a:moveTo>
                     <a:pt x="0" y="0"/>
                   </a:moveTo>
                   <a:lnTo>
-                    <a:pt x="1166" y="1941"/>
+                    <a:pt x="1622" y="2693"/>
                   </a:lnTo>
                   <a:lnTo>
-                    <a:pt x="1220" y="1941"/>
+                    <a:pt x="1697" y="2693"/>
                   </a:lnTo>
                   <a:lnTo>
                     <a:pt x="0" y="0"/>
@@ -307,14 +312,14 @@
         </p:sp>
         <p:sp>
           <p:nvSpPr>
-            <p:cNvPr id="20" name="Freeform 9"/>
+            <p:cNvPr id="25" name="Freeform 10"/>
             <p:cNvSpPr/>
             <p:nvPr/>
           </p:nvSpPr>
           <p:spPr bwMode="auto">
             <a:xfrm>
-              <a:off x="646113" y="3886200"/>
-              <a:ext cx="2373313" cy="2971800"/>
+              <a:off x="3371850" y="2692400"/>
+              <a:ext cx="3332162" cy="4165600"/>
             </a:xfrm>
             <a:custGeom>
               <a:avLst/>
@@ -323,18 +328,18 @@
               <a:cxnLst/>
               <a:rect l="0" t="0" r="r" b="b"/>
               <a:pathLst>
-                <a:path w="1495" h="1872">
+                <a:path w="2099" h="2624">
                   <a:moveTo>
-                    <a:pt x="1495" y="1872"/>
+                    <a:pt x="2099" y="2624"/>
                   </a:moveTo>
                   <a:lnTo>
                     <a:pt x="0" y="0"/>
                   </a:lnTo>
                   <a:lnTo>
-                    <a:pt x="1442" y="1872"/>
+                    <a:pt x="2021" y="2624"/>
                   </a:lnTo>
                   <a:lnTo>
-                    <a:pt x="1495" y="1872"/>
+                    <a:pt x="2099" y="2624"/>
                   </a:lnTo>
                   <a:close/>
                 </a:path>
@@ -352,14 +357,14 @@
         </p:sp>
         <p:sp>
           <p:nvSpPr>
-            <p:cNvPr id="21" name="Freeform 10"/>
+            <p:cNvPr id="26" name="Freeform 11"/>
             <p:cNvSpPr/>
             <p:nvPr/>
           </p:nvSpPr>
           <p:spPr bwMode="auto">
             <a:xfrm>
-              <a:off x="641350" y="3881438"/>
-              <a:ext cx="3340100" cy="2976563"/>
+              <a:off x="3367088" y="2687637"/>
+              <a:ext cx="4576762" cy="4170363"/>
             </a:xfrm>
             <a:custGeom>
               <a:avLst/>
@@ -368,7 +373,7 @@
               <a:cxnLst/>
               <a:rect l="0" t="0" r="r" b="b"/>
               <a:pathLst>
-                <a:path w="2104" h="1875">
+                <a:path w="2883" h="2627">
                   <a:moveTo>
                     <a:pt x="0" y="0"/>
                   </a:moveTo>
@@ -376,13 +381,13 @@
                     <a:pt x="3" y="3"/>
                   </a:lnTo>
                   <a:lnTo>
-                    <a:pt x="1498" y="1875"/>
+                    <a:pt x="2102" y="2627"/>
                   </a:lnTo>
                   <a:lnTo>
-                    <a:pt x="2104" y="1875"/>
+                    <a:pt x="2883" y="2627"/>
                   </a:lnTo>
                   <a:lnTo>
-                    <a:pt x="228" y="57"/>
+                    <a:pt x="225" y="57"/>
                   </a:lnTo>
                   <a:lnTo>
                     <a:pt x="0" y="0"/>
@@ -403,14 +408,14 @@
         </p:sp>
         <p:sp>
           <p:nvSpPr>
-            <p:cNvPr id="22" name="Freeform 11"/>
+            <p:cNvPr id="27" name="Freeform 12"/>
             <p:cNvSpPr/>
             <p:nvPr/>
           </p:nvSpPr>
           <p:spPr bwMode="auto">
             <a:xfrm>
-              <a:off x="203200" y="3771900"/>
-              <a:ext cx="2660650" cy="3086100"/>
+              <a:off x="2928938" y="2578100"/>
+              <a:ext cx="3584575" cy="4279900"/>
             </a:xfrm>
             <a:custGeom>
               <a:avLst/>
@@ -419,42 +424,30 @@
               <a:cxnLst/>
               <a:rect l="0" t="0" r="r" b="b"/>
               <a:pathLst>
-                <a:path w="1676" h="1944">
+                <a:path w="2258" h="2696">
                   <a:moveTo>
-                    <a:pt x="1676" y="1944"/>
+                    <a:pt x="2258" y="2696"/>
                   </a:moveTo>
                   <a:lnTo>
                     <a:pt x="264" y="111"/>
                   </a:lnTo>
                   <a:lnTo>
-                    <a:pt x="225" y="60"/>
-                  </a:lnTo>
-                  <a:lnTo>
                     <a:pt x="228" y="60"/>
                   </a:lnTo>
                   <a:lnTo>
-                    <a:pt x="264" y="111"/>
-                  </a:lnTo>
-                  <a:lnTo>
-                    <a:pt x="234" y="69"/>
-                  </a:lnTo>
-                  <a:lnTo>
-                    <a:pt x="228" y="57"/>
-                  </a:lnTo>
-                  <a:lnTo>
-                    <a:pt x="222" y="54"/>
+                    <a:pt x="225" y="57"/>
                   </a:lnTo>
                   <a:lnTo>
                     <a:pt x="0" y="0"/>
                   </a:lnTo>
                   <a:lnTo>
-                    <a:pt x="3" y="3"/>
+                    <a:pt x="0" y="3"/>
                   </a:lnTo>
                   <a:lnTo>
-                    <a:pt x="1223" y="1944"/>
+                    <a:pt x="1697" y="2696"/>
                   </a:lnTo>
                   <a:lnTo>
-                    <a:pt x="1676" y="1944"/>
+                    <a:pt x="2258" y="2696"/>
                   </a:lnTo>
                   <a:close/>
                 </a:path>
@@ -484,8 +477,8 @@
         </p:nvSpPr>
         <p:spPr>
           <a:xfrm>
-            <a:off x="1739673" y="914401"/>
-            <a:ext cx="6947127" cy="3488266"/>
+            <a:off x="2928401" y="1380068"/>
+            <a:ext cx="8574622" cy="2616199"/>
           </a:xfrm>
         </p:spPr>
         <p:txBody>
@@ -494,14 +487,14 @@
           </a:bodyPr>
           <a:lstStyle>
             <a:lvl1pPr algn="r">
-              <a:defRPr sz="5400">
+              <a:defRPr sz="6000">
                 <a:effectLst/>
               </a:defRPr>
             </a:lvl1pPr>
           </a:lstStyle>
           <a:p>
             <a:r>
-              <a:rPr lang="en-US" smtClean="0"/>
+              <a:rPr lang="en-US"/>
               <a:t>Click to edit Master title style</a:t>
             </a:r>
             <a:endParaRPr lang="en-US" dirty="0"/>
@@ -520,8 +513,8 @@
         </p:nvSpPr>
         <p:spPr>
           <a:xfrm>
-            <a:off x="2924238" y="4402666"/>
-            <a:ext cx="5762563" cy="1364531"/>
+            <a:off x="4515377" y="3996267"/>
+            <a:ext cx="6987645" cy="1388534"/>
           </a:xfrm>
         </p:spPr>
         <p:txBody>
@@ -531,7 +524,7 @@
           <a:lstStyle>
             <a:lvl1pPr marL="0" indent="0" algn="r">
               <a:buNone/>
-              <a:defRPr sz="1800">
+              <a:defRPr sz="2100">
                 <a:solidFill>
                   <a:schemeClr val="tx1"/>
                 </a:solidFill>
@@ -620,7 +613,7 @@
           </a:lstStyle>
           <a:p>
             <a:r>
-              <a:rPr lang="en-US" smtClean="0"/>
+              <a:rPr lang="en-US"/>
               <a:t>Click to edit Master subtitle style</a:t>
             </a:r>
             <a:endParaRPr lang="en-US" dirty="0"/>
@@ -637,12 +630,7 @@
             <p:ph type="dt" sz="half" idx="10"/>
           </p:nvPr>
         </p:nvSpPr>
-        <p:spPr>
-          <a:xfrm>
-            <a:off x="7325773" y="6117336"/>
-            <a:ext cx="857473" cy="365125"/>
-          </a:xfrm>
-        </p:spPr>
+        <p:spPr/>
         <p:txBody>
           <a:bodyPr/>
           <a:lstStyle/>
@@ -667,8 +655,8 @@
         </p:nvSpPr>
         <p:spPr>
           <a:xfrm>
-            <a:off x="3623733" y="6117336"/>
-            <a:ext cx="3609438" cy="365125"/>
+            <a:off x="5332412" y="5883275"/>
+            <a:ext cx="4324044" cy="365125"/>
           </a:xfrm>
         </p:spPr>
         <p:txBody>
@@ -689,12 +677,7 @@
             <p:ph type="sldNum" sz="quarter" idx="12"/>
           </p:nvPr>
         </p:nvSpPr>
-        <p:spPr>
-          <a:xfrm>
-            <a:off x="8275320" y="6117336"/>
-            <a:ext cx="411480" cy="365125"/>
-          </a:xfrm>
-        </p:spPr>
+        <p:spPr/>
         <p:txBody>
           <a:bodyPr/>
           <a:lstStyle/>
@@ -707,120 +690,10 @@
           </a:p>
         </p:txBody>
       </p:sp>
-      <p:sp>
-        <p:nvSpPr>
-          <p:cNvPr id="23" name="Freeform 12"/>
-          <p:cNvSpPr/>
-          <p:nvPr/>
-        </p:nvSpPr>
-        <p:spPr bwMode="auto">
-          <a:xfrm>
-            <a:off x="203200" y="3771900"/>
-            <a:ext cx="361950" cy="90488"/>
-          </a:xfrm>
-          <a:custGeom>
-            <a:avLst/>
-            <a:gdLst/>
-            <a:ahLst/>
-            <a:cxnLst/>
-            <a:rect l="0" t="0" r="r" b="b"/>
-            <a:pathLst>
-              <a:path w="228" h="57">
-                <a:moveTo>
-                  <a:pt x="228" y="57"/>
-                </a:moveTo>
-                <a:lnTo>
-                  <a:pt x="0" y="0"/>
-                </a:lnTo>
-                <a:lnTo>
-                  <a:pt x="222" y="54"/>
-                </a:lnTo>
-                <a:lnTo>
-                  <a:pt x="228" y="57"/>
-                </a:lnTo>
-                <a:close/>
-              </a:path>
-            </a:pathLst>
-          </a:custGeom>
-          <a:solidFill>
-            <a:srgbClr val="29ABE2"/>
-          </a:solidFill>
-          <a:ln>
-            <a:noFill/>
-          </a:ln>
-          <a:extLst>
-            <a:ext uri="{91240B29-F687-4f45-9708-019B960494DF}">
-              <a14:hiddenLine xmlns:a14="http://schemas.microsoft.com/office/drawing/2010/main" xmlns="" w="9525">
-                <a:solidFill>
-                  <a:srgbClr val="000000"/>
-                </a:solidFill>
-                <a:round/>
-                <a:headEnd/>
-                <a:tailEnd/>
-              </a14:hiddenLine>
-            </a:ext>
-          </a:extLst>
-        </p:spPr>
-      </p:sp>
-      <p:sp>
-        <p:nvSpPr>
-          <p:cNvPr id="24" name="Freeform 13"/>
-          <p:cNvSpPr/>
-          <p:nvPr/>
-        </p:nvSpPr>
-        <p:spPr bwMode="auto">
-          <a:xfrm>
-            <a:off x="560388" y="3867150"/>
-            <a:ext cx="61913" cy="80963"/>
-          </a:xfrm>
-          <a:custGeom>
-            <a:avLst/>
-            <a:gdLst/>
-            <a:ahLst/>
-            <a:cxnLst/>
-            <a:rect l="0" t="0" r="r" b="b"/>
-            <a:pathLst>
-              <a:path w="39" h="51">
-                <a:moveTo>
-                  <a:pt x="0" y="0"/>
-                </a:moveTo>
-                <a:lnTo>
-                  <a:pt x="39" y="51"/>
-                </a:lnTo>
-                <a:lnTo>
-                  <a:pt x="3" y="0"/>
-                </a:lnTo>
-                <a:lnTo>
-                  <a:pt x="0" y="0"/>
-                </a:lnTo>
-                <a:close/>
-              </a:path>
-            </a:pathLst>
-          </a:custGeom>
-          <a:solidFill>
-            <a:srgbClr val="29ABE2"/>
-          </a:solidFill>
-          <a:ln>
-            <a:noFill/>
-          </a:ln>
-          <a:extLst>
-            <a:ext uri="{91240B29-F687-4f45-9708-019B960494DF}">
-              <a14:hiddenLine xmlns:a14="http://schemas.microsoft.com/office/drawing/2010/main" xmlns="" w="9525">
-                <a:solidFill>
-                  <a:srgbClr val="000000"/>
-                </a:solidFill>
-                <a:round/>
-                <a:headEnd/>
-                <a:tailEnd/>
-              </a14:hiddenLine>
-            </a:ext>
-          </a:extLst>
-        </p:spPr>
-      </p:sp>
     </p:spTree>
     <p:extLst>
       <p:ext uri="{BB962C8B-B14F-4D97-AF65-F5344CB8AC3E}">
-        <p14:creationId xmlns:p14="http://schemas.microsoft.com/office/powerpoint/2010/main" val="2495894988"/>
+        <p14:creationId xmlns:p14="http://schemas.microsoft.com/office/powerpoint/2010/main" val="2928420526"/>
       </p:ext>
     </p:extLst>
   </p:cSld>
@@ -859,8 +732,8 @@
         </p:nvSpPr>
         <p:spPr>
           <a:xfrm>
-            <a:off x="1113523" y="4732865"/>
-            <a:ext cx="7515991" cy="566738"/>
+            <a:off x="1484311" y="4732865"/>
+            <a:ext cx="10018711" cy="566738"/>
           </a:xfrm>
         </p:spPr>
         <p:txBody>
@@ -874,7 +747,7 @@
           </a:lstStyle>
           <a:p>
             <a:r>
-              <a:rPr lang="en-US" smtClean="0"/>
+              <a:rPr lang="en-US"/>
               <a:t>Click to edit Master title style</a:t>
             </a:r>
             <a:endParaRPr lang="en-US" dirty="0"/>
@@ -893,8 +766,8 @@
         </p:nvSpPr>
         <p:spPr>
           <a:xfrm>
-            <a:off x="1789975" y="932112"/>
-            <a:ext cx="6171065" cy="3164976"/>
+            <a:off x="2386012" y="932112"/>
+            <a:ext cx="8225944" cy="3164976"/>
           </a:xfrm>
           <a:prstGeom prst="roundRect">
             <a:avLst>
@@ -969,7 +842,7 @@
           </a:lstStyle>
           <a:p>
             <a:r>
-              <a:rPr lang="en-US" smtClean="0"/>
+              <a:rPr lang="en-US"/>
               <a:t>Click icon to add picture</a:t>
             </a:r>
             <a:endParaRPr lang="en-US" dirty="0"/>
@@ -988,8 +861,8 @@
         </p:nvSpPr>
         <p:spPr>
           <a:xfrm>
-            <a:off x="1113523" y="5299603"/>
-            <a:ext cx="7515991" cy="493712"/>
+            <a:off x="1484311" y="5299603"/>
+            <a:ext cx="10018711" cy="493712"/>
           </a:xfrm>
         </p:spPr>
         <p:txBody>
@@ -1037,8 +910,8 @@
           <a:p>
             <a:pPr lvl="0"/>
             <a:r>
-              <a:rPr lang="en-US" smtClean="0"/>
-              <a:t>Click to edit Master text styles</a:t>
+              <a:rPr lang="en-US"/>
+              <a:t>Edit Master text styles</a:t>
             </a:r>
           </a:p>
         </p:txBody>
@@ -1111,7 +984,7 @@
     </p:spTree>
     <p:extLst>
       <p:ext uri="{BB962C8B-B14F-4D97-AF65-F5344CB8AC3E}">
-        <p14:creationId xmlns:p14="http://schemas.microsoft.com/office/powerpoint/2010/main" val="1471068379"/>
+        <p14:creationId xmlns:p14="http://schemas.microsoft.com/office/powerpoint/2010/main" val="4208722388"/>
       </p:ext>
     </p:extLst>
   </p:cSld>
@@ -1150,8 +1023,8 @@
         </p:nvSpPr>
         <p:spPr>
           <a:xfrm>
-            <a:off x="1113524" y="685800"/>
-            <a:ext cx="7515991" cy="3048000"/>
+            <a:off x="1484312" y="685800"/>
+            <a:ext cx="10018711" cy="3048000"/>
           </a:xfrm>
         </p:spPr>
         <p:txBody>
@@ -1165,7 +1038,7 @@
           </a:lstStyle>
           <a:p>
             <a:r>
-              <a:rPr lang="en-US" smtClean="0"/>
+              <a:rPr lang="en-US"/>
               <a:t>Click to edit Master title style</a:t>
             </a:r>
             <a:endParaRPr lang="en-US" dirty="0"/>
@@ -1184,8 +1057,8 @@
         </p:nvSpPr>
         <p:spPr>
           <a:xfrm>
-            <a:off x="1113524" y="4343400"/>
-            <a:ext cx="7515992" cy="1447800"/>
+            <a:off x="1484312" y="4343400"/>
+            <a:ext cx="10018713" cy="1447800"/>
           </a:xfrm>
         </p:spPr>
         <p:txBody>
@@ -1285,8 +1158,8 @@
           <a:p>
             <a:pPr lvl="0"/>
             <a:r>
-              <a:rPr lang="en-US" smtClean="0"/>
-              <a:t>Click to edit Master text styles</a:t>
+              <a:rPr lang="en-US"/>
+              <a:t>Edit Master text styles</a:t>
             </a:r>
           </a:p>
         </p:txBody>
@@ -1359,7 +1232,7 @@
     </p:spTree>
     <p:extLst>
       <p:ext uri="{BB962C8B-B14F-4D97-AF65-F5344CB8AC3E}">
-        <p14:creationId xmlns:p14="http://schemas.microsoft.com/office/powerpoint/2010/main" val="349391009"/>
+        <p14:creationId xmlns:p14="http://schemas.microsoft.com/office/powerpoint/2010/main" val="1671007730"/>
       </p:ext>
     </p:extLst>
   </p:cSld>
@@ -1394,8 +1267,8 @@
         </p:nvSpPr>
         <p:spPr>
           <a:xfrm>
-            <a:off x="969421" y="863023"/>
-            <a:ext cx="457319" cy="584776"/>
+            <a:off x="1598612" y="863023"/>
+            <a:ext cx="609600" cy="584776"/>
           </a:xfrm>
           <a:prstGeom prst="rect">
             <a:avLst/>
@@ -1510,8 +1383,8 @@
         </p:nvSpPr>
         <p:spPr>
           <a:xfrm>
-            <a:off x="8172197" y="2819399"/>
-            <a:ext cx="457319" cy="584776"/>
+            <a:off x="10893425" y="2819399"/>
+            <a:ext cx="609600" cy="584776"/>
           </a:xfrm>
           <a:prstGeom prst="rect">
             <a:avLst/>
@@ -1630,8 +1503,8 @@
         </p:nvSpPr>
         <p:spPr>
           <a:xfrm>
-            <a:off x="1426741" y="685801"/>
-            <a:ext cx="6974115" cy="2743199"/>
+            <a:off x="2208212" y="685800"/>
+            <a:ext cx="8990012" cy="2743199"/>
           </a:xfrm>
         </p:spPr>
         <p:txBody>
@@ -1649,7 +1522,7 @@
           </a:lstStyle>
           <a:p>
             <a:r>
-              <a:rPr lang="en-US" smtClean="0"/>
+              <a:rPr lang="en-US"/>
               <a:t>Click to edit Master title style</a:t>
             </a:r>
             <a:endParaRPr lang="en-US" dirty="0"/>
@@ -1668,8 +1541,8 @@
         </p:nvSpPr>
         <p:spPr>
           <a:xfrm>
-            <a:off x="1598235" y="3428999"/>
-            <a:ext cx="6631128" cy="381000"/>
+            <a:off x="2436811" y="3428999"/>
+            <a:ext cx="8532815" cy="381000"/>
           </a:xfrm>
         </p:spPr>
         <p:txBody>
@@ -1706,8 +1579,8 @@
           <a:p>
             <a:pPr lvl="0"/>
             <a:r>
-              <a:rPr lang="en-US" smtClean="0"/>
-              <a:t>Click to edit Master text styles</a:t>
+              <a:rPr lang="en-US"/>
+              <a:t>Edit Master text styles</a:t>
             </a:r>
           </a:p>
         </p:txBody>
@@ -1724,8 +1597,8 @@
         </p:nvSpPr>
         <p:spPr>
           <a:xfrm>
-            <a:off x="1113523" y="4343400"/>
-            <a:ext cx="7515991" cy="1447800"/>
+            <a:off x="1484311" y="4343400"/>
+            <a:ext cx="10018711" cy="1447800"/>
           </a:xfrm>
         </p:spPr>
         <p:txBody>
@@ -1825,8 +1698,8 @@
           <a:p>
             <a:pPr lvl="0"/>
             <a:r>
-              <a:rPr lang="en-US" smtClean="0"/>
-              <a:t>Click to edit Master text styles</a:t>
+              <a:rPr lang="en-US"/>
+              <a:t>Edit Master text styles</a:t>
             </a:r>
           </a:p>
         </p:txBody>
@@ -1899,7 +1772,7 @@
     </p:spTree>
     <p:extLst>
       <p:ext uri="{BB962C8B-B14F-4D97-AF65-F5344CB8AC3E}">
-        <p14:creationId xmlns:p14="http://schemas.microsoft.com/office/powerpoint/2010/main" val="4262760178"/>
+        <p14:creationId xmlns:p14="http://schemas.microsoft.com/office/powerpoint/2010/main" val="409515058"/>
       </p:ext>
     </p:extLst>
   </p:cSld>
@@ -1938,8 +1811,8 @@
         </p:nvSpPr>
         <p:spPr>
           <a:xfrm>
-            <a:off x="1113525" y="3308581"/>
-            <a:ext cx="7515989" cy="1468800"/>
+            <a:off x="1484313" y="3308581"/>
+            <a:ext cx="10018709" cy="1468800"/>
           </a:xfrm>
         </p:spPr>
         <p:txBody>
@@ -1953,7 +1826,7 @@
           </a:lstStyle>
           <a:p>
             <a:r>
-              <a:rPr lang="en-US" smtClean="0"/>
+              <a:rPr lang="en-US"/>
               <a:t>Click to edit Master title style</a:t>
             </a:r>
             <a:endParaRPr lang="en-US" dirty="0"/>
@@ -1972,8 +1845,8 @@
         </p:nvSpPr>
         <p:spPr>
           <a:xfrm>
-            <a:off x="1113524" y="4777381"/>
-            <a:ext cx="7515990" cy="860400"/>
+            <a:off x="1484312" y="4777381"/>
+            <a:ext cx="10018710" cy="860400"/>
           </a:xfrm>
         </p:spPr>
         <p:txBody>
@@ -2073,8 +1946,8 @@
           <a:p>
             <a:pPr lvl="0"/>
             <a:r>
-              <a:rPr lang="en-US" smtClean="0"/>
-              <a:t>Click to edit Master text styles</a:t>
+              <a:rPr lang="en-US"/>
+              <a:t>Edit Master text styles</a:t>
             </a:r>
           </a:p>
         </p:txBody>
@@ -2147,7 +2020,7 @@
     </p:spTree>
     <p:extLst>
       <p:ext uri="{BB962C8B-B14F-4D97-AF65-F5344CB8AC3E}">
-        <p14:creationId xmlns:p14="http://schemas.microsoft.com/office/powerpoint/2010/main" val="3595673032"/>
+        <p14:creationId xmlns:p14="http://schemas.microsoft.com/office/powerpoint/2010/main" val="1731894593"/>
       </p:ext>
     </p:extLst>
   </p:cSld>
@@ -2182,8 +2055,8 @@
         </p:nvSpPr>
         <p:spPr>
           <a:xfrm>
-            <a:off x="969421" y="863023"/>
-            <a:ext cx="457319" cy="584776"/>
+            <a:off x="1598612" y="863023"/>
+            <a:ext cx="609600" cy="584776"/>
           </a:xfrm>
           <a:prstGeom prst="rect">
             <a:avLst/>
@@ -2298,8 +2171,8 @@
         </p:nvSpPr>
         <p:spPr>
           <a:xfrm>
-            <a:off x="8172197" y="2819399"/>
-            <a:ext cx="457319" cy="584776"/>
+            <a:off x="10893425" y="2819399"/>
+            <a:ext cx="609600" cy="584776"/>
           </a:xfrm>
           <a:prstGeom prst="rect">
             <a:avLst/>
@@ -2418,8 +2291,8 @@
         </p:nvSpPr>
         <p:spPr>
           <a:xfrm>
-            <a:off x="1426741" y="685801"/>
-            <a:ext cx="6974115" cy="2743199"/>
+            <a:off x="2208212" y="685800"/>
+            <a:ext cx="8990012" cy="2743199"/>
           </a:xfrm>
         </p:spPr>
         <p:txBody>
@@ -2437,7 +2310,7 @@
           </a:lstStyle>
           <a:p>
             <a:r>
-              <a:rPr lang="en-US" smtClean="0"/>
+              <a:rPr lang="en-US"/>
               <a:t>Click to edit Master title style</a:t>
             </a:r>
             <a:endParaRPr lang="en-US" dirty="0"/>
@@ -2456,8 +2329,8 @@
         </p:nvSpPr>
         <p:spPr>
           <a:xfrm>
-            <a:off x="1113525" y="3886200"/>
-            <a:ext cx="7515990" cy="889000"/>
+            <a:off x="1484313" y="3886200"/>
+            <a:ext cx="10018710" cy="889000"/>
           </a:xfrm>
         </p:spPr>
         <p:txBody>
@@ -2486,8 +2359,8 @@
               <a:buNone/>
             </a:pPr>
             <a:r>
-              <a:rPr lang="en-US" smtClean="0"/>
-              <a:t>Click to edit Master text styles</a:t>
+              <a:rPr lang="en-US"/>
+              <a:t>Edit Master text styles</a:t>
             </a:r>
           </a:p>
         </p:txBody>
@@ -2504,8 +2377,8 @@
         </p:nvSpPr>
         <p:spPr>
           <a:xfrm>
-            <a:off x="1113524" y="4775200"/>
-            <a:ext cx="7515990" cy="1016000"/>
+            <a:off x="1484312" y="4775200"/>
+            <a:ext cx="10018710" cy="1016000"/>
           </a:xfrm>
         </p:spPr>
         <p:txBody>
@@ -2605,8 +2478,8 @@
           <a:p>
             <a:pPr lvl="0"/>
             <a:r>
-              <a:rPr lang="en-US" smtClean="0"/>
-              <a:t>Click to edit Master text styles</a:t>
+              <a:rPr lang="en-US"/>
+              <a:t>Edit Master text styles</a:t>
             </a:r>
           </a:p>
         </p:txBody>
@@ -2679,7 +2552,7 @@
     </p:spTree>
     <p:extLst>
       <p:ext uri="{BB962C8B-B14F-4D97-AF65-F5344CB8AC3E}">
-        <p14:creationId xmlns:p14="http://schemas.microsoft.com/office/powerpoint/2010/main" val="1770235336"/>
+        <p14:creationId xmlns:p14="http://schemas.microsoft.com/office/powerpoint/2010/main" val="3958357203"/>
       </p:ext>
     </p:extLst>
   </p:cSld>
@@ -2718,8 +2591,8 @@
         </p:nvSpPr>
         <p:spPr>
           <a:xfrm>
-            <a:off x="1113525" y="685801"/>
-            <a:ext cx="7515991" cy="2727325"/>
+            <a:off x="1484313" y="685800"/>
+            <a:ext cx="10018712" cy="2727325"/>
           </a:xfrm>
         </p:spPr>
         <p:txBody>
@@ -2734,7 +2607,7 @@
           <a:p>
             <a:pPr marL="0" lvl="0"/>
             <a:r>
-              <a:rPr lang="en-US" smtClean="0"/>
+              <a:rPr lang="en-US"/>
               <a:t>Click to edit Master title style</a:t>
             </a:r>
             <a:endParaRPr lang="en-US" dirty="0"/>
@@ -2753,8 +2626,8 @@
         </p:nvSpPr>
         <p:spPr>
           <a:xfrm>
-            <a:off x="1113524" y="3505200"/>
-            <a:ext cx="7515992" cy="838200"/>
+            <a:off x="1484312" y="3505200"/>
+            <a:ext cx="10018713" cy="838200"/>
           </a:xfrm>
         </p:spPr>
         <p:txBody>
@@ -2783,8 +2656,8 @@
               <a:buNone/>
             </a:pPr>
             <a:r>
-              <a:rPr lang="en-US" smtClean="0"/>
-              <a:t>Click to edit Master text styles</a:t>
+              <a:rPr lang="en-US"/>
+              <a:t>Edit Master text styles</a:t>
             </a:r>
           </a:p>
         </p:txBody>
@@ -2801,8 +2674,8 @@
         </p:nvSpPr>
         <p:spPr>
           <a:xfrm>
-            <a:off x="1113524" y="4343400"/>
-            <a:ext cx="7515992" cy="1447800"/>
+            <a:off x="1484311" y="4343400"/>
+            <a:ext cx="10018713" cy="1447800"/>
           </a:xfrm>
         </p:spPr>
         <p:txBody>
@@ -2902,8 +2775,8 @@
           <a:p>
             <a:pPr lvl="0"/>
             <a:r>
-              <a:rPr lang="en-US" smtClean="0"/>
-              <a:t>Click to edit Master text styles</a:t>
+              <a:rPr lang="en-US"/>
+              <a:t>Edit Master text styles</a:t>
             </a:r>
           </a:p>
         </p:txBody>
@@ -2976,7 +2849,7 @@
     </p:spTree>
     <p:extLst>
       <p:ext uri="{BB962C8B-B14F-4D97-AF65-F5344CB8AC3E}">
-        <p14:creationId xmlns:p14="http://schemas.microsoft.com/office/powerpoint/2010/main" val="969090771"/>
+        <p14:creationId xmlns:p14="http://schemas.microsoft.com/office/powerpoint/2010/main" val="1112282128"/>
       </p:ext>
     </p:extLst>
   </p:cSld>
@@ -3023,7 +2896,7 @@
           </a:lstStyle>
           <a:p>
             <a:r>
-              <a:rPr lang="en-US" smtClean="0"/>
+              <a:rPr lang="en-US"/>
               <a:t>Click to edit Master title style</a:t>
             </a:r>
             <a:endParaRPr lang="en-US" dirty="0"/>
@@ -3047,35 +2920,35 @@
           <a:p>
             <a:pPr lvl="0"/>
             <a:r>
-              <a:rPr lang="en-US" smtClean="0"/>
-              <a:t>Click to edit Master text styles</a:t>
+              <a:rPr lang="en-US"/>
+              <a:t>Edit Master text styles</a:t>
             </a:r>
           </a:p>
           <a:p>
             <a:pPr lvl="1"/>
             <a:r>
-              <a:rPr lang="en-US" smtClean="0"/>
+              <a:rPr lang="en-US"/>
               <a:t>Second level</a:t>
             </a:r>
           </a:p>
           <a:p>
             <a:pPr lvl="2"/>
             <a:r>
-              <a:rPr lang="en-US" smtClean="0"/>
+              <a:rPr lang="en-US"/>
               <a:t>Third level</a:t>
             </a:r>
           </a:p>
           <a:p>
             <a:pPr lvl="3"/>
             <a:r>
-              <a:rPr lang="en-US" smtClean="0"/>
+              <a:rPr lang="en-US"/>
               <a:t>Fourth level</a:t>
             </a:r>
           </a:p>
           <a:p>
             <a:pPr lvl="4"/>
             <a:r>
-              <a:rPr lang="en-US" smtClean="0"/>
+              <a:rPr lang="en-US"/>
               <a:t>Fifth level</a:t>
             </a:r>
             <a:endParaRPr lang="en-US" dirty="0"/>
@@ -3150,7 +3023,7 @@
     </p:spTree>
     <p:extLst>
       <p:ext uri="{BB962C8B-B14F-4D97-AF65-F5344CB8AC3E}">
-        <p14:creationId xmlns:p14="http://schemas.microsoft.com/office/powerpoint/2010/main" val="4275287800"/>
+        <p14:creationId xmlns:p14="http://schemas.microsoft.com/office/powerpoint/2010/main" val="2891805648"/>
       </p:ext>
     </p:extLst>
   </p:cSld>
@@ -3189,8 +3062,8 @@
         </p:nvSpPr>
         <p:spPr>
           <a:xfrm>
-            <a:off x="7301393" y="685800"/>
-            <a:ext cx="1328123" cy="5105400"/>
+            <a:off x="9732655" y="685800"/>
+            <a:ext cx="1770369" cy="5105400"/>
           </a:xfrm>
         </p:spPr>
         <p:txBody>
@@ -3198,7 +3071,7 @@
           <a:lstStyle/>
           <a:p>
             <a:r>
-              <a:rPr lang="en-US" smtClean="0"/>
+              <a:rPr lang="en-US"/>
               <a:t>Click to edit Master title style</a:t>
             </a:r>
             <a:endParaRPr lang="en-US" dirty="0"/>
@@ -3217,8 +3090,8 @@
         </p:nvSpPr>
         <p:spPr>
           <a:xfrm>
-            <a:off x="1113524" y="685800"/>
-            <a:ext cx="6016373" cy="5105400"/>
+            <a:off x="1484312" y="685800"/>
+            <a:ext cx="8019742" cy="5105400"/>
           </a:xfrm>
         </p:spPr>
         <p:txBody>
@@ -3227,35 +3100,35 @@
           <a:p>
             <a:pPr lvl="0"/>
             <a:r>
-              <a:rPr lang="en-US" smtClean="0"/>
-              <a:t>Click to edit Master text styles</a:t>
+              <a:rPr lang="en-US"/>
+              <a:t>Edit Master text styles</a:t>
             </a:r>
           </a:p>
           <a:p>
             <a:pPr lvl="1"/>
             <a:r>
-              <a:rPr lang="en-US" smtClean="0"/>
+              <a:rPr lang="en-US"/>
               <a:t>Second level</a:t>
             </a:r>
           </a:p>
           <a:p>
             <a:pPr lvl="2"/>
             <a:r>
-              <a:rPr lang="en-US" smtClean="0"/>
+              <a:rPr lang="en-US"/>
               <a:t>Third level</a:t>
             </a:r>
           </a:p>
           <a:p>
             <a:pPr lvl="3"/>
             <a:r>
-              <a:rPr lang="en-US" smtClean="0"/>
+              <a:rPr lang="en-US"/>
               <a:t>Fourth level</a:t>
             </a:r>
           </a:p>
           <a:p>
             <a:pPr lvl="4"/>
             <a:r>
-              <a:rPr lang="en-US" smtClean="0"/>
+              <a:rPr lang="en-US"/>
               <a:t>Fifth level</a:t>
             </a:r>
             <a:endParaRPr lang="en-US" dirty="0"/>
@@ -3330,7 +3203,7 @@
     </p:spTree>
     <p:extLst>
       <p:ext uri="{BB962C8B-B14F-4D97-AF65-F5344CB8AC3E}">
-        <p14:creationId xmlns:p14="http://schemas.microsoft.com/office/powerpoint/2010/main" val="1275490886"/>
+        <p14:creationId xmlns:p14="http://schemas.microsoft.com/office/powerpoint/2010/main" val="3901203533"/>
       </p:ext>
     </p:extLst>
   </p:cSld>
@@ -3367,18 +3240,13 @@
             <p:ph type="title"/>
           </p:nvPr>
         </p:nvSpPr>
-        <p:spPr>
-          <a:xfrm>
-            <a:off x="982133" y="457201"/>
-            <a:ext cx="7704667" cy="1981200"/>
-          </a:xfrm>
-        </p:spPr>
+        <p:spPr/>
         <p:txBody>
           <a:bodyPr/>
           <a:lstStyle/>
           <a:p>
             <a:r>
-              <a:rPr lang="en-US" smtClean="0"/>
+              <a:rPr lang="en-US"/>
               <a:t>Click to edit Master title style</a:t>
             </a:r>
             <a:endParaRPr lang="en-US" dirty="0"/>
@@ -3395,47 +3263,42 @@
             <p:ph idx="1"/>
           </p:nvPr>
         </p:nvSpPr>
-        <p:spPr>
-          <a:xfrm>
-            <a:off x="982133" y="2667000"/>
-            <a:ext cx="7704667" cy="3332816"/>
-          </a:xfrm>
-        </p:spPr>
+        <p:spPr/>
         <p:txBody>
           <a:bodyPr anchor="ctr"/>
           <a:lstStyle/>
           <a:p>
             <a:pPr lvl="0"/>
             <a:r>
-              <a:rPr lang="en-US" smtClean="0"/>
-              <a:t>Click to edit Master text styles</a:t>
+              <a:rPr lang="en-US"/>
+              <a:t>Edit Master text styles</a:t>
             </a:r>
           </a:p>
           <a:p>
             <a:pPr lvl="1"/>
             <a:r>
-              <a:rPr lang="en-US" smtClean="0"/>
+              <a:rPr lang="en-US"/>
               <a:t>Second level</a:t>
             </a:r>
           </a:p>
           <a:p>
             <a:pPr lvl="2"/>
             <a:r>
-              <a:rPr lang="en-US" smtClean="0"/>
+              <a:rPr lang="en-US"/>
               <a:t>Third level</a:t>
             </a:r>
           </a:p>
           <a:p>
             <a:pPr lvl="3"/>
             <a:r>
-              <a:rPr lang="en-US" smtClean="0"/>
+              <a:rPr lang="en-US"/>
               <a:t>Fourth level</a:t>
             </a:r>
           </a:p>
           <a:p>
             <a:pPr lvl="4"/>
             <a:r>
-              <a:rPr lang="en-US" smtClean="0"/>
+              <a:rPr lang="en-US"/>
               <a:t>Fifth level</a:t>
             </a:r>
             <a:endParaRPr lang="en-US" dirty="0"/>
@@ -3452,12 +3315,7 @@
             <p:ph type="dt" sz="half" idx="10"/>
           </p:nvPr>
         </p:nvSpPr>
-        <p:spPr>
-          <a:xfrm>
-            <a:off x="7344329" y="6108173"/>
-            <a:ext cx="857473" cy="365125"/>
-          </a:xfrm>
-        </p:spPr>
+        <p:spPr/>
         <p:txBody>
           <a:bodyPr/>
           <a:lstStyle/>
@@ -3480,34 +3338,29 @@
             <p:ph type="ftr" sz="quarter" idx="11"/>
           </p:nvPr>
         </p:nvSpPr>
+        <p:spPr/>
+        <p:txBody>
+          <a:bodyPr/>
+          <a:lstStyle/>
+          <a:p>
+            <a:endParaRPr lang="en-US"/>
+          </a:p>
+        </p:txBody>
+      </p:sp>
+      <p:sp>
+        <p:nvSpPr>
+          <p:cNvPr id="6" name="Slide Number Placeholder 5"/>
+          <p:cNvSpPr>
+            <a:spLocks noGrp="1"/>
+          </p:cNvSpPr>
+          <p:nvPr>
+            <p:ph type="sldNum" sz="quarter" idx="12"/>
+          </p:nvPr>
+        </p:nvSpPr>
         <p:spPr>
           <a:xfrm>
-            <a:off x="1972647" y="6108173"/>
-            <a:ext cx="5314517" cy="365125"/>
-          </a:xfrm>
-        </p:spPr>
-        <p:txBody>
-          <a:bodyPr/>
-          <a:lstStyle/>
-          <a:p>
-            <a:endParaRPr lang="en-US"/>
-          </a:p>
-        </p:txBody>
-      </p:sp>
-      <p:sp>
-        <p:nvSpPr>
-          <p:cNvPr id="6" name="Slide Number Placeholder 5"/>
-          <p:cNvSpPr>
-            <a:spLocks noGrp="1"/>
-          </p:cNvSpPr>
-          <p:nvPr>
-            <p:ph type="sldNum" sz="quarter" idx="12"/>
-          </p:nvPr>
-        </p:nvSpPr>
-        <p:spPr>
-          <a:xfrm>
-            <a:off x="8258967" y="6108173"/>
-            <a:ext cx="427833" cy="365125"/>
+            <a:off x="10951856" y="5867131"/>
+            <a:ext cx="551167" cy="365125"/>
           </a:xfrm>
         </p:spPr>
         <p:txBody>
@@ -3525,7 +3378,7 @@
     </p:spTree>
     <p:extLst>
       <p:ext uri="{BB962C8B-B14F-4D97-AF65-F5344CB8AC3E}">
-        <p14:creationId xmlns:p14="http://schemas.microsoft.com/office/powerpoint/2010/main" val="1381287295"/>
+        <p14:creationId xmlns:p14="http://schemas.microsoft.com/office/powerpoint/2010/main" val="4071665682"/>
       </p:ext>
     </p:extLst>
   </p:cSld>
@@ -3564,8 +3417,8 @@
         </p:nvSpPr>
         <p:spPr>
           <a:xfrm>
-            <a:off x="1986995" y="2666998"/>
-            <a:ext cx="6699805" cy="2360071"/>
+            <a:off x="2572279" y="2666999"/>
+            <a:ext cx="8930747" cy="2110382"/>
           </a:xfrm>
         </p:spPr>
         <p:txBody>
@@ -3577,7 +3430,7 @@
           </a:lstStyle>
           <a:p>
             <a:r>
-              <a:rPr lang="en-US" smtClean="0"/>
+              <a:rPr lang="en-US"/>
               <a:t>Click to edit Master title style</a:t>
             </a:r>
             <a:endParaRPr lang="en-US" dirty="0"/>
@@ -3596,8 +3449,8 @@
         </p:nvSpPr>
         <p:spPr>
           <a:xfrm>
-            <a:off x="1986998" y="5027070"/>
-            <a:ext cx="6699802" cy="860400"/>
+            <a:off x="2572278" y="4777381"/>
+            <a:ext cx="8930748" cy="860400"/>
           </a:xfrm>
         </p:spPr>
         <p:txBody>
@@ -3697,8 +3550,8 @@
           <a:p>
             <a:pPr lvl="0"/>
             <a:r>
-              <a:rPr lang="en-US" smtClean="0"/>
-              <a:t>Click to edit Master text styles</a:t>
+              <a:rPr lang="en-US"/>
+              <a:t>Edit Master text styles</a:t>
             </a:r>
           </a:p>
         </p:txBody>
@@ -3755,12 +3608,7 @@
             <p:ph type="sldNum" sz="quarter" idx="12"/>
           </p:nvPr>
         </p:nvSpPr>
-        <p:spPr>
-          <a:xfrm>
-            <a:off x="8273317" y="6116070"/>
-            <a:ext cx="413483" cy="365125"/>
-          </a:xfrm>
-        </p:spPr>
+        <p:spPr/>
         <p:txBody>
           <a:bodyPr/>
           <a:lstStyle/>
@@ -3776,7 +3624,7 @@
     </p:spTree>
     <p:extLst>
       <p:ext uri="{BB962C8B-B14F-4D97-AF65-F5344CB8AC3E}">
-        <p14:creationId xmlns:p14="http://schemas.microsoft.com/office/powerpoint/2010/main" val="886338369"/>
+        <p14:creationId xmlns:p14="http://schemas.microsoft.com/office/powerpoint/2010/main" val="3487301214"/>
       </p:ext>
     </p:extLst>
   </p:cSld>
@@ -3815,8 +3663,8 @@
         </p:nvSpPr>
         <p:spPr>
           <a:xfrm>
-            <a:off x="982133" y="685801"/>
-            <a:ext cx="7704667" cy="1752599"/>
+            <a:off x="1484311" y="685800"/>
+            <a:ext cx="10018713" cy="1752599"/>
           </a:xfrm>
         </p:spPr>
         <p:txBody>
@@ -3824,7 +3672,7 @@
           <a:lstStyle/>
           <a:p>
             <a:r>
-              <a:rPr lang="en-US" smtClean="0"/>
+              <a:rPr lang="en-US"/>
               <a:t>Click to edit Master title style</a:t>
             </a:r>
             <a:endParaRPr lang="en-US" dirty="0"/>
@@ -3843,8 +3691,8 @@
         </p:nvSpPr>
         <p:spPr>
           <a:xfrm>
-            <a:off x="982133" y="2667000"/>
-            <a:ext cx="3739896" cy="3368674"/>
+            <a:off x="1484312" y="2666999"/>
+            <a:ext cx="4895055" cy="3124201"/>
           </a:xfrm>
         </p:spPr>
         <p:txBody>
@@ -3883,35 +3731,35 @@
           <a:p>
             <a:pPr lvl="0"/>
             <a:r>
-              <a:rPr lang="en-US" smtClean="0"/>
-              <a:t>Click to edit Master text styles</a:t>
+              <a:rPr lang="en-US"/>
+              <a:t>Edit Master text styles</a:t>
             </a:r>
           </a:p>
           <a:p>
             <a:pPr lvl="1"/>
             <a:r>
-              <a:rPr lang="en-US" smtClean="0"/>
+              <a:rPr lang="en-US"/>
               <a:t>Second level</a:t>
             </a:r>
           </a:p>
           <a:p>
             <a:pPr lvl="2"/>
             <a:r>
-              <a:rPr lang="en-US" smtClean="0"/>
+              <a:rPr lang="en-US"/>
               <a:t>Third level</a:t>
             </a:r>
           </a:p>
           <a:p>
             <a:pPr lvl="3"/>
             <a:r>
-              <a:rPr lang="en-US" smtClean="0"/>
+              <a:rPr lang="en-US"/>
               <a:t>Fourth level</a:t>
             </a:r>
           </a:p>
           <a:p>
             <a:pPr lvl="4"/>
             <a:r>
-              <a:rPr lang="en-US" smtClean="0"/>
+              <a:rPr lang="en-US"/>
               <a:t>Fifth level</a:t>
             </a:r>
             <a:endParaRPr lang="en-US" dirty="0"/>
@@ -3930,8 +3778,8 @@
         </p:nvSpPr>
         <p:spPr>
           <a:xfrm>
-            <a:off x="4946904" y="2667000"/>
-            <a:ext cx="3739896" cy="3346824"/>
+            <a:off x="6607967" y="2667000"/>
+            <a:ext cx="4895056" cy="3124200"/>
           </a:xfrm>
         </p:spPr>
         <p:txBody>
@@ -3970,35 +3818,35 @@
           <a:p>
             <a:pPr lvl="0"/>
             <a:r>
-              <a:rPr lang="en-US" smtClean="0"/>
-              <a:t>Click to edit Master text styles</a:t>
+              <a:rPr lang="en-US"/>
+              <a:t>Edit Master text styles</a:t>
             </a:r>
           </a:p>
           <a:p>
             <a:pPr lvl="1"/>
             <a:r>
-              <a:rPr lang="en-US" smtClean="0"/>
+              <a:rPr lang="en-US"/>
               <a:t>Second level</a:t>
             </a:r>
           </a:p>
           <a:p>
             <a:pPr lvl="2"/>
             <a:r>
-              <a:rPr lang="en-US" smtClean="0"/>
+              <a:rPr lang="en-US"/>
               <a:t>Third level</a:t>
             </a:r>
           </a:p>
           <a:p>
             <a:pPr lvl="3"/>
             <a:r>
-              <a:rPr lang="en-US" smtClean="0"/>
+              <a:rPr lang="en-US"/>
               <a:t>Fourth level</a:t>
             </a:r>
           </a:p>
           <a:p>
             <a:pPr lvl="4"/>
             <a:r>
-              <a:rPr lang="en-US" smtClean="0"/>
+              <a:rPr lang="en-US"/>
               <a:t>Fifth level</a:t>
             </a:r>
             <a:endParaRPr lang="en-US" dirty="0"/>
@@ -4073,7 +3921,7 @@
     </p:spTree>
     <p:extLst>
       <p:ext uri="{BB962C8B-B14F-4D97-AF65-F5344CB8AC3E}">
-        <p14:creationId xmlns:p14="http://schemas.microsoft.com/office/powerpoint/2010/main" val="355583062"/>
+        <p14:creationId xmlns:p14="http://schemas.microsoft.com/office/powerpoint/2010/main" val="1203280311"/>
       </p:ext>
     </p:extLst>
   </p:cSld>
@@ -4120,7 +3968,7 @@
           </a:lstStyle>
           <a:p>
             <a:r>
-              <a:rPr lang="en-US" smtClean="0"/>
+              <a:rPr lang="en-US"/>
               <a:t>Click to edit Master title style</a:t>
             </a:r>
             <a:endParaRPr lang="en-US" dirty="0"/>
@@ -4139,8 +3987,8 @@
         </p:nvSpPr>
         <p:spPr>
           <a:xfrm>
-            <a:off x="1329481" y="2658533"/>
-            <a:ext cx="3456291" cy="576262"/>
+            <a:off x="1772179" y="2658533"/>
+            <a:ext cx="4607188" cy="576262"/>
           </a:xfrm>
         </p:spPr>
         <p:txBody>
@@ -4194,8 +4042,8 @@
           <a:p>
             <a:pPr lvl="0"/>
             <a:r>
-              <a:rPr lang="en-US" smtClean="0"/>
-              <a:t>Click to edit Master text styles</a:t>
+              <a:rPr lang="en-US"/>
+              <a:t>Edit Master text styles</a:t>
             </a:r>
           </a:p>
         </p:txBody>
@@ -4212,8 +4060,8 @@
         </p:nvSpPr>
         <p:spPr>
           <a:xfrm>
-            <a:off x="1113523" y="3335336"/>
-            <a:ext cx="3672248" cy="2665259"/>
+            <a:off x="1484311" y="3335337"/>
+            <a:ext cx="4895056" cy="2455862"/>
           </a:xfrm>
         </p:spPr>
         <p:txBody>
@@ -4252,35 +4100,35 @@
           <a:p>
             <a:pPr lvl="0"/>
             <a:r>
-              <a:rPr lang="en-US" smtClean="0"/>
-              <a:t>Click to edit Master text styles</a:t>
+              <a:rPr lang="en-US"/>
+              <a:t>Edit Master text styles</a:t>
             </a:r>
           </a:p>
           <a:p>
             <a:pPr lvl="1"/>
             <a:r>
-              <a:rPr lang="en-US" smtClean="0"/>
+              <a:rPr lang="en-US"/>
               <a:t>Second level</a:t>
             </a:r>
           </a:p>
           <a:p>
             <a:pPr lvl="2"/>
             <a:r>
-              <a:rPr lang="en-US" smtClean="0"/>
+              <a:rPr lang="en-US"/>
               <a:t>Third level</a:t>
             </a:r>
           </a:p>
           <a:p>
             <a:pPr lvl="3"/>
             <a:r>
-              <a:rPr lang="en-US" smtClean="0"/>
+              <a:rPr lang="en-US"/>
               <a:t>Fourth level</a:t>
             </a:r>
           </a:p>
           <a:p>
             <a:pPr lvl="4"/>
             <a:r>
-              <a:rPr lang="en-US" smtClean="0"/>
+              <a:rPr lang="en-US"/>
               <a:t>Fifth level</a:t>
             </a:r>
             <a:endParaRPr lang="en-US" dirty="0"/>
@@ -4299,8 +4147,8 @@
         </p:nvSpPr>
         <p:spPr>
           <a:xfrm>
-            <a:off x="5161710" y="2667000"/>
-            <a:ext cx="3467806" cy="576262"/>
+            <a:off x="6880487" y="2667000"/>
+            <a:ext cx="4622537" cy="576262"/>
           </a:xfrm>
         </p:spPr>
         <p:txBody>
@@ -4354,8 +4202,8 @@
           <a:p>
             <a:pPr lvl="0"/>
             <a:r>
-              <a:rPr lang="en-US" smtClean="0"/>
-              <a:t>Click to edit Master text styles</a:t>
+              <a:rPr lang="en-US"/>
+              <a:t>Edit Master text styles</a:t>
             </a:r>
           </a:p>
         </p:txBody>
@@ -4372,8 +4220,8 @@
         </p:nvSpPr>
         <p:spPr>
           <a:xfrm>
-            <a:off x="4957266" y="3335336"/>
-            <a:ext cx="3672248" cy="2665259"/>
+            <a:off x="6607967" y="3335337"/>
+            <a:ext cx="4895056" cy="2455862"/>
           </a:xfrm>
         </p:spPr>
         <p:txBody>
@@ -4412,35 +4260,35 @@
           <a:p>
             <a:pPr lvl="0"/>
             <a:r>
-              <a:rPr lang="en-US" smtClean="0"/>
-              <a:t>Click to edit Master text styles</a:t>
+              <a:rPr lang="en-US"/>
+              <a:t>Edit Master text styles</a:t>
             </a:r>
           </a:p>
           <a:p>
             <a:pPr lvl="1"/>
             <a:r>
-              <a:rPr lang="en-US" smtClean="0"/>
+              <a:rPr lang="en-US"/>
               <a:t>Second level</a:t>
             </a:r>
           </a:p>
           <a:p>
             <a:pPr lvl="2"/>
             <a:r>
-              <a:rPr lang="en-US" smtClean="0"/>
+              <a:rPr lang="en-US"/>
               <a:t>Third level</a:t>
             </a:r>
           </a:p>
           <a:p>
             <a:pPr lvl="3"/>
             <a:r>
-              <a:rPr lang="en-US" smtClean="0"/>
+              <a:rPr lang="en-US"/>
               <a:t>Fourth level</a:t>
             </a:r>
           </a:p>
           <a:p>
             <a:pPr lvl="4"/>
             <a:r>
-              <a:rPr lang="en-US" smtClean="0"/>
+              <a:rPr lang="en-US"/>
               <a:t>Fifth level</a:t>
             </a:r>
             <a:endParaRPr lang="en-US" dirty="0"/>
@@ -4515,7 +4363,7 @@
     </p:spTree>
     <p:extLst>
       <p:ext uri="{BB962C8B-B14F-4D97-AF65-F5344CB8AC3E}">
-        <p14:creationId xmlns:p14="http://schemas.microsoft.com/office/powerpoint/2010/main" val="3480271401"/>
+        <p14:creationId xmlns:p14="http://schemas.microsoft.com/office/powerpoint/2010/main" val="429695122"/>
       </p:ext>
     </p:extLst>
   </p:cSld>
@@ -4558,7 +4406,7 @@
           <a:lstStyle/>
           <a:p>
             <a:r>
-              <a:rPr lang="en-US" smtClean="0"/>
+              <a:rPr lang="en-US"/>
               <a:t>Click to edit Master title style</a:t>
             </a:r>
             <a:endParaRPr lang="en-US" dirty="0"/>
@@ -4633,7 +4481,7 @@
     </p:spTree>
     <p:extLst>
       <p:ext uri="{BB962C8B-B14F-4D97-AF65-F5344CB8AC3E}">
-        <p14:creationId xmlns:p14="http://schemas.microsoft.com/office/powerpoint/2010/main" val="396502202"/>
+        <p14:creationId xmlns:p14="http://schemas.microsoft.com/office/powerpoint/2010/main" val="3836864768"/>
       </p:ext>
     </p:extLst>
   </p:cSld>
@@ -4728,7 +4576,7 @@
     </p:spTree>
     <p:extLst>
       <p:ext uri="{BB962C8B-B14F-4D97-AF65-F5344CB8AC3E}">
-        <p14:creationId xmlns:p14="http://schemas.microsoft.com/office/powerpoint/2010/main" val="2389050719"/>
+        <p14:creationId xmlns:p14="http://schemas.microsoft.com/office/powerpoint/2010/main" val="19152140"/>
       </p:ext>
     </p:extLst>
   </p:cSld>
@@ -4767,8 +4615,8 @@
         </p:nvSpPr>
         <p:spPr>
           <a:xfrm>
-            <a:off x="1113524" y="1600200"/>
-            <a:ext cx="2662534" cy="1371600"/>
+            <a:off x="1484312" y="1600200"/>
+            <a:ext cx="3549121" cy="1371600"/>
           </a:xfrm>
         </p:spPr>
         <p:txBody>
@@ -4782,7 +4630,7 @@
           </a:lstStyle>
           <a:p>
             <a:r>
-              <a:rPr lang="en-US" smtClean="0"/>
+              <a:rPr lang="en-US"/>
               <a:t>Click to edit Master title style</a:t>
             </a:r>
             <a:endParaRPr lang="en-US" dirty="0"/>
@@ -4801,8 +4649,8 @@
         </p:nvSpPr>
         <p:spPr>
           <a:xfrm>
-            <a:off x="3947553" y="685800"/>
-            <a:ext cx="4681962" cy="5105401"/>
+            <a:off x="5262033" y="685799"/>
+            <a:ext cx="6240990" cy="5105401"/>
           </a:xfrm>
         </p:spPr>
         <p:txBody>
@@ -4841,35 +4689,35 @@
           <a:p>
             <a:pPr lvl="0"/>
             <a:r>
-              <a:rPr lang="en-US" smtClean="0"/>
-              <a:t>Click to edit Master text styles</a:t>
+              <a:rPr lang="en-US"/>
+              <a:t>Edit Master text styles</a:t>
             </a:r>
           </a:p>
           <a:p>
             <a:pPr lvl="1"/>
             <a:r>
-              <a:rPr lang="en-US" smtClean="0"/>
+              <a:rPr lang="en-US"/>
               <a:t>Second level</a:t>
             </a:r>
           </a:p>
           <a:p>
             <a:pPr lvl="2"/>
             <a:r>
-              <a:rPr lang="en-US" smtClean="0"/>
+              <a:rPr lang="en-US"/>
               <a:t>Third level</a:t>
             </a:r>
           </a:p>
           <a:p>
             <a:pPr lvl="3"/>
             <a:r>
-              <a:rPr lang="en-US" smtClean="0"/>
+              <a:rPr lang="en-US"/>
               <a:t>Fourth level</a:t>
             </a:r>
           </a:p>
           <a:p>
             <a:pPr lvl="4"/>
             <a:r>
-              <a:rPr lang="en-US" smtClean="0"/>
+              <a:rPr lang="en-US"/>
               <a:t>Fifth level</a:t>
             </a:r>
             <a:endParaRPr lang="en-US" dirty="0"/>
@@ -4888,8 +4736,8 @@
         </p:nvSpPr>
         <p:spPr>
           <a:xfrm>
-            <a:off x="1113524" y="2971800"/>
-            <a:ext cx="2662534" cy="1828800"/>
+            <a:off x="1484312" y="2971800"/>
+            <a:ext cx="3549121" cy="1828800"/>
           </a:xfrm>
         </p:spPr>
         <p:txBody>
@@ -4937,8 +4785,8 @@
           <a:p>
             <a:pPr lvl="0"/>
             <a:r>
-              <a:rPr lang="en-US" smtClean="0"/>
-              <a:t>Click to edit Master text styles</a:t>
+              <a:rPr lang="en-US"/>
+              <a:t>Edit Master text styles</a:t>
             </a:r>
           </a:p>
         </p:txBody>
@@ -5011,7 +4859,7 @@
     </p:spTree>
     <p:extLst>
       <p:ext uri="{BB962C8B-B14F-4D97-AF65-F5344CB8AC3E}">
-        <p14:creationId xmlns:p14="http://schemas.microsoft.com/office/powerpoint/2010/main" val="3709871401"/>
+        <p14:creationId xmlns:p14="http://schemas.microsoft.com/office/powerpoint/2010/main" val="1605710506"/>
       </p:ext>
     </p:extLst>
   </p:cSld>
@@ -5050,8 +4898,8 @@
         </p:nvSpPr>
         <p:spPr>
           <a:xfrm>
-            <a:off x="1112332" y="1752599"/>
-            <a:ext cx="4070679" cy="1371600"/>
+            <a:off x="1482724" y="1752599"/>
+            <a:ext cx="5426158" cy="1371600"/>
           </a:xfrm>
         </p:spPr>
         <p:txBody>
@@ -5065,7 +4913,7 @@
           </a:lstStyle>
           <a:p>
             <a:r>
-              <a:rPr lang="en-US" smtClean="0"/>
+              <a:rPr lang="en-US"/>
               <a:t>Click to edit Master title style</a:t>
             </a:r>
             <a:endParaRPr lang="en-US" dirty="0"/>
@@ -5084,8 +4932,8 @@
         </p:nvSpPr>
         <p:spPr>
           <a:xfrm>
-            <a:off x="5697495" y="914400"/>
-            <a:ext cx="2461371" cy="4572000"/>
+            <a:off x="7594682" y="914400"/>
+            <a:ext cx="3280974" cy="4572000"/>
           </a:xfrm>
           <a:prstGeom prst="roundRect">
             <a:avLst>
@@ -5160,7 +5008,7 @@
           </a:lstStyle>
           <a:p>
             <a:r>
-              <a:rPr lang="en-US" smtClean="0"/>
+              <a:rPr lang="en-US"/>
               <a:t>Click icon to add picture</a:t>
             </a:r>
             <a:endParaRPr lang="en-US" dirty="0"/>
@@ -5179,8 +5027,8 @@
         </p:nvSpPr>
         <p:spPr>
           <a:xfrm>
-            <a:off x="1112332" y="3124199"/>
-            <a:ext cx="4070679" cy="1828800"/>
+            <a:off x="1482724" y="3124199"/>
+            <a:ext cx="5426158" cy="1828800"/>
           </a:xfrm>
         </p:spPr>
         <p:txBody>
@@ -5228,8 +5076,8 @@
           <a:p>
             <a:pPr lvl="0"/>
             <a:r>
-              <a:rPr lang="en-US" smtClean="0"/>
-              <a:t>Click to edit Master text styles</a:t>
+              <a:rPr lang="en-US"/>
+              <a:t>Edit Master text styles</a:t>
             </a:r>
           </a:p>
         </p:txBody>
@@ -5302,7 +5150,7 @@
     </p:spTree>
     <p:extLst>
       <p:ext uri="{BB962C8B-B14F-4D97-AF65-F5344CB8AC3E}">
-        <p14:creationId xmlns:p14="http://schemas.microsoft.com/office/powerpoint/2010/main" val="3758982299"/>
+        <p14:creationId xmlns:p14="http://schemas.microsoft.com/office/powerpoint/2010/main" val="4225347515"/>
       </p:ext>
     </p:extLst>
   </p:cSld>
@@ -5336,28 +5184,28 @@
       </p:grpSpPr>
       <p:grpSp>
         <p:nvGrpSpPr>
-          <p:cNvPr id="14" name="Group 13"/>
+          <p:cNvPr id="7" name="Group 6"/>
           <p:cNvGrpSpPr/>
           <p:nvPr/>
         </p:nvGrpSpPr>
         <p:grpSpPr>
           <a:xfrm>
-            <a:off x="0" y="0"/>
-            <a:ext cx="2132013" cy="6858001"/>
-            <a:chOff x="0" y="0"/>
-            <a:chExt cx="2132013" cy="6858001"/>
+            <a:off x="150812" y="0"/>
+            <a:ext cx="2436813" cy="6858001"/>
+            <a:chOff x="1320800" y="0"/>
+            <a:chExt cx="2436813" cy="6858001"/>
           </a:xfrm>
         </p:grpSpPr>
         <p:sp>
           <p:nvSpPr>
-            <p:cNvPr id="15" name="Freeform 6"/>
+            <p:cNvPr id="8" name="Freeform 6"/>
             <p:cNvSpPr/>
             <p:nvPr/>
           </p:nvSpPr>
           <p:spPr bwMode="auto">
             <a:xfrm>
-              <a:off x="0" y="0"/>
-              <a:ext cx="1073150" cy="5291138"/>
+              <a:off x="1627188" y="0"/>
+              <a:ext cx="1122363" cy="5329238"/>
             </a:xfrm>
             <a:custGeom>
               <a:avLst/>
@@ -5366,24 +5214,21 @@
               <a:cxnLst/>
               <a:rect l="0" t="0" r="r" b="b"/>
               <a:pathLst>
-                <a:path w="676" h="3333">
+                <a:path w="707" h="3357">
                   <a:moveTo>
-                    <a:pt x="0" y="3132"/>
+                    <a:pt x="0" y="3330"/>
                   </a:moveTo>
                   <a:lnTo>
-                    <a:pt x="0" y="3312"/>
+                    <a:pt x="156" y="3357"/>
                   </a:lnTo>
                   <a:lnTo>
-                    <a:pt x="126" y="3333"/>
+                    <a:pt x="707" y="0"/>
                   </a:lnTo>
                   <a:lnTo>
-                    <a:pt x="676" y="0"/>
+                    <a:pt x="547" y="0"/>
                   </a:lnTo>
                   <a:lnTo>
-                    <a:pt x="514" y="0"/>
-                  </a:lnTo>
-                  <a:lnTo>
-                    <a:pt x="0" y="3132"/>
+                    <a:pt x="0" y="3330"/>
                   </a:lnTo>
                   <a:close/>
                 </a:path>
@@ -5399,14 +5244,14 @@
         </p:sp>
         <p:sp>
           <p:nvSpPr>
-            <p:cNvPr id="16" name="Freeform 7"/>
+            <p:cNvPr id="9" name="Freeform 7"/>
             <p:cNvSpPr/>
             <p:nvPr/>
           </p:nvSpPr>
           <p:spPr bwMode="auto">
             <a:xfrm>
-              <a:off x="0" y="0"/>
-              <a:ext cx="758825" cy="4624388"/>
+              <a:off x="1320800" y="0"/>
+              <a:ext cx="1117600" cy="5276850"/>
             </a:xfrm>
             <a:custGeom>
               <a:avLst/>
@@ -5415,21 +5260,21 @@
               <a:cxnLst/>
               <a:rect l="0" t="0" r="r" b="b"/>
               <a:pathLst>
-                <a:path w="478" h="2913">
+                <a:path w="704" h="3324">
                   <a:moveTo>
-                    <a:pt x="478" y="0"/>
+                    <a:pt x="704" y="0"/>
                   </a:moveTo>
                   <a:lnTo>
-                    <a:pt x="318" y="0"/>
+                    <a:pt x="545" y="0"/>
                   </a:lnTo>
                   <a:lnTo>
-                    <a:pt x="0" y="1938"/>
+                    <a:pt x="0" y="3300"/>
                   </a:lnTo>
                   <a:lnTo>
-                    <a:pt x="0" y="2913"/>
+                    <a:pt x="157" y="3324"/>
                   </a:lnTo>
                   <a:lnTo>
-                    <a:pt x="478" y="0"/>
+                    <a:pt x="704" y="0"/>
                   </a:lnTo>
                   <a:close/>
                 </a:path>
@@ -5448,14 +5293,14 @@
         </p:sp>
         <p:sp>
           <p:nvSpPr>
-            <p:cNvPr id="17" name="Freeform 8"/>
+            <p:cNvPr id="10" name="Freeform 8"/>
             <p:cNvSpPr/>
             <p:nvPr/>
           </p:nvSpPr>
           <p:spPr bwMode="auto">
             <a:xfrm>
-              <a:off x="0" y="5662613"/>
-              <a:ext cx="906463" cy="1195388"/>
+              <a:off x="1320800" y="5238750"/>
+              <a:ext cx="1228725" cy="1619250"/>
             </a:xfrm>
             <a:custGeom>
               <a:avLst/>
@@ -5464,18 +5309,15 @@
               <a:cxnLst/>
               <a:rect l="0" t="0" r="r" b="b"/>
               <a:pathLst>
-                <a:path w="571" h="753">
+                <a:path w="774" h="1020">
                   <a:moveTo>
                     <a:pt x="0" y="0"/>
                   </a:moveTo>
                   <a:lnTo>
-                    <a:pt x="0" y="12"/>
+                    <a:pt x="740" y="1020"/>
                   </a:lnTo>
                   <a:lnTo>
-                    <a:pt x="538" y="753"/>
-                  </a:lnTo>
-                  <a:lnTo>
-                    <a:pt x="571" y="753"/>
+                    <a:pt x="774" y="1020"/>
                   </a:lnTo>
                   <a:lnTo>
                     <a:pt x="0" y="0"/>
@@ -5497,14 +5339,14 @@
         </p:sp>
         <p:sp>
           <p:nvSpPr>
-            <p:cNvPr id="18" name="Freeform 9"/>
+            <p:cNvPr id="11" name="Freeform 9"/>
             <p:cNvSpPr/>
             <p:nvPr/>
           </p:nvSpPr>
           <p:spPr bwMode="auto">
             <a:xfrm>
-              <a:off x="0" y="5295900"/>
-              <a:ext cx="1487488" cy="1562100"/>
+              <a:off x="1627188" y="5291138"/>
+              <a:ext cx="1495425" cy="1566863"/>
             </a:xfrm>
             <a:custGeom>
               <a:avLst/>
@@ -5513,18 +5355,15 @@
               <a:cxnLst/>
               <a:rect l="0" t="0" r="r" b="b"/>
               <a:pathLst>
-                <a:path w="937" h="984">
+                <a:path w="942" h="987">
                   <a:moveTo>
                     <a:pt x="0" y="0"/>
                   </a:moveTo>
                   <a:lnTo>
-                    <a:pt x="0" y="3"/>
+                    <a:pt x="909" y="987"/>
                   </a:lnTo>
                   <a:lnTo>
-                    <a:pt x="901" y="984"/>
-                  </a:lnTo>
-                  <a:lnTo>
-                    <a:pt x="937" y="984"/>
+                    <a:pt x="942" y="987"/>
                   </a:lnTo>
                   <a:lnTo>
                     <a:pt x="0" y="0"/>
@@ -5545,14 +5384,14 @@
         </p:sp>
         <p:sp>
           <p:nvSpPr>
-            <p:cNvPr id="19" name="Freeform 10"/>
+            <p:cNvPr id="12" name="Freeform 10"/>
             <p:cNvSpPr/>
             <p:nvPr/>
           </p:nvSpPr>
           <p:spPr bwMode="auto">
             <a:xfrm>
-              <a:off x="0" y="5257800"/>
-              <a:ext cx="2132013" cy="1600200"/>
+              <a:off x="1627188" y="5286375"/>
+              <a:ext cx="2130425" cy="1571625"/>
             </a:xfrm>
             <a:custGeom>
               <a:avLst/>
@@ -5561,24 +5400,24 @@
               <a:cxnLst/>
               <a:rect l="0" t="0" r="r" b="b"/>
               <a:pathLst>
-                <a:path w="1343" h="1008">
+                <a:path w="1342" h="990">
                   <a:moveTo>
-                    <a:pt x="0" y="24"/>
+                    <a:pt x="0" y="3"/>
                   </a:moveTo>
                   <a:lnTo>
-                    <a:pt x="937" y="1008"/>
+                    <a:pt x="942" y="990"/>
                   </a:lnTo>
                   <a:lnTo>
-                    <a:pt x="1343" y="1008"/>
+                    <a:pt x="1342" y="990"/>
                   </a:lnTo>
                   <a:lnTo>
-                    <a:pt x="126" y="21"/>
+                    <a:pt x="156" y="27"/>
                   </a:lnTo>
                   <a:lnTo>
                     <a:pt x="0" y="0"/>
                   </a:lnTo>
                   <a:lnTo>
-                    <a:pt x="0" y="24"/>
+                    <a:pt x="0" y="3"/>
                   </a:lnTo>
                   <a:close/>
                 </a:path>
@@ -5596,14 +5435,14 @@
         </p:sp>
         <p:sp>
           <p:nvSpPr>
-            <p:cNvPr id="20" name="Freeform 11"/>
+            <p:cNvPr id="13" name="Freeform 11"/>
             <p:cNvSpPr/>
             <p:nvPr/>
           </p:nvSpPr>
           <p:spPr bwMode="auto">
             <a:xfrm>
-              <a:off x="0" y="5357813"/>
-              <a:ext cx="1377950" cy="1500188"/>
+              <a:off x="1320800" y="5238750"/>
+              <a:ext cx="1695450" cy="1619250"/>
             </a:xfrm>
             <a:custGeom>
               <a:avLst/>
@@ -5612,21 +5451,36 @@
               <a:cxnLst/>
               <a:rect l="0" t="0" r="r" b="b"/>
               <a:pathLst>
-                <a:path w="868" h="945">
+                <a:path w="1068" h="1020">
                   <a:moveTo>
-                    <a:pt x="0" y="192"/>
+                    <a:pt x="1068" y="1020"/>
                   </a:moveTo>
                   <a:lnTo>
-                    <a:pt x="571" y="945"/>
+                    <a:pt x="184" y="60"/>
                   </a:lnTo>
                   <a:lnTo>
-                    <a:pt x="868" y="945"/>
+                    <a:pt x="154" y="27"/>
+                  </a:lnTo>
+                  <a:lnTo>
+                    <a:pt x="157" y="27"/>
+                  </a:lnTo>
+                  <a:lnTo>
+                    <a:pt x="157" y="24"/>
+                  </a:lnTo>
+                  <a:lnTo>
+                    <a:pt x="154" y="24"/>
                   </a:lnTo>
                   <a:lnTo>
                     <a:pt x="0" y="0"/>
                   </a:lnTo>
                   <a:lnTo>
-                    <a:pt x="0" y="192"/>
+                    <a:pt x="0" y="0"/>
+                  </a:lnTo>
+                  <a:lnTo>
+                    <a:pt x="774" y="1020"/>
+                  </a:lnTo>
+                  <a:lnTo>
+                    <a:pt x="1068" y="1020"/>
                   </a:lnTo>
                   <a:close/>
                 </a:path>
@@ -5656,8 +5510,8 @@
         </p:nvSpPr>
         <p:spPr>
           <a:xfrm>
-            <a:off x="982133" y="457201"/>
-            <a:ext cx="7704667" cy="1981200"/>
+            <a:off x="1484311" y="685800"/>
+            <a:ext cx="10018713" cy="1752599"/>
           </a:xfrm>
           <a:prstGeom prst="rect">
             <a:avLst/>
@@ -5671,7 +5525,7 @@
           <a:lstStyle/>
           <a:p>
             <a:r>
-              <a:rPr lang="en-US" smtClean="0"/>
+              <a:rPr lang="en-US"/>
               <a:t>Click to edit Master title style</a:t>
             </a:r>
             <a:endParaRPr lang="en-US" dirty="0"/>
@@ -5690,8 +5544,8 @@
         </p:nvSpPr>
         <p:spPr>
           <a:xfrm>
-            <a:off x="982134" y="2667000"/>
-            <a:ext cx="7704666" cy="3356995"/>
+            <a:off x="1484310" y="2666999"/>
+            <a:ext cx="10018713" cy="3124201"/>
           </a:xfrm>
           <a:prstGeom prst="rect">
             <a:avLst/>
@@ -5705,35 +5559,35 @@
           <a:p>
             <a:pPr lvl="0"/>
             <a:r>
-              <a:rPr lang="en-US" smtClean="0"/>
-              <a:t>Click to edit Master text styles</a:t>
+              <a:rPr lang="en-US"/>
+              <a:t>Edit Master text styles</a:t>
             </a:r>
           </a:p>
           <a:p>
             <a:pPr lvl="1"/>
             <a:r>
-              <a:rPr lang="en-US" smtClean="0"/>
+              <a:rPr lang="en-US"/>
               <a:t>Second level</a:t>
             </a:r>
           </a:p>
           <a:p>
             <a:pPr lvl="2"/>
             <a:r>
-              <a:rPr lang="en-US" smtClean="0"/>
+              <a:rPr lang="en-US"/>
               <a:t>Third level</a:t>
             </a:r>
           </a:p>
           <a:p>
             <a:pPr lvl="3"/>
             <a:r>
-              <a:rPr lang="en-US" smtClean="0"/>
+              <a:rPr lang="en-US"/>
               <a:t>Fourth level</a:t>
             </a:r>
           </a:p>
           <a:p>
             <a:pPr lvl="4"/>
             <a:r>
-              <a:rPr lang="en-US" smtClean="0"/>
+              <a:rPr lang="en-US"/>
               <a:t>Fifth level</a:t>
             </a:r>
             <a:endParaRPr lang="en-US" dirty="0"/>
@@ -5752,8 +5606,8 @@
         </p:nvSpPr>
         <p:spPr>
           <a:xfrm>
-            <a:off x="7358679" y="6116070"/>
-            <a:ext cx="857473" cy="365125"/>
+            <a:off x="9732656" y="5883275"/>
+            <a:ext cx="1143000" cy="365125"/>
           </a:xfrm>
           <a:prstGeom prst="rect">
             <a:avLst/>
@@ -5793,8 +5647,8 @@
         </p:nvSpPr>
         <p:spPr>
           <a:xfrm>
-            <a:off x="1986997" y="6116070"/>
-            <a:ext cx="5314517" cy="365125"/>
+            <a:off x="2572279" y="5883275"/>
+            <a:ext cx="7084177" cy="365125"/>
           </a:xfrm>
           <a:prstGeom prst="rect">
             <a:avLst/>
@@ -5830,8 +5684,8 @@
         </p:nvSpPr>
         <p:spPr>
           <a:xfrm>
-            <a:off x="8273317" y="6116070"/>
-            <a:ext cx="413483" cy="365125"/>
+            <a:off x="10951856" y="5883275"/>
+            <a:ext cx="551167" cy="365125"/>
           </a:xfrm>
           <a:prstGeom prst="rect">
             <a:avLst/>
@@ -5862,29 +5716,29 @@
     </p:spTree>
     <p:extLst>
       <p:ext uri="{BB962C8B-B14F-4D97-AF65-F5344CB8AC3E}">
-        <p14:creationId xmlns:p14="http://schemas.microsoft.com/office/powerpoint/2010/main" val="1379162919"/>
+        <p14:creationId xmlns:p14="http://schemas.microsoft.com/office/powerpoint/2010/main" val="3861277457"/>
       </p:ext>
     </p:extLst>
   </p:cSld>
   <p:clrMap bg1="lt1" tx1="dk1" bg2="lt2" tx2="dk2" accent1="accent1" accent2="accent2" accent3="accent3" accent4="accent4" accent5="accent5" accent6="accent6" hlink="hlink" folHlink="folHlink"/>
   <p:sldLayoutIdLst>
-    <p:sldLayoutId id="2147483763" r:id="rId1"/>
-    <p:sldLayoutId id="2147483764" r:id="rId2"/>
-    <p:sldLayoutId id="2147483765" r:id="rId3"/>
-    <p:sldLayoutId id="2147483766" r:id="rId4"/>
-    <p:sldLayoutId id="2147483767" r:id="rId5"/>
-    <p:sldLayoutId id="2147483768" r:id="rId6"/>
-    <p:sldLayoutId id="2147483769" r:id="rId7"/>
-    <p:sldLayoutId id="2147483770" r:id="rId8"/>
-    <p:sldLayoutId id="2147483771" r:id="rId9"/>
-    <p:sldLayoutId id="2147483772" r:id="rId10"/>
-    <p:sldLayoutId id="2147483773" r:id="rId11"/>
-    <p:sldLayoutId id="2147483774" r:id="rId12"/>
-    <p:sldLayoutId id="2147483775" r:id="rId13"/>
-    <p:sldLayoutId id="2147483776" r:id="rId14"/>
-    <p:sldLayoutId id="2147483777" r:id="rId15"/>
-    <p:sldLayoutId id="2147483778" r:id="rId16"/>
-    <p:sldLayoutId id="2147483779" r:id="rId17"/>
+    <p:sldLayoutId id="2147483781" r:id="rId1"/>
+    <p:sldLayoutId id="2147483782" r:id="rId2"/>
+    <p:sldLayoutId id="2147483783" r:id="rId3"/>
+    <p:sldLayoutId id="2147483784" r:id="rId4"/>
+    <p:sldLayoutId id="2147483785" r:id="rId5"/>
+    <p:sldLayoutId id="2147483786" r:id="rId6"/>
+    <p:sldLayoutId id="2147483787" r:id="rId7"/>
+    <p:sldLayoutId id="2147483788" r:id="rId8"/>
+    <p:sldLayoutId id="2147483789" r:id="rId9"/>
+    <p:sldLayoutId id="2147483790" r:id="rId10"/>
+    <p:sldLayoutId id="2147483791" r:id="rId11"/>
+    <p:sldLayoutId id="2147483792" r:id="rId12"/>
+    <p:sldLayoutId id="2147483793" r:id="rId13"/>
+    <p:sldLayoutId id="2147483794" r:id="rId14"/>
+    <p:sldLayoutId id="2147483795" r:id="rId15"/>
+    <p:sldLayoutId id="2147483796" r:id="rId16"/>
+    <p:sldLayoutId id="2147483797" r:id="rId17"/>
   </p:sldLayoutIdLst>
   <p:txStyles>
     <p:titleStyle>
@@ -6322,16 +6176,11 @@
           <a:lstStyle/>
           <a:p>
             <a:r>
-              <a:rPr lang="en-US" dirty="0" smtClean="0">
-                <a:latin typeface="Times New Roman"/>
+              <a:rPr lang="en-US" dirty="0">
                 <a:cs typeface="Times New Roman"/>
               </a:rPr>
               <a:t>Cinema Booking System</a:t>
             </a:r>
-            <a:endParaRPr lang="en-US" dirty="0">
-              <a:latin typeface="Times New Roman"/>
-              <a:cs typeface="Times New Roman"/>
-            </a:endParaRPr>
           </a:p>
         </p:txBody>
       </p:sp>
@@ -6348,13 +6197,13 @@
         <p:spPr/>
         <p:txBody>
           <a:bodyPr>
-            <a:normAutofit fontScale="92500" lnSpcReduction="20000"/>
+            <a:normAutofit fontScale="85000" lnSpcReduction="20000"/>
           </a:bodyPr>
           <a:lstStyle/>
           <a:p>
             <a:r>
-              <a:rPr lang="en-US" dirty="0" smtClean="0">
-                <a:latin typeface="Times New Roman"/>
+              <a:rPr lang="en-US" dirty="0">
+                <a:latin typeface="+mj-lt"/>
                 <a:cs typeface="Times New Roman"/>
               </a:rPr>
               <a:t>Represented by:</a:t>
@@ -6362,40 +6211,40 @@
           </a:p>
           <a:p>
             <a:r>
-              <a:rPr lang="en-US" dirty="0" err="1" smtClean="0">
-                <a:latin typeface="Times New Roman"/>
+              <a:rPr lang="en-US" dirty="0" err="1">
+                <a:latin typeface="+mj-lt"/>
                 <a:cs typeface="Times New Roman"/>
               </a:rPr>
               <a:t>Ikhbayar</a:t>
             </a:r>
-            <a:endParaRPr lang="en-US" dirty="0" smtClean="0">
-              <a:latin typeface="Times New Roman"/>
+            <a:endParaRPr lang="en-US" dirty="0">
+              <a:latin typeface="+mj-lt"/>
               <a:cs typeface="Times New Roman"/>
             </a:endParaRPr>
           </a:p>
           <a:p>
             <a:r>
-              <a:rPr lang="en-US" dirty="0" err="1" smtClean="0">
-                <a:latin typeface="Times New Roman"/>
+              <a:rPr lang="en-US" dirty="0" err="1">
+                <a:latin typeface="+mj-lt"/>
                 <a:cs typeface="Times New Roman"/>
               </a:rPr>
               <a:t>Surenkhuu</a:t>
             </a:r>
-            <a:endParaRPr lang="en-US" dirty="0" smtClean="0">
-              <a:latin typeface="Times New Roman"/>
+            <a:endParaRPr lang="en-US" dirty="0">
+              <a:latin typeface="+mj-lt"/>
               <a:cs typeface="Times New Roman"/>
             </a:endParaRPr>
           </a:p>
           <a:p>
             <a:r>
-              <a:rPr lang="en-US" dirty="0" err="1" smtClean="0">
-                <a:latin typeface="Times New Roman"/>
+              <a:rPr lang="en-US" dirty="0" err="1">
+                <a:latin typeface="+mj-lt"/>
                 <a:cs typeface="Times New Roman"/>
               </a:rPr>
               <a:t>Purevdorj</a:t>
             </a:r>
             <a:endParaRPr lang="en-US" dirty="0">
-              <a:latin typeface="Times New Roman"/>
+              <a:latin typeface="+mj-lt"/>
               <a:cs typeface="Times New Roman"/>
             </a:endParaRPr>
           </a:p>
@@ -6443,8 +6292,8 @@
         </p:nvSpPr>
         <p:spPr>
           <a:xfrm>
-            <a:off x="549275" y="107576"/>
-            <a:ext cx="8042276" cy="770818"/>
+            <a:off x="2073275" y="107576"/>
+            <a:ext cx="8042276" cy="776524"/>
           </a:xfrm>
         </p:spPr>
         <p:txBody>
@@ -6452,28 +6301,59 @@
           <a:lstStyle/>
           <a:p>
             <a:r>
-              <a:rPr lang="en-US" dirty="0" smtClean="0">
-                <a:latin typeface="Times New Roman"/>
+              <a:rPr lang="en-US" dirty="0">
                 <a:cs typeface="Times New Roman"/>
               </a:rPr>
-              <a:t>Factory design</a:t>
-            </a:r>
-            <a:endParaRPr lang="en-US" dirty="0">
-              <a:latin typeface="Times New Roman"/>
-              <a:cs typeface="Times New Roman"/>
-            </a:endParaRPr>
+              <a:t>Sequence diagram-2</a:t>
+            </a:r>
+          </a:p>
+        </p:txBody>
+      </p:sp>
+      <p:sp>
+        <p:nvSpPr>
+          <p:cNvPr id="3" name="Content Placeholder 2"/>
+          <p:cNvSpPr>
+            <a:spLocks noGrp="1"/>
+          </p:cNvSpPr>
+          <p:nvPr>
+            <p:ph idx="1"/>
+          </p:nvPr>
+        </p:nvSpPr>
+        <p:spPr>
+          <a:xfrm>
+            <a:off x="2073275" y="853081"/>
+            <a:ext cx="8042276" cy="491754"/>
+          </a:xfrm>
+        </p:spPr>
+        <p:txBody>
+          <a:bodyPr/>
+          <a:lstStyle/>
+          <a:p>
+            <a:r>
+              <a:rPr lang="en-US" dirty="0">
+                <a:latin typeface="+mj-lt"/>
+                <a:cs typeface="Times New Roman"/>
+              </a:rPr>
+              <a:t>Member books a movie for particular schedule.</a:t>
+            </a:r>
           </a:p>
         </p:txBody>
       </p:sp>
       <p:pic>
         <p:nvPicPr>
-          <p:cNvPr id="4" name="Picture 3" descr="Screen Shot 2018-09-12 at 3.04.59 PM.png"/>
+          <p:cNvPr id="6" name="Picture 5">
+            <a:extLst>
+              <a:ext uri="{FF2B5EF4-FFF2-40B4-BE49-F238E27FC236}">
+                <a16:creationId xmlns:a16="http://schemas.microsoft.com/office/drawing/2014/main" id="{68DB9385-3556-45CE-832B-57DA70FFFD72}"/>
+              </a:ext>
+            </a:extLst>
+          </p:cNvPr>
           <p:cNvPicPr>
             <a:picLocks noChangeAspect="1"/>
           </p:cNvPicPr>
           <p:nvPr/>
         </p:nvPicPr>
-        <p:blipFill>
+        <p:blipFill rotWithShape="1">
           <a:blip r:embed="rId2" cstate="email">
             <a:extLst>
               <a:ext uri="{28A0092B-C50C-407E-A947-70E740481C1C}">
@@ -6481,69 +6361,23 @@
               </a:ext>
             </a:extLst>
           </a:blip>
-          <a:stretch>
-            <a:fillRect/>
-          </a:stretch>
+          <a:srcRect b="8662"/>
+          <a:stretch/>
         </p:blipFill>
         <p:spPr>
           <a:xfrm>
-            <a:off x="0" y="1666351"/>
-            <a:ext cx="9144000" cy="4303836"/>
+            <a:off x="1408922" y="1221939"/>
+            <a:ext cx="10465837" cy="5636061"/>
           </a:xfrm>
           <a:prstGeom prst="rect">
             <a:avLst/>
           </a:prstGeom>
         </p:spPr>
       </p:pic>
-      <p:sp>
-        <p:nvSpPr>
-          <p:cNvPr id="5" name="TextBox 4"/>
-          <p:cNvSpPr txBox="1"/>
-          <p:nvPr/>
-        </p:nvSpPr>
-        <p:spPr>
-          <a:xfrm>
-            <a:off x="136965" y="835354"/>
-            <a:ext cx="8765789" cy="830997"/>
-          </a:xfrm>
-          <a:prstGeom prst="rect">
-            <a:avLst/>
-          </a:prstGeom>
-          <a:noFill/>
-        </p:spPr>
-        <p:txBody>
-          <a:bodyPr wrap="square" rtlCol="0">
-            <a:spAutoFit/>
-          </a:bodyPr>
-          <a:lstStyle/>
-          <a:p>
-            <a:r>
-              <a:rPr lang="en-US" sz="2400" dirty="0" smtClean="0">
-                <a:latin typeface="Times New Roman"/>
-                <a:cs typeface="Times New Roman"/>
-              </a:rPr>
-              <a:t>It creates an instance of movie, hall, and schedule classes </a:t>
-            </a:r>
-          </a:p>
-          <a:p>
-            <a:r>
-              <a:rPr lang="en-US" sz="2400" dirty="0" smtClean="0">
-                <a:latin typeface="Times New Roman"/>
-                <a:cs typeface="Times New Roman"/>
-              </a:rPr>
-              <a:t>which are package level classes.</a:t>
-            </a:r>
-            <a:endParaRPr lang="en-US" sz="2400" dirty="0">
-              <a:latin typeface="Times New Roman"/>
-              <a:cs typeface="Times New Roman"/>
-            </a:endParaRPr>
-          </a:p>
-        </p:txBody>
-      </p:sp>
     </p:spTree>
     <p:extLst>
       <p:ext uri="{BB962C8B-B14F-4D97-AF65-F5344CB8AC3E}">
-        <p14:creationId xmlns:p14="http://schemas.microsoft.com/office/powerpoint/2010/main" val="1906443883"/>
+        <p14:creationId xmlns:p14="http://schemas.microsoft.com/office/powerpoint/2010/main" val="883199360"/>
       </p:ext>
     </p:extLst>
   </p:cSld>
@@ -6582,25 +6416,246 @@
         </p:nvSpPr>
         <p:spPr>
           <a:xfrm>
-            <a:off x="549275" y="2448572"/>
+            <a:off x="2073275" y="107576"/>
+            <a:ext cx="8042276" cy="776524"/>
+          </a:xfrm>
+        </p:spPr>
+        <p:txBody>
+          <a:bodyPr>
+            <a:normAutofit/>
+          </a:bodyPr>
+          <a:lstStyle/>
+          <a:p>
+            <a:r>
+              <a:rPr lang="en-US" dirty="0"/>
+              <a:t>Entity Relationship Diagram</a:t>
+            </a:r>
+          </a:p>
+        </p:txBody>
+      </p:sp>
+      <p:pic>
+        <p:nvPicPr>
+          <p:cNvPr id="8" name="Content Placeholder 7">
+            <a:extLst>
+              <a:ext uri="{FF2B5EF4-FFF2-40B4-BE49-F238E27FC236}">
+                <a16:creationId xmlns:a16="http://schemas.microsoft.com/office/drawing/2014/main" id="{4F32AEC3-D31B-4EDA-996F-6F6B392213D8}"/>
+              </a:ext>
+            </a:extLst>
+          </p:cNvPr>
+          <p:cNvPicPr>
+            <a:picLocks noGrp="1" noChangeAspect="1"/>
+          </p:cNvPicPr>
+          <p:nvPr>
+            <p:ph idx="1"/>
+          </p:nvPr>
+        </p:nvPicPr>
+        <p:blipFill>
+          <a:blip r:embed="rId2">
+            <a:extLst>
+              <a:ext uri="{28A0092B-C50C-407E-A947-70E740481C1C}">
+                <a14:useLocalDpi xmlns:a14="http://schemas.microsoft.com/office/drawing/2010/main" val="0"/>
+              </a:ext>
+            </a:extLst>
+          </a:blip>
+          <a:stretch>
+            <a:fillRect/>
+          </a:stretch>
+        </p:blipFill>
+        <p:spPr>
+          <a:xfrm>
+            <a:off x="2295331" y="940619"/>
+            <a:ext cx="7660432" cy="6000276"/>
+          </a:xfrm>
+        </p:spPr>
+      </p:pic>
+    </p:spTree>
+    <p:extLst>
+      <p:ext uri="{BB962C8B-B14F-4D97-AF65-F5344CB8AC3E}">
+        <p14:creationId xmlns:p14="http://schemas.microsoft.com/office/powerpoint/2010/main" val="3771373814"/>
+      </p:ext>
+    </p:extLst>
+  </p:cSld>
+  <p:clrMapOvr>
+    <a:masterClrMapping/>
+  </p:clrMapOvr>
+</p:sld>
+</file>
+
+<file path=ppt/slides/slide12.xml><?xml version="1.0" encoding="utf-8"?>
+<p:sld xmlns:a="http://schemas.openxmlformats.org/drawingml/2006/main" xmlns:r="http://schemas.openxmlformats.org/officeDocument/2006/relationships" xmlns:p="http://schemas.openxmlformats.org/presentationml/2006/main">
+  <p:cSld>
+    <p:spTree>
+      <p:nvGrpSpPr>
+        <p:cNvPr id="1" name=""/>
+        <p:cNvGrpSpPr/>
+        <p:nvPr/>
+      </p:nvGrpSpPr>
+      <p:grpSpPr>
+        <a:xfrm>
+          <a:off x="0" y="0"/>
+          <a:ext cx="0" cy="0"/>
+          <a:chOff x="0" y="0"/>
+          <a:chExt cx="0" cy="0"/>
+        </a:xfrm>
+      </p:grpSpPr>
+      <p:sp>
+        <p:nvSpPr>
+          <p:cNvPr id="2" name="Title 1"/>
+          <p:cNvSpPr>
+            <a:spLocks noGrp="1"/>
+          </p:cNvSpPr>
+          <p:nvPr>
+            <p:ph type="title"/>
+          </p:nvPr>
+        </p:nvSpPr>
+        <p:spPr>
+          <a:xfrm>
+            <a:off x="2073275" y="107576"/>
+            <a:ext cx="8042276" cy="770818"/>
+          </a:xfrm>
+        </p:spPr>
+        <p:txBody>
+          <a:bodyPr/>
+          <a:lstStyle/>
+          <a:p>
+            <a:r>
+              <a:rPr lang="en-US" dirty="0">
+                <a:cs typeface="Times New Roman"/>
+              </a:rPr>
+              <a:t>Factory design</a:t>
+            </a:r>
+          </a:p>
+        </p:txBody>
+      </p:sp>
+      <p:pic>
+        <p:nvPicPr>
+          <p:cNvPr id="4" name="Picture 3" descr="Screen Shot 2018-09-12 at 3.04.59 PM.png"/>
+          <p:cNvPicPr>
+            <a:picLocks noChangeAspect="1"/>
+          </p:cNvPicPr>
+          <p:nvPr/>
+        </p:nvPicPr>
+        <p:blipFill>
+          <a:blip r:embed="rId2" cstate="email">
+            <a:extLst>
+              <a:ext uri="{28A0092B-C50C-407E-A947-70E740481C1C}">
+                <a14:useLocalDpi xmlns:a14="http://schemas.microsoft.com/office/drawing/2010/main" val="0"/>
+              </a:ext>
+            </a:extLst>
+          </a:blip>
+          <a:stretch>
+            <a:fillRect/>
+          </a:stretch>
+        </p:blipFill>
+        <p:spPr>
+          <a:xfrm>
+            <a:off x="1524000" y="1666351"/>
+            <a:ext cx="9144000" cy="4303836"/>
+          </a:xfrm>
+          <a:prstGeom prst="rect">
+            <a:avLst/>
+          </a:prstGeom>
+        </p:spPr>
+      </p:pic>
+      <p:sp>
+        <p:nvSpPr>
+          <p:cNvPr id="5" name="TextBox 4"/>
+          <p:cNvSpPr txBox="1"/>
+          <p:nvPr/>
+        </p:nvSpPr>
+        <p:spPr>
+          <a:xfrm>
+            <a:off x="1660966" y="835355"/>
+            <a:ext cx="8765789" cy="830997"/>
+          </a:xfrm>
+          <a:prstGeom prst="rect">
+            <a:avLst/>
+          </a:prstGeom>
+          <a:noFill/>
+        </p:spPr>
+        <p:txBody>
+          <a:bodyPr wrap="square" rtlCol="0">
+            <a:spAutoFit/>
+          </a:bodyPr>
+          <a:lstStyle/>
+          <a:p>
+            <a:r>
+              <a:rPr lang="en-US" sz="2400" dirty="0">
+                <a:latin typeface="+mj-lt"/>
+                <a:cs typeface="Times New Roman"/>
+              </a:rPr>
+              <a:t>It creates an instance of movie, hall, and schedule classes </a:t>
+            </a:r>
+          </a:p>
+          <a:p>
+            <a:r>
+              <a:rPr lang="en-US" sz="2400" dirty="0">
+                <a:latin typeface="+mj-lt"/>
+                <a:cs typeface="Times New Roman"/>
+              </a:rPr>
+              <a:t>which are package level classes.</a:t>
+            </a:r>
+          </a:p>
+        </p:txBody>
+      </p:sp>
+    </p:spTree>
+    <p:extLst>
+      <p:ext uri="{BB962C8B-B14F-4D97-AF65-F5344CB8AC3E}">
+        <p14:creationId xmlns:p14="http://schemas.microsoft.com/office/powerpoint/2010/main" val="1906443883"/>
+      </p:ext>
+    </p:extLst>
+  </p:cSld>
+  <p:clrMapOvr>
+    <a:masterClrMapping/>
+  </p:clrMapOvr>
+</p:sld>
+</file>
+
+<file path=ppt/slides/slide13.xml><?xml version="1.0" encoding="utf-8"?>
+<p:sld xmlns:a="http://schemas.openxmlformats.org/drawingml/2006/main" xmlns:r="http://schemas.openxmlformats.org/officeDocument/2006/relationships" xmlns:p="http://schemas.openxmlformats.org/presentationml/2006/main">
+  <p:cSld>
+    <p:spTree>
+      <p:nvGrpSpPr>
+        <p:cNvPr id="1" name=""/>
+        <p:cNvGrpSpPr/>
+        <p:nvPr/>
+      </p:nvGrpSpPr>
+      <p:grpSpPr>
+        <a:xfrm>
+          <a:off x="0" y="0"/>
+          <a:ext cx="0" cy="0"/>
+          <a:chOff x="0" y="0"/>
+          <a:chExt cx="0" cy="0"/>
+        </a:xfrm>
+      </p:grpSpPr>
+      <p:sp>
+        <p:nvSpPr>
+          <p:cNvPr id="2" name="Title 1"/>
+          <p:cNvSpPr>
+            <a:spLocks noGrp="1"/>
+          </p:cNvSpPr>
+          <p:nvPr>
+            <p:ph type="title"/>
+          </p:nvPr>
+        </p:nvSpPr>
+        <p:spPr>
+          <a:xfrm>
+            <a:off x="2073275" y="2448572"/>
             <a:ext cx="8042276" cy="1336956"/>
           </a:xfrm>
         </p:spPr>
         <p:txBody>
-          <a:bodyPr/>
+          <a:bodyPr>
+            <a:normAutofit/>
+          </a:bodyPr>
           <a:lstStyle/>
           <a:p>
             <a:r>
-              <a:rPr lang="en-US" dirty="0" smtClean="0">
-                <a:latin typeface="Times New Roman"/>
+              <a:rPr lang="en-US" sz="4400" dirty="0">
                 <a:cs typeface="Times New Roman"/>
               </a:rPr>
               <a:t>Thank you for attention!</a:t>
             </a:r>
-            <a:endParaRPr lang="en-US" dirty="0">
-              <a:latin typeface="Times New Roman"/>
-              <a:cs typeface="Times New Roman"/>
-            </a:endParaRPr>
           </a:p>
         </p:txBody>
       </p:sp>
@@ -6639,7 +6694,7 @@
           <p:cNvPr id="2" name="Title 1">
             <a:extLst>
               <a:ext uri="{FF2B5EF4-FFF2-40B4-BE49-F238E27FC236}">
-                <a16:creationId xmlns="" xmlns:a16="http://schemas.microsoft.com/office/drawing/2014/main" id="{5727EFE5-F011-4D93-98A9-9B1701022684}"/>
+                <a16:creationId xmlns:a16="http://schemas.microsoft.com/office/drawing/2014/main" id="{5727EFE5-F011-4D93-98A9-9B1701022684}"/>
               </a:ext>
             </a:extLst>
           </p:cNvPr>
@@ -6662,7 +6717,6 @@
                     <a:lumMod val="75000"/>
                   </a:schemeClr>
                 </a:solidFill>
-                <a:latin typeface="Times New Roman"/>
                 <a:cs typeface="Times New Roman"/>
               </a:rPr>
               <a:t>Overview</a:t>
@@ -6675,7 +6729,7 @@
           <p:cNvPr id="3" name="Content Placeholder 2">
             <a:extLst>
               <a:ext uri="{FF2B5EF4-FFF2-40B4-BE49-F238E27FC236}">
-                <a16:creationId xmlns="" xmlns:a16="http://schemas.microsoft.com/office/drawing/2014/main" id="{887FCBFC-D0FB-4957-999D-0C0D7AC0F296}"/>
+                <a16:creationId xmlns:a16="http://schemas.microsoft.com/office/drawing/2014/main" id="{887FCBFC-D0FB-4957-999D-0C0D7AC0F296}"/>
               </a:ext>
             </a:extLst>
           </p:cNvPr>
@@ -6701,7 +6755,7 @@
             </a:pPr>
             <a:r>
               <a:rPr lang="en-US" sz="2800" dirty="0">
-                <a:latin typeface="Times New Roman"/>
+                <a:latin typeface="+mj-lt"/>
                 <a:cs typeface="Times New Roman"/>
               </a:rPr>
               <a:t>Cinema booking system is responsible for getting clients booking movies on the internet. Since, it reduces the long line that occurs when people getting ticket in the movie theater. Also, it’s one of the ways that increases benefits of the movie theater.</a:t>
@@ -6744,7 +6798,7 @@
           <p:cNvPr id="2" name="Title 1">
             <a:extLst>
               <a:ext uri="{FF2B5EF4-FFF2-40B4-BE49-F238E27FC236}">
-                <a16:creationId xmlns="" xmlns:a16="http://schemas.microsoft.com/office/drawing/2014/main" id="{F24943BC-17B3-4D2F-A56E-2A90BABA858D}"/>
+                <a16:creationId xmlns:a16="http://schemas.microsoft.com/office/drawing/2014/main" id="{F24943BC-17B3-4D2F-A56E-2A90BABA858D}"/>
               </a:ext>
             </a:extLst>
           </p:cNvPr>
@@ -6767,7 +6821,6 @@
                     <a:lumMod val="75000"/>
                   </a:schemeClr>
                 </a:solidFill>
-                <a:latin typeface="Times New Roman"/>
                 <a:cs typeface="Times New Roman"/>
               </a:rPr>
               <a:t>Technologies</a:t>
@@ -6780,7 +6833,7 @@
           <p:cNvPr id="3" name="Content Placeholder 2">
             <a:extLst>
               <a:ext uri="{FF2B5EF4-FFF2-40B4-BE49-F238E27FC236}">
-                <a16:creationId xmlns="" xmlns:a16="http://schemas.microsoft.com/office/drawing/2014/main" id="{188D9606-4E93-48A6-ADA3-70EB36E31BA6}"/>
+                <a16:creationId xmlns:a16="http://schemas.microsoft.com/office/drawing/2014/main" id="{188D9606-4E93-48A6-ADA3-70EB36E31BA6}"/>
               </a:ext>
             </a:extLst>
           </p:cNvPr>
@@ -6797,37 +6850,26 @@
           <a:lstStyle/>
           <a:p>
             <a:r>
-              <a:rPr lang="en-US" dirty="0" smtClean="0">
-                <a:latin typeface="Times New Roman"/>
+              <a:rPr lang="en-US" dirty="0">
+                <a:latin typeface="+mj-lt"/>
                 <a:cs typeface="Times New Roman"/>
               </a:rPr>
               <a:t>Derby</a:t>
             </a:r>
-            <a:endParaRPr lang="en-US" dirty="0">
-              <a:latin typeface="Times New Roman"/>
-              <a:cs typeface="Times New Roman"/>
-            </a:endParaRPr>
-          </a:p>
-          <a:p>
-            <a:r>
-              <a:rPr lang="en-US" dirty="0" smtClean="0">
-                <a:latin typeface="Times New Roman"/>
+          </a:p>
+          <a:p>
+            <a:r>
+              <a:rPr lang="en-US" dirty="0">
+                <a:latin typeface="+mj-lt"/>
                 <a:cs typeface="Times New Roman"/>
               </a:rPr>
-              <a:t>Java </a:t>
-            </a:r>
+              <a:t>Java FX</a:t>
+            </a:r>
+          </a:p>
+          <a:p>
             <a:r>
               <a:rPr lang="en-US" dirty="0">
-                <a:latin typeface="Times New Roman"/>
-                <a:cs typeface="Times New Roman"/>
-              </a:rPr>
-              <a:t>FX</a:t>
-            </a:r>
-          </a:p>
-          <a:p>
-            <a:r>
-              <a:rPr lang="en-US" dirty="0" smtClean="0">
-                <a:latin typeface="Times New Roman"/>
+                <a:latin typeface="+mj-lt"/>
                 <a:cs typeface="Times New Roman"/>
               </a:rPr>
               <a:t>Star UML</a:t>
@@ -6835,20 +6877,20 @@
           </a:p>
           <a:p>
             <a:r>
-              <a:rPr lang="en-US" dirty="0" err="1" smtClean="0">
-                <a:latin typeface="Times New Roman"/>
+              <a:rPr lang="en-US" dirty="0" err="1">
+                <a:latin typeface="+mj-lt"/>
                 <a:cs typeface="Times New Roman"/>
               </a:rPr>
               <a:t>Git</a:t>
             </a:r>
             <a:endParaRPr lang="en-US" dirty="0">
-              <a:latin typeface="Times New Roman"/>
+              <a:latin typeface="+mj-lt"/>
               <a:cs typeface="Times New Roman"/>
             </a:endParaRPr>
           </a:p>
           <a:p>
             <a:endParaRPr lang="en-US" dirty="0">
-              <a:latin typeface="Times New Roman"/>
+              <a:latin typeface="+mj-lt"/>
               <a:cs typeface="Times New Roman"/>
             </a:endParaRPr>
           </a:p>
@@ -6889,7 +6931,7 @@
           <p:cNvPr id="2" name="Title 1">
             <a:extLst>
               <a:ext uri="{FF2B5EF4-FFF2-40B4-BE49-F238E27FC236}">
-                <a16:creationId xmlns="" xmlns:a16="http://schemas.microsoft.com/office/drawing/2014/main" id="{9003665A-363B-4566-9DAC-AB14A8FBB330}"/>
+                <a16:creationId xmlns:a16="http://schemas.microsoft.com/office/drawing/2014/main" id="{9003665A-363B-4566-9DAC-AB14A8FBB330}"/>
               </a:ext>
             </a:extLst>
           </p:cNvPr>
@@ -6902,7 +6944,7 @@
         </p:nvSpPr>
         <p:spPr>
           <a:xfrm>
-            <a:off x="549275" y="107576"/>
+            <a:off x="2073275" y="107577"/>
             <a:ext cx="8042276" cy="676907"/>
           </a:xfrm>
         </p:spPr>
@@ -6914,7 +6956,6 @@
           <a:p>
             <a:r>
               <a:rPr lang="en-US" dirty="0">
-                <a:latin typeface="Times New Roman"/>
                 <a:cs typeface="Times New Roman"/>
               </a:rPr>
               <a:t>Feature</a:t>
@@ -6927,7 +6968,7 @@
           <p:cNvPr id="5" name="Content Placeholder 4">
             <a:extLst>
               <a:ext uri="{FF2B5EF4-FFF2-40B4-BE49-F238E27FC236}">
-                <a16:creationId xmlns="" xmlns:a16="http://schemas.microsoft.com/office/drawing/2014/main" id="{8A722C56-1022-435F-8B59-016CE59C5FD8}"/>
+                <a16:creationId xmlns:a16="http://schemas.microsoft.com/office/drawing/2014/main" id="{8A722C56-1022-435F-8B59-016CE59C5FD8}"/>
               </a:ext>
             </a:extLst>
           </p:cNvPr>
@@ -6938,14 +6979,14 @@
             <p:ph idx="1"/>
             <p:extLst>
               <p:ext uri="{D42A27DB-BD31-4B8C-83A1-F6EECF244321}">
-                <p14:modId xmlns:p14="http://schemas.microsoft.com/office/powerpoint/2010/main" val="4246623367"/>
+                <p14:modId xmlns:p14="http://schemas.microsoft.com/office/powerpoint/2010/main" val="2391451608"/>
               </p:ext>
             </p:extLst>
           </p:nvPr>
         </p:nvGraphicFramePr>
         <p:xfrm>
-          <a:off x="106826" y="784483"/>
-          <a:ext cx="8842809" cy="5054600"/>
+          <a:off x="1630827" y="784483"/>
+          <a:ext cx="9350851" cy="5749481"/>
         </p:xfrm>
         <a:graphic>
           <a:graphicData uri="http://schemas.openxmlformats.org/drawingml/2006/table">
@@ -6954,29 +6995,29 @@
                 <a:tableStyleId>{69012ECD-51FC-41F1-AA8D-1B2483CD663E}</a:tableStyleId>
               </a:tblPr>
               <a:tblGrid>
-                <a:gridCol w="415434">
+                <a:gridCol w="439302">
                   <a:extLst>
                     <a:ext uri="{9D8B030D-6E8A-4147-A177-3AD203B41FA5}">
-                      <a16:colId xmlns="" xmlns:a16="http://schemas.microsoft.com/office/drawing/2014/main" val="1177503950"/>
+                      <a16:colId xmlns:a16="http://schemas.microsoft.com/office/drawing/2014/main" val="1177503950"/>
                     </a:ext>
                   </a:extLst>
                 </a:gridCol>
-                <a:gridCol w="2300929">
+                <a:gridCol w="2433123">
                   <a:extLst>
                     <a:ext uri="{9D8B030D-6E8A-4147-A177-3AD203B41FA5}">
-                      <a16:colId xmlns="" xmlns:a16="http://schemas.microsoft.com/office/drawing/2014/main" val="874060562"/>
+                      <a16:colId xmlns:a16="http://schemas.microsoft.com/office/drawing/2014/main" val="874060562"/>
                     </a:ext>
                   </a:extLst>
                 </a:gridCol>
-                <a:gridCol w="6126446">
+                <a:gridCol w="6478426">
                   <a:extLst>
                     <a:ext uri="{9D8B030D-6E8A-4147-A177-3AD203B41FA5}">
-                      <a16:colId xmlns="" xmlns:a16="http://schemas.microsoft.com/office/drawing/2014/main" val="3807225242"/>
+                      <a16:colId xmlns:a16="http://schemas.microsoft.com/office/drawing/2014/main" val="3807225242"/>
                     </a:ext>
                   </a:extLst>
                 </a:gridCol>
               </a:tblGrid>
-              <a:tr h="370840">
+              <a:tr h="392236">
                 <a:tc>
                   <a:txBody>
                     <a:bodyPr/>
@@ -6984,14 +7025,21 @@
                     <a:p>
                       <a:r>
                         <a:rPr lang="en-US" sz="1800" dirty="0">
-                          <a:latin typeface="Times New Roman"/>
+                          <a:solidFill>
+                            <a:sysClr val="windowText" lastClr="000000"/>
+                          </a:solidFill>
+                          <a:latin typeface="+mj-lt"/>
                           <a:cs typeface="Times New Roman"/>
                         </a:rPr>
                         <a:t>#</a:t>
                       </a:r>
                     </a:p>
                   </a:txBody>
-                  <a:tcPr marL="68580" marR="68580"/>
+                  <a:tcPr marL="68580" marR="68580">
+                    <a:solidFill>
+                      <a:schemeClr val="bg1"/>
+                    </a:solidFill>
+                  </a:tcPr>
                 </a:tc>
                 <a:tc>
                   <a:txBody>
@@ -7000,14 +7048,21 @@
                     <a:p>
                       <a:r>
                         <a:rPr lang="en-US" sz="1800" dirty="0">
-                          <a:latin typeface="Times New Roman"/>
+                          <a:solidFill>
+                            <a:sysClr val="windowText" lastClr="000000"/>
+                          </a:solidFill>
+                          <a:latin typeface="+mj-lt"/>
                           <a:cs typeface="Times New Roman"/>
                         </a:rPr>
                         <a:t>Class</a:t>
                       </a:r>
                     </a:p>
                   </a:txBody>
-                  <a:tcPr marL="68580" marR="68580"/>
+                  <a:tcPr marL="68580" marR="68580">
+                    <a:solidFill>
+                      <a:schemeClr val="bg1"/>
+                    </a:solidFill>
+                  </a:tcPr>
                 </a:tc>
                 <a:tc>
                   <a:txBody>
@@ -7016,41 +7071,48 @@
                     <a:p>
                       <a:r>
                         <a:rPr lang="en-US" sz="1800" dirty="0">
-                          <a:latin typeface="Times New Roman"/>
+                          <a:solidFill>
+                            <a:sysClr val="windowText" lastClr="000000"/>
+                          </a:solidFill>
+                          <a:latin typeface="+mj-lt"/>
                           <a:cs typeface="Times New Roman"/>
                         </a:rPr>
                         <a:t>Description</a:t>
                       </a:r>
                     </a:p>
                   </a:txBody>
-                  <a:tcPr marL="68580" marR="68580"/>
+                  <a:tcPr marL="68580" marR="68580">
+                    <a:solidFill>
+                      <a:schemeClr val="bg1"/>
+                    </a:solidFill>
+                  </a:tcPr>
                 </a:tc>
                 <a:extLst>
                   <a:ext uri="{0D108BD9-81ED-4DB2-BD59-A6C34878D82A}">
-                    <a16:rowId xmlns="" xmlns:a16="http://schemas.microsoft.com/office/drawing/2014/main" val="3084104159"/>
+                    <a16:rowId xmlns:a16="http://schemas.microsoft.com/office/drawing/2014/main" val="3084104159"/>
                   </a:ext>
                 </a:extLst>
               </a:tr>
-              <a:tr h="370840">
+              <a:tr h="677010">
                 <a:tc>
                   <a:txBody>
                     <a:bodyPr/>
                     <a:lstStyle/>
                     <a:p>
                       <a:r>
-                        <a:rPr lang="en-US" sz="1800" dirty="0" smtClean="0">
-                          <a:latin typeface="Times New Roman"/>
+                        <a:rPr lang="en-US" sz="1800" dirty="0">
+                          <a:latin typeface="+mj-lt"/>
                           <a:cs typeface="Times New Roman"/>
                         </a:rPr>
                         <a:t>1</a:t>
                       </a:r>
-                      <a:endParaRPr lang="en-US" sz="1800" dirty="0">
-                        <a:latin typeface="Times New Roman"/>
-                        <a:cs typeface="Times New Roman"/>
-                      </a:endParaRPr>
                     </a:p>
                   </a:txBody>
-                  <a:tcPr marL="68580" marR="68580"/>
+                  <a:tcPr marL="68580" marR="68580">
+                    <a:solidFill>
+                      <a:schemeClr val="bg1"/>
+                    </a:solidFill>
+                  </a:tcPr>
                 </a:tc>
                 <a:tc>
                   <a:txBody>
@@ -7058,19 +7120,19 @@
                     <a:lstStyle/>
                     <a:p>
                       <a:r>
-                        <a:rPr lang="en-US" sz="1800" dirty="0" smtClean="0">
-                          <a:latin typeface="Times New Roman"/>
+                        <a:rPr lang="en-US" sz="1800" dirty="0">
+                          <a:latin typeface="+mj-lt"/>
                           <a:cs typeface="Times New Roman"/>
                         </a:rPr>
                         <a:t>Person</a:t>
                       </a:r>
-                      <a:endParaRPr lang="en-US" sz="1800" dirty="0">
-                        <a:latin typeface="Times New Roman"/>
-                        <a:cs typeface="Times New Roman"/>
-                      </a:endParaRPr>
                     </a:p>
                   </a:txBody>
-                  <a:tcPr marL="68580" marR="68580"/>
+                  <a:tcPr marL="68580" marR="68580">
+                    <a:solidFill>
+                      <a:schemeClr val="bg1"/>
+                    </a:solidFill>
+                  </a:tcPr>
                 </a:tc>
                 <a:tc>
                   <a:txBody>
@@ -7078,43 +7140,52 @@
                     <a:lstStyle/>
                     <a:p>
                       <a:r>
-                        <a:rPr lang="en-US" sz="1800" dirty="0" smtClean="0">
-                          <a:latin typeface="Times New Roman"/>
+                        <a:rPr lang="en-US" sz="1800" dirty="0">
+                          <a:latin typeface="+mj-lt"/>
                           <a:cs typeface="Times New Roman"/>
                         </a:rPr>
                         <a:t>It implements from</a:t>
                       </a:r>
                       <a:r>
-                        <a:rPr lang="en-US" sz="1800" baseline="0" dirty="0" smtClean="0">
-                          <a:latin typeface="Times New Roman"/>
+                        <a:rPr lang="en-US" sz="1800" baseline="0" dirty="0">
+                          <a:latin typeface="+mj-lt"/>
                           <a:cs typeface="Times New Roman"/>
                         </a:rPr>
                         <a:t> “</a:t>
                       </a:r>
                       <a:r>
-                        <a:rPr lang="en-US" sz="1800" baseline="0" dirty="0" err="1" smtClean="0">
-                          <a:latin typeface="Times New Roman"/>
+                        <a:rPr lang="en-US" sz="1800" baseline="0" dirty="0" err="1">
+                          <a:latin typeface="+mj-lt"/>
                           <a:cs typeface="Times New Roman"/>
                         </a:rPr>
                         <a:t>iPerson</a:t>
                       </a:r>
                       <a:r>
-                        <a:rPr lang="en-US" sz="1800" baseline="0" dirty="0" smtClean="0">
-                          <a:latin typeface="Times New Roman"/>
+                        <a:rPr lang="en-US" sz="1800" baseline="0" dirty="0">
+                          <a:latin typeface="+mj-lt"/>
                           <a:cs typeface="Times New Roman"/>
                         </a:rPr>
                         <a:t>” interface and generates Member and Staff classes.</a:t>
                       </a:r>
                       <a:endParaRPr lang="en-US" sz="1800" dirty="0">
-                        <a:latin typeface="Times New Roman"/>
+                        <a:latin typeface="+mj-lt"/>
                         <a:cs typeface="Times New Roman"/>
                       </a:endParaRPr>
                     </a:p>
                   </a:txBody>
-                  <a:tcPr marL="68580" marR="68580"/>
+                  <a:tcPr marL="68580" marR="68580">
+                    <a:solidFill>
+                      <a:schemeClr val="bg1"/>
+                    </a:solidFill>
+                  </a:tcPr>
                 </a:tc>
+                <a:extLst>
+                  <a:ext uri="{0D108BD9-81ED-4DB2-BD59-A6C34878D82A}">
+                    <a16:rowId xmlns:a16="http://schemas.microsoft.com/office/drawing/2014/main" val="10001"/>
+                  </a:ext>
+                </a:extLst>
               </a:tr>
-              <a:tr h="370840">
+              <a:tr h="677010">
                 <a:tc>
                   <a:txBody>
                     <a:bodyPr/>
@@ -7122,14 +7193,18 @@
                     <a:p>
                       <a:r>
                         <a:rPr lang="en-US" sz="1800" dirty="0">
-                          <a:latin typeface="Times New Roman"/>
+                          <a:latin typeface="+mj-lt"/>
                           <a:cs typeface="Times New Roman"/>
                         </a:rPr>
                         <a:t>2</a:t>
                       </a:r>
                     </a:p>
                   </a:txBody>
-                  <a:tcPr marL="68580" marR="68580"/>
+                  <a:tcPr marL="68580" marR="68580">
+                    <a:solidFill>
+                      <a:schemeClr val="bg1"/>
+                    </a:solidFill>
+                  </a:tcPr>
                 </a:tc>
                 <a:tc>
                   <a:txBody>
@@ -7137,19 +7212,19 @@
                     <a:lstStyle/>
                     <a:p>
                       <a:r>
-                        <a:rPr lang="en-US" sz="1800" dirty="0" smtClean="0">
-                          <a:latin typeface="Times New Roman"/>
+                        <a:rPr lang="en-US" sz="1800" dirty="0">
+                          <a:latin typeface="+mj-lt"/>
                           <a:cs typeface="Times New Roman"/>
                         </a:rPr>
                         <a:t>Member</a:t>
                       </a:r>
-                      <a:endParaRPr lang="en-US" sz="1800" dirty="0">
-                        <a:latin typeface="Times New Roman"/>
-                        <a:cs typeface="Times New Roman"/>
-                      </a:endParaRPr>
                     </a:p>
                   </a:txBody>
-                  <a:tcPr marL="68580" marR="68580"/>
+                  <a:tcPr marL="68580" marR="68580">
+                    <a:solidFill>
+                      <a:schemeClr val="bg1"/>
+                    </a:solidFill>
+                  </a:tcPr>
                 </a:tc>
                 <a:tc>
                   <a:txBody>
@@ -7174,36 +7249,33 @@
                         <a:defRPr/>
                       </a:pPr>
                       <a:r>
-                        <a:rPr lang="en-US" sz="1800" dirty="0" smtClean="0">
-                          <a:latin typeface="Times New Roman"/>
+                        <a:rPr lang="en-US" sz="1800" dirty="0">
+                          <a:latin typeface="+mj-lt"/>
                           <a:cs typeface="Times New Roman"/>
                         </a:rPr>
-                        <a:t>Member </a:t>
-                      </a:r>
-                      <a:r>
-                        <a:rPr lang="en-US" sz="1800" dirty="0">
-                          <a:latin typeface="Times New Roman"/>
-                          <a:cs typeface="Times New Roman"/>
-                        </a:rPr>
-                        <a:t>is a person who booking movie in the system.</a:t>
+                        <a:t>Member is a person who booking movie in the system.</a:t>
                       </a:r>
                     </a:p>
                     <a:p>
                       <a:endParaRPr lang="en-US" sz="1800" dirty="0">
-                        <a:latin typeface="Times New Roman"/>
+                        <a:latin typeface="+mj-lt"/>
                         <a:cs typeface="Times New Roman"/>
                       </a:endParaRPr>
                     </a:p>
                   </a:txBody>
-                  <a:tcPr marL="68580" marR="68580"/>
+                  <a:tcPr marL="68580" marR="68580">
+                    <a:solidFill>
+                      <a:schemeClr val="bg1"/>
+                    </a:solidFill>
+                  </a:tcPr>
                 </a:tc>
                 <a:extLst>
                   <a:ext uri="{0D108BD9-81ED-4DB2-BD59-A6C34878D82A}">
-                    <a16:rowId xmlns="" xmlns:a16="http://schemas.microsoft.com/office/drawing/2014/main" val="3194189151"/>
+                    <a16:rowId xmlns:a16="http://schemas.microsoft.com/office/drawing/2014/main" val="3194189151"/>
                   </a:ext>
                 </a:extLst>
               </a:tr>
-              <a:tr h="370840">
+              <a:tr h="677010">
                 <a:tc>
                   <a:txBody>
                     <a:bodyPr/>
@@ -7211,89 +7283,18 @@
                     <a:p>
                       <a:r>
                         <a:rPr lang="en-US" sz="1800" dirty="0">
-                          <a:latin typeface="Times New Roman"/>
+                          <a:latin typeface="+mj-lt"/>
                           <a:cs typeface="Times New Roman"/>
                         </a:rPr>
                         <a:t>4</a:t>
                       </a:r>
                     </a:p>
                   </a:txBody>
-                  <a:tcPr marL="68580" marR="68580"/>
-                </a:tc>
-                <a:tc>
-                  <a:txBody>
-                    <a:bodyPr/>
-                    <a:lstStyle/>
-                    <a:p>
-                      <a:r>
-                        <a:rPr lang="en-US" sz="1800" dirty="0" smtClean="0">
-                          <a:latin typeface="Times New Roman"/>
-                          <a:cs typeface="Times New Roman"/>
-                        </a:rPr>
-                        <a:t>Staff</a:t>
-                      </a:r>
-                      <a:endParaRPr lang="en-US" sz="1800" dirty="0">
-                        <a:latin typeface="Times New Roman"/>
-                        <a:cs typeface="Times New Roman"/>
-                      </a:endParaRPr>
-                    </a:p>
-                  </a:txBody>
-                  <a:tcPr marL="68580" marR="68580"/>
-                </a:tc>
-                <a:tc>
-                  <a:txBody>
-                    <a:bodyPr/>
-                    <a:lstStyle/>
-                    <a:p>
-                      <a:r>
-                        <a:rPr lang="en-US" sz="1800" dirty="0" smtClean="0">
-                          <a:latin typeface="Times New Roman"/>
-                          <a:cs typeface="Times New Roman"/>
-                        </a:rPr>
-                        <a:t>Staff </a:t>
-                      </a:r>
-                      <a:r>
-                        <a:rPr lang="en-US" sz="1800" dirty="0">
-                          <a:latin typeface="Times New Roman"/>
-                          <a:cs typeface="Times New Roman"/>
-                        </a:rPr>
-                        <a:t>is a person who manages the movie, schedule, and </a:t>
-                      </a:r>
-                      <a:r>
-                        <a:rPr lang="en-US" sz="1800" dirty="0" smtClean="0">
-                          <a:latin typeface="Times New Roman"/>
-                          <a:cs typeface="Times New Roman"/>
-                        </a:rPr>
-                        <a:t>hall. </a:t>
-                      </a:r>
-                      <a:r>
-                        <a:rPr lang="en-US" sz="1800" dirty="0">
-                          <a:latin typeface="Times New Roman"/>
-                          <a:cs typeface="Times New Roman"/>
-                        </a:rPr>
-                        <a:t>For example, add, update, or delete movies.</a:t>
-                      </a:r>
-                    </a:p>
-                  </a:txBody>
-                  <a:tcPr marL="68580" marR="68580"/>
-                </a:tc>
-              </a:tr>
-              <a:tr h="370840">
-                <a:tc>
-                  <a:txBody>
-                    <a:bodyPr/>
-                    <a:lstStyle/>
-                    <a:p>
-                      <a:r>
-                        <a:rPr lang="en-US" sz="1800" dirty="0">
-                          <a:latin typeface="Times New Roman"/>
-                          <a:cs typeface="Times New Roman"/>
-                        </a:rPr>
-                        <a:t>2</a:t>
-                      </a:r>
-                    </a:p>
-                  </a:txBody>
-                  <a:tcPr marL="68580" marR="68580"/>
+                  <a:tcPr marL="68580" marR="68580">
+                    <a:solidFill>
+                      <a:schemeClr val="bg1"/>
+                    </a:solidFill>
+                  </a:tcPr>
                 </a:tc>
                 <a:tc>
                   <a:txBody>
@@ -7302,14 +7303,18 @@
                     <a:p>
                       <a:r>
                         <a:rPr lang="en-US" sz="1800" dirty="0">
-                          <a:latin typeface="Times New Roman"/>
+                          <a:latin typeface="+mj-lt"/>
                           <a:cs typeface="Times New Roman"/>
                         </a:rPr>
-                        <a:t>Movie</a:t>
+                        <a:t>Staff</a:t>
                       </a:r>
                     </a:p>
                   </a:txBody>
-                  <a:tcPr marL="68580" marR="68580"/>
+                  <a:tcPr marL="68580" marR="68580">
+                    <a:solidFill>
+                      <a:schemeClr val="bg1"/>
+                    </a:solidFill>
+                  </a:tcPr>
                 </a:tc>
                 <a:tc>
                   <a:txBody>
@@ -7318,61 +7323,26 @@
                     <a:p>
                       <a:r>
                         <a:rPr lang="en-US" sz="1800" dirty="0">
-                          <a:latin typeface="Times New Roman"/>
+                          <a:latin typeface="+mj-lt"/>
                           <a:cs typeface="Times New Roman"/>
                         </a:rPr>
-                        <a:t>It </a:t>
+                        <a:t>Staff is a person who manages the movie, schedule, and hall. For example, add, update, or delete movies.</a:t>
                       </a:r>
-                      <a:r>
-                        <a:rPr lang="en-US" sz="1800" dirty="0" smtClean="0">
-                          <a:latin typeface="Times New Roman"/>
-                          <a:cs typeface="Times New Roman"/>
-                        </a:rPr>
-                        <a:t>will </a:t>
-                      </a:r>
-                      <a:r>
-                        <a:rPr lang="en-US" sz="1800" dirty="0">
-                          <a:latin typeface="Times New Roman"/>
-                          <a:cs typeface="Times New Roman"/>
-                        </a:rPr>
-                        <a:t>presents in the hall. Which has a name, </a:t>
-                      </a:r>
-                      <a:r>
-                        <a:rPr lang="en-US" sz="1800" dirty="0" smtClean="0">
-                          <a:latin typeface="Times New Roman"/>
-                          <a:cs typeface="Times New Roman"/>
-                        </a:rPr>
-                        <a:t>rate, type, during time, </a:t>
-                      </a:r>
-                      <a:r>
-                        <a:rPr lang="en-US" sz="1800" dirty="0">
-                          <a:latin typeface="Times New Roman"/>
-                          <a:cs typeface="Times New Roman"/>
-                        </a:rPr>
-                        <a:t>and </a:t>
-                      </a:r>
-                      <a:r>
-                        <a:rPr lang="en-US" sz="1800" dirty="0" smtClean="0">
-                          <a:latin typeface="Times New Roman"/>
-                          <a:cs typeface="Times New Roman"/>
-                        </a:rPr>
-                        <a:t>released date.</a:t>
-                      </a:r>
-                      <a:endParaRPr lang="en-US" sz="1800" dirty="0">
-                        <a:latin typeface="Times New Roman"/>
-                        <a:cs typeface="Times New Roman"/>
-                      </a:endParaRPr>
                     </a:p>
                   </a:txBody>
-                  <a:tcPr marL="68580" marR="68580"/>
+                  <a:tcPr marL="68580" marR="68580">
+                    <a:solidFill>
+                      <a:schemeClr val="bg1"/>
+                    </a:solidFill>
+                  </a:tcPr>
                 </a:tc>
                 <a:extLst>
                   <a:ext uri="{0D108BD9-81ED-4DB2-BD59-A6C34878D82A}">
-                    <a16:rowId xmlns="" xmlns:a16="http://schemas.microsoft.com/office/drawing/2014/main" val="3722609426"/>
+                    <a16:rowId xmlns:a16="http://schemas.microsoft.com/office/drawing/2014/main" val="10003"/>
                   </a:ext>
                 </a:extLst>
               </a:tr>
-              <a:tr h="370840">
+              <a:tr h="677010">
                 <a:tc>
                   <a:txBody>
                     <a:bodyPr/>
@@ -7380,34 +7350,18 @@
                     <a:p>
                       <a:r>
                         <a:rPr lang="en-US" sz="1800" dirty="0">
-                          <a:latin typeface="Times New Roman"/>
+                          <a:latin typeface="+mj-lt"/>
                           <a:cs typeface="Times New Roman"/>
                         </a:rPr>
-                        <a:t>3</a:t>
+                        <a:t>2</a:t>
                       </a:r>
                     </a:p>
                   </a:txBody>
-                  <a:tcPr marL="68580" marR="68580"/>
-                </a:tc>
-                <a:tc>
-                  <a:txBody>
-                    <a:bodyPr/>
-                    <a:lstStyle/>
-                    <a:p>
-                      <a:r>
-                        <a:rPr lang="en-US" sz="1800" dirty="0" smtClean="0">
-                          <a:latin typeface="Times New Roman"/>
-                          <a:cs typeface="Times New Roman"/>
-                        </a:rPr>
-                        <a:t>Schedule</a:t>
-                      </a:r>
-                      <a:endParaRPr lang="en-US" sz="1800" dirty="0">
-                        <a:latin typeface="Times New Roman"/>
-                        <a:cs typeface="Times New Roman"/>
-                      </a:endParaRPr>
-                    </a:p>
-                  </a:txBody>
-                  <a:tcPr marL="68580" marR="68580"/>
+                  <a:tcPr marL="68580" marR="68580">
+                    <a:solidFill>
+                      <a:schemeClr val="bg1"/>
+                    </a:solidFill>
+                  </a:tcPr>
                 </a:tc>
                 <a:tc>
                   <a:txBody>
@@ -7416,37 +7370,18 @@
                     <a:p>
                       <a:r>
                         <a:rPr lang="en-US" sz="1800" dirty="0">
-                          <a:latin typeface="Times New Roman"/>
+                          <a:latin typeface="+mj-lt"/>
                           <a:cs typeface="Times New Roman"/>
                         </a:rPr>
-                        <a:t>This class shows the all possible schedules of the one movie</a:t>
+                        <a:t>Movie</a:t>
                       </a:r>
                     </a:p>
                   </a:txBody>
-                  <a:tcPr marL="68580" marR="68580"/>
-                </a:tc>
-                <a:extLst>
-                  <a:ext uri="{0D108BD9-81ED-4DB2-BD59-A6C34878D82A}">
-                    <a16:rowId xmlns="" xmlns:a16="http://schemas.microsoft.com/office/drawing/2014/main" val="1306356445"/>
-                  </a:ext>
-                </a:extLst>
-              </a:tr>
-              <a:tr h="370840">
-                <a:tc>
-                  <a:txBody>
-                    <a:bodyPr/>
-                    <a:lstStyle/>
-                    <a:p>
-                      <a:r>
-                        <a:rPr lang="en-US" sz="1800" dirty="0">
-                          <a:latin typeface="Times New Roman"/>
-                          <a:cs typeface="Times New Roman"/>
-                        </a:rPr>
-                        <a:t>5</a:t>
-                      </a:r>
-                    </a:p>
-                  </a:txBody>
-                  <a:tcPr marL="68580" marR="68580"/>
+                  <a:tcPr marL="68580" marR="68580">
+                    <a:solidFill>
+                      <a:schemeClr val="bg1"/>
+                    </a:solidFill>
+                  </a:tcPr>
                 </a:tc>
                 <a:tc>
                   <a:txBody>
@@ -7455,14 +7390,45 @@
                     <a:p>
                       <a:r>
                         <a:rPr lang="en-US" sz="1800" dirty="0">
-                          <a:latin typeface="Times New Roman"/>
+                          <a:latin typeface="+mj-lt"/>
                           <a:cs typeface="Times New Roman"/>
                         </a:rPr>
-                        <a:t>Hall</a:t>
+                        <a:t>It will presents in the hall. Which has a name, rate, type, during time, and released date.</a:t>
                       </a:r>
                     </a:p>
                   </a:txBody>
-                  <a:tcPr marL="68580" marR="68580"/>
+                  <a:tcPr marL="68580" marR="68580">
+                    <a:solidFill>
+                      <a:schemeClr val="bg1"/>
+                    </a:solidFill>
+                  </a:tcPr>
+                </a:tc>
+                <a:extLst>
+                  <a:ext uri="{0D108BD9-81ED-4DB2-BD59-A6C34878D82A}">
+                    <a16:rowId xmlns:a16="http://schemas.microsoft.com/office/drawing/2014/main" val="3722609426"/>
+                  </a:ext>
+                </a:extLst>
+              </a:tr>
+              <a:tr h="392236">
+                <a:tc>
+                  <a:txBody>
+                    <a:bodyPr/>
+                    <a:lstStyle/>
+                    <a:p>
+                      <a:r>
+                        <a:rPr lang="en-US" sz="1800" dirty="0">
+                          <a:latin typeface="+mj-lt"/>
+                          <a:cs typeface="Times New Roman"/>
+                        </a:rPr>
+                        <a:t>3</a:t>
+                      </a:r>
+                    </a:p>
+                  </a:txBody>
+                  <a:tcPr marL="68580" marR="68580">
+                    <a:solidFill>
+                      <a:schemeClr val="bg1"/>
+                    </a:solidFill>
+                  </a:tcPr>
                 </a:tc>
                 <a:tc>
                   <a:txBody>
@@ -7471,71 +7437,18 @@
                     <a:p>
                       <a:r>
                         <a:rPr lang="en-US" sz="1800" dirty="0">
-                          <a:latin typeface="Times New Roman"/>
+                          <a:latin typeface="+mj-lt"/>
                           <a:cs typeface="Times New Roman"/>
                         </a:rPr>
-                        <a:t>Represents room </a:t>
-                      </a:r>
-                      <a:r>
-                        <a:rPr lang="en-US" sz="1800" dirty="0" smtClean="0">
-                          <a:latin typeface="Times New Roman"/>
-                          <a:cs typeface="Times New Roman"/>
-                        </a:rPr>
-                        <a:t>and seats which </a:t>
-                      </a:r>
-                      <a:r>
-                        <a:rPr lang="en-US" sz="1800" dirty="0">
-                          <a:latin typeface="Times New Roman"/>
-                          <a:cs typeface="Times New Roman"/>
-                        </a:rPr>
-                        <a:t>represents the movies</a:t>
+                        <a:t>Schedule</a:t>
                       </a:r>
                     </a:p>
                   </a:txBody>
-                  <a:tcPr marL="68580" marR="68580"/>
-                </a:tc>
-                <a:extLst>
-                  <a:ext uri="{0D108BD9-81ED-4DB2-BD59-A6C34878D82A}">
-                    <a16:rowId xmlns="" xmlns:a16="http://schemas.microsoft.com/office/drawing/2014/main" val="260238085"/>
-                  </a:ext>
-                </a:extLst>
-              </a:tr>
-              <a:tr h="370840">
-                <a:tc>
-                  <a:txBody>
-                    <a:bodyPr/>
-                    <a:lstStyle/>
-                    <a:p>
-                      <a:r>
-                        <a:rPr lang="en-US" sz="1800" dirty="0">
-                          <a:latin typeface="Times New Roman"/>
-                          <a:cs typeface="Times New Roman"/>
-                        </a:rPr>
-                        <a:t>6</a:t>
-                      </a:r>
-                    </a:p>
-                  </a:txBody>
-                  <a:tcPr marL="68580" marR="68580"/>
-                </a:tc>
-                <a:tc>
-                  <a:txBody>
-                    <a:bodyPr/>
-                    <a:lstStyle/>
-                    <a:p>
-                      <a:r>
-                        <a:rPr lang="en-US" sz="1800" dirty="0" smtClean="0">
-                          <a:latin typeface="Times New Roman"/>
-                          <a:cs typeface="Times New Roman"/>
-                        </a:rPr>
-                        <a:t>Booking</a:t>
-                      </a:r>
-                      <a:endParaRPr lang="en-US" sz="1800" dirty="0">
-                        <a:latin typeface="Times New Roman"/>
-                        <a:cs typeface="Times New Roman"/>
-                      </a:endParaRPr>
-                    </a:p>
-                  </a:txBody>
-                  <a:tcPr marL="68580" marR="68580"/>
+                  <a:tcPr marL="68580" marR="68580">
+                    <a:solidFill>
+                      <a:schemeClr val="bg1"/>
+                    </a:solidFill>
+                  </a:tcPr>
                 </a:tc>
                 <a:tc>
                   <a:txBody>
@@ -7544,22 +7457,26 @@
                     <a:p>
                       <a:r>
                         <a:rPr lang="en-US" sz="1800" dirty="0">
-                          <a:latin typeface="Times New Roman"/>
+                          <a:latin typeface="+mj-lt"/>
                           <a:cs typeface="Times New Roman"/>
                         </a:rPr>
-                        <a:t>It contains the all history of the booking that customers made. </a:t>
+                        <a:t>This class shows the all possible schedules of the one movie</a:t>
                       </a:r>
                     </a:p>
                   </a:txBody>
-                  <a:tcPr marL="68580" marR="68580"/>
+                  <a:tcPr marL="68580" marR="68580">
+                    <a:solidFill>
+                      <a:schemeClr val="bg1"/>
+                    </a:solidFill>
+                  </a:tcPr>
                 </a:tc>
                 <a:extLst>
                   <a:ext uri="{0D108BD9-81ED-4DB2-BD59-A6C34878D82A}">
-                    <a16:rowId xmlns="" xmlns:a16="http://schemas.microsoft.com/office/drawing/2014/main" val="2137944306"/>
+                    <a16:rowId xmlns:a16="http://schemas.microsoft.com/office/drawing/2014/main" val="1306356445"/>
                   </a:ext>
                 </a:extLst>
               </a:tr>
-              <a:tr h="370840">
+              <a:tr h="392236">
                 <a:tc>
                   <a:txBody>
                     <a:bodyPr/>
@@ -7567,14 +7484,18 @@
                     <a:p>
                       <a:r>
                         <a:rPr lang="en-US" sz="1800" dirty="0">
-                          <a:latin typeface="Times New Roman"/>
+                          <a:latin typeface="+mj-lt"/>
                           <a:cs typeface="Times New Roman"/>
                         </a:rPr>
-                        <a:t>7</a:t>
+                        <a:t>5</a:t>
                       </a:r>
                     </a:p>
                   </a:txBody>
-                  <a:tcPr marL="68580" marR="68580"/>
+                  <a:tcPr marL="68580" marR="68580">
+                    <a:solidFill>
+                      <a:schemeClr val="bg1"/>
+                    </a:solidFill>
+                  </a:tcPr>
                 </a:tc>
                 <a:tc>
                   <a:txBody>
@@ -7582,19 +7503,19 @@
                     <a:lstStyle/>
                     <a:p>
                       <a:r>
-                        <a:rPr lang="en-US" sz="1800" dirty="0" smtClean="0">
-                          <a:latin typeface="Times New Roman"/>
+                        <a:rPr lang="en-US" sz="1800" dirty="0">
+                          <a:latin typeface="+mj-lt"/>
                           <a:cs typeface="Times New Roman"/>
                         </a:rPr>
-                        <a:t>Payment</a:t>
+                        <a:t>Hall</a:t>
                       </a:r>
-                      <a:endParaRPr lang="en-US" sz="1800" dirty="0">
-                        <a:latin typeface="Times New Roman"/>
-                        <a:cs typeface="Times New Roman"/>
-                      </a:endParaRPr>
                     </a:p>
                   </a:txBody>
-                  <a:tcPr marL="68580" marR="68580"/>
+                  <a:tcPr marL="68580" marR="68580">
+                    <a:solidFill>
+                      <a:schemeClr val="bg1"/>
+                    </a:solidFill>
+                  </a:tcPr>
                 </a:tc>
                 <a:tc>
                   <a:txBody>
@@ -7602,34 +7523,27 @@
                     <a:lstStyle/>
                     <a:p>
                       <a:r>
-                        <a:rPr lang="en-US" sz="1800" dirty="0" smtClean="0">
-                          <a:latin typeface="Times New Roman"/>
+                        <a:rPr lang="en-US" sz="1800" dirty="0">
+                          <a:latin typeface="+mj-lt"/>
                           <a:cs typeface="Times New Roman"/>
                         </a:rPr>
-                        <a:t>It computes member’s</a:t>
+                        <a:t>Represents room and seats which represents the movies</a:t>
                       </a:r>
-                      <a:r>
-                        <a:rPr lang="en-US" sz="1800" baseline="0" dirty="0" smtClean="0">
-                          <a:latin typeface="Times New Roman"/>
-                          <a:cs typeface="Times New Roman"/>
-                        </a:rPr>
-                        <a:t> payment who made booking ticket. </a:t>
-                      </a:r>
-                      <a:endParaRPr lang="en-US" sz="1800" dirty="0">
-                        <a:latin typeface="Times New Roman"/>
-                        <a:cs typeface="Times New Roman"/>
-                      </a:endParaRPr>
                     </a:p>
                   </a:txBody>
-                  <a:tcPr marL="68580" marR="68580"/>
+                  <a:tcPr marL="68580" marR="68580">
+                    <a:solidFill>
+                      <a:schemeClr val="bg1"/>
+                    </a:solidFill>
+                  </a:tcPr>
                 </a:tc>
                 <a:extLst>
                   <a:ext uri="{0D108BD9-81ED-4DB2-BD59-A6C34878D82A}">
-                    <a16:rowId xmlns="" xmlns:a16="http://schemas.microsoft.com/office/drawing/2014/main" val="893631995"/>
+                    <a16:rowId xmlns:a16="http://schemas.microsoft.com/office/drawing/2014/main" val="260238085"/>
                   </a:ext>
                 </a:extLst>
               </a:tr>
-              <a:tr h="370840">
+              <a:tr h="392236">
                 <a:tc>
                   <a:txBody>
                     <a:bodyPr/>
@@ -7637,14 +7551,18 @@
                     <a:p>
                       <a:r>
                         <a:rPr lang="en-US" sz="1800" dirty="0">
-                          <a:latin typeface="Times New Roman"/>
+                          <a:latin typeface="+mj-lt"/>
                           <a:cs typeface="Times New Roman"/>
                         </a:rPr>
-                        <a:t>8</a:t>
+                        <a:t>6</a:t>
                       </a:r>
                     </a:p>
                   </a:txBody>
-                  <a:tcPr marL="68580" marR="68580"/>
+                  <a:tcPr marL="68580" marR="68580">
+                    <a:solidFill>
+                      <a:schemeClr val="bg1"/>
+                    </a:solidFill>
+                  </a:tcPr>
                 </a:tc>
                 <a:tc>
                   <a:txBody>
@@ -7652,19 +7570,19 @@
                     <a:lstStyle/>
                     <a:p>
                       <a:r>
-                        <a:rPr lang="en-US" sz="1800" dirty="0" err="1" smtClean="0">
-                          <a:latin typeface="Times New Roman"/>
+                        <a:rPr lang="en-US" sz="1800" dirty="0">
+                          <a:latin typeface="+mj-lt"/>
                           <a:cs typeface="Times New Roman"/>
                         </a:rPr>
-                        <a:t>MovieScheduleFactory</a:t>
+                        <a:t>Booking</a:t>
                       </a:r>
-                      <a:endParaRPr lang="en-US" sz="1800" dirty="0">
-                        <a:latin typeface="Times New Roman"/>
-                        <a:cs typeface="Times New Roman"/>
-                      </a:endParaRPr>
                     </a:p>
                   </a:txBody>
-                  <a:tcPr marL="68580" marR="68580"/>
+                  <a:tcPr marL="68580" marR="68580">
+                    <a:solidFill>
+                      <a:schemeClr val="bg1"/>
+                    </a:solidFill>
+                  </a:tcPr>
                 </a:tc>
                 <a:tc>
                   <a:txBody>
@@ -7672,30 +7590,183 @@
                     <a:lstStyle/>
                     <a:p>
                       <a:r>
-                        <a:rPr lang="en-US" sz="1800" dirty="0" smtClean="0">
-                          <a:latin typeface="Times New Roman"/>
+                        <a:rPr lang="en-US" sz="1800" dirty="0">
+                          <a:latin typeface="+mj-lt"/>
+                          <a:cs typeface="Times New Roman"/>
+                        </a:rPr>
+                        <a:t>It contains the all history of the booking that customers made. </a:t>
+                      </a:r>
+                    </a:p>
+                  </a:txBody>
+                  <a:tcPr marL="68580" marR="68580">
+                    <a:solidFill>
+                      <a:schemeClr val="bg1"/>
+                    </a:solidFill>
+                  </a:tcPr>
+                </a:tc>
+                <a:extLst>
+                  <a:ext uri="{0D108BD9-81ED-4DB2-BD59-A6C34878D82A}">
+                    <a16:rowId xmlns:a16="http://schemas.microsoft.com/office/drawing/2014/main" val="2137944306"/>
+                  </a:ext>
+                </a:extLst>
+              </a:tr>
+              <a:tr h="392236">
+                <a:tc>
+                  <a:txBody>
+                    <a:bodyPr/>
+                    <a:lstStyle/>
+                    <a:p>
+                      <a:r>
+                        <a:rPr lang="en-US" sz="1800" dirty="0">
+                          <a:latin typeface="+mj-lt"/>
+                          <a:cs typeface="Times New Roman"/>
+                        </a:rPr>
+                        <a:t>7</a:t>
+                      </a:r>
+                    </a:p>
+                  </a:txBody>
+                  <a:tcPr marL="68580" marR="68580">
+                    <a:solidFill>
+                      <a:schemeClr val="bg1"/>
+                    </a:solidFill>
+                  </a:tcPr>
+                </a:tc>
+                <a:tc>
+                  <a:txBody>
+                    <a:bodyPr/>
+                    <a:lstStyle/>
+                    <a:p>
+                      <a:r>
+                        <a:rPr lang="en-US" sz="1800" dirty="0">
+                          <a:latin typeface="+mj-lt"/>
+                          <a:cs typeface="Times New Roman"/>
+                        </a:rPr>
+                        <a:t>Payment</a:t>
+                      </a:r>
+                    </a:p>
+                  </a:txBody>
+                  <a:tcPr marL="68580" marR="68580">
+                    <a:solidFill>
+                      <a:schemeClr val="bg1"/>
+                    </a:solidFill>
+                  </a:tcPr>
+                </a:tc>
+                <a:tc>
+                  <a:txBody>
+                    <a:bodyPr/>
+                    <a:lstStyle/>
+                    <a:p>
+                      <a:r>
+                        <a:rPr lang="en-US" sz="1800" dirty="0">
+                          <a:latin typeface="+mj-lt"/>
+                          <a:cs typeface="Times New Roman"/>
+                        </a:rPr>
+                        <a:t>It computes member’s</a:t>
+                      </a:r>
+                      <a:r>
+                        <a:rPr lang="en-US" sz="1800" baseline="0" dirty="0">
+                          <a:latin typeface="+mj-lt"/>
+                          <a:cs typeface="Times New Roman"/>
+                        </a:rPr>
+                        <a:t> payment who made booking ticket. </a:t>
+                      </a:r>
+                      <a:endParaRPr lang="en-US" sz="1800" dirty="0">
+                        <a:latin typeface="+mj-lt"/>
+                        <a:cs typeface="Times New Roman"/>
+                      </a:endParaRPr>
+                    </a:p>
+                  </a:txBody>
+                  <a:tcPr marL="68580" marR="68580">
+                    <a:solidFill>
+                      <a:schemeClr val="bg1"/>
+                    </a:solidFill>
+                  </a:tcPr>
+                </a:tc>
+                <a:extLst>
+                  <a:ext uri="{0D108BD9-81ED-4DB2-BD59-A6C34878D82A}">
+                    <a16:rowId xmlns:a16="http://schemas.microsoft.com/office/drawing/2014/main" val="893631995"/>
+                  </a:ext>
+                </a:extLst>
+              </a:tr>
+              <a:tr h="1080261">
+                <a:tc>
+                  <a:txBody>
+                    <a:bodyPr/>
+                    <a:lstStyle/>
+                    <a:p>
+                      <a:r>
+                        <a:rPr lang="en-US" sz="1800" dirty="0">
+                          <a:latin typeface="+mj-lt"/>
+                          <a:cs typeface="Times New Roman"/>
+                        </a:rPr>
+                        <a:t>8</a:t>
+                      </a:r>
+                    </a:p>
+                  </a:txBody>
+                  <a:tcPr marL="68580" marR="68580">
+                    <a:solidFill>
+                      <a:schemeClr val="bg1"/>
+                    </a:solidFill>
+                  </a:tcPr>
+                </a:tc>
+                <a:tc>
+                  <a:txBody>
+                    <a:bodyPr/>
+                    <a:lstStyle/>
+                    <a:p>
+                      <a:r>
+                        <a:rPr lang="en-US" sz="1800" dirty="0" err="1">
+                          <a:latin typeface="+mj-lt"/>
+                          <a:cs typeface="Times New Roman"/>
+                        </a:rPr>
+                        <a:t>MovieScheduleFactory</a:t>
+                      </a:r>
+                      <a:endParaRPr lang="en-US" sz="1800" dirty="0">
+                        <a:latin typeface="+mj-lt"/>
+                        <a:cs typeface="Times New Roman"/>
+                      </a:endParaRPr>
+                    </a:p>
+                  </a:txBody>
+                  <a:tcPr marL="68580" marR="68580">
+                    <a:solidFill>
+                      <a:schemeClr val="bg1"/>
+                    </a:solidFill>
+                  </a:tcPr>
+                </a:tc>
+                <a:tc>
+                  <a:txBody>
+                    <a:bodyPr/>
+                    <a:lstStyle/>
+                    <a:p>
+                      <a:r>
+                        <a:rPr lang="en-US" sz="1800" dirty="0">
+                          <a:latin typeface="+mj-lt"/>
                           <a:cs typeface="Times New Roman"/>
                         </a:rPr>
                         <a:t>It creates package level of</a:t>
                       </a:r>
                       <a:r>
-                        <a:rPr lang="en-US" sz="1800" baseline="0" dirty="0" smtClean="0">
-                          <a:latin typeface="Times New Roman"/>
+                        <a:rPr lang="en-US" sz="1800" baseline="0" dirty="0">
+                          <a:latin typeface="+mj-lt"/>
                           <a:cs typeface="Times New Roman"/>
                         </a:rPr>
                         <a:t> an instance of a movie, a hall, and a schedule class. </a:t>
                       </a:r>
                       <a:endParaRPr lang="en-US" sz="1800" dirty="0">
-                        <a:latin typeface="Times New Roman"/>
+                        <a:latin typeface="+mj-lt"/>
                         <a:cs typeface="Times New Roman"/>
                       </a:endParaRPr>
                     </a:p>
                   </a:txBody>
-                  <a:tcPr marL="68580" marR="68580"/>
+                  <a:tcPr marL="68580" marR="68580">
+                    <a:solidFill>
+                      <a:schemeClr val="bg1"/>
+                    </a:solidFill>
+                  </a:tcPr>
                 </a:tc>
                 <a:extLst>
                   <a:ext uri="{0D108BD9-81ED-4DB2-BD59-A6C34878D82A}">
-                    <a16:rowId xmlns="" xmlns:a16="http://schemas.microsoft.com/office/drawing/2014/main" val="4046282851"/>
+                    <a16:rowId xmlns:a16="http://schemas.microsoft.com/office/drawing/2014/main" val="4046282851"/>
                   </a:ext>
                 </a:extLst>
               </a:tr>
@@ -7713,13 +7784,6 @@
   <p:clrMapOvr>
     <a:masterClrMapping/>
   </p:clrMapOvr>
-  <p:timing>
-    <p:tnLst>
-      <p:par>
-        <p:cTn id="1" dur="indefinite" restart="never" nodeType="tmRoot"/>
-      </p:par>
-    </p:tnLst>
-  </p:timing>
 </p:sld>
 </file>
 
@@ -7750,61 +7814,89 @@
             <p:ph type="title"/>
           </p:nvPr>
         </p:nvSpPr>
-        <p:spPr/>
-        <p:txBody>
-          <a:bodyPr/>
+        <p:spPr>
+          <a:xfrm>
+            <a:off x="2463800" y="208628"/>
+            <a:ext cx="7704667" cy="883327"/>
+          </a:xfrm>
+        </p:spPr>
+        <p:txBody>
+          <a:bodyPr>
+            <a:normAutofit/>
+          </a:bodyPr>
           <a:lstStyle/>
           <a:p>
             <a:r>
-              <a:rPr lang="en-US" dirty="0" smtClean="0"/>
-              <a:t>Main use cases</a:t>
-            </a:r>
-            <a:endParaRPr lang="en-US" dirty="0"/>
-          </a:p>
-        </p:txBody>
-      </p:sp>
-      <p:sp>
-        <p:nvSpPr>
-          <p:cNvPr id="3" name="Content Placeholder 2"/>
-          <p:cNvSpPr>
-            <a:spLocks noGrp="1"/>
-          </p:cNvSpPr>
-          <p:nvPr>
-            <p:ph idx="1"/>
-          </p:nvPr>
-        </p:nvSpPr>
-        <p:spPr/>
-        <p:txBody>
-          <a:bodyPr/>
-          <a:lstStyle/>
-          <a:p>
-            <a:endParaRPr lang="en-US" dirty="0" smtClean="0"/>
-          </a:p>
-          <a:p>
-            <a:r>
               <a:rPr lang="en-US" dirty="0"/>
-              <a:t>Staff creates a movie</a:t>
-            </a:r>
-          </a:p>
-          <a:p>
-            <a:r>
-              <a:rPr lang="en-US" dirty="0" smtClean="0"/>
-              <a:t>Staff creates a movie schedule to show in a particular hall</a:t>
-            </a:r>
-          </a:p>
-          <a:p>
-            <a:r>
-              <a:rPr lang="en-US" dirty="0"/>
-              <a:t>Member books a movie for a particular </a:t>
-            </a:r>
-            <a:r>
-              <a:rPr lang="en-US" dirty="0" smtClean="0"/>
-              <a:t>schedule</a:t>
-            </a:r>
-            <a:endParaRPr lang="en-US" dirty="0"/>
-          </a:p>
-        </p:txBody>
-      </p:sp>
+              <a:t>Use cases</a:t>
+            </a:r>
+          </a:p>
+        </p:txBody>
+      </p:sp>
+      <p:pic>
+        <p:nvPicPr>
+          <p:cNvPr id="6" name="Picture 5">
+            <a:extLst>
+              <a:ext uri="{FF2B5EF4-FFF2-40B4-BE49-F238E27FC236}">
+                <a16:creationId xmlns:a16="http://schemas.microsoft.com/office/drawing/2014/main" id="{9D811928-5018-4FA3-AC61-EF7B3C87758F}"/>
+              </a:ext>
+            </a:extLst>
+          </p:cNvPr>
+          <p:cNvPicPr/>
+          <p:nvPr/>
+        </p:nvPicPr>
+        <p:blipFill>
+          <a:blip r:embed="rId2">
+            <a:extLst>
+              <a:ext uri="{28A0092B-C50C-407E-A947-70E740481C1C}">
+                <a14:useLocalDpi xmlns:a14="http://schemas.microsoft.com/office/drawing/2010/main" val="0"/>
+              </a:ext>
+            </a:extLst>
+          </a:blip>
+          <a:stretch>
+            <a:fillRect/>
+          </a:stretch>
+        </p:blipFill>
+        <p:spPr>
+          <a:xfrm>
+            <a:off x="4191000" y="1091954"/>
+            <a:ext cx="4248705" cy="5595750"/>
+          </a:xfrm>
+          <a:prstGeom prst="rect">
+            <a:avLst/>
+          </a:prstGeom>
+          <a:solidFill>
+            <a:srgbClr val="FFFFFF">
+              <a:shade val="85000"/>
+            </a:srgbClr>
+          </a:solidFill>
+          <a:ln w="88900" cap="sq">
+            <a:solidFill>
+              <a:srgbClr val="FFFFFF"/>
+            </a:solidFill>
+            <a:miter lim="800000"/>
+          </a:ln>
+          <a:effectLst>
+            <a:outerShdw blurRad="55000" dist="18000" dir="5400000" algn="tl" rotWithShape="0">
+              <a:srgbClr val="000000">
+                <a:alpha val="40000"/>
+              </a:srgbClr>
+            </a:outerShdw>
+          </a:effectLst>
+          <a:scene3d>
+            <a:camera prst="orthographicFront"/>
+            <a:lightRig rig="twoPt" dir="t">
+              <a:rot lat="0" lon="0" rev="7200000"/>
+            </a:lightRig>
+          </a:scene3d>
+          <a:sp3d>
+            <a:bevelT w="25400" h="19050"/>
+            <a:contourClr>
+              <a:srgbClr val="FFFFFF"/>
+            </a:contourClr>
+          </a:sp3d>
+        </p:spPr>
+      </p:pic>
     </p:spTree>
     <p:extLst>
       <p:ext uri="{BB962C8B-B14F-4D97-AF65-F5344CB8AC3E}">
@@ -7851,148 +7943,78 @@
           <a:lstStyle/>
           <a:p>
             <a:r>
-              <a:rPr lang="en-US" dirty="0" smtClean="0">
-                <a:latin typeface="Times New Roman"/>
-                <a:cs typeface="Times New Roman"/>
+              <a:rPr lang="en-US" dirty="0"/>
+              <a:t>Main use cases</a:t>
+            </a:r>
+          </a:p>
+        </p:txBody>
+      </p:sp>
+      <p:sp>
+        <p:nvSpPr>
+          <p:cNvPr id="3" name="Content Placeholder 2"/>
+          <p:cNvSpPr>
+            <a:spLocks noGrp="1"/>
+          </p:cNvSpPr>
+          <p:nvPr>
+            <p:ph idx="1"/>
+          </p:nvPr>
+        </p:nvSpPr>
+        <p:spPr>
+          <a:xfrm>
+            <a:off x="2506134" y="1873188"/>
+            <a:ext cx="7704667" cy="4126628"/>
+          </a:xfrm>
+        </p:spPr>
+        <p:txBody>
+          <a:bodyPr/>
+          <a:lstStyle/>
+          <a:p>
+            <a:pPr>
+              <a:lnSpc>
+                <a:spcPct val="150000"/>
+              </a:lnSpc>
+            </a:pPr>
+            <a:endParaRPr lang="en-US" dirty="0">
+              <a:latin typeface="+mj-lt"/>
+            </a:endParaRPr>
+          </a:p>
+          <a:p>
+            <a:pPr>
+              <a:lnSpc>
+                <a:spcPct val="150000"/>
+              </a:lnSpc>
+            </a:pPr>
+            <a:r>
+              <a:rPr lang="en-US" dirty="0">
+                <a:latin typeface="+mj-lt"/>
               </a:rPr>
-              <a:t>Goals</a:t>
-            </a:r>
-            <a:endParaRPr lang="en-US" dirty="0">
-              <a:latin typeface="Times New Roman"/>
-              <a:cs typeface="Times New Roman"/>
-            </a:endParaRPr>
-          </a:p>
-        </p:txBody>
-      </p:sp>
-      <p:sp>
-        <p:nvSpPr>
-          <p:cNvPr id="3" name="Content Placeholder 2"/>
-          <p:cNvSpPr>
-            <a:spLocks noGrp="1"/>
-          </p:cNvSpPr>
-          <p:nvPr>
-            <p:ph idx="1"/>
-          </p:nvPr>
-        </p:nvSpPr>
-        <p:spPr/>
-        <p:txBody>
-          <a:bodyPr>
-            <a:noAutofit/>
-          </a:bodyPr>
-          <a:lstStyle/>
-          <a:p>
-            <a:r>
-              <a:rPr lang="en-US" sz="2000" dirty="0">
-                <a:latin typeface="Times New Roman"/>
-                <a:cs typeface="Times New Roman"/>
+              <a:t>Staff creates a movie</a:t>
+            </a:r>
+          </a:p>
+          <a:p>
+            <a:pPr>
+              <a:lnSpc>
+                <a:spcPct val="150000"/>
+              </a:lnSpc>
+            </a:pPr>
+            <a:r>
+              <a:rPr lang="en-US" dirty="0">
+                <a:latin typeface="+mj-lt"/>
               </a:rPr>
-              <a:t>Cinema booking need to have many movies for the clients</a:t>
-            </a:r>
-          </a:p>
-          <a:p>
-            <a:r>
-              <a:rPr lang="en-US" sz="2000" dirty="0" smtClean="0">
-                <a:latin typeface="Times New Roman"/>
-                <a:cs typeface="Times New Roman"/>
+              <a:t>Staff creates a movie schedule to show in a particular hall</a:t>
+            </a:r>
+          </a:p>
+          <a:p>
+            <a:pPr>
+              <a:lnSpc>
+                <a:spcPct val="150000"/>
+              </a:lnSpc>
+            </a:pPr>
+            <a:r>
+              <a:rPr lang="en-US" dirty="0">
+                <a:latin typeface="+mj-lt"/>
               </a:rPr>
-              <a:t>Cinema </a:t>
-            </a:r>
-            <a:r>
-              <a:rPr lang="en-US" sz="2000" dirty="0">
-                <a:latin typeface="Times New Roman"/>
-                <a:cs typeface="Times New Roman"/>
-              </a:rPr>
-              <a:t>booking need to have many </a:t>
-            </a:r>
-            <a:r>
-              <a:rPr lang="en-US" sz="2000" dirty="0" smtClean="0">
-                <a:latin typeface="Times New Roman"/>
-                <a:cs typeface="Times New Roman"/>
-              </a:rPr>
-              <a:t>halls, </a:t>
-            </a:r>
-            <a:r>
-              <a:rPr lang="en-US" sz="2000" dirty="0">
-                <a:latin typeface="Times New Roman"/>
-                <a:cs typeface="Times New Roman"/>
-              </a:rPr>
-              <a:t>seats </a:t>
-            </a:r>
-            <a:r>
-              <a:rPr lang="en-US" sz="2000" dirty="0" smtClean="0">
-                <a:latin typeface="Times New Roman"/>
-                <a:cs typeface="Times New Roman"/>
-              </a:rPr>
-              <a:t>and schedules to </a:t>
-            </a:r>
-            <a:r>
-              <a:rPr lang="en-US" sz="2000" dirty="0">
-                <a:latin typeface="Times New Roman"/>
-                <a:cs typeface="Times New Roman"/>
-              </a:rPr>
-              <a:t>present movies</a:t>
-            </a:r>
-          </a:p>
-          <a:p>
-            <a:r>
-              <a:rPr lang="en-US" sz="2000" dirty="0">
-                <a:latin typeface="Times New Roman"/>
-                <a:cs typeface="Times New Roman"/>
-              </a:rPr>
-              <a:t>Cinema booking need to have </a:t>
-            </a:r>
-            <a:r>
-              <a:rPr lang="en-US" sz="2000" dirty="0" smtClean="0">
-                <a:latin typeface="Times New Roman"/>
-                <a:cs typeface="Times New Roman"/>
-              </a:rPr>
-              <a:t>members </a:t>
-            </a:r>
-            <a:r>
-              <a:rPr lang="en-US" sz="2000" dirty="0">
-                <a:latin typeface="Times New Roman"/>
-                <a:cs typeface="Times New Roman"/>
-              </a:rPr>
-              <a:t>who booking tickets</a:t>
-            </a:r>
-          </a:p>
-          <a:p>
-            <a:r>
-              <a:rPr lang="en-US" sz="2000" dirty="0">
-                <a:latin typeface="Times New Roman"/>
-                <a:cs typeface="Times New Roman"/>
-              </a:rPr>
-              <a:t>Cinema booking need to have </a:t>
-            </a:r>
-            <a:r>
-              <a:rPr lang="en-US" sz="2000" dirty="0" smtClean="0">
-                <a:latin typeface="Times New Roman"/>
-                <a:cs typeface="Times New Roman"/>
-              </a:rPr>
-              <a:t>staff who </a:t>
-            </a:r>
-            <a:r>
-              <a:rPr lang="en-US" sz="2000" dirty="0">
-                <a:latin typeface="Times New Roman"/>
-                <a:cs typeface="Times New Roman"/>
-              </a:rPr>
-              <a:t>manages movies</a:t>
-            </a:r>
-          </a:p>
-          <a:p>
-            <a:r>
-              <a:rPr lang="en-US" sz="2000" dirty="0" smtClean="0">
-                <a:latin typeface="Times New Roman"/>
-                <a:cs typeface="Times New Roman"/>
-              </a:rPr>
-              <a:t>Cinema </a:t>
-            </a:r>
-            <a:r>
-              <a:rPr lang="en-US" sz="2000" dirty="0">
-                <a:latin typeface="Times New Roman"/>
-                <a:cs typeface="Times New Roman"/>
-              </a:rPr>
-              <a:t>booking need to have payment to receive deposit from user</a:t>
+              <a:t>Member books a movie for a particular schedule</a:t>
             </a:r>
           </a:p>
         </p:txBody>
@@ -8000,7 +8022,7 @@
     </p:spTree>
     <p:extLst>
       <p:ext uri="{BB962C8B-B14F-4D97-AF65-F5344CB8AC3E}">
-        <p14:creationId xmlns:p14="http://schemas.microsoft.com/office/powerpoint/2010/main" val="3164621034"/>
+        <p14:creationId xmlns:p14="http://schemas.microsoft.com/office/powerpoint/2010/main" val="400619815"/>
       </p:ext>
     </p:extLst>
   </p:cSld>
@@ -8037,79 +8059,123 @@
             <p:ph type="title"/>
           </p:nvPr>
         </p:nvSpPr>
+        <p:spPr/>
+        <p:txBody>
+          <a:bodyPr/>
+          <a:lstStyle/>
+          <a:p>
+            <a:r>
+              <a:rPr lang="en-US" dirty="0">
+                <a:cs typeface="Times New Roman"/>
+              </a:rPr>
+              <a:t>Goals</a:t>
+            </a:r>
+          </a:p>
+        </p:txBody>
+      </p:sp>
+      <p:sp>
+        <p:nvSpPr>
+          <p:cNvPr id="3" name="Content Placeholder 2"/>
+          <p:cNvSpPr>
+            <a:spLocks noGrp="1"/>
+          </p:cNvSpPr>
+          <p:nvPr>
+            <p:ph idx="1"/>
+          </p:nvPr>
+        </p:nvSpPr>
         <p:spPr>
           <a:xfrm>
-            <a:off x="0" y="107577"/>
-            <a:ext cx="9144000" cy="552386"/>
+            <a:off x="2506134" y="2086252"/>
+            <a:ext cx="7704667" cy="3913564"/>
           </a:xfrm>
         </p:spPr>
         <p:txBody>
           <a:bodyPr>
-            <a:normAutofit/>
+            <a:noAutofit/>
           </a:bodyPr>
           <a:lstStyle/>
           <a:p>
-            <a:r>
-              <a:rPr lang="en-US" sz="2400" dirty="0" smtClean="0">
-                <a:latin typeface="Times New Roman"/>
+            <a:pPr>
+              <a:lnSpc>
+                <a:spcPct val="150000"/>
+              </a:lnSpc>
+            </a:pPr>
+            <a:r>
+              <a:rPr lang="en-US" sz="2000" dirty="0">
+                <a:latin typeface="+mj-lt"/>
                 <a:cs typeface="Times New Roman"/>
               </a:rPr>
-              <a:t>Class diagram (Inheritance, associations and dependency)</a:t>
-            </a:r>
-            <a:endParaRPr lang="en-US" sz="2400" dirty="0">
-              <a:latin typeface="Times New Roman"/>
-              <a:cs typeface="Times New Roman"/>
-            </a:endParaRPr>
-          </a:p>
-        </p:txBody>
-      </p:sp>
-      <p:pic>
-        <p:nvPicPr>
-          <p:cNvPr id="3" name="Picture 2" descr="ClassDiagram1.jpg"/>
-          <p:cNvPicPr>
-            <a:picLocks noChangeAspect="1"/>
-          </p:cNvPicPr>
-          <p:nvPr/>
-        </p:nvPicPr>
-        <p:blipFill>
-          <a:blip r:embed="rId2" cstate="email">
-            <a:extLst>
-              <a:ext uri="{28A0092B-C50C-407E-A947-70E740481C1C}">
-                <a14:useLocalDpi xmlns:a14="http://schemas.microsoft.com/office/drawing/2010/main" val="0"/>
-              </a:ext>
-            </a:extLst>
-          </a:blip>
-          <a:stretch>
-            <a:fillRect/>
-          </a:stretch>
-        </p:blipFill>
-        <p:spPr>
-          <a:xfrm>
-            <a:off x="0" y="659963"/>
-            <a:ext cx="9144000" cy="6200336"/>
-          </a:xfrm>
-          <a:prstGeom prst="rect">
-            <a:avLst/>
-          </a:prstGeom>
-        </p:spPr>
-      </p:pic>
+              <a:t>Cinema booking need to have many movies for the clients</a:t>
+            </a:r>
+          </a:p>
+          <a:p>
+            <a:pPr>
+              <a:lnSpc>
+                <a:spcPct val="150000"/>
+              </a:lnSpc>
+            </a:pPr>
+            <a:r>
+              <a:rPr lang="en-US" sz="2000" dirty="0">
+                <a:latin typeface="+mj-lt"/>
+                <a:cs typeface="Times New Roman"/>
+              </a:rPr>
+              <a:t>Cinema booking need to have many halls, seats and schedules to present movies</a:t>
+            </a:r>
+          </a:p>
+          <a:p>
+            <a:pPr>
+              <a:lnSpc>
+                <a:spcPct val="150000"/>
+              </a:lnSpc>
+            </a:pPr>
+            <a:r>
+              <a:rPr lang="en-US" sz="2000" dirty="0">
+                <a:latin typeface="+mj-lt"/>
+                <a:cs typeface="Times New Roman"/>
+              </a:rPr>
+              <a:t>Cinema booking need to have members who booking tickets</a:t>
+            </a:r>
+          </a:p>
+          <a:p>
+            <a:pPr>
+              <a:lnSpc>
+                <a:spcPct val="150000"/>
+              </a:lnSpc>
+            </a:pPr>
+            <a:r>
+              <a:rPr lang="en-US" sz="2000" dirty="0">
+                <a:latin typeface="+mj-lt"/>
+                <a:cs typeface="Times New Roman"/>
+              </a:rPr>
+              <a:t>Cinema booking need to have staff who manages movies</a:t>
+            </a:r>
+          </a:p>
+          <a:p>
+            <a:pPr>
+              <a:lnSpc>
+                <a:spcPct val="150000"/>
+              </a:lnSpc>
+            </a:pPr>
+            <a:r>
+              <a:rPr lang="en-US" sz="2000" dirty="0">
+                <a:latin typeface="+mj-lt"/>
+                <a:cs typeface="Times New Roman"/>
+              </a:rPr>
+              <a:t>Cinema booking need to have payment to receive deposit from user</a:t>
+            </a:r>
+          </a:p>
+        </p:txBody>
+      </p:sp>
     </p:spTree>
     <p:extLst>
       <p:ext uri="{BB962C8B-B14F-4D97-AF65-F5344CB8AC3E}">
-        <p14:creationId xmlns:p14="http://schemas.microsoft.com/office/powerpoint/2010/main" val="430346931"/>
+        <p14:creationId xmlns:p14="http://schemas.microsoft.com/office/powerpoint/2010/main" val="3164621034"/>
       </p:ext>
     </p:extLst>
   </p:cSld>
   <p:clrMapOvr>
     <a:masterClrMapping/>
   </p:clrMapOvr>
-  <p:timing>
-    <p:tnLst>
-      <p:par>
-        <p:cTn id="1" dur="indefinite" restart="never" nodeType="tmRoot"/>
-      </p:par>
-    </p:tnLst>
-  </p:timing>
 </p:sld>
 </file>
 
@@ -8142,65 +8208,34 @@
         </p:nvSpPr>
         <p:spPr>
           <a:xfrm>
-            <a:off x="549275" y="107576"/>
-            <a:ext cx="8042276" cy="776524"/>
+            <a:off x="1524000" y="107577"/>
+            <a:ext cx="9144000" cy="552386"/>
           </a:xfrm>
         </p:spPr>
         <p:txBody>
-          <a:bodyPr/>
+          <a:bodyPr>
+            <a:normAutofit/>
+          </a:bodyPr>
           <a:lstStyle/>
           <a:p>
             <a:r>
-              <a:rPr lang="en-US" dirty="0" smtClean="0">
-                <a:latin typeface="Times New Roman"/>
+              <a:rPr lang="en-US" sz="2400" dirty="0">
                 <a:cs typeface="Times New Roman"/>
               </a:rPr>
-              <a:t>Sequence diagram-1</a:t>
-            </a:r>
-            <a:endParaRPr lang="en-US" dirty="0">
-              <a:latin typeface="Times New Roman"/>
-              <a:cs typeface="Times New Roman"/>
-            </a:endParaRPr>
-          </a:p>
-        </p:txBody>
-      </p:sp>
-      <p:sp>
-        <p:nvSpPr>
-          <p:cNvPr id="3" name="Content Placeholder 2"/>
-          <p:cNvSpPr>
-            <a:spLocks noGrp="1"/>
-          </p:cNvSpPr>
-          <p:nvPr>
-            <p:ph idx="1"/>
-          </p:nvPr>
-        </p:nvSpPr>
-        <p:spPr>
-          <a:xfrm>
-            <a:off x="549275" y="853081"/>
-            <a:ext cx="8042276" cy="491754"/>
-          </a:xfrm>
-        </p:spPr>
-        <p:txBody>
-          <a:bodyPr/>
-          <a:lstStyle/>
-          <a:p>
-            <a:r>
-              <a:rPr lang="en-US" dirty="0" smtClean="0">
-                <a:latin typeface="Times New Roman"/>
-                <a:cs typeface="Times New Roman"/>
-              </a:rPr>
-              <a:t>Staff creates a movie for particular schedule.</a:t>
-            </a:r>
-            <a:endParaRPr lang="en-US" dirty="0">
-              <a:latin typeface="Times New Roman"/>
-              <a:cs typeface="Times New Roman"/>
-            </a:endParaRPr>
+              <a:t>Class diagram (Inheritance, associations and dependency)</a:t>
+            </a:r>
           </a:p>
         </p:txBody>
       </p:sp>
       <p:pic>
         <p:nvPicPr>
-          <p:cNvPr id="4" name="Picture 3" descr="Creates movie for a particular schedule.jpg"/>
+          <p:cNvPr id="5" name="Picture 4">
+            <a:extLst>
+              <a:ext uri="{FF2B5EF4-FFF2-40B4-BE49-F238E27FC236}">
+                <a16:creationId xmlns:a16="http://schemas.microsoft.com/office/drawing/2014/main" id="{C14BB614-A990-4538-829F-90900A028EDC}"/>
+              </a:ext>
+            </a:extLst>
+          </p:cNvPr>
           <p:cNvPicPr>
             <a:picLocks noChangeAspect="1"/>
           </p:cNvPicPr>
@@ -8220,41 +8255,24 @@
         </p:blipFill>
         <p:spPr>
           <a:xfrm>
-            <a:off x="0" y="1389064"/>
-            <a:ext cx="9144000" cy="5468936"/>
+            <a:off x="1438183" y="605181"/>
+            <a:ext cx="10102788" cy="6449232"/>
           </a:xfrm>
           <a:prstGeom prst="rect">
             <a:avLst/>
           </a:prstGeom>
-          <a:ln>
-            <a:noFill/>
-          </a:ln>
-          <a:effectLst>
-            <a:outerShdw blurRad="292100" dist="139700" dir="2700000" algn="tl" rotWithShape="0">
-              <a:srgbClr val="333333">
-                <a:alpha val="65000"/>
-              </a:srgbClr>
-            </a:outerShdw>
-          </a:effectLst>
         </p:spPr>
       </p:pic>
     </p:spTree>
     <p:extLst>
       <p:ext uri="{BB962C8B-B14F-4D97-AF65-F5344CB8AC3E}">
-        <p14:creationId xmlns:p14="http://schemas.microsoft.com/office/powerpoint/2010/main" val="1281375179"/>
+        <p14:creationId xmlns:p14="http://schemas.microsoft.com/office/powerpoint/2010/main" val="430346931"/>
       </p:ext>
     </p:extLst>
   </p:cSld>
   <p:clrMapOvr>
     <a:masterClrMapping/>
   </p:clrMapOvr>
-  <p:timing>
-    <p:tnLst>
-      <p:par>
-        <p:cTn id="1" dur="indefinite" restart="never" nodeType="tmRoot"/>
-      </p:par>
-    </p:tnLst>
-  </p:timing>
 </p:sld>
 </file>
 
@@ -8287,7 +8305,7 @@
         </p:nvSpPr>
         <p:spPr>
           <a:xfrm>
-            <a:off x="549275" y="107576"/>
+            <a:off x="2073275" y="107576"/>
             <a:ext cx="8042276" cy="776524"/>
           </a:xfrm>
         </p:spPr>
@@ -8296,16 +8314,11 @@
           <a:lstStyle/>
           <a:p>
             <a:r>
-              <a:rPr lang="en-US" dirty="0" smtClean="0">
-                <a:latin typeface="Times New Roman"/>
+              <a:rPr lang="en-US" dirty="0">
                 <a:cs typeface="Times New Roman"/>
               </a:rPr>
-              <a:t>Sequence diagram-2</a:t>
-            </a:r>
-            <a:endParaRPr lang="en-US" dirty="0">
-              <a:latin typeface="Times New Roman"/>
-              <a:cs typeface="Times New Roman"/>
-            </a:endParaRPr>
+              <a:t>Sequence diagram-1</a:t>
+            </a:r>
           </a:p>
         </p:txBody>
       </p:sp>
@@ -8321,7 +8334,7 @@
         </p:nvSpPr>
         <p:spPr>
           <a:xfrm>
-            <a:off x="549275" y="853081"/>
+            <a:off x="2073275" y="853081"/>
             <a:ext cx="8042276" cy="491754"/>
           </a:xfrm>
         </p:spPr>
@@ -8330,29 +8343,31 @@
           <a:lstStyle/>
           <a:p>
             <a:r>
-              <a:rPr lang="en-US" dirty="0" smtClean="0">
-                <a:latin typeface="Times New Roman"/>
+              <a:rPr lang="en-US" dirty="0">
+                <a:latin typeface="+mj-lt"/>
                 <a:cs typeface="Times New Roman"/>
               </a:rPr>
-              <a:t>Member books a movie for particular schedule.</a:t>
-            </a:r>
-            <a:endParaRPr lang="en-US" dirty="0">
-              <a:latin typeface="Times New Roman"/>
-              <a:cs typeface="Times New Roman"/>
-            </a:endParaRPr>
+              <a:t>Staff creates a movie for particular schedule.</a:t>
+            </a:r>
           </a:p>
         </p:txBody>
       </p:sp>
       <p:pic>
         <p:nvPicPr>
-          <p:cNvPr id="5" name="Picture 4" descr="BookingMovieForParticularSchedule.jpg"/>
+          <p:cNvPr id="6" name="Picture 5">
+            <a:extLst>
+              <a:ext uri="{FF2B5EF4-FFF2-40B4-BE49-F238E27FC236}">
+                <a16:creationId xmlns:a16="http://schemas.microsoft.com/office/drawing/2014/main" id="{EC2CA69B-6A23-425E-8522-77D38380185E}"/>
+              </a:ext>
+            </a:extLst>
+          </p:cNvPr>
           <p:cNvPicPr>
             <a:picLocks noChangeAspect="1"/>
           </p:cNvPicPr>
           <p:nvPr/>
         </p:nvPicPr>
         <p:blipFill>
-          <a:blip r:embed="rId2" cstate="email">
+          <a:blip r:embed="rId2">
             <a:extLst>
               <a:ext uri="{28A0092B-C50C-407E-A947-70E740481C1C}">
                 <a14:useLocalDpi xmlns:a14="http://schemas.microsoft.com/office/drawing/2010/main" val="0"/>
@@ -8365,41 +8380,24 @@
         </p:blipFill>
         <p:spPr>
           <a:xfrm>
-            <a:off x="0" y="1365400"/>
-            <a:ext cx="9144000" cy="5492600"/>
+            <a:off x="333374" y="1321174"/>
+            <a:ext cx="12113663" cy="5706436"/>
           </a:xfrm>
           <a:prstGeom prst="rect">
             <a:avLst/>
           </a:prstGeom>
-          <a:ln>
-            <a:noFill/>
-          </a:ln>
-          <a:effectLst>
-            <a:outerShdw blurRad="292100" dist="139700" dir="2700000" algn="tl" rotWithShape="0">
-              <a:srgbClr val="333333">
-                <a:alpha val="65000"/>
-              </a:srgbClr>
-            </a:outerShdw>
-          </a:effectLst>
         </p:spPr>
       </p:pic>
     </p:spTree>
     <p:extLst>
       <p:ext uri="{BB962C8B-B14F-4D97-AF65-F5344CB8AC3E}">
-        <p14:creationId xmlns:p14="http://schemas.microsoft.com/office/powerpoint/2010/main" val="883199360"/>
+        <p14:creationId xmlns:p14="http://schemas.microsoft.com/office/powerpoint/2010/main" val="1281375179"/>
       </p:ext>
     </p:extLst>
   </p:cSld>
   <p:clrMapOvr>
     <a:masterClrMapping/>
   </p:clrMapOvr>
-  <p:timing>
-    <p:tnLst>
-      <p:par>
-        <p:cTn id="1" dur="indefinite" restart="never" nodeType="tmRoot"/>
-      </p:par>
-    </p:tnLst>
-  </p:timing>
 </p:sld>
 </file>
 
@@ -8417,7 +8415,7 @@
         <a:srgbClr val="212121"/>
       </a:dk2>
       <a:lt2>
-        <a:srgbClr val="EBEBEB"/>
+        <a:srgbClr val="CDD0D1"/>
       </a:lt2>
       <a:accent1>
         <a:srgbClr val="30ACEC"/>
